--- a/Présentation.pptx
+++ b/Présentation.pptx
@@ -7,33 +7,36 @@
     <p:sldMasterId id="2147483652" r:id="rId4"/>
     <p:sldMasterId id="2147483654" r:id="rId5"/>
     <p:sldMasterId id="2147483656" r:id="rId6"/>
-    <p:sldMasterId id="2147483661" r:id="rId7"/>
-    <p:sldMasterId id="2147483663" r:id="rId8"/>
-    <p:sldMasterId id="2147483665" r:id="rId9"/>
-    <p:sldMasterId id="2147483667" r:id="rId10"/>
-    <p:sldMasterId id="2147483669" r:id="rId11"/>
-    <p:sldMasterId id="2147483671" r:id="rId12"/>
+    <p:sldMasterId id="2147483658" r:id="rId7"/>
+    <p:sldMasterId id="2147483660" r:id="rId8"/>
+    <p:sldMasterId id="2147483662" r:id="rId9"/>
+    <p:sldMasterId id="2147483664" r:id="rId10"/>
+    <p:sldMasterId id="2147483666" r:id="rId11"/>
+    <p:sldMasterId id="2147483668" r:id="rId12"/>
+    <p:sldMasterId id="2147483670" r:id="rId13"/>
+    <p:sldMasterId id="2147483672" r:id="rId14"/>
+    <p:sldMasterId id="2147483674" r:id="rId15"/>
   </p:sldMasterIdLst>
   <p:sldIdLst>
-    <p:sldId id="256" r:id="rId13"/>
-    <p:sldId id="257" r:id="rId14"/>
-    <p:sldId id="258" r:id="rId15"/>
-    <p:sldId id="259" r:id="rId16"/>
-    <p:sldId id="260" r:id="rId17"/>
-    <p:sldId id="261" r:id="rId18"/>
-    <p:sldId id="262" r:id="rId19"/>
-    <p:sldId id="263" r:id="rId20"/>
-    <p:sldId id="264" r:id="rId21"/>
-    <p:sldId id="265" r:id="rId22"/>
-    <p:sldId id="266" r:id="rId23"/>
-    <p:sldId id="267" r:id="rId24"/>
-    <p:sldId id="268" r:id="rId25"/>
-    <p:sldId id="269" r:id="rId26"/>
-    <p:sldId id="270" r:id="rId27"/>
-    <p:sldId id="271" r:id="rId28"/>
+    <p:sldId id="256" r:id="rId16"/>
+    <p:sldId id="257" r:id="rId17"/>
+    <p:sldId id="258" r:id="rId18"/>
+    <p:sldId id="259" r:id="rId19"/>
+    <p:sldId id="260" r:id="rId20"/>
+    <p:sldId id="261" r:id="rId21"/>
+    <p:sldId id="262" r:id="rId22"/>
+    <p:sldId id="263" r:id="rId23"/>
+    <p:sldId id="264" r:id="rId24"/>
+    <p:sldId id="265" r:id="rId25"/>
+    <p:sldId id="266" r:id="rId26"/>
+    <p:sldId id="267" r:id="rId27"/>
+    <p:sldId id="268" r:id="rId28"/>
+    <p:sldId id="269" r:id="rId29"/>
+    <p:sldId id="270" r:id="rId30"/>
+    <p:sldId id="271" r:id="rId31"/>
   </p:sldIdLst>
   <p:sldSz cx="9144000" cy="5143500"/>
-  <p:notesSz cx="6858000" cy="9144000"/>
+  <p:notesSz cx="7559675" cy="10691813"/>
 </p:presentation>
 </file>
 
@@ -67,7 +70,7 @@
         <p:spPr>
           <a:xfrm>
             <a:off x="311760" y="744480"/>
-            <a:ext cx="8520120" cy="2052360"/>
+            <a:ext cx="8519760" cy="2052000"/>
           </a:xfrm>
           <a:prstGeom prst="rect">
             <a:avLst/>
@@ -82,10 +85,10 @@
             <a:noAutofit/>
           </a:bodyPr>
           <a:p>
-            <a:pPr indent="0">
+            <a:pPr indent="0" algn="ctr">
               <a:buNone/>
             </a:pPr>
-            <a:endParaRPr b="0" lang="en-GB" sz="1400" spc="-1" strike="noStrike">
+            <a:endParaRPr b="0" lang="en-GB" sz="4400" spc="-1" strike="noStrike">
               <a:solidFill>
                 <a:srgbClr val="000000"/>
               </a:solidFill>
@@ -148,7 +151,7 @@
         <p:txBody>
           <a:bodyPr/>
           <a:p>
-            <a:fld id="{3A679735-002D-4CAB-B2D3-D51F2BE6F685}" type="slidenum">
+            <a:fld id="{F7BBCD1C-C95A-490C-A431-4A1787A55C6E}" type="slidenum">
               <a:t>&lt;#&gt;</a:t>
             </a:fld>
           </a:p>
@@ -178,7 +181,7 @@
       </p:grpSpPr>
       <p:sp>
         <p:nvSpPr>
-          <p:cNvPr id="32" name="PlaceHolder 1"/>
+          <p:cNvPr id="40" name="PlaceHolder 1"/>
           <p:cNvSpPr>
             <a:spLocks noGrp="1"/>
           </p:cNvSpPr>
@@ -189,7 +192,7 @@
         <p:spPr>
           <a:xfrm>
             <a:off x="311760" y="744480"/>
-            <a:ext cx="8520120" cy="2052360"/>
+            <a:ext cx="8519760" cy="2052000"/>
           </a:xfrm>
           <a:prstGeom prst="rect">
             <a:avLst/>
@@ -204,10 +207,10 @@
             <a:noAutofit/>
           </a:bodyPr>
           <a:p>
-            <a:pPr indent="0">
+            <a:pPr indent="0" algn="ctr">
               <a:buNone/>
             </a:pPr>
-            <a:endParaRPr b="0" lang="en-GB" sz="1400" spc="-1" strike="noStrike">
+            <a:endParaRPr b="0" lang="en-GB" sz="4400" spc="-1" strike="noStrike">
               <a:solidFill>
                 <a:srgbClr val="000000"/>
               </a:solidFill>
@@ -223,14 +226,14 @@
             <a:spLocks noGrp="1"/>
           </p:cNvSpPr>
           <p:nvPr>
-            <p:ph type="sldNum" idx="7"/>
+            <p:ph type="sldNum" idx="10"/>
           </p:nvPr>
         </p:nvSpPr>
         <p:spPr/>
         <p:txBody>
           <a:bodyPr/>
           <a:p>
-            <a:fld id="{7C360478-9016-4DC9-B8DA-6F2907023907}" type="slidenum">
+            <a:fld id="{E4DFB27B-DEA1-4269-B518-F94A9D1318AB}" type="slidenum">
               <a:t>&lt;#&gt;</a:t>
             </a:fld>
           </a:p>
@@ -265,14 +268,14 @@
             <a:spLocks noGrp="1"/>
           </p:cNvSpPr>
           <p:nvPr>
-            <p:ph type="sldNum" idx="8"/>
+            <p:ph type="sldNum" idx="11"/>
           </p:nvPr>
         </p:nvSpPr>
         <p:spPr/>
         <p:txBody>
           <a:bodyPr/>
           <a:p>
-            <a:fld id="{E5F76D6A-D7E8-4446-9D03-813A48839ED8}" type="slidenum">
+            <a:fld id="{9B7AAC9F-DA98-4589-A16F-5E0CE22D66BC}" type="slidenum">
               <a:t>&lt;#&gt;</a:t>
             </a:fld>
           </a:p>
@@ -307,14 +310,14 @@
             <a:spLocks noGrp="1"/>
           </p:cNvSpPr>
           <p:nvPr>
-            <p:ph type="sldNum" idx="9"/>
+            <p:ph type="sldNum" idx="12"/>
           </p:nvPr>
         </p:nvSpPr>
         <p:spPr/>
         <p:txBody>
           <a:bodyPr/>
           <a:p>
-            <a:fld id="{AC1DFDF7-2CC5-4546-A996-0861E703E36E}" type="slidenum">
+            <a:fld id="{E789334E-010F-4CC7-AC9E-A4C30330EDC4}" type="slidenum">
               <a:t>&lt;#&gt;</a:t>
             </a:fld>
           </a:p>
@@ -349,14 +352,14 @@
             <a:spLocks noGrp="1"/>
           </p:cNvSpPr>
           <p:nvPr>
-            <p:ph type="sldNum" idx="10"/>
+            <p:ph type="sldNum" idx="13"/>
           </p:nvPr>
         </p:nvSpPr>
         <p:spPr/>
         <p:txBody>
           <a:bodyPr/>
           <a:p>
-            <a:fld id="{8CA5F671-DB6B-461B-ADAC-53048F259401}" type="slidenum">
+            <a:fld id="{DEDE9B4F-5CE8-42F8-840A-D82A67BD9CE3}" type="slidenum">
               <a:t>&lt;#&gt;</a:t>
             </a:fld>
           </a:p>
@@ -391,14 +394,14 @@
             <a:spLocks noGrp="1"/>
           </p:cNvSpPr>
           <p:nvPr>
-            <p:ph type="sldNum" idx="11"/>
+            <p:ph type="sldNum" idx="14"/>
           </p:nvPr>
         </p:nvSpPr>
         <p:spPr/>
         <p:txBody>
           <a:bodyPr/>
           <a:p>
-            <a:fld id="{2F5D60C2-7E7E-48D3-8C6D-60C6B30D19BB}" type="slidenum">
+            <a:fld id="{F8A20F85-5787-49C7-AE2D-2A143E89D005}" type="slidenum">
               <a:t>&lt;#&gt;</a:t>
             </a:fld>
           </a:p>
@@ -440,7 +443,7 @@
         <p:txBody>
           <a:bodyPr/>
           <a:p>
-            <a:fld id="{3B1F060C-9721-4547-8063-C561C588A7DA}" type="slidenum">
+            <a:fld id="{ADA34143-E357-4E52-AC81-34C977285D7A}" type="slidenum">
               <a:t>&lt;#&gt;</a:t>
             </a:fld>
           </a:p>
@@ -482,7 +485,7 @@
         <p:txBody>
           <a:bodyPr/>
           <a:p>
-            <a:fld id="{24C58919-A6CB-45DC-BBE8-473E47D2D07C}" type="slidenum">
+            <a:fld id="{28EFE9AD-265C-409E-A145-9710B625F425}" type="slidenum">
               <a:t>&lt;#&gt;</a:t>
             </a:fld>
           </a:p>
@@ -524,7 +527,7 @@
         <p:txBody>
           <a:bodyPr/>
           <a:p>
-            <a:fld id="{E812B261-F607-4BD5-920B-54C83D266EFC}" type="slidenum">
+            <a:fld id="{9A55A4F5-520B-459D-A0A9-CB62855A06EA}" type="slidenum">
               <a:t>&lt;#&gt;</a:t>
             </a:fld>
           </a:p>
@@ -554,7 +557,7 @@
       </p:grpSpPr>
       <p:sp>
         <p:nvSpPr>
-          <p:cNvPr id="14" name="PlaceHolder 1"/>
+          <p:cNvPr id="11" name="PlaceHolder 1"/>
           <p:cNvSpPr>
             <a:spLocks noGrp="1"/>
           </p:cNvSpPr>
@@ -565,7 +568,7 @@
         <p:spPr>
           <a:xfrm>
             <a:off x="311760" y="744480"/>
-            <a:ext cx="8520120" cy="2052360"/>
+            <a:ext cx="8519760" cy="2052000"/>
           </a:xfrm>
           <a:prstGeom prst="rect">
             <a:avLst/>
@@ -580,10 +583,10 @@
             <a:noAutofit/>
           </a:bodyPr>
           <a:p>
-            <a:pPr indent="0">
+            <a:pPr indent="0" algn="ctr">
               <a:buNone/>
             </a:pPr>
-            <a:endParaRPr b="0" lang="en-GB" sz="1400" spc="-1" strike="noStrike">
+            <a:endParaRPr b="0" lang="en-GB" sz="4400" spc="-1" strike="noStrike">
               <a:solidFill>
                 <a:srgbClr val="000000"/>
               </a:solidFill>
@@ -594,7 +597,7 @@
       </p:sp>
       <p:sp>
         <p:nvSpPr>
-          <p:cNvPr id="15" name="PlaceHolder 2"/>
+          <p:cNvPr id="12" name="PlaceHolder 2"/>
           <p:cNvSpPr>
             <a:spLocks noGrp="1"/>
           </p:cNvSpPr>
@@ -626,7 +629,7 @@
               </a:spcBef>
               <a:buNone/>
             </a:pPr>
-            <a:endParaRPr b="0" lang="en-GB" sz="1400" spc="-1" strike="noStrike">
+            <a:endParaRPr b="0" lang="en-GB" sz="3200" spc="-1" strike="noStrike">
               <a:solidFill>
                 <a:srgbClr val="000000"/>
               </a:solidFill>
@@ -649,7 +652,7 @@
         <p:txBody>
           <a:bodyPr/>
           <a:p>
-            <a:fld id="{EA1E141A-5361-428C-9465-40B984CF0398}" type="slidenum">
+            <a:fld id="{8BA0C1C8-3880-41C9-89D0-350CBD132EB2}" type="slidenum">
               <a:t>&lt;#&gt;</a:t>
             </a:fld>
           </a:p>
@@ -662,7 +665,7 @@
 
 <file path=ppt/slideLayouts/slideLayout6.xml><?xml version="1.0" encoding="utf-8"?>
 <p:sldLayout xmlns:a="http://schemas.openxmlformats.org/drawingml/2006/main" xmlns:p="http://schemas.openxmlformats.org/presentationml/2006/main" xmlns:r="http://schemas.openxmlformats.org/officeDocument/2006/relationships" xmlns:p14="http://schemas.microsoft.com/office/powerpoint/2010/main" xmlns:p15="http://schemas.microsoft.com/office/powerpoint/2012/main" xmlns:mc="http://schemas.openxmlformats.org/markup-compatibility/2006" type="titleOnly" preserve="1">
-  <p:cSld name="TITLE_AND_BODY">
+  <p:cSld name="Default">
     <p:spTree>
       <p:nvGrpSpPr>
         <p:cNvPr id="1" name=""/>
@@ -690,7 +693,7 @@
         <p:spPr>
           <a:xfrm>
             <a:off x="311760" y="744480"/>
-            <a:ext cx="8520120" cy="2052360"/>
+            <a:ext cx="8519760" cy="2052000"/>
           </a:xfrm>
           <a:prstGeom prst="rect">
             <a:avLst/>
@@ -705,10 +708,10 @@
             <a:noAutofit/>
           </a:bodyPr>
           <a:p>
-            <a:pPr indent="0">
+            <a:pPr indent="0" algn="ctr">
               <a:buNone/>
             </a:pPr>
-            <a:endParaRPr b="0" lang="en-GB" sz="1400" spc="-1" strike="noStrike">
+            <a:endParaRPr b="0" lang="en-GB" sz="4400" spc="-1" strike="noStrike">
               <a:solidFill>
                 <a:srgbClr val="000000"/>
               </a:solidFill>
@@ -724,14 +727,14 @@
             <a:spLocks noGrp="1"/>
           </p:cNvSpPr>
           <p:nvPr>
-            <p:ph type="sldNum" idx="5"/>
+            <p:ph type="sldNum" idx="6"/>
           </p:nvPr>
         </p:nvSpPr>
         <p:spPr/>
         <p:txBody>
           <a:bodyPr/>
           <a:p>
-            <a:fld id="{24ABC90C-6EAE-426E-8147-4E6E6039E418}" type="slidenum">
+            <a:fld id="{79A6B461-503D-46C6-81B7-6C1D1D71F9BE}" type="slidenum">
               <a:t>&lt;#&gt;</a:t>
             </a:fld>
           </a:p>
@@ -744,7 +747,7 @@
 
 <file path=ppt/slideLayouts/slideLayout7.xml><?xml version="1.0" encoding="utf-8"?>
 <p:sldLayout xmlns:a="http://schemas.openxmlformats.org/drawingml/2006/main" xmlns:p="http://schemas.openxmlformats.org/presentationml/2006/main" xmlns:r="http://schemas.openxmlformats.org/officeDocument/2006/relationships" xmlns:p14="http://schemas.microsoft.com/office/powerpoint/2010/main" xmlns:p15="http://schemas.microsoft.com/office/powerpoint/2012/main" xmlns:mc="http://schemas.openxmlformats.org/markup-compatibility/2006" type="twoObj" preserve="1">
-  <p:cSld name="TITLE_AND_BODY">
+  <p:cSld name="Default 1">
     <p:spTree>
       <p:nvGrpSpPr>
         <p:cNvPr id="1" name=""/>
@@ -761,7 +764,7 @@
       </p:grpSpPr>
       <p:sp>
         <p:nvSpPr>
-          <p:cNvPr id="17" name="PlaceHolder 1"/>
+          <p:cNvPr id="21" name="PlaceHolder 1"/>
           <p:cNvSpPr>
             <a:spLocks noGrp="1"/>
           </p:cNvSpPr>
@@ -772,7 +775,7 @@
         <p:spPr>
           <a:xfrm>
             <a:off x="311760" y="744480"/>
-            <a:ext cx="8520120" cy="2052360"/>
+            <a:ext cx="8519760" cy="2052000"/>
           </a:xfrm>
           <a:prstGeom prst="rect">
             <a:avLst/>
@@ -787,10 +790,10 @@
             <a:noAutofit/>
           </a:bodyPr>
           <a:p>
-            <a:pPr indent="0">
+            <a:pPr indent="0" algn="ctr">
               <a:buNone/>
             </a:pPr>
-            <a:endParaRPr b="0" lang="en-GB" sz="1400" spc="-1" strike="noStrike">
+            <a:endParaRPr b="0" lang="en-GB" sz="4400" spc="-1" strike="noStrike">
               <a:solidFill>
                 <a:srgbClr val="000000"/>
               </a:solidFill>
@@ -801,7 +804,7 @@
       </p:sp>
       <p:sp>
         <p:nvSpPr>
-          <p:cNvPr id="18" name="PlaceHolder 2"/>
+          <p:cNvPr id="22" name="PlaceHolder 2"/>
           <p:cNvSpPr>
             <a:spLocks noGrp="1"/>
           </p:cNvSpPr>
@@ -833,7 +836,7 @@
               </a:spcBef>
               <a:buNone/>
             </a:pPr>
-            <a:endParaRPr b="0" lang="en-GB" sz="1400" spc="-1" strike="noStrike">
+            <a:endParaRPr b="0" lang="en-GB" sz="3200" spc="-1" strike="noStrike">
               <a:solidFill>
                 <a:srgbClr val="000000"/>
               </a:solidFill>
@@ -844,7 +847,7 @@
       </p:sp>
       <p:sp>
         <p:nvSpPr>
-          <p:cNvPr id="19" name="PlaceHolder 3"/>
+          <p:cNvPr id="23" name="PlaceHolder 3"/>
           <p:cNvSpPr>
             <a:spLocks noGrp="1"/>
           </p:cNvSpPr>
@@ -876,7 +879,7 @@
               </a:spcBef>
               <a:buNone/>
             </a:pPr>
-            <a:endParaRPr b="0" lang="en-GB" sz="1400" spc="-1" strike="noStrike">
+            <a:endParaRPr b="0" lang="en-GB" sz="3200" spc="-1" strike="noStrike">
               <a:solidFill>
                 <a:srgbClr val="000000"/>
               </a:solidFill>
@@ -892,14 +895,14 @@
             <a:spLocks noGrp="1"/>
           </p:cNvSpPr>
           <p:nvPr>
-            <p:ph type="sldNum" idx="5"/>
+            <p:ph type="sldNum" idx="7"/>
           </p:nvPr>
         </p:nvSpPr>
         <p:spPr/>
         <p:txBody>
           <a:bodyPr/>
           <a:p>
-            <a:fld id="{B06B0C45-8DD7-4DAC-9BB9-B863199D69BC}" type="slidenum">
+            <a:fld id="{2D799A4C-73F2-417D-9562-CFD0A9B96898}" type="slidenum">
               <a:t>&lt;#&gt;</a:t>
             </a:fld>
           </a:p>
@@ -912,7 +915,7 @@
 
 <file path=ppt/slideLayouts/slideLayout8.xml><?xml version="1.0" encoding="utf-8"?>
 <p:sldLayout xmlns:a="http://schemas.openxmlformats.org/drawingml/2006/main" xmlns:p="http://schemas.openxmlformats.org/presentationml/2006/main" xmlns:r="http://schemas.openxmlformats.org/officeDocument/2006/relationships" xmlns:p14="http://schemas.microsoft.com/office/powerpoint/2010/main" xmlns:p15="http://schemas.microsoft.com/office/powerpoint/2012/main" xmlns:mc="http://schemas.openxmlformats.org/markup-compatibility/2006" type="objOverTx" preserve="1">
-  <p:cSld name="TITLE_AND_BODY">
+  <p:cSld name="Default 2">
     <p:spTree>
       <p:nvGrpSpPr>
         <p:cNvPr id="1" name=""/>
@@ -929,7 +932,7 @@
       </p:grpSpPr>
       <p:sp>
         <p:nvSpPr>
-          <p:cNvPr id="20" name="PlaceHolder 1"/>
+          <p:cNvPr id="28" name="PlaceHolder 1"/>
           <p:cNvSpPr>
             <a:spLocks noGrp="1"/>
           </p:cNvSpPr>
@@ -940,7 +943,7 @@
         <p:spPr>
           <a:xfrm>
             <a:off x="311760" y="744480"/>
-            <a:ext cx="8520120" cy="2052360"/>
+            <a:ext cx="8519760" cy="2052000"/>
           </a:xfrm>
           <a:prstGeom prst="rect">
             <a:avLst/>
@@ -955,10 +958,10 @@
             <a:noAutofit/>
           </a:bodyPr>
           <a:p>
-            <a:pPr indent="0">
+            <a:pPr indent="0" algn="ctr">
               <a:buNone/>
             </a:pPr>
-            <a:endParaRPr b="0" lang="en-GB" sz="1400" spc="-1" strike="noStrike">
+            <a:endParaRPr b="0" lang="en-GB" sz="4400" spc="-1" strike="noStrike">
               <a:solidFill>
                 <a:srgbClr val="000000"/>
               </a:solidFill>
@@ -969,7 +972,7 @@
       </p:sp>
       <p:sp>
         <p:nvSpPr>
-          <p:cNvPr id="21" name="PlaceHolder 2"/>
+          <p:cNvPr id="29" name="PlaceHolder 2"/>
           <p:cNvSpPr>
             <a:spLocks noGrp="1"/>
           </p:cNvSpPr>
@@ -1001,7 +1004,7 @@
               </a:spcBef>
               <a:buNone/>
             </a:pPr>
-            <a:endParaRPr b="0" lang="en-GB" sz="1400" spc="-1" strike="noStrike">
+            <a:endParaRPr b="0" lang="en-GB" sz="3200" spc="-1" strike="noStrike">
               <a:solidFill>
                 <a:srgbClr val="000000"/>
               </a:solidFill>
@@ -1012,7 +1015,7 @@
       </p:sp>
       <p:sp>
         <p:nvSpPr>
-          <p:cNvPr id="22" name="PlaceHolder 3"/>
+          <p:cNvPr id="30" name="PlaceHolder 3"/>
           <p:cNvSpPr>
             <a:spLocks noGrp="1"/>
           </p:cNvSpPr>
@@ -1044,7 +1047,7 @@
               </a:spcBef>
               <a:buNone/>
             </a:pPr>
-            <a:endParaRPr b="0" lang="en-GB" sz="1400" spc="-1" strike="noStrike">
+            <a:endParaRPr b="0" lang="en-GB" sz="3200" spc="-1" strike="noStrike">
               <a:solidFill>
                 <a:srgbClr val="000000"/>
               </a:solidFill>
@@ -1060,14 +1063,14 @@
             <a:spLocks noGrp="1"/>
           </p:cNvSpPr>
           <p:nvPr>
-            <p:ph type="sldNum" idx="5"/>
+            <p:ph type="sldNum" idx="8"/>
           </p:nvPr>
         </p:nvSpPr>
         <p:spPr/>
         <p:txBody>
           <a:bodyPr/>
           <a:p>
-            <a:fld id="{411C73BB-85B7-401D-940D-824DF2A0C2E2}" type="slidenum">
+            <a:fld id="{166E140A-9FF6-48A5-8D94-A79658C2DEBC}" type="slidenum">
               <a:t>&lt;#&gt;</a:t>
             </a:fld>
           </a:p>
@@ -1097,7 +1100,7 @@
       </p:grpSpPr>
       <p:sp>
         <p:nvSpPr>
-          <p:cNvPr id="27" name="PlaceHolder 1"/>
+          <p:cNvPr id="35" name="PlaceHolder 1"/>
           <p:cNvSpPr>
             <a:spLocks noGrp="1"/>
           </p:cNvSpPr>
@@ -1108,7 +1111,7 @@
         <p:spPr>
           <a:xfrm>
             <a:off x="311760" y="744480"/>
-            <a:ext cx="8520120" cy="2052360"/>
+            <a:ext cx="8519760" cy="2052000"/>
           </a:xfrm>
           <a:prstGeom prst="rect">
             <a:avLst/>
@@ -1123,10 +1126,10 @@
             <a:noAutofit/>
           </a:bodyPr>
           <a:p>
-            <a:pPr indent="0">
+            <a:pPr indent="0" algn="ctr">
               <a:buNone/>
             </a:pPr>
-            <a:endParaRPr b="0" lang="en-GB" sz="1400" spc="-1" strike="noStrike">
+            <a:endParaRPr b="0" lang="en-GB" sz="4400" spc="-1" strike="noStrike">
               <a:solidFill>
                 <a:srgbClr val="000000"/>
               </a:solidFill>
@@ -1137,7 +1140,7 @@
       </p:sp>
       <p:sp>
         <p:nvSpPr>
-          <p:cNvPr id="28" name="PlaceHolder 2"/>
+          <p:cNvPr id="36" name="PlaceHolder 2"/>
           <p:cNvSpPr>
             <a:spLocks noGrp="1"/>
           </p:cNvSpPr>
@@ -1169,7 +1172,7 @@
               </a:spcBef>
               <a:buNone/>
             </a:pPr>
-            <a:endParaRPr b="0" lang="en-GB" sz="1400" spc="-1" strike="noStrike">
+            <a:endParaRPr b="0" lang="en-GB" sz="3200" spc="-1" strike="noStrike">
               <a:solidFill>
                 <a:srgbClr val="000000"/>
               </a:solidFill>
@@ -1180,7 +1183,7 @@
       </p:sp>
       <p:sp>
         <p:nvSpPr>
-          <p:cNvPr id="29" name="PlaceHolder 3"/>
+          <p:cNvPr id="37" name="PlaceHolder 3"/>
           <p:cNvSpPr>
             <a:spLocks noGrp="1"/>
           </p:cNvSpPr>
@@ -1212,7 +1215,7 @@
               </a:spcBef>
               <a:buNone/>
             </a:pPr>
-            <a:endParaRPr b="0" lang="en-GB" sz="1400" spc="-1" strike="noStrike">
+            <a:endParaRPr b="0" lang="en-GB" sz="3200" spc="-1" strike="noStrike">
               <a:solidFill>
                 <a:srgbClr val="000000"/>
               </a:solidFill>
@@ -1228,14 +1231,14 @@
             <a:spLocks noGrp="1"/>
           </p:cNvSpPr>
           <p:nvPr>
-            <p:ph type="sldNum" idx="6"/>
+            <p:ph type="sldNum" idx="9"/>
           </p:nvPr>
         </p:nvSpPr>
         <p:spPr/>
         <p:txBody>
           <a:bodyPr/>
           <a:p>
-            <a:fld id="{61DA6A04-9F19-49DD-89C8-7F2B50F13F14}" type="slidenum">
+            <a:fld id="{C1E59160-C543-49D1-A97A-75C37B17CC7E}" type="slidenum">
               <a:t>&lt;#&gt;</a:t>
             </a:fld>
           </a:p>
@@ -1283,7 +1286,7 @@
         <p:spPr>
           <a:xfrm>
             <a:off x="311760" y="744480"/>
-            <a:ext cx="8520120" cy="2052360"/>
+            <a:ext cx="8519760" cy="2052000"/>
           </a:xfrm>
           <a:prstGeom prst="rect">
             <a:avLst/>
@@ -1294,15 +1297,15 @@
           </a:ln>
         </p:spPr>
         <p:txBody>
-          <a:bodyPr lIns="91440" rIns="91440" tIns="91440" bIns="91440" anchor="b">
-            <a:normAutofit/>
+          <a:bodyPr lIns="0" rIns="0" tIns="0" bIns="0" anchor="ctr">
+            <a:noAutofit/>
           </a:bodyPr>
           <a:p>
             <a:pPr indent="0">
               <a:buNone/>
             </a:pPr>
             <a:r>
-              <a:rPr b="0" lang="en-GB" sz="5200" spc="-1" strike="noStrike">
+              <a:rPr b="0" lang="en-GB" sz="1800" spc="-1" strike="noStrike">
                 <a:solidFill>
                   <a:srgbClr val="000000"/>
                 </a:solidFill>
@@ -1310,7 +1313,7 @@
               </a:rPr>
               <a:t>Click to edit the title text format</a:t>
             </a:r>
-            <a:endParaRPr b="0" lang="en-GB" sz="5200" spc="-1" strike="noStrike">
+            <a:endParaRPr b="0" lang="en-GB" sz="1800" spc="-1" strike="noStrike">
               <a:solidFill>
                 <a:srgbClr val="000000"/>
               </a:solidFill>
@@ -1332,7 +1335,7 @@
         <p:spPr>
           <a:xfrm>
             <a:off x="8472600" y="4663080"/>
-            <a:ext cx="548280" cy="393120"/>
+            <a:ext cx="547920" cy="392760"/>
           </a:xfrm>
           <a:prstGeom prst="rect">
             <a:avLst/>
@@ -1344,7 +1347,7 @@
         </p:spPr>
         <p:txBody>
           <a:bodyPr lIns="91440" rIns="91440" tIns="91440" bIns="91440" anchor="ctr">
-            <a:normAutofit/>
+            <a:noAutofit/>
           </a:bodyPr>
           <a:lstStyle>
             <a:lvl1pPr indent="0" algn="r">
@@ -1374,7 +1377,7 @@
                 <a:tab algn="l" pos="0"/>
               </a:tabLst>
             </a:pPr>
-            <a:fld id="{55DF5B31-6B53-43E1-A575-A3EB04D102A9}" type="slidenum">
+            <a:fld id="{CFC94C1B-7767-4332-8EC7-2DAA030BD25C}" type="slidenum">
               <a:rPr b="0" lang="fr" sz="1000" spc="-1" strike="noStrike">
                 <a:solidFill>
                   <a:schemeClr val="dk2"/>
@@ -1382,7 +1385,7 @@
                 <a:latin typeface="Arial"/>
                 <a:ea typeface="Arial"/>
               </a:rPr>
-              <a:t>&lt;number&gt;</a:t>
+              <a:t>10</a:t>
             </a:fld>
             <a:endParaRPr b="0" lang="en-GB" sz="1000" spc="-1" strike="noStrike">
               <a:solidFill>
@@ -1433,7 +1436,7 @@
               <a:buChar char=""/>
             </a:pPr>
             <a:r>
-              <a:rPr b="0" lang="en-GB" sz="1400" spc="-1" strike="noStrike">
+              <a:rPr b="0" lang="en-GB" sz="3200" spc="-1" strike="noStrike">
                 <a:solidFill>
                   <a:srgbClr val="000000"/>
                 </a:solidFill>
@@ -1441,7 +1444,7 @@
               </a:rPr>
               <a:t>Click to edit the outline text format</a:t>
             </a:r>
-            <a:endParaRPr b="0" lang="en-GB" sz="1400" spc="-1" strike="noStrike">
+            <a:endParaRPr b="0" lang="en-GB" sz="3200" spc="-1" strike="noStrike">
               <a:solidFill>
                 <a:srgbClr val="000000"/>
               </a:solidFill>
@@ -1461,7 +1464,7 @@
               <a:buChar char=""/>
             </a:pPr>
             <a:r>
-              <a:rPr b="0" lang="en-GB" sz="1400" spc="-1" strike="noStrike">
+              <a:rPr b="0" lang="en-GB" sz="2800" spc="-1" strike="noStrike">
                 <a:solidFill>
                   <a:srgbClr val="000000"/>
                 </a:solidFill>
@@ -1469,7 +1472,7 @@
               </a:rPr>
               <a:t>Second Outline Level</a:t>
             </a:r>
-            <a:endParaRPr b="0" lang="en-GB" sz="1400" spc="-1" strike="noStrike">
+            <a:endParaRPr b="0" lang="en-GB" sz="2800" spc="-1" strike="noStrike">
               <a:solidFill>
                 <a:srgbClr val="000000"/>
               </a:solidFill>
@@ -1489,7 +1492,7 @@
               <a:buChar char=""/>
             </a:pPr>
             <a:r>
-              <a:rPr b="0" lang="en-GB" sz="1400" spc="-1" strike="noStrike">
+              <a:rPr b="0" lang="en-GB" sz="2400" spc="-1" strike="noStrike">
                 <a:solidFill>
                   <a:srgbClr val="000000"/>
                 </a:solidFill>
@@ -1497,7 +1500,7 @@
               </a:rPr>
               <a:t>Third Outline Level</a:t>
             </a:r>
-            <a:endParaRPr b="0" lang="en-GB" sz="1400" spc="-1" strike="noStrike">
+            <a:endParaRPr b="0" lang="en-GB" sz="2400" spc="-1" strike="noStrike">
               <a:solidFill>
                 <a:srgbClr val="000000"/>
               </a:solidFill>
@@ -1517,7 +1520,7 @@
               <a:buChar char=""/>
             </a:pPr>
             <a:r>
-              <a:rPr b="0" lang="en-GB" sz="1400" spc="-1" strike="noStrike">
+              <a:rPr b="0" lang="en-GB" sz="2000" spc="-1" strike="noStrike">
                 <a:solidFill>
                   <a:srgbClr val="000000"/>
                 </a:solidFill>
@@ -1525,7 +1528,7 @@
               </a:rPr>
               <a:t>Fourth Outline Level</a:t>
             </a:r>
-            <a:endParaRPr b="0" lang="en-GB" sz="1400" spc="-1" strike="noStrike">
+            <a:endParaRPr b="0" lang="en-GB" sz="2000" spc="-1" strike="noStrike">
               <a:solidFill>
                 <a:srgbClr val="000000"/>
               </a:solidFill>
@@ -1653,56 +1656,7 @@
       </p:grpSpPr>
       <p:sp>
         <p:nvSpPr>
-          <p:cNvPr id="38" name="Google Shape;36;p9"/>
-          <p:cNvSpPr/>
-          <p:nvPr/>
-        </p:nvSpPr>
-        <p:spPr>
-          <a:xfrm>
-            <a:off x="4572000" y="0"/>
-            <a:ext cx="4571640" cy="5143320"/>
-          </a:xfrm>
-          <a:prstGeom prst="rect">
-            <a:avLst/>
-          </a:prstGeom>
-          <a:solidFill>
-            <a:schemeClr val="lt2"/>
-          </a:solidFill>
-          <a:ln w="0">
-            <a:noFill/>
-          </a:ln>
-        </p:spPr>
-        <p:style>
-          <a:lnRef idx="0"/>
-          <a:fillRef idx="0"/>
-          <a:effectRef idx="0"/>
-          <a:fontRef idx="minor"/>
-        </p:style>
-        <p:txBody>
-          <a:bodyPr tIns="91440" bIns="91440" anchor="ctr">
-            <a:noAutofit/>
-          </a:bodyPr>
-          <a:p>
-            <a:pPr>
-              <a:lnSpc>
-                <a:spcPct val="100000"/>
-              </a:lnSpc>
-              <a:tabLst>
-                <a:tab algn="l" pos="0"/>
-              </a:tabLst>
-            </a:pPr>
-            <a:endParaRPr b="0" lang="en-GB" sz="1400" spc="-1" strike="noStrike">
-              <a:solidFill>
-                <a:srgbClr val="000000"/>
-              </a:solidFill>
-              <a:latin typeface="Arial"/>
-            </a:endParaRPr>
-          </a:p>
-        </p:txBody>
-      </p:sp>
-      <p:sp>
-        <p:nvSpPr>
-          <p:cNvPr id="39" name="PlaceHolder 1"/>
+          <p:cNvPr id="38" name="PlaceHolder 1"/>
           <p:cNvSpPr>
             <a:spLocks noGrp="1"/>
           </p:cNvSpPr>
@@ -1712,8 +1666,8 @@
         </p:nvSpPr>
         <p:spPr>
           <a:xfrm>
-            <a:off x="265680" y="1233000"/>
-            <a:ext cx="4044960" cy="1482120"/>
+            <a:off x="311760" y="744480"/>
+            <a:ext cx="8519760" cy="2052000"/>
           </a:xfrm>
           <a:prstGeom prst="rect">
             <a:avLst/>
@@ -1724,15 +1678,15 @@
           </a:ln>
         </p:spPr>
         <p:txBody>
-          <a:bodyPr lIns="91440" rIns="91440" tIns="91440" bIns="91440" anchor="b">
-            <a:normAutofit/>
+          <a:bodyPr lIns="0" rIns="0" tIns="0" bIns="0" anchor="ctr">
+            <a:noAutofit/>
           </a:bodyPr>
           <a:p>
             <a:pPr indent="0">
               <a:buNone/>
             </a:pPr>
             <a:r>
-              <a:rPr b="0" lang="en-GB" sz="4200" spc="-1" strike="noStrike">
+              <a:rPr b="0" lang="en-GB" sz="1800" spc="-1" strike="noStrike">
                 <a:solidFill>
                   <a:srgbClr val="000000"/>
                 </a:solidFill>
@@ -1740,7 +1694,7 @@
               </a:rPr>
               <a:t>Click to edit the title text format</a:t>
             </a:r>
-            <a:endParaRPr b="0" lang="en-GB" sz="4200" spc="-1" strike="noStrike">
+            <a:endParaRPr b="0" lang="en-GB" sz="1800" spc="-1" strike="noStrike">
               <a:solidFill>
                 <a:srgbClr val="000000"/>
               </a:solidFill>
@@ -1751,18 +1705,18 @@
       </p:sp>
       <p:sp>
         <p:nvSpPr>
-          <p:cNvPr id="40" name="PlaceHolder 2"/>
+          <p:cNvPr id="39" name="PlaceHolder 2"/>
           <p:cNvSpPr>
             <a:spLocks noGrp="1"/>
           </p:cNvSpPr>
           <p:nvPr>
-            <p:ph type="body"/>
+            <p:ph type="sldNum" idx="10"/>
           </p:nvPr>
         </p:nvSpPr>
         <p:spPr>
           <a:xfrm>
-            <a:off x="4939560" y="723960"/>
-            <a:ext cx="3836520" cy="3694680"/>
+            <a:off x="8472600" y="4663080"/>
+            <a:ext cx="547920" cy="392760"/>
           </a:xfrm>
           <a:prstGeom prst="rect">
             <a:avLst/>
@@ -1774,232 +1728,7 @@
         </p:spPr>
         <p:txBody>
           <a:bodyPr lIns="91440" rIns="91440" tIns="91440" bIns="91440" anchor="ctr">
-            <a:normAutofit fontScale="87222" lnSpcReduction="10000"/>
-          </a:bodyPr>
-          <a:p>
-            <a:pPr marL="432000" indent="-324000">
-              <a:spcBef>
-                <a:spcPts val="1417"/>
-              </a:spcBef>
-              <a:buClr>
-                <a:srgbClr val="000000"/>
-              </a:buClr>
-              <a:buSzPct val="45000"/>
-              <a:buFont typeface="Wingdings" charset="2"/>
-              <a:buChar char=""/>
-            </a:pPr>
-            <a:r>
-              <a:rPr b="0" lang="en-GB" sz="1800" spc="-1" strike="noStrike">
-                <a:solidFill>
-                  <a:srgbClr val="000000"/>
-                </a:solidFill>
-                <a:latin typeface="Arial"/>
-              </a:rPr>
-              <a:t>Click to edit the outline text format</a:t>
-            </a:r>
-            <a:endParaRPr b="0" lang="en-GB" sz="1800" spc="-1" strike="noStrike">
-              <a:solidFill>
-                <a:srgbClr val="000000"/>
-              </a:solidFill>
-              <a:latin typeface="Arial"/>
-            </a:endParaRPr>
-          </a:p>
-          <a:p>
-            <a:pPr lvl="1" marL="864000" indent="-324000">
-              <a:spcBef>
-                <a:spcPts val="1134"/>
-              </a:spcBef>
-              <a:buClr>
-                <a:srgbClr val="000000"/>
-              </a:buClr>
-              <a:buSzPct val="75000"/>
-              <a:buFont typeface="Symbol" charset="2"/>
-              <a:buChar char=""/>
-            </a:pPr>
-            <a:r>
-              <a:rPr b="0" lang="en-GB" sz="1800" spc="-1" strike="noStrike">
-                <a:solidFill>
-                  <a:srgbClr val="000000"/>
-                </a:solidFill>
-                <a:latin typeface="Arial"/>
-              </a:rPr>
-              <a:t>Second Outline Level</a:t>
-            </a:r>
-            <a:endParaRPr b="0" lang="en-GB" sz="1800" spc="-1" strike="noStrike">
-              <a:solidFill>
-                <a:srgbClr val="000000"/>
-              </a:solidFill>
-              <a:latin typeface="Arial"/>
-            </a:endParaRPr>
-          </a:p>
-          <a:p>
-            <a:pPr lvl="2" marL="1296000" indent="-288000">
-              <a:spcBef>
-                <a:spcPts val="850"/>
-              </a:spcBef>
-              <a:buClr>
-                <a:srgbClr val="000000"/>
-              </a:buClr>
-              <a:buSzPct val="45000"/>
-              <a:buFont typeface="Wingdings" charset="2"/>
-              <a:buChar char=""/>
-            </a:pPr>
-            <a:r>
-              <a:rPr b="0" lang="en-GB" sz="1800" spc="-1" strike="noStrike">
-                <a:solidFill>
-                  <a:srgbClr val="000000"/>
-                </a:solidFill>
-                <a:latin typeface="Arial"/>
-              </a:rPr>
-              <a:t>Third Outline Level</a:t>
-            </a:r>
-            <a:endParaRPr b="0" lang="en-GB" sz="1800" spc="-1" strike="noStrike">
-              <a:solidFill>
-                <a:srgbClr val="000000"/>
-              </a:solidFill>
-              <a:latin typeface="Arial"/>
-            </a:endParaRPr>
-          </a:p>
-          <a:p>
-            <a:pPr lvl="3" marL="1728000" indent="-216000">
-              <a:spcBef>
-                <a:spcPts val="567"/>
-              </a:spcBef>
-              <a:buClr>
-                <a:srgbClr val="000000"/>
-              </a:buClr>
-              <a:buSzPct val="75000"/>
-              <a:buFont typeface="Symbol" charset="2"/>
-              <a:buChar char=""/>
-            </a:pPr>
-            <a:r>
-              <a:rPr b="0" lang="en-GB" sz="1800" spc="-1" strike="noStrike">
-                <a:solidFill>
-                  <a:srgbClr val="000000"/>
-                </a:solidFill>
-                <a:latin typeface="Arial"/>
-              </a:rPr>
-              <a:t>Fourth Outline Level</a:t>
-            </a:r>
-            <a:endParaRPr b="0" lang="en-GB" sz="1800" spc="-1" strike="noStrike">
-              <a:solidFill>
-                <a:srgbClr val="000000"/>
-              </a:solidFill>
-              <a:latin typeface="Arial"/>
-            </a:endParaRPr>
-          </a:p>
-          <a:p>
-            <a:pPr lvl="4" marL="2160000" indent="-216000">
-              <a:spcBef>
-                <a:spcPts val="283"/>
-              </a:spcBef>
-              <a:buClr>
-                <a:srgbClr val="000000"/>
-              </a:buClr>
-              <a:buSzPct val="45000"/>
-              <a:buFont typeface="Wingdings" charset="2"/>
-              <a:buChar char=""/>
-            </a:pPr>
-            <a:r>
-              <a:rPr b="0" lang="en-GB" sz="1800" spc="-1" strike="noStrike">
-                <a:solidFill>
-                  <a:srgbClr val="000000"/>
-                </a:solidFill>
-                <a:latin typeface="Arial"/>
-              </a:rPr>
-              <a:t>Fifth Outline Level</a:t>
-            </a:r>
-            <a:endParaRPr b="0" lang="en-GB" sz="1800" spc="-1" strike="noStrike">
-              <a:solidFill>
-                <a:srgbClr val="000000"/>
-              </a:solidFill>
-              <a:latin typeface="Arial"/>
-            </a:endParaRPr>
-          </a:p>
-          <a:p>
-            <a:pPr lvl="5" marL="2592000" indent="-216000">
-              <a:spcBef>
-                <a:spcPts val="283"/>
-              </a:spcBef>
-              <a:buClr>
-                <a:srgbClr val="000000"/>
-              </a:buClr>
-              <a:buSzPct val="45000"/>
-              <a:buFont typeface="Wingdings" charset="2"/>
-              <a:buChar char=""/>
-            </a:pPr>
-            <a:r>
-              <a:rPr b="0" lang="en-GB" sz="1800" spc="-1" strike="noStrike">
-                <a:solidFill>
-                  <a:srgbClr val="000000"/>
-                </a:solidFill>
-                <a:latin typeface="Arial"/>
-              </a:rPr>
-              <a:t>Sixth Outline Level</a:t>
-            </a:r>
-            <a:endParaRPr b="0" lang="en-GB" sz="1800" spc="-1" strike="noStrike">
-              <a:solidFill>
-                <a:srgbClr val="000000"/>
-              </a:solidFill>
-              <a:latin typeface="Arial"/>
-            </a:endParaRPr>
-          </a:p>
-          <a:p>
-            <a:pPr lvl="6" marL="3024000" indent="-216000">
-              <a:spcBef>
-                <a:spcPts val="283"/>
-              </a:spcBef>
-              <a:buClr>
-                <a:srgbClr val="000000"/>
-              </a:buClr>
-              <a:buSzPct val="45000"/>
-              <a:buFont typeface="Wingdings" charset="2"/>
-              <a:buChar char=""/>
-            </a:pPr>
-            <a:r>
-              <a:rPr b="0" lang="en-GB" sz="1800" spc="-1" strike="noStrike">
-                <a:solidFill>
-                  <a:srgbClr val="000000"/>
-                </a:solidFill>
-                <a:latin typeface="Arial"/>
-              </a:rPr>
-              <a:t>Seventh Outline Level</a:t>
-            </a:r>
-            <a:endParaRPr b="0" lang="en-GB" sz="1800" spc="-1" strike="noStrike">
-              <a:solidFill>
-                <a:srgbClr val="000000"/>
-              </a:solidFill>
-              <a:latin typeface="Arial"/>
-            </a:endParaRPr>
-          </a:p>
-        </p:txBody>
-      </p:sp>
-      <p:sp>
-        <p:nvSpPr>
-          <p:cNvPr id="41" name="PlaceHolder 3"/>
-          <p:cNvSpPr>
-            <a:spLocks noGrp="1"/>
-          </p:cNvSpPr>
-          <p:nvPr>
-            <p:ph type="sldNum" idx="10"/>
-          </p:nvPr>
-        </p:nvSpPr>
-        <p:spPr>
-          <a:xfrm>
-            <a:off x="8472600" y="4663080"/>
-            <a:ext cx="548280" cy="393120"/>
-          </a:xfrm>
-          <a:prstGeom prst="rect">
-            <a:avLst/>
-          </a:prstGeom>
-          <a:noFill/>
-          <a:ln w="0">
-            <a:noFill/>
-          </a:ln>
-        </p:spPr>
-        <p:txBody>
-          <a:bodyPr lIns="91440" rIns="91440" tIns="91440" bIns="91440" anchor="ctr">
-            <a:normAutofit/>
+            <a:noAutofit/>
           </a:bodyPr>
           <a:lstStyle>
             <a:lvl1pPr indent="0" algn="r">
@@ -2029,7 +1758,7 @@
                 <a:tab algn="l" pos="0"/>
               </a:tabLst>
             </a:pPr>
-            <a:fld id="{5E0E79CD-612A-4C49-BD65-E1AEBEE2F087}" type="slidenum">
+            <a:fld id="{631FC056-C33C-4D6E-AC5A-F88552131341}" type="slidenum">
               <a:rPr b="0" lang="fr" sz="1000" spc="-1" strike="noStrike">
                 <a:solidFill>
                   <a:schemeClr val="dk2"/>
@@ -2052,7 +1781,7 @@
   </p:cSld>
   <p:clrMap bg1="lt1" bg2="lt2" tx1="dk1" tx2="dk2" accent1="accent1" accent2="accent2" accent3="accent3" accent4="accent4" accent5="accent5" accent6="accent6" hlink="hlink" folHlink="folHlink"/>
   <p:sldLayoutIdLst>
-    <p:sldLayoutId id="2147483670" r:id="rId2"/>
+    <p:sldLayoutId id="2147483667" r:id="rId2"/>
   </p:sldLayoutIdLst>
 </p:sldMaster>
 </file>
@@ -2083,18 +1812,18 @@
       </p:grpSpPr>
       <p:sp>
         <p:nvSpPr>
-          <p:cNvPr id="42" name="PlaceHolder 1"/>
+          <p:cNvPr id="41" name="PlaceHolder 1"/>
           <p:cNvSpPr>
             <a:spLocks noGrp="1"/>
           </p:cNvSpPr>
           <p:nvPr>
-            <p:ph type="body"/>
+            <p:ph type="sldNum" idx="11"/>
           </p:nvPr>
         </p:nvSpPr>
         <p:spPr>
           <a:xfrm>
-            <a:off x="311760" y="4230720"/>
-            <a:ext cx="5998320" cy="604800"/>
+            <a:off x="8472600" y="4663080"/>
+            <a:ext cx="547920" cy="392760"/>
           </a:xfrm>
           <a:prstGeom prst="rect">
             <a:avLst/>
@@ -2106,220 +1835,102 @@
         </p:spPr>
         <p:txBody>
           <a:bodyPr lIns="91440" rIns="91440" tIns="91440" bIns="91440" anchor="ctr">
-            <a:normAutofit fontScale="1111"/>
+            <a:noAutofit/>
           </a:bodyPr>
-          <a:p>
-            <a:pPr marL="432000" indent="-324000">
-              <a:spcBef>
-                <a:spcPts val="1417"/>
-              </a:spcBef>
-              <a:buClr>
-                <a:srgbClr val="000000"/>
-              </a:buClr>
-              <a:buSzPct val="45000"/>
-              <a:buFont typeface="Wingdings" charset="2"/>
-              <a:buChar char=""/>
-            </a:pPr>
-            <a:r>
-              <a:rPr b="0" lang="en-GB" sz="1800" spc="-1" strike="noStrike">
-                <a:solidFill>
-                  <a:srgbClr val="000000"/>
+          <a:lstStyle>
+            <a:lvl1pPr indent="0" algn="r">
+              <a:lnSpc>
+                <a:spcPct val="100000"/>
+              </a:lnSpc>
+              <a:buNone/>
+              <a:tabLst>
+                <a:tab algn="l" pos="0"/>
+              </a:tabLst>
+              <a:defRPr b="0" lang="fr" sz="1000" spc="-1" strike="noStrike">
+                <a:solidFill>
+                  <a:schemeClr val="dk2"/>
                 </a:solidFill>
                 <a:latin typeface="Arial"/>
-              </a:rPr>
-              <a:t>Click to edit the outline text format</a:t>
-            </a:r>
-            <a:endParaRPr b="0" lang="en-GB" sz="1800" spc="-1" strike="noStrike">
-              <a:solidFill>
-                <a:srgbClr val="000000"/>
-              </a:solidFill>
-              <a:latin typeface="Arial"/>
-            </a:endParaRPr>
-          </a:p>
-          <a:p>
-            <a:pPr lvl="1" marL="864000" indent="-324000">
-              <a:spcBef>
-                <a:spcPts val="1134"/>
-              </a:spcBef>
-              <a:buClr>
-                <a:srgbClr val="000000"/>
-              </a:buClr>
-              <a:buSzPct val="75000"/>
-              <a:buFont typeface="Symbol" charset="2"/>
-              <a:buChar char=""/>
-            </a:pPr>
-            <a:r>
-              <a:rPr b="0" lang="en-GB" sz="1800" spc="-1" strike="noStrike">
-                <a:solidFill>
-                  <a:srgbClr val="000000"/>
+                <a:ea typeface="Arial"/>
+              </a:defRPr>
+            </a:lvl1pPr>
+          </a:lstStyle>
+          <a:p>
+            <a:pPr indent="0" algn="r">
+              <a:lnSpc>
+                <a:spcPct val="100000"/>
+              </a:lnSpc>
+              <a:buNone/>
+              <a:tabLst>
+                <a:tab algn="l" pos="0"/>
+              </a:tabLst>
+            </a:pPr>
+            <a:fld id="{B7B0C111-D263-4A55-BA8C-06D63438A080}" type="slidenum">
+              <a:rPr b="0" lang="fr" sz="1000" spc="-1" strike="noStrike">
+                <a:solidFill>
+                  <a:schemeClr val="dk2"/>
                 </a:solidFill>
                 <a:latin typeface="Arial"/>
-              </a:rPr>
-              <a:t>Second Outline Level</a:t>
-            </a:r>
-            <a:endParaRPr b="0" lang="en-GB" sz="1800" spc="-1" strike="noStrike">
-              <a:solidFill>
-                <a:srgbClr val="000000"/>
-              </a:solidFill>
-              <a:latin typeface="Arial"/>
-            </a:endParaRPr>
-          </a:p>
-          <a:p>
-            <a:pPr lvl="2" marL="1296000" indent="-288000">
-              <a:spcBef>
-                <a:spcPts val="850"/>
-              </a:spcBef>
-              <a:buClr>
-                <a:srgbClr val="000000"/>
-              </a:buClr>
-              <a:buSzPct val="45000"/>
-              <a:buFont typeface="Wingdings" charset="2"/>
-              <a:buChar char=""/>
-            </a:pPr>
-            <a:r>
-              <a:rPr b="0" lang="en-GB" sz="1800" spc="-1" strike="noStrike">
-                <a:solidFill>
-                  <a:srgbClr val="000000"/>
-                </a:solidFill>
-                <a:latin typeface="Arial"/>
-              </a:rPr>
-              <a:t>Third Outline Level</a:t>
-            </a:r>
-            <a:endParaRPr b="0" lang="en-GB" sz="1800" spc="-1" strike="noStrike">
-              <a:solidFill>
-                <a:srgbClr val="000000"/>
-              </a:solidFill>
-              <a:latin typeface="Arial"/>
-            </a:endParaRPr>
-          </a:p>
-          <a:p>
-            <a:pPr lvl="3" marL="1728000" indent="-216000">
-              <a:spcBef>
-                <a:spcPts val="567"/>
-              </a:spcBef>
-              <a:buClr>
-                <a:srgbClr val="000000"/>
-              </a:buClr>
-              <a:buSzPct val="75000"/>
-              <a:buFont typeface="Symbol" charset="2"/>
-              <a:buChar char=""/>
-            </a:pPr>
-            <a:r>
-              <a:rPr b="0" lang="en-GB" sz="1800" spc="-1" strike="noStrike">
-                <a:solidFill>
-                  <a:srgbClr val="000000"/>
-                </a:solidFill>
-                <a:latin typeface="Arial"/>
-              </a:rPr>
-              <a:t>Fourth Outline Level</a:t>
-            </a:r>
-            <a:endParaRPr b="0" lang="en-GB" sz="1800" spc="-1" strike="noStrike">
-              <a:solidFill>
-                <a:srgbClr val="000000"/>
-              </a:solidFill>
-              <a:latin typeface="Arial"/>
-            </a:endParaRPr>
-          </a:p>
-          <a:p>
-            <a:pPr lvl="4" marL="2160000" indent="-216000">
-              <a:spcBef>
-                <a:spcPts val="283"/>
-              </a:spcBef>
-              <a:buClr>
-                <a:srgbClr val="000000"/>
-              </a:buClr>
-              <a:buSzPct val="45000"/>
-              <a:buFont typeface="Wingdings" charset="2"/>
-              <a:buChar char=""/>
-            </a:pPr>
-            <a:r>
-              <a:rPr b="0" lang="en-GB" sz="1800" spc="-1" strike="noStrike">
-                <a:solidFill>
-                  <a:srgbClr val="000000"/>
-                </a:solidFill>
-                <a:latin typeface="Arial"/>
-              </a:rPr>
-              <a:t>Fifth Outline Level</a:t>
-            </a:r>
-            <a:endParaRPr b="0" lang="en-GB" sz="1800" spc="-1" strike="noStrike">
-              <a:solidFill>
-                <a:srgbClr val="000000"/>
-              </a:solidFill>
-              <a:latin typeface="Arial"/>
-            </a:endParaRPr>
-          </a:p>
-          <a:p>
-            <a:pPr lvl="5" marL="2592000" indent="-216000">
-              <a:spcBef>
-                <a:spcPts val="283"/>
-              </a:spcBef>
-              <a:buClr>
-                <a:srgbClr val="000000"/>
-              </a:buClr>
-              <a:buSzPct val="45000"/>
-              <a:buFont typeface="Wingdings" charset="2"/>
-              <a:buChar char=""/>
-            </a:pPr>
-            <a:r>
-              <a:rPr b="0" lang="en-GB" sz="1800" spc="-1" strike="noStrike">
-                <a:solidFill>
-                  <a:srgbClr val="000000"/>
-                </a:solidFill>
-                <a:latin typeface="Arial"/>
-              </a:rPr>
-              <a:t>Sixth Outline Level</a:t>
-            </a:r>
-            <a:endParaRPr b="0" lang="en-GB" sz="1800" spc="-1" strike="noStrike">
-              <a:solidFill>
-                <a:srgbClr val="000000"/>
-              </a:solidFill>
-              <a:latin typeface="Arial"/>
-            </a:endParaRPr>
-          </a:p>
-          <a:p>
-            <a:pPr lvl="6" marL="3024000" indent="-216000">
-              <a:spcBef>
-                <a:spcPts val="283"/>
-              </a:spcBef>
-              <a:buClr>
-                <a:srgbClr val="000000"/>
-              </a:buClr>
-              <a:buSzPct val="45000"/>
-              <a:buFont typeface="Wingdings" charset="2"/>
-              <a:buChar char=""/>
-            </a:pPr>
-            <a:r>
-              <a:rPr b="0" lang="en-GB" sz="1800" spc="-1" strike="noStrike">
-                <a:solidFill>
-                  <a:srgbClr val="000000"/>
-                </a:solidFill>
-                <a:latin typeface="Arial"/>
-              </a:rPr>
-              <a:t>Seventh Outline Level</a:t>
-            </a:r>
-            <a:endParaRPr b="0" lang="en-GB" sz="1800" spc="-1" strike="noStrike">
-              <a:solidFill>
-                <a:srgbClr val="000000"/>
-              </a:solidFill>
-              <a:latin typeface="Arial"/>
+                <a:ea typeface="Arial"/>
+              </a:rPr>
+              <a:t>&lt;number&gt;</a:t>
+            </a:fld>
+            <a:endParaRPr b="0" lang="en-GB" sz="1000" spc="-1" strike="noStrike">
+              <a:solidFill>
+                <a:srgbClr val="000000"/>
+              </a:solidFill>
+              <a:latin typeface="Times New Roman"/>
             </a:endParaRPr>
           </a:p>
         </p:txBody>
       </p:sp>
+    </p:spTree>
+  </p:cSld>
+  <p:clrMap bg1="lt1" bg2="lt2" tx1="dk1" tx2="dk2" accent1="accent1" accent2="accent2" accent3="accent3" accent4="accent4" accent5="accent5" accent6="accent6" hlink="hlink" folHlink="folHlink"/>
+  <p:sldLayoutIdLst>
+    <p:sldLayoutId id="2147483669" r:id="rId2"/>
+  </p:sldLayoutIdLst>
+</p:sldMaster>
+</file>
+
+<file path=ppt/slideMasters/slideMaster12.xml><?xml version="1.0" encoding="utf-8"?>
+<p:sldMaster xmlns:a="http://schemas.openxmlformats.org/drawingml/2006/main" xmlns:p="http://schemas.openxmlformats.org/presentationml/2006/main" xmlns:r="http://schemas.openxmlformats.org/officeDocument/2006/relationships" xmlns:p14="http://schemas.microsoft.com/office/powerpoint/2010/main" xmlns:p15="http://schemas.microsoft.com/office/powerpoint/2012/main" xmlns:mc="http://schemas.openxmlformats.org/markup-compatibility/2006">
+  <p:cSld>
+    <p:bg>
+      <p:bgPr>
+        <a:solidFill>
+          <a:schemeClr val="lt1"/>
+        </a:solidFill>
+      </p:bgPr>
+    </p:bg>
+    <p:spTree>
+      <p:nvGrpSpPr>
+        <p:cNvPr id="1" name=""/>
+        <p:cNvGrpSpPr/>
+        <p:nvPr/>
+      </p:nvGrpSpPr>
+      <p:grpSpPr>
+        <a:xfrm>
+          <a:off x="0" y="0"/>
+          <a:ext cx="0" cy="0"/>
+          <a:chOff x="0" y="0"/>
+          <a:chExt cx="0" cy="0"/>
+        </a:xfrm>
+      </p:grpSpPr>
       <p:sp>
         <p:nvSpPr>
-          <p:cNvPr id="43" name="PlaceHolder 2"/>
+          <p:cNvPr id="42" name="PlaceHolder 1"/>
           <p:cNvSpPr>
             <a:spLocks noGrp="1"/>
           </p:cNvSpPr>
           <p:nvPr>
-            <p:ph type="sldNum" idx="11"/>
+            <p:ph type="sldNum" idx="12"/>
           </p:nvPr>
         </p:nvSpPr>
         <p:spPr>
           <a:xfrm>
             <a:off x="8472600" y="4663080"/>
-            <a:ext cx="548280" cy="393120"/>
+            <a:ext cx="547920" cy="392760"/>
           </a:xfrm>
           <a:prstGeom prst="rect">
             <a:avLst/>
@@ -2331,7 +1942,7 @@
         </p:spPr>
         <p:txBody>
           <a:bodyPr lIns="91440" rIns="91440" tIns="91440" bIns="91440" anchor="ctr">
-            <a:normAutofit/>
+            <a:noAutofit/>
           </a:bodyPr>
           <a:lstStyle>
             <a:lvl1pPr indent="0" algn="r">
@@ -2361,7 +1972,7 @@
                 <a:tab algn="l" pos="0"/>
               </a:tabLst>
             </a:pPr>
-            <a:fld id="{4BEC3374-518D-4298-BF59-B2AAF7AE2AA4}" type="slidenum">
+            <a:fld id="{984B8B11-7729-4BA5-A3F5-F89A6329575A}" type="slidenum">
               <a:rPr b="0" lang="fr" sz="1000" spc="-1" strike="noStrike">
                 <a:solidFill>
                   <a:schemeClr val="dk2"/>
@@ -2384,7 +1995,270 @@
   </p:cSld>
   <p:clrMap bg1="lt1" bg2="lt2" tx1="dk1" tx2="dk2" accent1="accent1" accent2="accent2" accent3="accent3" accent4="accent4" accent5="accent5" accent6="accent6" hlink="hlink" folHlink="folHlink"/>
   <p:sldLayoutIdLst>
-    <p:sldLayoutId id="2147483672" r:id="rId2"/>
+    <p:sldLayoutId id="2147483671" r:id="rId2"/>
+  </p:sldLayoutIdLst>
+</p:sldMaster>
+</file>
+
+<file path=ppt/slideMasters/slideMaster13.xml><?xml version="1.0" encoding="utf-8"?>
+<p:sldMaster xmlns:a="http://schemas.openxmlformats.org/drawingml/2006/main" xmlns:p="http://schemas.openxmlformats.org/presentationml/2006/main" xmlns:r="http://schemas.openxmlformats.org/officeDocument/2006/relationships" xmlns:p14="http://schemas.microsoft.com/office/powerpoint/2010/main" xmlns:p15="http://schemas.microsoft.com/office/powerpoint/2012/main" xmlns:mc="http://schemas.openxmlformats.org/markup-compatibility/2006">
+  <p:cSld>
+    <p:bg>
+      <p:bgPr>
+        <a:solidFill>
+          <a:schemeClr val="lt1"/>
+        </a:solidFill>
+      </p:bgPr>
+    </p:bg>
+    <p:spTree>
+      <p:nvGrpSpPr>
+        <p:cNvPr id="1" name=""/>
+        <p:cNvGrpSpPr/>
+        <p:nvPr/>
+      </p:nvGrpSpPr>
+      <p:grpSpPr>
+        <a:xfrm>
+          <a:off x="0" y="0"/>
+          <a:ext cx="0" cy="0"/>
+          <a:chOff x="0" y="0"/>
+          <a:chExt cx="0" cy="0"/>
+        </a:xfrm>
+      </p:grpSpPr>
+      <p:sp>
+        <p:nvSpPr>
+          <p:cNvPr id="43" name="Google Shape;36;p9"/>
+          <p:cNvSpPr/>
+          <p:nvPr/>
+        </p:nvSpPr>
+        <p:spPr>
+          <a:xfrm>
+            <a:off x="4572000" y="0"/>
+            <a:ext cx="4571280" cy="5142960"/>
+          </a:xfrm>
+          <a:prstGeom prst="rect">
+            <a:avLst/>
+          </a:prstGeom>
+          <a:solidFill>
+            <a:schemeClr val="lt2"/>
+          </a:solidFill>
+          <a:ln w="0">
+            <a:noFill/>
+          </a:ln>
+        </p:spPr>
+        <p:style>
+          <a:lnRef idx="0"/>
+          <a:fillRef idx="0"/>
+          <a:effectRef idx="0"/>
+          <a:fontRef idx="minor"/>
+        </p:style>
+        <p:txBody>
+          <a:bodyPr lIns="90000" rIns="90000" tIns="91440" bIns="91440" anchor="ctr">
+            <a:noAutofit/>
+          </a:bodyPr>
+          <a:p>
+            <a:pPr>
+              <a:lnSpc>
+                <a:spcPct val="100000"/>
+              </a:lnSpc>
+              <a:tabLst>
+                <a:tab algn="l" pos="0"/>
+              </a:tabLst>
+            </a:pPr>
+            <a:endParaRPr b="0" lang="en-GB" sz="1400" spc="-1" strike="noStrike">
+              <a:solidFill>
+                <a:srgbClr val="000000"/>
+              </a:solidFill>
+              <a:latin typeface="Arial"/>
+            </a:endParaRPr>
+          </a:p>
+        </p:txBody>
+      </p:sp>
+      <p:sp>
+        <p:nvSpPr>
+          <p:cNvPr id="44" name="PlaceHolder 1"/>
+          <p:cNvSpPr>
+            <a:spLocks noGrp="1"/>
+          </p:cNvSpPr>
+          <p:nvPr>
+            <p:ph type="sldNum" idx="13"/>
+          </p:nvPr>
+        </p:nvSpPr>
+        <p:spPr>
+          <a:xfrm>
+            <a:off x="8472600" y="4663080"/>
+            <a:ext cx="547920" cy="392760"/>
+          </a:xfrm>
+          <a:prstGeom prst="rect">
+            <a:avLst/>
+          </a:prstGeom>
+          <a:noFill/>
+          <a:ln w="0">
+            <a:noFill/>
+          </a:ln>
+        </p:spPr>
+        <p:txBody>
+          <a:bodyPr lIns="91440" rIns="91440" tIns="91440" bIns="91440" anchor="ctr">
+            <a:noAutofit/>
+          </a:bodyPr>
+          <a:lstStyle>
+            <a:lvl1pPr indent="0" algn="r">
+              <a:lnSpc>
+                <a:spcPct val="100000"/>
+              </a:lnSpc>
+              <a:buNone/>
+              <a:tabLst>
+                <a:tab algn="l" pos="0"/>
+              </a:tabLst>
+              <a:defRPr b="0" lang="fr" sz="1000" spc="-1" strike="noStrike">
+                <a:solidFill>
+                  <a:schemeClr val="dk2"/>
+                </a:solidFill>
+                <a:latin typeface="Arial"/>
+                <a:ea typeface="Arial"/>
+              </a:defRPr>
+            </a:lvl1pPr>
+          </a:lstStyle>
+          <a:p>
+            <a:pPr indent="0" algn="r">
+              <a:lnSpc>
+                <a:spcPct val="100000"/>
+              </a:lnSpc>
+              <a:buNone/>
+              <a:tabLst>
+                <a:tab algn="l" pos="0"/>
+              </a:tabLst>
+            </a:pPr>
+            <a:fld id="{1C907B0E-B700-47C5-BA26-513FCAABBCF7}" type="slidenum">
+              <a:rPr b="0" lang="fr" sz="1000" spc="-1" strike="noStrike">
+                <a:solidFill>
+                  <a:schemeClr val="dk2"/>
+                </a:solidFill>
+                <a:latin typeface="Arial"/>
+                <a:ea typeface="Arial"/>
+              </a:rPr>
+              <a:t>&lt;number&gt;</a:t>
+            </a:fld>
+            <a:endParaRPr b="0" lang="en-GB" sz="1000" spc="-1" strike="noStrike">
+              <a:solidFill>
+                <a:srgbClr val="000000"/>
+              </a:solidFill>
+              <a:latin typeface="Times New Roman"/>
+            </a:endParaRPr>
+          </a:p>
+        </p:txBody>
+      </p:sp>
+    </p:spTree>
+  </p:cSld>
+  <p:clrMap bg1="lt1" bg2="lt2" tx1="dk1" tx2="dk2" accent1="accent1" accent2="accent2" accent3="accent3" accent4="accent4" accent5="accent5" accent6="accent6" hlink="hlink" folHlink="folHlink"/>
+  <p:sldLayoutIdLst>
+    <p:sldLayoutId id="2147483673" r:id="rId2"/>
+  </p:sldLayoutIdLst>
+</p:sldMaster>
+</file>
+
+<file path=ppt/slideMasters/slideMaster14.xml><?xml version="1.0" encoding="utf-8"?>
+<p:sldMaster xmlns:a="http://schemas.openxmlformats.org/drawingml/2006/main" xmlns:p="http://schemas.openxmlformats.org/presentationml/2006/main" xmlns:r="http://schemas.openxmlformats.org/officeDocument/2006/relationships" xmlns:p14="http://schemas.microsoft.com/office/powerpoint/2010/main" xmlns:p15="http://schemas.microsoft.com/office/powerpoint/2012/main" xmlns:mc="http://schemas.openxmlformats.org/markup-compatibility/2006">
+  <p:cSld>
+    <p:bg>
+      <p:bgPr>
+        <a:solidFill>
+          <a:schemeClr val="lt1"/>
+        </a:solidFill>
+      </p:bgPr>
+    </p:bg>
+    <p:spTree>
+      <p:nvGrpSpPr>
+        <p:cNvPr id="1" name=""/>
+        <p:cNvGrpSpPr/>
+        <p:nvPr/>
+      </p:nvGrpSpPr>
+      <p:grpSpPr>
+        <a:xfrm>
+          <a:off x="0" y="0"/>
+          <a:ext cx="0" cy="0"/>
+          <a:chOff x="0" y="0"/>
+          <a:chExt cx="0" cy="0"/>
+        </a:xfrm>
+      </p:grpSpPr>
+      <p:sp>
+        <p:nvSpPr>
+          <p:cNvPr id="45" name="PlaceHolder 1"/>
+          <p:cNvSpPr>
+            <a:spLocks noGrp="1"/>
+          </p:cNvSpPr>
+          <p:nvPr>
+            <p:ph type="sldNum" idx="14"/>
+          </p:nvPr>
+        </p:nvSpPr>
+        <p:spPr>
+          <a:xfrm>
+            <a:off x="8472600" y="4663080"/>
+            <a:ext cx="547920" cy="392760"/>
+          </a:xfrm>
+          <a:prstGeom prst="rect">
+            <a:avLst/>
+          </a:prstGeom>
+          <a:noFill/>
+          <a:ln w="0">
+            <a:noFill/>
+          </a:ln>
+        </p:spPr>
+        <p:txBody>
+          <a:bodyPr lIns="91440" rIns="91440" tIns="91440" bIns="91440" anchor="ctr">
+            <a:noAutofit/>
+          </a:bodyPr>
+          <a:lstStyle>
+            <a:lvl1pPr indent="0" algn="r">
+              <a:lnSpc>
+                <a:spcPct val="100000"/>
+              </a:lnSpc>
+              <a:buNone/>
+              <a:tabLst>
+                <a:tab algn="l" pos="0"/>
+              </a:tabLst>
+              <a:defRPr b="0" lang="fr" sz="1000" spc="-1" strike="noStrike">
+                <a:solidFill>
+                  <a:schemeClr val="dk2"/>
+                </a:solidFill>
+                <a:latin typeface="Arial"/>
+                <a:ea typeface="Arial"/>
+              </a:defRPr>
+            </a:lvl1pPr>
+          </a:lstStyle>
+          <a:p>
+            <a:pPr indent="0" algn="r">
+              <a:lnSpc>
+                <a:spcPct val="100000"/>
+              </a:lnSpc>
+              <a:buNone/>
+              <a:tabLst>
+                <a:tab algn="l" pos="0"/>
+              </a:tabLst>
+            </a:pPr>
+            <a:fld id="{1A8B9C42-A1A1-42BC-AE6D-698EA0B816D5}" type="slidenum">
+              <a:rPr b="0" lang="fr" sz="1000" spc="-1" strike="noStrike">
+                <a:solidFill>
+                  <a:schemeClr val="dk2"/>
+                </a:solidFill>
+                <a:latin typeface="Arial"/>
+                <a:ea typeface="Arial"/>
+              </a:rPr>
+              <a:t>&lt;number&gt;</a:t>
+            </a:fld>
+            <a:endParaRPr b="0" lang="en-GB" sz="1000" spc="-1" strike="noStrike">
+              <a:solidFill>
+                <a:srgbClr val="000000"/>
+              </a:solidFill>
+              <a:latin typeface="Times New Roman"/>
+            </a:endParaRPr>
+          </a:p>
+        </p:txBody>
+      </p:sp>
+    </p:spTree>
+  </p:cSld>
+  <p:clrMap bg1="lt1" bg2="lt2" tx1="dk1" tx2="dk2" accent1="accent1" accent2="accent2" accent3="accent3" accent4="accent4" accent5="accent5" accent6="accent6" hlink="hlink" folHlink="folHlink"/>
+  <p:sldLayoutIdLst>
+    <p:sldLayoutId id="2147483675" r:id="rId2"/>
   </p:sldLayoutIdLst>
 </p:sldMaster>
 </file>
@@ -2420,291 +2294,13 @@
             <a:spLocks noGrp="1"/>
           </p:cNvSpPr>
           <p:nvPr>
-            <p:ph type="title"/>
-          </p:nvPr>
-        </p:nvSpPr>
-        <p:spPr>
-          <a:xfrm>
-            <a:off x="311760" y="1106280"/>
-            <a:ext cx="8520120" cy="1963080"/>
-          </a:xfrm>
-          <a:prstGeom prst="rect">
-            <a:avLst/>
-          </a:prstGeom>
-          <a:noFill/>
-          <a:ln w="0">
-            <a:noFill/>
-          </a:ln>
-        </p:spPr>
-        <p:txBody>
-          <a:bodyPr lIns="91440" rIns="91440" tIns="91440" bIns="91440" anchor="b">
-            <a:normAutofit fontScale="98341"/>
-          </a:bodyPr>
-          <a:p>
-            <a:pPr indent="0" algn="ctr">
-              <a:lnSpc>
-                <a:spcPct val="100000"/>
-              </a:lnSpc>
-              <a:buNone/>
-            </a:pPr>
-            <a:r>
-              <a:rPr b="0" lang="en-GB" sz="12000" spc="-1" strike="noStrike">
-                <a:solidFill>
-                  <a:schemeClr val="dk1"/>
-                </a:solidFill>
-                <a:latin typeface="Arial"/>
-                <a:ea typeface="Arial"/>
-              </a:rPr>
-              <a:t>xx%</a:t>
-            </a:r>
-            <a:endParaRPr b="0" lang="en-GB" sz="12000" spc="-1" strike="noStrike">
-              <a:solidFill>
-                <a:srgbClr val="000000"/>
-              </a:solidFill>
-              <a:latin typeface="Arial"/>
-            </a:endParaRPr>
-          </a:p>
-        </p:txBody>
-      </p:sp>
-      <p:sp>
-        <p:nvSpPr>
-          <p:cNvPr id="6" name="PlaceHolder 2"/>
-          <p:cNvSpPr>
-            <a:spLocks noGrp="1"/>
-          </p:cNvSpPr>
-          <p:nvPr>
-            <p:ph type="body"/>
-          </p:nvPr>
-        </p:nvSpPr>
-        <p:spPr>
-          <a:xfrm>
-            <a:off x="311760" y="3152160"/>
-            <a:ext cx="8520120" cy="1300320"/>
-          </a:xfrm>
-          <a:prstGeom prst="rect">
-            <a:avLst/>
-          </a:prstGeom>
-          <a:noFill/>
-          <a:ln w="0">
-            <a:noFill/>
-          </a:ln>
-        </p:spPr>
-        <p:txBody>
-          <a:bodyPr lIns="91440" rIns="91440" tIns="91440" bIns="91440" anchor="t">
-            <a:normAutofit fontScale="50000" lnSpcReduction="20000"/>
-          </a:bodyPr>
-          <a:p>
-            <a:pPr marL="432000" indent="-324000">
-              <a:spcBef>
-                <a:spcPts val="1417"/>
-              </a:spcBef>
-              <a:buClr>
-                <a:srgbClr val="000000"/>
-              </a:buClr>
-              <a:buSzPct val="45000"/>
-              <a:buFont typeface="Wingdings" charset="2"/>
-              <a:buChar char=""/>
-            </a:pPr>
-            <a:r>
-              <a:rPr b="0" lang="en-GB" sz="1800" spc="-1" strike="noStrike">
-                <a:solidFill>
-                  <a:srgbClr val="000000"/>
-                </a:solidFill>
-                <a:latin typeface="Arial"/>
-              </a:rPr>
-              <a:t>Click to edit the outline text format</a:t>
-            </a:r>
-            <a:endParaRPr b="0" lang="en-GB" sz="1800" spc="-1" strike="noStrike">
-              <a:solidFill>
-                <a:srgbClr val="000000"/>
-              </a:solidFill>
-              <a:latin typeface="Arial"/>
-            </a:endParaRPr>
-          </a:p>
-          <a:p>
-            <a:pPr lvl="1" marL="864000" indent="-324000">
-              <a:spcBef>
-                <a:spcPts val="1134"/>
-              </a:spcBef>
-              <a:buClr>
-                <a:srgbClr val="000000"/>
-              </a:buClr>
-              <a:buSzPct val="75000"/>
-              <a:buFont typeface="Symbol" charset="2"/>
-              <a:buChar char=""/>
-            </a:pPr>
-            <a:r>
-              <a:rPr b="0" lang="en-GB" sz="1800" spc="-1" strike="noStrike">
-                <a:solidFill>
-                  <a:srgbClr val="000000"/>
-                </a:solidFill>
-                <a:latin typeface="Arial"/>
-              </a:rPr>
-              <a:t>Second Outline Level</a:t>
-            </a:r>
-            <a:endParaRPr b="0" lang="en-GB" sz="1800" spc="-1" strike="noStrike">
-              <a:solidFill>
-                <a:srgbClr val="000000"/>
-              </a:solidFill>
-              <a:latin typeface="Arial"/>
-            </a:endParaRPr>
-          </a:p>
-          <a:p>
-            <a:pPr lvl="2" marL="1296000" indent="-288000">
-              <a:spcBef>
-                <a:spcPts val="850"/>
-              </a:spcBef>
-              <a:buClr>
-                <a:srgbClr val="000000"/>
-              </a:buClr>
-              <a:buSzPct val="45000"/>
-              <a:buFont typeface="Wingdings" charset="2"/>
-              <a:buChar char=""/>
-            </a:pPr>
-            <a:r>
-              <a:rPr b="0" lang="en-GB" sz="1800" spc="-1" strike="noStrike">
-                <a:solidFill>
-                  <a:srgbClr val="000000"/>
-                </a:solidFill>
-                <a:latin typeface="Arial"/>
-              </a:rPr>
-              <a:t>Third Outline Level</a:t>
-            </a:r>
-            <a:endParaRPr b="0" lang="en-GB" sz="1800" spc="-1" strike="noStrike">
-              <a:solidFill>
-                <a:srgbClr val="000000"/>
-              </a:solidFill>
-              <a:latin typeface="Arial"/>
-            </a:endParaRPr>
-          </a:p>
-          <a:p>
-            <a:pPr lvl="3" marL="1728000" indent="-216000">
-              <a:spcBef>
-                <a:spcPts val="567"/>
-              </a:spcBef>
-              <a:buClr>
-                <a:srgbClr val="000000"/>
-              </a:buClr>
-              <a:buSzPct val="75000"/>
-              <a:buFont typeface="Symbol" charset="2"/>
-              <a:buChar char=""/>
-            </a:pPr>
-            <a:r>
-              <a:rPr b="0" lang="en-GB" sz="1800" spc="-1" strike="noStrike">
-                <a:solidFill>
-                  <a:srgbClr val="000000"/>
-                </a:solidFill>
-                <a:latin typeface="Arial"/>
-              </a:rPr>
-              <a:t>Fourth Outline Level</a:t>
-            </a:r>
-            <a:endParaRPr b="0" lang="en-GB" sz="1800" spc="-1" strike="noStrike">
-              <a:solidFill>
-                <a:srgbClr val="000000"/>
-              </a:solidFill>
-              <a:latin typeface="Arial"/>
-            </a:endParaRPr>
-          </a:p>
-          <a:p>
-            <a:pPr lvl="4" marL="2160000" indent="-216000">
-              <a:spcBef>
-                <a:spcPts val="283"/>
-              </a:spcBef>
-              <a:buClr>
-                <a:srgbClr val="000000"/>
-              </a:buClr>
-              <a:buSzPct val="45000"/>
-              <a:buFont typeface="Wingdings" charset="2"/>
-              <a:buChar char=""/>
-            </a:pPr>
-            <a:r>
-              <a:rPr b="0" lang="en-GB" sz="1800" spc="-1" strike="noStrike">
-                <a:solidFill>
-                  <a:srgbClr val="000000"/>
-                </a:solidFill>
-                <a:latin typeface="Arial"/>
-              </a:rPr>
-              <a:t>Fifth Outline Level</a:t>
-            </a:r>
-            <a:endParaRPr b="0" lang="en-GB" sz="1800" spc="-1" strike="noStrike">
-              <a:solidFill>
-                <a:srgbClr val="000000"/>
-              </a:solidFill>
-              <a:latin typeface="Arial"/>
-            </a:endParaRPr>
-          </a:p>
-          <a:p>
-            <a:pPr lvl="5" marL="2592000" indent="-216000">
-              <a:spcBef>
-                <a:spcPts val="283"/>
-              </a:spcBef>
-              <a:buClr>
-                <a:srgbClr val="000000"/>
-              </a:buClr>
-              <a:buSzPct val="45000"/>
-              <a:buFont typeface="Wingdings" charset="2"/>
-              <a:buChar char=""/>
-            </a:pPr>
-            <a:r>
-              <a:rPr b="0" lang="en-GB" sz="1800" spc="-1" strike="noStrike">
-                <a:solidFill>
-                  <a:srgbClr val="000000"/>
-                </a:solidFill>
-                <a:latin typeface="Arial"/>
-              </a:rPr>
-              <a:t>Sixth Outline Level</a:t>
-            </a:r>
-            <a:endParaRPr b="0" lang="en-GB" sz="1800" spc="-1" strike="noStrike">
-              <a:solidFill>
-                <a:srgbClr val="000000"/>
-              </a:solidFill>
-              <a:latin typeface="Arial"/>
-            </a:endParaRPr>
-          </a:p>
-          <a:p>
-            <a:pPr lvl="6" marL="3024000" indent="-216000">
-              <a:spcBef>
-                <a:spcPts val="283"/>
-              </a:spcBef>
-              <a:buClr>
-                <a:srgbClr val="000000"/>
-              </a:buClr>
-              <a:buSzPct val="45000"/>
-              <a:buFont typeface="Wingdings" charset="2"/>
-              <a:buChar char=""/>
-            </a:pPr>
-            <a:r>
-              <a:rPr b="0" lang="en-GB" sz="1800" spc="-1" strike="noStrike">
-                <a:solidFill>
-                  <a:srgbClr val="000000"/>
-                </a:solidFill>
-                <a:latin typeface="Arial"/>
-              </a:rPr>
-              <a:t>Seventh Outline Level</a:t>
-            </a:r>
-            <a:endParaRPr b="0" lang="en-GB" sz="1800" spc="-1" strike="noStrike">
-              <a:solidFill>
-                <a:srgbClr val="000000"/>
-              </a:solidFill>
-              <a:latin typeface="Arial"/>
-            </a:endParaRPr>
-          </a:p>
-        </p:txBody>
-      </p:sp>
-      <p:sp>
-        <p:nvSpPr>
-          <p:cNvPr id="7" name="PlaceHolder 3"/>
-          <p:cNvSpPr>
-            <a:spLocks noGrp="1"/>
-          </p:cNvSpPr>
-          <p:nvPr>
             <p:ph type="sldNum" idx="2"/>
           </p:nvPr>
         </p:nvSpPr>
         <p:spPr>
           <a:xfrm>
             <a:off x="8472600" y="4663080"/>
-            <a:ext cx="548280" cy="393120"/>
+            <a:ext cx="547920" cy="392760"/>
           </a:xfrm>
           <a:prstGeom prst="rect">
             <a:avLst/>
@@ -2716,7 +2312,7 @@
         </p:spPr>
         <p:txBody>
           <a:bodyPr lIns="91440" rIns="91440" tIns="91440" bIns="91440" anchor="ctr">
-            <a:normAutofit/>
+            <a:noAutofit/>
           </a:bodyPr>
           <a:lstStyle>
             <a:lvl1pPr indent="0" algn="r">
@@ -2746,7 +2342,7 @@
                 <a:tab algn="l" pos="0"/>
               </a:tabLst>
             </a:pPr>
-            <a:fld id="{FE4E619F-F320-41F2-8092-74D6C29AA508}" type="slidenum">
+            <a:fld id="{2DFA2307-B055-4468-9F41-699FF25A45E1}" type="slidenum">
               <a:rPr b="0" lang="fr" sz="1000" spc="-1" strike="noStrike">
                 <a:solidFill>
                   <a:schemeClr val="dk2"/>
@@ -2800,7 +2396,7 @@
       </p:grpSpPr>
       <p:sp>
         <p:nvSpPr>
-          <p:cNvPr id="8" name="PlaceHolder 1"/>
+          <p:cNvPr id="6" name="PlaceHolder 1"/>
           <p:cNvSpPr>
             <a:spLocks noGrp="1"/>
           </p:cNvSpPr>
@@ -2811,7 +2407,7 @@
         <p:spPr>
           <a:xfrm>
             <a:off x="8472600" y="4663080"/>
-            <a:ext cx="548280" cy="393120"/>
+            <a:ext cx="547920" cy="392760"/>
           </a:xfrm>
           <a:prstGeom prst="rect">
             <a:avLst/>
@@ -2823,7 +2419,7 @@
         </p:spPr>
         <p:txBody>
           <a:bodyPr lIns="91440" rIns="91440" tIns="91440" bIns="91440" anchor="ctr">
-            <a:normAutofit/>
+            <a:noAutofit/>
           </a:bodyPr>
           <a:lstStyle>
             <a:lvl1pPr indent="0" algn="r">
@@ -2853,7 +2449,7 @@
                 <a:tab algn="l" pos="0"/>
               </a:tabLst>
             </a:pPr>
-            <a:fld id="{A673DDC5-E5FD-4E37-920C-88FDF3F0A81A}" type="slidenum">
+            <a:fld id="{98A97C0D-5152-48B4-802A-B5804DD5D21A}" type="slidenum">
               <a:rPr b="0" lang="fr" sz="1000" spc="-1" strike="noStrike">
                 <a:solidFill>
                   <a:schemeClr val="dk2"/>
@@ -2907,18 +2503,18 @@
       </p:grpSpPr>
       <p:sp>
         <p:nvSpPr>
-          <p:cNvPr id="9" name="PlaceHolder 1"/>
+          <p:cNvPr id="7" name="PlaceHolder 1"/>
           <p:cNvSpPr>
             <a:spLocks noGrp="1"/>
           </p:cNvSpPr>
           <p:nvPr>
-            <p:ph type="title"/>
+            <p:ph type="sldNum" idx="4"/>
           </p:nvPr>
         </p:nvSpPr>
         <p:spPr>
           <a:xfrm>
-            <a:off x="311760" y="2151000"/>
-            <a:ext cx="8520120" cy="841320"/>
+            <a:off x="8472600" y="4663080"/>
+            <a:ext cx="547920" cy="392760"/>
           </a:xfrm>
           <a:prstGeom prst="rect">
             <a:avLst/>
@@ -2930,56 +2526,7 @@
         </p:spPr>
         <p:txBody>
           <a:bodyPr lIns="91440" rIns="91440" tIns="91440" bIns="91440" anchor="ctr">
-            <a:normAutofit/>
-          </a:bodyPr>
-          <a:p>
-            <a:pPr indent="0">
-              <a:buNone/>
-            </a:pPr>
-            <a:r>
-              <a:rPr b="0" lang="en-GB" sz="3600" spc="-1" strike="noStrike">
-                <a:solidFill>
-                  <a:srgbClr val="000000"/>
-                </a:solidFill>
-                <a:latin typeface="Arial"/>
-              </a:rPr>
-              <a:t>Click to edit the title text format</a:t>
-            </a:r>
-            <a:endParaRPr b="0" lang="en-GB" sz="3600" spc="-1" strike="noStrike">
-              <a:solidFill>
-                <a:srgbClr val="000000"/>
-              </a:solidFill>
-              <a:latin typeface="Arial"/>
-            </a:endParaRPr>
-          </a:p>
-        </p:txBody>
-      </p:sp>
-      <p:sp>
-        <p:nvSpPr>
-          <p:cNvPr id="10" name="PlaceHolder 2"/>
-          <p:cNvSpPr>
-            <a:spLocks noGrp="1"/>
-          </p:cNvSpPr>
-          <p:nvPr>
-            <p:ph type="sldNum" idx="4"/>
-          </p:nvPr>
-        </p:nvSpPr>
-        <p:spPr>
-          <a:xfrm>
-            <a:off x="8472600" y="4663080"/>
-            <a:ext cx="548280" cy="393120"/>
-          </a:xfrm>
-          <a:prstGeom prst="rect">
-            <a:avLst/>
-          </a:prstGeom>
-          <a:noFill/>
-          <a:ln w="0">
-            <a:noFill/>
-          </a:ln>
-        </p:spPr>
-        <p:txBody>
-          <a:bodyPr lIns="91440" rIns="91440" tIns="91440" bIns="91440" anchor="ctr">
-            <a:normAutofit/>
+            <a:noAutofit/>
           </a:bodyPr>
           <a:lstStyle>
             <a:lvl1pPr indent="0" algn="r">
@@ -3009,7 +2556,7 @@
                 <a:tab algn="l" pos="0"/>
               </a:tabLst>
             </a:pPr>
-            <a:fld id="{17C50ACC-856B-4693-A809-64420022298C}" type="slidenum">
+            <a:fld id="{9E8E9DAE-6636-47D7-AAC6-99EEA11ECCC0}" type="slidenum">
               <a:rPr b="0" lang="fr" sz="1000" spc="-1" strike="noStrike">
                 <a:solidFill>
                   <a:schemeClr val="dk2"/>
@@ -3063,7 +2610,7 @@
       </p:grpSpPr>
       <p:sp>
         <p:nvSpPr>
-          <p:cNvPr id="11" name="PlaceHolder 1"/>
+          <p:cNvPr id="8" name="PlaceHolder 1"/>
           <p:cNvSpPr>
             <a:spLocks noGrp="1"/>
           </p:cNvSpPr>
@@ -3073,8 +2620,8 @@
         </p:nvSpPr>
         <p:spPr>
           <a:xfrm>
-            <a:off x="311760" y="444960"/>
-            <a:ext cx="8520120" cy="572400"/>
+            <a:off x="311760" y="744480"/>
+            <a:ext cx="8519760" cy="2052000"/>
           </a:xfrm>
           <a:prstGeom prst="rect">
             <a:avLst/>
@@ -3085,15 +2632,15 @@
           </a:ln>
         </p:spPr>
         <p:txBody>
-          <a:bodyPr lIns="91440" rIns="91440" tIns="91440" bIns="91440" anchor="t">
-            <a:normAutofit fontScale="93550"/>
+          <a:bodyPr lIns="0" rIns="0" tIns="0" bIns="0" anchor="ctr">
+            <a:noAutofit/>
           </a:bodyPr>
           <a:p>
             <a:pPr indent="0">
               <a:buNone/>
             </a:pPr>
             <a:r>
-              <a:rPr b="0" lang="en-GB" sz="2800" spc="-1" strike="noStrike">
+              <a:rPr b="0" lang="en-GB" sz="1800" spc="-1" strike="noStrike">
                 <a:solidFill>
                   <a:srgbClr val="000000"/>
                 </a:solidFill>
@@ -3101,7 +2648,7 @@
               </a:rPr>
               <a:t>Click to edit the title text format</a:t>
             </a:r>
-            <a:endParaRPr b="0" lang="en-GB" sz="2800" spc="-1" strike="noStrike">
+            <a:endParaRPr b="0" lang="en-GB" sz="1800" spc="-1" strike="noStrike">
               <a:solidFill>
                 <a:srgbClr val="000000"/>
               </a:solidFill>
@@ -3112,7 +2659,7 @@
       </p:sp>
       <p:sp>
         <p:nvSpPr>
-          <p:cNvPr id="12" name="PlaceHolder 2"/>
+          <p:cNvPr id="9" name="PlaceHolder 2"/>
           <p:cNvSpPr>
             <a:spLocks noGrp="1"/>
           </p:cNvSpPr>
@@ -3122,8 +2669,8 @@
         </p:nvSpPr>
         <p:spPr>
           <a:xfrm>
-            <a:off x="311760" y="1152360"/>
-            <a:ext cx="8520120" cy="3416040"/>
+            <a:off x="457200" y="1203480"/>
+            <a:ext cx="8228880" cy="2982600"/>
           </a:xfrm>
           <a:prstGeom prst="rect">
             <a:avLst/>
@@ -3134,7 +2681,7 @@
           </a:ln>
         </p:spPr>
         <p:txBody>
-          <a:bodyPr lIns="91440" rIns="91440" tIns="91440" bIns="91440" anchor="t">
+          <a:bodyPr lIns="0" rIns="0" tIns="0" bIns="0" anchor="t">
             <a:normAutofit/>
           </a:bodyPr>
           <a:p>
@@ -3337,7 +2884,7 @@
       </p:sp>
       <p:sp>
         <p:nvSpPr>
-          <p:cNvPr id="13" name="PlaceHolder 3"/>
+          <p:cNvPr id="10" name="PlaceHolder 3"/>
           <p:cNvSpPr>
             <a:spLocks noGrp="1"/>
           </p:cNvSpPr>
@@ -3348,7 +2895,7 @@
         <p:spPr>
           <a:xfrm>
             <a:off x="8472600" y="4663080"/>
-            <a:ext cx="548280" cy="393120"/>
+            <a:ext cx="547920" cy="392760"/>
           </a:xfrm>
           <a:prstGeom prst="rect">
             <a:avLst/>
@@ -3360,7 +2907,7 @@
         </p:spPr>
         <p:txBody>
           <a:bodyPr lIns="91440" rIns="91440" tIns="91440" bIns="91440" anchor="ctr">
-            <a:normAutofit/>
+            <a:noAutofit/>
           </a:bodyPr>
           <a:lstStyle>
             <a:lvl1pPr indent="0" algn="r">
@@ -3390,7 +2937,7 @@
                 <a:tab algn="l" pos="0"/>
               </a:tabLst>
             </a:pPr>
-            <a:fld id="{47A549CC-D231-4756-AA37-DFEF9182E38F}" type="slidenum">
+            <a:fld id="{51ECEE77-7066-4630-9667-399F82B088AF}" type="slidenum">
               <a:rPr b="0" lang="fr" sz="1000" spc="-1" strike="noStrike">
                 <a:solidFill>
                   <a:schemeClr val="dk2"/>
@@ -3414,9 +2961,6 @@
   <p:clrMap bg1="lt1" bg2="lt2" tx1="dk1" tx2="dk2" accent1="accent1" accent2="accent2" accent3="accent3" accent4="accent4" accent5="accent5" accent6="accent6" hlink="hlink" folHlink="folHlink"/>
   <p:sldLayoutIdLst>
     <p:sldLayoutId id="2147483657" r:id="rId2"/>
-    <p:sldLayoutId id="2147483658" r:id="rId3"/>
-    <p:sldLayoutId id="2147483659" r:id="rId4"/>
-    <p:sldLayoutId id="2147483660" r:id="rId5"/>
   </p:sldLayoutIdLst>
 </p:sldMaster>
 </file>
@@ -3447,7 +2991,7 @@
       </p:grpSpPr>
       <p:sp>
         <p:nvSpPr>
-          <p:cNvPr id="23" name="PlaceHolder 1"/>
+          <p:cNvPr id="13" name="PlaceHolder 1"/>
           <p:cNvSpPr>
             <a:spLocks noGrp="1"/>
           </p:cNvSpPr>
@@ -3457,8 +3001,8 @@
         </p:nvSpPr>
         <p:spPr>
           <a:xfrm>
-            <a:off x="311760" y="444960"/>
-            <a:ext cx="8520120" cy="572400"/>
+            <a:off x="311760" y="744480"/>
+            <a:ext cx="8519760" cy="2052000"/>
           </a:xfrm>
           <a:prstGeom prst="rect">
             <a:avLst/>
@@ -3469,15 +3013,15 @@
           </a:ln>
         </p:spPr>
         <p:txBody>
-          <a:bodyPr lIns="91440" rIns="91440" tIns="91440" bIns="91440" anchor="t">
-            <a:normAutofit fontScale="93550"/>
+          <a:bodyPr lIns="0" rIns="0" tIns="0" bIns="0" anchor="ctr">
+            <a:noAutofit/>
           </a:bodyPr>
           <a:p>
             <a:pPr indent="0">
               <a:buNone/>
             </a:pPr>
             <a:r>
-              <a:rPr b="0" lang="en-GB" sz="2800" spc="-1" strike="noStrike">
+              <a:rPr b="0" lang="en-GB" sz="1800" spc="-1" strike="noStrike">
                 <a:solidFill>
                   <a:srgbClr val="000000"/>
                 </a:solidFill>
@@ -3485,7 +3029,7 @@
               </a:rPr>
               <a:t>Click to edit the title text format</a:t>
             </a:r>
-            <a:endParaRPr b="0" lang="en-GB" sz="2800" spc="-1" strike="noStrike">
+            <a:endParaRPr b="0" lang="en-GB" sz="1800" spc="-1" strike="noStrike">
               <a:solidFill>
                 <a:srgbClr val="000000"/>
               </a:solidFill>
@@ -3496,457 +3040,7 @@
       </p:sp>
       <p:sp>
         <p:nvSpPr>
-          <p:cNvPr id="24" name="PlaceHolder 2"/>
-          <p:cNvSpPr>
-            <a:spLocks noGrp="1"/>
-          </p:cNvSpPr>
-          <p:nvPr>
-            <p:ph type="body"/>
-          </p:nvPr>
-        </p:nvSpPr>
-        <p:spPr>
-          <a:xfrm>
-            <a:off x="311760" y="1152360"/>
-            <a:ext cx="3999600" cy="3416040"/>
-          </a:xfrm>
-          <a:prstGeom prst="rect">
-            <a:avLst/>
-          </a:prstGeom>
-          <a:noFill/>
-          <a:ln w="0">
-            <a:noFill/>
-          </a:ln>
-        </p:spPr>
-        <p:txBody>
-          <a:bodyPr lIns="91440" rIns="91440" tIns="91440" bIns="91440" anchor="t">
-            <a:normAutofit/>
-          </a:bodyPr>
-          <a:p>
-            <a:pPr marL="432000" indent="-324000">
-              <a:spcBef>
-                <a:spcPts val="1417"/>
-              </a:spcBef>
-              <a:buClr>
-                <a:srgbClr val="000000"/>
-              </a:buClr>
-              <a:buSzPct val="45000"/>
-              <a:buFont typeface="Wingdings" charset="2"/>
-              <a:buChar char=""/>
-            </a:pPr>
-            <a:r>
-              <a:rPr b="0" lang="en-GB" sz="1400" spc="-1" strike="noStrike">
-                <a:solidFill>
-                  <a:srgbClr val="000000"/>
-                </a:solidFill>
-                <a:latin typeface="Arial"/>
-              </a:rPr>
-              <a:t>Click to edit the outline text format</a:t>
-            </a:r>
-            <a:endParaRPr b="0" lang="en-GB" sz="1400" spc="-1" strike="noStrike">
-              <a:solidFill>
-                <a:srgbClr val="000000"/>
-              </a:solidFill>
-              <a:latin typeface="Arial"/>
-            </a:endParaRPr>
-          </a:p>
-          <a:p>
-            <a:pPr lvl="1" marL="864000" indent="-324000">
-              <a:spcBef>
-                <a:spcPts val="1134"/>
-              </a:spcBef>
-              <a:buClr>
-                <a:srgbClr val="000000"/>
-              </a:buClr>
-              <a:buSzPct val="75000"/>
-              <a:buFont typeface="Symbol" charset="2"/>
-              <a:buChar char=""/>
-            </a:pPr>
-            <a:r>
-              <a:rPr b="0" lang="en-GB" sz="1400" spc="-1" strike="noStrike">
-                <a:solidFill>
-                  <a:srgbClr val="000000"/>
-                </a:solidFill>
-                <a:latin typeface="Arial"/>
-              </a:rPr>
-              <a:t>Second Outline Level</a:t>
-            </a:r>
-            <a:endParaRPr b="0" lang="en-GB" sz="1400" spc="-1" strike="noStrike">
-              <a:solidFill>
-                <a:srgbClr val="000000"/>
-              </a:solidFill>
-              <a:latin typeface="Arial"/>
-            </a:endParaRPr>
-          </a:p>
-          <a:p>
-            <a:pPr lvl="2" marL="1296000" indent="-288000">
-              <a:spcBef>
-                <a:spcPts val="850"/>
-              </a:spcBef>
-              <a:buClr>
-                <a:srgbClr val="000000"/>
-              </a:buClr>
-              <a:buSzPct val="45000"/>
-              <a:buFont typeface="Wingdings" charset="2"/>
-              <a:buChar char=""/>
-            </a:pPr>
-            <a:r>
-              <a:rPr b="0" lang="en-GB" sz="1400" spc="-1" strike="noStrike">
-                <a:solidFill>
-                  <a:srgbClr val="000000"/>
-                </a:solidFill>
-                <a:latin typeface="Arial"/>
-              </a:rPr>
-              <a:t>Third Outline Level</a:t>
-            </a:r>
-            <a:endParaRPr b="0" lang="en-GB" sz="1400" spc="-1" strike="noStrike">
-              <a:solidFill>
-                <a:srgbClr val="000000"/>
-              </a:solidFill>
-              <a:latin typeface="Arial"/>
-            </a:endParaRPr>
-          </a:p>
-          <a:p>
-            <a:pPr lvl="3" marL="1728000" indent="-216000">
-              <a:spcBef>
-                <a:spcPts val="567"/>
-              </a:spcBef>
-              <a:buClr>
-                <a:srgbClr val="000000"/>
-              </a:buClr>
-              <a:buSzPct val="75000"/>
-              <a:buFont typeface="Symbol" charset="2"/>
-              <a:buChar char=""/>
-            </a:pPr>
-            <a:r>
-              <a:rPr b="0" lang="en-GB" sz="1400" spc="-1" strike="noStrike">
-                <a:solidFill>
-                  <a:srgbClr val="000000"/>
-                </a:solidFill>
-                <a:latin typeface="Arial"/>
-              </a:rPr>
-              <a:t>Fourth Outline Level</a:t>
-            </a:r>
-            <a:endParaRPr b="0" lang="en-GB" sz="1400" spc="-1" strike="noStrike">
-              <a:solidFill>
-                <a:srgbClr val="000000"/>
-              </a:solidFill>
-              <a:latin typeface="Arial"/>
-            </a:endParaRPr>
-          </a:p>
-          <a:p>
-            <a:pPr lvl="4" marL="2160000" indent="-216000">
-              <a:spcBef>
-                <a:spcPts val="283"/>
-              </a:spcBef>
-              <a:buClr>
-                <a:srgbClr val="000000"/>
-              </a:buClr>
-              <a:buSzPct val="45000"/>
-              <a:buFont typeface="Wingdings" charset="2"/>
-              <a:buChar char=""/>
-            </a:pPr>
-            <a:r>
-              <a:rPr b="0" lang="en-GB" sz="1400" spc="-1" strike="noStrike">
-                <a:solidFill>
-                  <a:srgbClr val="000000"/>
-                </a:solidFill>
-                <a:latin typeface="Arial"/>
-              </a:rPr>
-              <a:t>Fifth Outline Level</a:t>
-            </a:r>
-            <a:endParaRPr b="0" lang="en-GB" sz="1400" spc="-1" strike="noStrike">
-              <a:solidFill>
-                <a:srgbClr val="000000"/>
-              </a:solidFill>
-              <a:latin typeface="Arial"/>
-            </a:endParaRPr>
-          </a:p>
-          <a:p>
-            <a:pPr lvl="5" marL="2592000" indent="-216000">
-              <a:spcBef>
-                <a:spcPts val="283"/>
-              </a:spcBef>
-              <a:buClr>
-                <a:srgbClr val="000000"/>
-              </a:buClr>
-              <a:buSzPct val="45000"/>
-              <a:buFont typeface="Wingdings" charset="2"/>
-              <a:buChar char=""/>
-            </a:pPr>
-            <a:r>
-              <a:rPr b="0" lang="en-GB" sz="1400" spc="-1" strike="noStrike">
-                <a:solidFill>
-                  <a:srgbClr val="000000"/>
-                </a:solidFill>
-                <a:latin typeface="Arial"/>
-              </a:rPr>
-              <a:t>Sixth Outline Level</a:t>
-            </a:r>
-            <a:endParaRPr b="0" lang="en-GB" sz="1400" spc="-1" strike="noStrike">
-              <a:solidFill>
-                <a:srgbClr val="000000"/>
-              </a:solidFill>
-              <a:latin typeface="Arial"/>
-            </a:endParaRPr>
-          </a:p>
-          <a:p>
-            <a:pPr lvl="6" marL="3024000" indent="-216000">
-              <a:spcBef>
-                <a:spcPts val="283"/>
-              </a:spcBef>
-              <a:buClr>
-                <a:srgbClr val="000000"/>
-              </a:buClr>
-              <a:buSzPct val="45000"/>
-              <a:buFont typeface="Wingdings" charset="2"/>
-              <a:buChar char=""/>
-            </a:pPr>
-            <a:r>
-              <a:rPr b="0" lang="en-GB" sz="1400" spc="-1" strike="noStrike">
-                <a:solidFill>
-                  <a:srgbClr val="000000"/>
-                </a:solidFill>
-                <a:latin typeface="Arial"/>
-              </a:rPr>
-              <a:t>Seventh Outline Level</a:t>
-            </a:r>
-            <a:endParaRPr b="0" lang="en-GB" sz="1400" spc="-1" strike="noStrike">
-              <a:solidFill>
-                <a:srgbClr val="000000"/>
-              </a:solidFill>
-              <a:latin typeface="Arial"/>
-            </a:endParaRPr>
-          </a:p>
-        </p:txBody>
-      </p:sp>
-      <p:sp>
-        <p:nvSpPr>
-          <p:cNvPr id="25" name="PlaceHolder 3"/>
-          <p:cNvSpPr>
-            <a:spLocks noGrp="1"/>
-          </p:cNvSpPr>
-          <p:nvPr>
-            <p:ph type="body"/>
-          </p:nvPr>
-        </p:nvSpPr>
-        <p:spPr>
-          <a:xfrm>
-            <a:off x="4832280" y="1152360"/>
-            <a:ext cx="3999600" cy="3416040"/>
-          </a:xfrm>
-          <a:prstGeom prst="rect">
-            <a:avLst/>
-          </a:prstGeom>
-          <a:noFill/>
-          <a:ln w="0">
-            <a:noFill/>
-          </a:ln>
-        </p:spPr>
-        <p:txBody>
-          <a:bodyPr lIns="91440" rIns="91440" tIns="91440" bIns="91440" anchor="t">
-            <a:normAutofit/>
-          </a:bodyPr>
-          <a:p>
-            <a:pPr marL="432000" indent="-324000">
-              <a:spcBef>
-                <a:spcPts val="1417"/>
-              </a:spcBef>
-              <a:buClr>
-                <a:srgbClr val="000000"/>
-              </a:buClr>
-              <a:buSzPct val="45000"/>
-              <a:buFont typeface="Wingdings" charset="2"/>
-              <a:buChar char=""/>
-            </a:pPr>
-            <a:r>
-              <a:rPr b="0" lang="en-GB" sz="1400" spc="-1" strike="noStrike">
-                <a:solidFill>
-                  <a:srgbClr val="000000"/>
-                </a:solidFill>
-                <a:latin typeface="Arial"/>
-              </a:rPr>
-              <a:t>Click to edit the outline text format</a:t>
-            </a:r>
-            <a:endParaRPr b="0" lang="en-GB" sz="1400" spc="-1" strike="noStrike">
-              <a:solidFill>
-                <a:srgbClr val="000000"/>
-              </a:solidFill>
-              <a:latin typeface="Arial"/>
-            </a:endParaRPr>
-          </a:p>
-          <a:p>
-            <a:pPr lvl="1" marL="864000" indent="-324000">
-              <a:spcBef>
-                <a:spcPts val="1134"/>
-              </a:spcBef>
-              <a:buClr>
-                <a:srgbClr val="000000"/>
-              </a:buClr>
-              <a:buSzPct val="75000"/>
-              <a:buFont typeface="Symbol" charset="2"/>
-              <a:buChar char=""/>
-            </a:pPr>
-            <a:r>
-              <a:rPr b="0" lang="en-GB" sz="1400" spc="-1" strike="noStrike">
-                <a:solidFill>
-                  <a:srgbClr val="000000"/>
-                </a:solidFill>
-                <a:latin typeface="Arial"/>
-              </a:rPr>
-              <a:t>Second Outline Level</a:t>
-            </a:r>
-            <a:endParaRPr b="0" lang="en-GB" sz="1400" spc="-1" strike="noStrike">
-              <a:solidFill>
-                <a:srgbClr val="000000"/>
-              </a:solidFill>
-              <a:latin typeface="Arial"/>
-            </a:endParaRPr>
-          </a:p>
-          <a:p>
-            <a:pPr lvl="2" marL="1296000" indent="-288000">
-              <a:spcBef>
-                <a:spcPts val="850"/>
-              </a:spcBef>
-              <a:buClr>
-                <a:srgbClr val="000000"/>
-              </a:buClr>
-              <a:buSzPct val="45000"/>
-              <a:buFont typeface="Wingdings" charset="2"/>
-              <a:buChar char=""/>
-            </a:pPr>
-            <a:r>
-              <a:rPr b="0" lang="en-GB" sz="1400" spc="-1" strike="noStrike">
-                <a:solidFill>
-                  <a:srgbClr val="000000"/>
-                </a:solidFill>
-                <a:latin typeface="Arial"/>
-              </a:rPr>
-              <a:t>Third Outline Level</a:t>
-            </a:r>
-            <a:endParaRPr b="0" lang="en-GB" sz="1400" spc="-1" strike="noStrike">
-              <a:solidFill>
-                <a:srgbClr val="000000"/>
-              </a:solidFill>
-              <a:latin typeface="Arial"/>
-            </a:endParaRPr>
-          </a:p>
-          <a:p>
-            <a:pPr lvl="3" marL="1728000" indent="-216000">
-              <a:spcBef>
-                <a:spcPts val="567"/>
-              </a:spcBef>
-              <a:buClr>
-                <a:srgbClr val="000000"/>
-              </a:buClr>
-              <a:buSzPct val="75000"/>
-              <a:buFont typeface="Symbol" charset="2"/>
-              <a:buChar char=""/>
-            </a:pPr>
-            <a:r>
-              <a:rPr b="0" lang="en-GB" sz="1400" spc="-1" strike="noStrike">
-                <a:solidFill>
-                  <a:srgbClr val="000000"/>
-                </a:solidFill>
-                <a:latin typeface="Arial"/>
-              </a:rPr>
-              <a:t>Fourth Outline Level</a:t>
-            </a:r>
-            <a:endParaRPr b="0" lang="en-GB" sz="1400" spc="-1" strike="noStrike">
-              <a:solidFill>
-                <a:srgbClr val="000000"/>
-              </a:solidFill>
-              <a:latin typeface="Arial"/>
-            </a:endParaRPr>
-          </a:p>
-          <a:p>
-            <a:pPr lvl="4" marL="2160000" indent="-216000">
-              <a:spcBef>
-                <a:spcPts val="283"/>
-              </a:spcBef>
-              <a:buClr>
-                <a:srgbClr val="000000"/>
-              </a:buClr>
-              <a:buSzPct val="45000"/>
-              <a:buFont typeface="Wingdings" charset="2"/>
-              <a:buChar char=""/>
-            </a:pPr>
-            <a:r>
-              <a:rPr b="0" lang="en-GB" sz="1400" spc="-1" strike="noStrike">
-                <a:solidFill>
-                  <a:srgbClr val="000000"/>
-                </a:solidFill>
-                <a:latin typeface="Arial"/>
-              </a:rPr>
-              <a:t>Fifth Outline Level</a:t>
-            </a:r>
-            <a:endParaRPr b="0" lang="en-GB" sz="1400" spc="-1" strike="noStrike">
-              <a:solidFill>
-                <a:srgbClr val="000000"/>
-              </a:solidFill>
-              <a:latin typeface="Arial"/>
-            </a:endParaRPr>
-          </a:p>
-          <a:p>
-            <a:pPr lvl="5" marL="2592000" indent="-216000">
-              <a:spcBef>
-                <a:spcPts val="283"/>
-              </a:spcBef>
-              <a:buClr>
-                <a:srgbClr val="000000"/>
-              </a:buClr>
-              <a:buSzPct val="45000"/>
-              <a:buFont typeface="Wingdings" charset="2"/>
-              <a:buChar char=""/>
-            </a:pPr>
-            <a:r>
-              <a:rPr b="0" lang="en-GB" sz="1400" spc="-1" strike="noStrike">
-                <a:solidFill>
-                  <a:srgbClr val="000000"/>
-                </a:solidFill>
-                <a:latin typeface="Arial"/>
-              </a:rPr>
-              <a:t>Sixth Outline Level</a:t>
-            </a:r>
-            <a:endParaRPr b="0" lang="en-GB" sz="1400" spc="-1" strike="noStrike">
-              <a:solidFill>
-                <a:srgbClr val="000000"/>
-              </a:solidFill>
-              <a:latin typeface="Arial"/>
-            </a:endParaRPr>
-          </a:p>
-          <a:p>
-            <a:pPr lvl="6" marL="3024000" indent="-216000">
-              <a:spcBef>
-                <a:spcPts val="283"/>
-              </a:spcBef>
-              <a:buClr>
-                <a:srgbClr val="000000"/>
-              </a:buClr>
-              <a:buSzPct val="45000"/>
-              <a:buFont typeface="Wingdings" charset="2"/>
-              <a:buChar char=""/>
-            </a:pPr>
-            <a:r>
-              <a:rPr b="0" lang="en-GB" sz="1400" spc="-1" strike="noStrike">
-                <a:solidFill>
-                  <a:srgbClr val="000000"/>
-                </a:solidFill>
-                <a:latin typeface="Arial"/>
-              </a:rPr>
-              <a:t>Seventh Outline Level</a:t>
-            </a:r>
-            <a:endParaRPr b="0" lang="en-GB" sz="1400" spc="-1" strike="noStrike">
-              <a:solidFill>
-                <a:srgbClr val="000000"/>
-              </a:solidFill>
-              <a:latin typeface="Arial"/>
-            </a:endParaRPr>
-          </a:p>
-        </p:txBody>
-      </p:sp>
-      <p:sp>
-        <p:nvSpPr>
-          <p:cNvPr id="26" name="PlaceHolder 4"/>
+          <p:cNvPr id="14" name="PlaceHolder 2"/>
           <p:cNvSpPr>
             <a:spLocks noGrp="1"/>
           </p:cNvSpPr>
@@ -3957,7 +3051,7 @@
         <p:spPr>
           <a:xfrm>
             <a:off x="8472600" y="4663080"/>
-            <a:ext cx="548280" cy="393120"/>
+            <a:ext cx="547920" cy="392760"/>
           </a:xfrm>
           <a:prstGeom prst="rect">
             <a:avLst/>
@@ -3969,7 +3063,7 @@
         </p:spPr>
         <p:txBody>
           <a:bodyPr lIns="91440" rIns="91440" tIns="91440" bIns="91440" anchor="ctr">
-            <a:normAutofit/>
+            <a:noAutofit/>
           </a:bodyPr>
           <a:lstStyle>
             <a:lvl1pPr indent="0" algn="r">
@@ -3999,7 +3093,7 @@
                 <a:tab algn="l" pos="0"/>
               </a:tabLst>
             </a:pPr>
-            <a:fld id="{98C52952-6CC4-434B-862B-B434285644E3}" type="slidenum">
+            <a:fld id="{03C9407C-3E9C-4C32-B08F-82FA50D8DAFB}" type="slidenum">
               <a:rPr b="0" lang="fr" sz="1000" spc="-1" strike="noStrike">
                 <a:solidFill>
                   <a:schemeClr val="dk2"/>
@@ -4014,6 +3108,231 @@
                 <a:srgbClr val="000000"/>
               </a:solidFill>
               <a:latin typeface="Times New Roman"/>
+            </a:endParaRPr>
+          </a:p>
+        </p:txBody>
+      </p:sp>
+      <p:sp>
+        <p:nvSpPr>
+          <p:cNvPr id="15" name="PlaceHolder 3"/>
+          <p:cNvSpPr>
+            <a:spLocks noGrp="1"/>
+          </p:cNvSpPr>
+          <p:nvPr>
+            <p:ph type="body"/>
+          </p:nvPr>
+        </p:nvSpPr>
+        <p:spPr>
+          <a:xfrm>
+            <a:off x="457200" y="1203480"/>
+            <a:ext cx="8229240" cy="2982960"/>
+          </a:xfrm>
+          <a:prstGeom prst="rect">
+            <a:avLst/>
+          </a:prstGeom>
+          <a:noFill/>
+          <a:ln w="0">
+            <a:noFill/>
+          </a:ln>
+        </p:spPr>
+        <p:txBody>
+          <a:bodyPr lIns="0" rIns="0" tIns="0" bIns="0" anchor="t">
+            <a:normAutofit/>
+          </a:bodyPr>
+          <a:p>
+            <a:pPr marL="432000" indent="-324000">
+              <a:spcBef>
+                <a:spcPts val="1417"/>
+              </a:spcBef>
+              <a:buClr>
+                <a:srgbClr val="000000"/>
+              </a:buClr>
+              <a:buSzPct val="45000"/>
+              <a:buFont typeface="Wingdings" charset="2"/>
+              <a:buChar char=""/>
+            </a:pPr>
+            <a:r>
+              <a:rPr b="0" lang="en-GB" sz="3200" spc="-1" strike="noStrike">
+                <a:solidFill>
+                  <a:srgbClr val="000000"/>
+                </a:solidFill>
+                <a:latin typeface="Arial"/>
+              </a:rPr>
+              <a:t>Click to edit the outline text format</a:t>
+            </a:r>
+            <a:endParaRPr b="0" lang="en-GB" sz="3200" spc="-1" strike="noStrike">
+              <a:solidFill>
+                <a:srgbClr val="000000"/>
+              </a:solidFill>
+              <a:latin typeface="Arial"/>
+            </a:endParaRPr>
+          </a:p>
+          <a:p>
+            <a:pPr lvl="1" marL="864000" indent="-324000">
+              <a:spcBef>
+                <a:spcPts val="1134"/>
+              </a:spcBef>
+              <a:buClr>
+                <a:srgbClr val="000000"/>
+              </a:buClr>
+              <a:buSzPct val="75000"/>
+              <a:buFont typeface="Symbol" charset="2"/>
+              <a:buChar char=""/>
+            </a:pPr>
+            <a:r>
+              <a:rPr b="0" lang="en-GB" sz="2800" spc="-1" strike="noStrike">
+                <a:solidFill>
+                  <a:srgbClr val="000000"/>
+                </a:solidFill>
+                <a:latin typeface="Arial"/>
+              </a:rPr>
+              <a:t>Second Outline Level</a:t>
+            </a:r>
+            <a:endParaRPr b="0" lang="en-GB" sz="2800" spc="-1" strike="noStrike">
+              <a:solidFill>
+                <a:srgbClr val="000000"/>
+              </a:solidFill>
+              <a:latin typeface="Arial"/>
+            </a:endParaRPr>
+          </a:p>
+          <a:p>
+            <a:pPr lvl="2" marL="1296000" indent="-288000">
+              <a:spcBef>
+                <a:spcPts val="850"/>
+              </a:spcBef>
+              <a:buClr>
+                <a:srgbClr val="000000"/>
+              </a:buClr>
+              <a:buSzPct val="45000"/>
+              <a:buFont typeface="Wingdings" charset="2"/>
+              <a:buChar char=""/>
+            </a:pPr>
+            <a:r>
+              <a:rPr b="0" lang="en-GB" sz="2400" spc="-1" strike="noStrike">
+                <a:solidFill>
+                  <a:srgbClr val="000000"/>
+                </a:solidFill>
+                <a:latin typeface="Arial"/>
+              </a:rPr>
+              <a:t>Third Outline Level</a:t>
+            </a:r>
+            <a:endParaRPr b="0" lang="en-GB" sz="2400" spc="-1" strike="noStrike">
+              <a:solidFill>
+                <a:srgbClr val="000000"/>
+              </a:solidFill>
+              <a:latin typeface="Arial"/>
+            </a:endParaRPr>
+          </a:p>
+          <a:p>
+            <a:pPr lvl="3" marL="1728000" indent="-216000">
+              <a:spcBef>
+                <a:spcPts val="567"/>
+              </a:spcBef>
+              <a:buClr>
+                <a:srgbClr val="000000"/>
+              </a:buClr>
+              <a:buSzPct val="75000"/>
+              <a:buFont typeface="Symbol" charset="2"/>
+              <a:buChar char=""/>
+            </a:pPr>
+            <a:r>
+              <a:rPr b="0" lang="en-GB" sz="2000" spc="-1" strike="noStrike">
+                <a:solidFill>
+                  <a:srgbClr val="000000"/>
+                </a:solidFill>
+                <a:latin typeface="Arial"/>
+              </a:rPr>
+              <a:t>Fourth Outline Level</a:t>
+            </a:r>
+            <a:endParaRPr b="0" lang="en-GB" sz="2000" spc="-1" strike="noStrike">
+              <a:solidFill>
+                <a:srgbClr val="000000"/>
+              </a:solidFill>
+              <a:latin typeface="Arial"/>
+            </a:endParaRPr>
+          </a:p>
+          <a:p>
+            <a:pPr lvl="4" marL="2160000" indent="-216000">
+              <a:spcBef>
+                <a:spcPts val="283"/>
+              </a:spcBef>
+              <a:buClr>
+                <a:srgbClr val="000000"/>
+              </a:buClr>
+              <a:buSzPct val="45000"/>
+              <a:buFont typeface="Wingdings" charset="2"/>
+              <a:buChar char=""/>
+            </a:pPr>
+            <a:r>
+              <a:rPr b="0" lang="en-GB" sz="2000" spc="-1" strike="noStrike">
+                <a:solidFill>
+                  <a:srgbClr val="000000"/>
+                </a:solidFill>
+                <a:latin typeface="Arial"/>
+              </a:rPr>
+              <a:t>Fifth Outline Level</a:t>
+            </a:r>
+            <a:endParaRPr b="0" lang="en-GB" sz="2000" spc="-1" strike="noStrike">
+              <a:solidFill>
+                <a:srgbClr val="000000"/>
+              </a:solidFill>
+              <a:latin typeface="Arial"/>
+            </a:endParaRPr>
+          </a:p>
+          <a:p>
+            <a:pPr lvl="5" marL="2592000" indent="-216000">
+              <a:spcBef>
+                <a:spcPts val="283"/>
+              </a:spcBef>
+              <a:buClr>
+                <a:srgbClr val="000000"/>
+              </a:buClr>
+              <a:buSzPct val="45000"/>
+              <a:buFont typeface="Wingdings" charset="2"/>
+              <a:buChar char=""/>
+            </a:pPr>
+            <a:r>
+              <a:rPr b="0" lang="en-GB" sz="2000" spc="-1" strike="noStrike">
+                <a:solidFill>
+                  <a:srgbClr val="000000"/>
+                </a:solidFill>
+                <a:latin typeface="Arial"/>
+              </a:rPr>
+              <a:t>Sixth Outline Level</a:t>
+            </a:r>
+            <a:endParaRPr b="0" lang="en-GB" sz="2000" spc="-1" strike="noStrike">
+              <a:solidFill>
+                <a:srgbClr val="000000"/>
+              </a:solidFill>
+              <a:latin typeface="Arial"/>
+            </a:endParaRPr>
+          </a:p>
+          <a:p>
+            <a:pPr lvl="6" marL="3024000" indent="-216000">
+              <a:spcBef>
+                <a:spcPts val="283"/>
+              </a:spcBef>
+              <a:buClr>
+                <a:srgbClr val="000000"/>
+              </a:buClr>
+              <a:buSzPct val="45000"/>
+              <a:buFont typeface="Wingdings" charset="2"/>
+              <a:buChar char=""/>
+            </a:pPr>
+            <a:r>
+              <a:rPr b="0" lang="en-GB" sz="2000" spc="-1" strike="noStrike">
+                <a:solidFill>
+                  <a:srgbClr val="000000"/>
+                </a:solidFill>
+                <a:latin typeface="Arial"/>
+              </a:rPr>
+              <a:t>Seventh Outline Level</a:t>
+            </a:r>
+            <a:endParaRPr b="0" lang="en-GB" sz="2000" spc="-1" strike="noStrike">
+              <a:solidFill>
+                <a:srgbClr val="000000"/>
+              </a:solidFill>
+              <a:latin typeface="Arial"/>
             </a:endParaRPr>
           </a:p>
         </p:txBody>
@@ -4022,7 +3341,7 @@
   </p:cSld>
   <p:clrMap bg1="lt1" bg2="lt2" tx1="dk1" tx2="dk2" accent1="accent1" accent2="accent2" accent3="accent3" accent4="accent4" accent5="accent5" accent6="accent6" hlink="hlink" folHlink="folHlink"/>
   <p:sldLayoutIdLst>
-    <p:sldLayoutId id="2147483662" r:id="rId2"/>
+    <p:sldLayoutId id="2147483659" r:id="rId2"/>
   </p:sldLayoutIdLst>
 </p:sldMaster>
 </file>
@@ -4053,7 +3372,7 @@
       </p:grpSpPr>
       <p:sp>
         <p:nvSpPr>
-          <p:cNvPr id="30" name="PlaceHolder 1"/>
+          <p:cNvPr id="17" name="PlaceHolder 1"/>
           <p:cNvSpPr>
             <a:spLocks noGrp="1"/>
           </p:cNvSpPr>
@@ -4063,8 +3382,8 @@
         </p:nvSpPr>
         <p:spPr>
           <a:xfrm>
-            <a:off x="311760" y="444960"/>
-            <a:ext cx="8520120" cy="572400"/>
+            <a:off x="311760" y="744480"/>
+            <a:ext cx="8519760" cy="2052000"/>
           </a:xfrm>
           <a:prstGeom prst="rect">
             <a:avLst/>
@@ -4075,15 +3394,15 @@
           </a:ln>
         </p:spPr>
         <p:txBody>
-          <a:bodyPr lIns="91440" rIns="91440" tIns="91440" bIns="91440" anchor="t">
-            <a:normAutofit fontScale="93550"/>
+          <a:bodyPr lIns="0" rIns="0" tIns="0" bIns="0" anchor="ctr">
+            <a:noAutofit/>
           </a:bodyPr>
           <a:p>
             <a:pPr indent="0">
               <a:buNone/>
             </a:pPr>
             <a:r>
-              <a:rPr b="0" lang="en-GB" sz="2800" spc="-1" strike="noStrike">
+              <a:rPr b="0" lang="en-GB" sz="1800" spc="-1" strike="noStrike">
                 <a:solidFill>
                   <a:srgbClr val="000000"/>
                 </a:solidFill>
@@ -4091,7 +3410,7 @@
               </a:rPr>
               <a:t>Click to edit the title text format</a:t>
             </a:r>
-            <a:endParaRPr b="0" lang="en-GB" sz="2800" spc="-1" strike="noStrike">
+            <a:endParaRPr b="0" lang="en-GB" sz="1800" spc="-1" strike="noStrike">
               <a:solidFill>
                 <a:srgbClr val="000000"/>
               </a:solidFill>
@@ -4102,7 +3421,457 @@
       </p:sp>
       <p:sp>
         <p:nvSpPr>
-          <p:cNvPr id="31" name="PlaceHolder 2"/>
+          <p:cNvPr id="18" name="PlaceHolder 2"/>
+          <p:cNvSpPr>
+            <a:spLocks noGrp="1"/>
+          </p:cNvSpPr>
+          <p:nvPr>
+            <p:ph type="body"/>
+          </p:nvPr>
+        </p:nvSpPr>
+        <p:spPr>
+          <a:xfrm>
+            <a:off x="457200" y="1203480"/>
+            <a:ext cx="4015440" cy="2982600"/>
+          </a:xfrm>
+          <a:prstGeom prst="rect">
+            <a:avLst/>
+          </a:prstGeom>
+          <a:noFill/>
+          <a:ln w="0">
+            <a:noFill/>
+          </a:ln>
+        </p:spPr>
+        <p:txBody>
+          <a:bodyPr lIns="0" rIns="0" tIns="0" bIns="0" anchor="t">
+            <a:normAutofit fontScale="87222"/>
+          </a:bodyPr>
+          <a:p>
+            <a:pPr marL="432000" indent="-324000">
+              <a:spcBef>
+                <a:spcPts val="1417"/>
+              </a:spcBef>
+              <a:buClr>
+                <a:srgbClr val="000000"/>
+              </a:buClr>
+              <a:buSzPct val="45000"/>
+              <a:buFont typeface="Wingdings" charset="2"/>
+              <a:buChar char=""/>
+            </a:pPr>
+            <a:r>
+              <a:rPr b="0" lang="en-GB" sz="1800" spc="-1" strike="noStrike">
+                <a:solidFill>
+                  <a:srgbClr val="000000"/>
+                </a:solidFill>
+                <a:latin typeface="Arial"/>
+              </a:rPr>
+              <a:t>Click to edit the outline text format</a:t>
+            </a:r>
+            <a:endParaRPr b="0" lang="en-GB" sz="1800" spc="-1" strike="noStrike">
+              <a:solidFill>
+                <a:srgbClr val="000000"/>
+              </a:solidFill>
+              <a:latin typeface="Arial"/>
+            </a:endParaRPr>
+          </a:p>
+          <a:p>
+            <a:pPr lvl="1" marL="864000" indent="-324000">
+              <a:spcBef>
+                <a:spcPts val="1134"/>
+              </a:spcBef>
+              <a:buClr>
+                <a:srgbClr val="000000"/>
+              </a:buClr>
+              <a:buSzPct val="75000"/>
+              <a:buFont typeface="Symbol" charset="2"/>
+              <a:buChar char=""/>
+            </a:pPr>
+            <a:r>
+              <a:rPr b="0" lang="en-GB" sz="1800" spc="-1" strike="noStrike">
+                <a:solidFill>
+                  <a:srgbClr val="000000"/>
+                </a:solidFill>
+                <a:latin typeface="Arial"/>
+              </a:rPr>
+              <a:t>Second Outline Level</a:t>
+            </a:r>
+            <a:endParaRPr b="0" lang="en-GB" sz="1800" spc="-1" strike="noStrike">
+              <a:solidFill>
+                <a:srgbClr val="000000"/>
+              </a:solidFill>
+              <a:latin typeface="Arial"/>
+            </a:endParaRPr>
+          </a:p>
+          <a:p>
+            <a:pPr lvl="2" marL="1296000" indent="-288000">
+              <a:spcBef>
+                <a:spcPts val="850"/>
+              </a:spcBef>
+              <a:buClr>
+                <a:srgbClr val="000000"/>
+              </a:buClr>
+              <a:buSzPct val="45000"/>
+              <a:buFont typeface="Wingdings" charset="2"/>
+              <a:buChar char=""/>
+            </a:pPr>
+            <a:r>
+              <a:rPr b="0" lang="en-GB" sz="1800" spc="-1" strike="noStrike">
+                <a:solidFill>
+                  <a:srgbClr val="000000"/>
+                </a:solidFill>
+                <a:latin typeface="Arial"/>
+              </a:rPr>
+              <a:t>Third Outline Level</a:t>
+            </a:r>
+            <a:endParaRPr b="0" lang="en-GB" sz="1800" spc="-1" strike="noStrike">
+              <a:solidFill>
+                <a:srgbClr val="000000"/>
+              </a:solidFill>
+              <a:latin typeface="Arial"/>
+            </a:endParaRPr>
+          </a:p>
+          <a:p>
+            <a:pPr lvl="3" marL="1728000" indent="-216000">
+              <a:spcBef>
+                <a:spcPts val="567"/>
+              </a:spcBef>
+              <a:buClr>
+                <a:srgbClr val="000000"/>
+              </a:buClr>
+              <a:buSzPct val="75000"/>
+              <a:buFont typeface="Symbol" charset="2"/>
+              <a:buChar char=""/>
+            </a:pPr>
+            <a:r>
+              <a:rPr b="0" lang="en-GB" sz="1800" spc="-1" strike="noStrike">
+                <a:solidFill>
+                  <a:srgbClr val="000000"/>
+                </a:solidFill>
+                <a:latin typeface="Arial"/>
+              </a:rPr>
+              <a:t>Fourth Outline Level</a:t>
+            </a:r>
+            <a:endParaRPr b="0" lang="en-GB" sz="1800" spc="-1" strike="noStrike">
+              <a:solidFill>
+                <a:srgbClr val="000000"/>
+              </a:solidFill>
+              <a:latin typeface="Arial"/>
+            </a:endParaRPr>
+          </a:p>
+          <a:p>
+            <a:pPr lvl="4" marL="2160000" indent="-216000">
+              <a:spcBef>
+                <a:spcPts val="283"/>
+              </a:spcBef>
+              <a:buClr>
+                <a:srgbClr val="000000"/>
+              </a:buClr>
+              <a:buSzPct val="45000"/>
+              <a:buFont typeface="Wingdings" charset="2"/>
+              <a:buChar char=""/>
+            </a:pPr>
+            <a:r>
+              <a:rPr b="0" lang="en-GB" sz="1800" spc="-1" strike="noStrike">
+                <a:solidFill>
+                  <a:srgbClr val="000000"/>
+                </a:solidFill>
+                <a:latin typeface="Arial"/>
+              </a:rPr>
+              <a:t>Fifth Outline Level</a:t>
+            </a:r>
+            <a:endParaRPr b="0" lang="en-GB" sz="1800" spc="-1" strike="noStrike">
+              <a:solidFill>
+                <a:srgbClr val="000000"/>
+              </a:solidFill>
+              <a:latin typeface="Arial"/>
+            </a:endParaRPr>
+          </a:p>
+          <a:p>
+            <a:pPr lvl="5" marL="2592000" indent="-216000">
+              <a:spcBef>
+                <a:spcPts val="283"/>
+              </a:spcBef>
+              <a:buClr>
+                <a:srgbClr val="000000"/>
+              </a:buClr>
+              <a:buSzPct val="45000"/>
+              <a:buFont typeface="Wingdings" charset="2"/>
+              <a:buChar char=""/>
+            </a:pPr>
+            <a:r>
+              <a:rPr b="0" lang="en-GB" sz="1800" spc="-1" strike="noStrike">
+                <a:solidFill>
+                  <a:srgbClr val="000000"/>
+                </a:solidFill>
+                <a:latin typeface="Arial"/>
+              </a:rPr>
+              <a:t>Sixth Outline Level</a:t>
+            </a:r>
+            <a:endParaRPr b="0" lang="en-GB" sz="1800" spc="-1" strike="noStrike">
+              <a:solidFill>
+                <a:srgbClr val="000000"/>
+              </a:solidFill>
+              <a:latin typeface="Arial"/>
+            </a:endParaRPr>
+          </a:p>
+          <a:p>
+            <a:pPr lvl="6" marL="3024000" indent="-216000">
+              <a:spcBef>
+                <a:spcPts val="283"/>
+              </a:spcBef>
+              <a:buClr>
+                <a:srgbClr val="000000"/>
+              </a:buClr>
+              <a:buSzPct val="45000"/>
+              <a:buFont typeface="Wingdings" charset="2"/>
+              <a:buChar char=""/>
+            </a:pPr>
+            <a:r>
+              <a:rPr b="0" lang="en-GB" sz="1800" spc="-1" strike="noStrike">
+                <a:solidFill>
+                  <a:srgbClr val="000000"/>
+                </a:solidFill>
+                <a:latin typeface="Arial"/>
+              </a:rPr>
+              <a:t>Seventh Outline Level</a:t>
+            </a:r>
+            <a:endParaRPr b="0" lang="en-GB" sz="1800" spc="-1" strike="noStrike">
+              <a:solidFill>
+                <a:srgbClr val="000000"/>
+              </a:solidFill>
+              <a:latin typeface="Arial"/>
+            </a:endParaRPr>
+          </a:p>
+        </p:txBody>
+      </p:sp>
+      <p:sp>
+        <p:nvSpPr>
+          <p:cNvPr id="19" name="PlaceHolder 3"/>
+          <p:cNvSpPr>
+            <a:spLocks noGrp="1"/>
+          </p:cNvSpPr>
+          <p:nvPr>
+            <p:ph type="body"/>
+          </p:nvPr>
+        </p:nvSpPr>
+        <p:spPr>
+          <a:xfrm>
+            <a:off x="4674240" y="1203480"/>
+            <a:ext cx="4015440" cy="2982600"/>
+          </a:xfrm>
+          <a:prstGeom prst="rect">
+            <a:avLst/>
+          </a:prstGeom>
+          <a:noFill/>
+          <a:ln w="0">
+            <a:noFill/>
+          </a:ln>
+        </p:spPr>
+        <p:txBody>
+          <a:bodyPr lIns="0" rIns="0" tIns="0" bIns="0" anchor="t">
+            <a:normAutofit fontScale="87222"/>
+          </a:bodyPr>
+          <a:p>
+            <a:pPr marL="432000" indent="-324000">
+              <a:spcBef>
+                <a:spcPts val="1417"/>
+              </a:spcBef>
+              <a:buClr>
+                <a:srgbClr val="000000"/>
+              </a:buClr>
+              <a:buSzPct val="45000"/>
+              <a:buFont typeface="Wingdings" charset="2"/>
+              <a:buChar char=""/>
+            </a:pPr>
+            <a:r>
+              <a:rPr b="0" lang="en-GB" sz="1800" spc="-1" strike="noStrike">
+                <a:solidFill>
+                  <a:srgbClr val="000000"/>
+                </a:solidFill>
+                <a:latin typeface="Arial"/>
+              </a:rPr>
+              <a:t>Click to edit the outline text format</a:t>
+            </a:r>
+            <a:endParaRPr b="0" lang="en-GB" sz="1800" spc="-1" strike="noStrike">
+              <a:solidFill>
+                <a:srgbClr val="000000"/>
+              </a:solidFill>
+              <a:latin typeface="Arial"/>
+            </a:endParaRPr>
+          </a:p>
+          <a:p>
+            <a:pPr lvl="1" marL="864000" indent="-324000">
+              <a:spcBef>
+                <a:spcPts val="1134"/>
+              </a:spcBef>
+              <a:buClr>
+                <a:srgbClr val="000000"/>
+              </a:buClr>
+              <a:buSzPct val="75000"/>
+              <a:buFont typeface="Symbol" charset="2"/>
+              <a:buChar char=""/>
+            </a:pPr>
+            <a:r>
+              <a:rPr b="0" lang="en-GB" sz="1800" spc="-1" strike="noStrike">
+                <a:solidFill>
+                  <a:srgbClr val="000000"/>
+                </a:solidFill>
+                <a:latin typeface="Arial"/>
+              </a:rPr>
+              <a:t>Second Outline Level</a:t>
+            </a:r>
+            <a:endParaRPr b="0" lang="en-GB" sz="1800" spc="-1" strike="noStrike">
+              <a:solidFill>
+                <a:srgbClr val="000000"/>
+              </a:solidFill>
+              <a:latin typeface="Arial"/>
+            </a:endParaRPr>
+          </a:p>
+          <a:p>
+            <a:pPr lvl="2" marL="1296000" indent="-288000">
+              <a:spcBef>
+                <a:spcPts val="850"/>
+              </a:spcBef>
+              <a:buClr>
+                <a:srgbClr val="000000"/>
+              </a:buClr>
+              <a:buSzPct val="45000"/>
+              <a:buFont typeface="Wingdings" charset="2"/>
+              <a:buChar char=""/>
+            </a:pPr>
+            <a:r>
+              <a:rPr b="0" lang="en-GB" sz="1800" spc="-1" strike="noStrike">
+                <a:solidFill>
+                  <a:srgbClr val="000000"/>
+                </a:solidFill>
+                <a:latin typeface="Arial"/>
+              </a:rPr>
+              <a:t>Third Outline Level</a:t>
+            </a:r>
+            <a:endParaRPr b="0" lang="en-GB" sz="1800" spc="-1" strike="noStrike">
+              <a:solidFill>
+                <a:srgbClr val="000000"/>
+              </a:solidFill>
+              <a:latin typeface="Arial"/>
+            </a:endParaRPr>
+          </a:p>
+          <a:p>
+            <a:pPr lvl="3" marL="1728000" indent="-216000">
+              <a:spcBef>
+                <a:spcPts val="567"/>
+              </a:spcBef>
+              <a:buClr>
+                <a:srgbClr val="000000"/>
+              </a:buClr>
+              <a:buSzPct val="75000"/>
+              <a:buFont typeface="Symbol" charset="2"/>
+              <a:buChar char=""/>
+            </a:pPr>
+            <a:r>
+              <a:rPr b="0" lang="en-GB" sz="1800" spc="-1" strike="noStrike">
+                <a:solidFill>
+                  <a:srgbClr val="000000"/>
+                </a:solidFill>
+                <a:latin typeface="Arial"/>
+              </a:rPr>
+              <a:t>Fourth Outline Level</a:t>
+            </a:r>
+            <a:endParaRPr b="0" lang="en-GB" sz="1800" spc="-1" strike="noStrike">
+              <a:solidFill>
+                <a:srgbClr val="000000"/>
+              </a:solidFill>
+              <a:latin typeface="Arial"/>
+            </a:endParaRPr>
+          </a:p>
+          <a:p>
+            <a:pPr lvl="4" marL="2160000" indent="-216000">
+              <a:spcBef>
+                <a:spcPts val="283"/>
+              </a:spcBef>
+              <a:buClr>
+                <a:srgbClr val="000000"/>
+              </a:buClr>
+              <a:buSzPct val="45000"/>
+              <a:buFont typeface="Wingdings" charset="2"/>
+              <a:buChar char=""/>
+            </a:pPr>
+            <a:r>
+              <a:rPr b="0" lang="en-GB" sz="1800" spc="-1" strike="noStrike">
+                <a:solidFill>
+                  <a:srgbClr val="000000"/>
+                </a:solidFill>
+                <a:latin typeface="Arial"/>
+              </a:rPr>
+              <a:t>Fifth Outline Level</a:t>
+            </a:r>
+            <a:endParaRPr b="0" lang="en-GB" sz="1800" spc="-1" strike="noStrike">
+              <a:solidFill>
+                <a:srgbClr val="000000"/>
+              </a:solidFill>
+              <a:latin typeface="Arial"/>
+            </a:endParaRPr>
+          </a:p>
+          <a:p>
+            <a:pPr lvl="5" marL="2592000" indent="-216000">
+              <a:spcBef>
+                <a:spcPts val="283"/>
+              </a:spcBef>
+              <a:buClr>
+                <a:srgbClr val="000000"/>
+              </a:buClr>
+              <a:buSzPct val="45000"/>
+              <a:buFont typeface="Wingdings" charset="2"/>
+              <a:buChar char=""/>
+            </a:pPr>
+            <a:r>
+              <a:rPr b="0" lang="en-GB" sz="1800" spc="-1" strike="noStrike">
+                <a:solidFill>
+                  <a:srgbClr val="000000"/>
+                </a:solidFill>
+                <a:latin typeface="Arial"/>
+              </a:rPr>
+              <a:t>Sixth Outline Level</a:t>
+            </a:r>
+            <a:endParaRPr b="0" lang="en-GB" sz="1800" spc="-1" strike="noStrike">
+              <a:solidFill>
+                <a:srgbClr val="000000"/>
+              </a:solidFill>
+              <a:latin typeface="Arial"/>
+            </a:endParaRPr>
+          </a:p>
+          <a:p>
+            <a:pPr lvl="6" marL="3024000" indent="-216000">
+              <a:spcBef>
+                <a:spcPts val="283"/>
+              </a:spcBef>
+              <a:buClr>
+                <a:srgbClr val="000000"/>
+              </a:buClr>
+              <a:buSzPct val="45000"/>
+              <a:buFont typeface="Wingdings" charset="2"/>
+              <a:buChar char=""/>
+            </a:pPr>
+            <a:r>
+              <a:rPr b="0" lang="en-GB" sz="1800" spc="-1" strike="noStrike">
+                <a:solidFill>
+                  <a:srgbClr val="000000"/>
+                </a:solidFill>
+                <a:latin typeface="Arial"/>
+              </a:rPr>
+              <a:t>Seventh Outline Level</a:t>
+            </a:r>
+            <a:endParaRPr b="0" lang="en-GB" sz="1800" spc="-1" strike="noStrike">
+              <a:solidFill>
+                <a:srgbClr val="000000"/>
+              </a:solidFill>
+              <a:latin typeface="Arial"/>
+            </a:endParaRPr>
+          </a:p>
+        </p:txBody>
+      </p:sp>
+      <p:sp>
+        <p:nvSpPr>
+          <p:cNvPr id="20" name="PlaceHolder 4"/>
           <p:cNvSpPr>
             <a:spLocks noGrp="1"/>
           </p:cNvSpPr>
@@ -4113,7 +3882,7 @@
         <p:spPr>
           <a:xfrm>
             <a:off x="8472600" y="4663080"/>
-            <a:ext cx="548280" cy="393120"/>
+            <a:ext cx="547920" cy="392760"/>
           </a:xfrm>
           <a:prstGeom prst="rect">
             <a:avLst/>
@@ -4125,7 +3894,7 @@
         </p:spPr>
         <p:txBody>
           <a:bodyPr lIns="91440" rIns="91440" tIns="91440" bIns="91440" anchor="ctr">
-            <a:normAutofit/>
+            <a:noAutofit/>
           </a:bodyPr>
           <a:lstStyle>
             <a:lvl1pPr indent="0" algn="r">
@@ -4155,7 +3924,7 @@
                 <a:tab algn="l" pos="0"/>
               </a:tabLst>
             </a:pPr>
-            <a:fld id="{FFD5D8F5-AAE8-4DED-BA0A-A0D189184875}" type="slidenum">
+            <a:fld id="{1A70428F-11F5-4824-BB9B-44B4274D93C6}" type="slidenum">
               <a:rPr b="0" lang="fr" sz="1000" spc="-1" strike="noStrike">
                 <a:solidFill>
                   <a:schemeClr val="dk2"/>
@@ -4178,7 +3947,7 @@
   </p:cSld>
   <p:clrMap bg1="lt1" bg2="lt2" tx1="dk1" tx2="dk2" accent1="accent1" accent2="accent2" accent3="accent3" accent4="accent4" accent5="accent5" accent6="accent6" hlink="hlink" folHlink="folHlink"/>
   <p:sldLayoutIdLst>
-    <p:sldLayoutId id="2147483664" r:id="rId2"/>
+    <p:sldLayoutId id="2147483661" r:id="rId2"/>
   </p:sldLayoutIdLst>
 </p:sldMaster>
 </file>
@@ -4209,7 +3978,7 @@
       </p:grpSpPr>
       <p:sp>
         <p:nvSpPr>
-          <p:cNvPr id="33" name="PlaceHolder 1"/>
+          <p:cNvPr id="24" name="PlaceHolder 1"/>
           <p:cNvSpPr>
             <a:spLocks noGrp="1"/>
           </p:cNvSpPr>
@@ -4219,8 +3988,8 @@
         </p:nvSpPr>
         <p:spPr>
           <a:xfrm>
-            <a:off x="311760" y="555480"/>
-            <a:ext cx="2807640" cy="755280"/>
+            <a:off x="311760" y="744480"/>
+            <a:ext cx="8519760" cy="2052000"/>
           </a:xfrm>
           <a:prstGeom prst="rect">
             <a:avLst/>
@@ -4231,15 +4000,15 @@
           </a:ln>
         </p:spPr>
         <p:txBody>
-          <a:bodyPr lIns="91440" rIns="91440" tIns="91440" bIns="91440" anchor="b">
-            <a:normAutofit fontScale="81218"/>
+          <a:bodyPr lIns="0" rIns="0" tIns="0" bIns="0" anchor="ctr">
+            <a:noAutofit/>
           </a:bodyPr>
           <a:p>
             <a:pPr indent="0">
               <a:buNone/>
             </a:pPr>
             <a:r>
-              <a:rPr b="0" lang="en-GB" sz="2400" spc="-1" strike="noStrike">
+              <a:rPr b="0" lang="en-GB" sz="1800" spc="-1" strike="noStrike">
                 <a:solidFill>
                   <a:srgbClr val="000000"/>
                 </a:solidFill>
@@ -4247,7 +4016,7 @@
               </a:rPr>
               <a:t>Click to edit the title text format</a:t>
             </a:r>
-            <a:endParaRPr b="0" lang="en-GB" sz="2400" spc="-1" strike="noStrike">
+            <a:endParaRPr b="0" lang="en-GB" sz="1800" spc="-1" strike="noStrike">
               <a:solidFill>
                 <a:srgbClr val="000000"/>
               </a:solidFill>
@@ -4258,7 +4027,7 @@
       </p:sp>
       <p:sp>
         <p:nvSpPr>
-          <p:cNvPr id="34" name="PlaceHolder 2"/>
+          <p:cNvPr id="25" name="PlaceHolder 2"/>
           <p:cNvSpPr>
             <a:spLocks noGrp="1"/>
           </p:cNvSpPr>
@@ -4268,8 +4037,8 @@
         </p:nvSpPr>
         <p:spPr>
           <a:xfrm>
-            <a:off x="311760" y="1389600"/>
-            <a:ext cx="2807640" cy="3179160"/>
+            <a:off x="457200" y="1203480"/>
+            <a:ext cx="8228880" cy="1422360"/>
           </a:xfrm>
           <a:prstGeom prst="rect">
             <a:avLst/>
@@ -4280,8 +4049,8 @@
           </a:ln>
         </p:spPr>
         <p:txBody>
-          <a:bodyPr lIns="91440" rIns="91440" tIns="91440" bIns="91440" anchor="t">
-            <a:normAutofit fontScale="35861"/>
+          <a:bodyPr lIns="0" rIns="0" tIns="0" bIns="0" anchor="t">
+            <a:normAutofit fontScale="50000"/>
           </a:bodyPr>
           <a:p>
             <a:pPr marL="432000" indent="-324000">
@@ -4296,7 +4065,7 @@
               <a:buChar char=""/>
             </a:pPr>
             <a:r>
-              <a:rPr b="0" lang="en-GB" sz="1200" spc="-1" strike="noStrike">
+              <a:rPr b="0" lang="en-GB" sz="1800" spc="-1" strike="noStrike">
                 <a:solidFill>
                   <a:srgbClr val="000000"/>
                 </a:solidFill>
@@ -4304,7 +4073,7 @@
               </a:rPr>
               <a:t>Click to edit the outline text format</a:t>
             </a:r>
-            <a:endParaRPr b="0" lang="en-GB" sz="1200" spc="-1" strike="noStrike">
+            <a:endParaRPr b="0" lang="en-GB" sz="1800" spc="-1" strike="noStrike">
               <a:solidFill>
                 <a:srgbClr val="000000"/>
               </a:solidFill>
@@ -4324,7 +4093,7 @@
               <a:buChar char=""/>
             </a:pPr>
             <a:r>
-              <a:rPr b="0" lang="en-GB" sz="1200" spc="-1" strike="noStrike">
+              <a:rPr b="0" lang="en-GB" sz="1800" spc="-1" strike="noStrike">
                 <a:solidFill>
                   <a:srgbClr val="000000"/>
                 </a:solidFill>
@@ -4332,7 +4101,7 @@
               </a:rPr>
               <a:t>Second Outline Level</a:t>
             </a:r>
-            <a:endParaRPr b="0" lang="en-GB" sz="1200" spc="-1" strike="noStrike">
+            <a:endParaRPr b="0" lang="en-GB" sz="1800" spc="-1" strike="noStrike">
               <a:solidFill>
                 <a:srgbClr val="000000"/>
               </a:solidFill>
@@ -4352,7 +4121,7 @@
               <a:buChar char=""/>
             </a:pPr>
             <a:r>
-              <a:rPr b="0" lang="en-GB" sz="1200" spc="-1" strike="noStrike">
+              <a:rPr b="0" lang="en-GB" sz="1800" spc="-1" strike="noStrike">
                 <a:solidFill>
                   <a:srgbClr val="000000"/>
                 </a:solidFill>
@@ -4360,7 +4129,7 @@
               </a:rPr>
               <a:t>Third Outline Level</a:t>
             </a:r>
-            <a:endParaRPr b="0" lang="en-GB" sz="1200" spc="-1" strike="noStrike">
+            <a:endParaRPr b="0" lang="en-GB" sz="1800" spc="-1" strike="noStrike">
               <a:solidFill>
                 <a:srgbClr val="000000"/>
               </a:solidFill>
@@ -4380,7 +4149,7 @@
               <a:buChar char=""/>
             </a:pPr>
             <a:r>
-              <a:rPr b="0" lang="en-GB" sz="1200" spc="-1" strike="noStrike">
+              <a:rPr b="0" lang="en-GB" sz="1800" spc="-1" strike="noStrike">
                 <a:solidFill>
                   <a:srgbClr val="000000"/>
                 </a:solidFill>
@@ -4388,7 +4157,7 @@
               </a:rPr>
               <a:t>Fourth Outline Level</a:t>
             </a:r>
-            <a:endParaRPr b="0" lang="en-GB" sz="1200" spc="-1" strike="noStrike">
+            <a:endParaRPr b="0" lang="en-GB" sz="1800" spc="-1" strike="noStrike">
               <a:solidFill>
                 <a:srgbClr val="000000"/>
               </a:solidFill>
@@ -4408,7 +4177,7 @@
               <a:buChar char=""/>
             </a:pPr>
             <a:r>
-              <a:rPr b="0" lang="en-GB" sz="1200" spc="-1" strike="noStrike">
+              <a:rPr b="0" lang="en-GB" sz="1800" spc="-1" strike="noStrike">
                 <a:solidFill>
                   <a:srgbClr val="000000"/>
                 </a:solidFill>
@@ -4416,7 +4185,7 @@
               </a:rPr>
               <a:t>Fifth Outline Level</a:t>
             </a:r>
-            <a:endParaRPr b="0" lang="en-GB" sz="1200" spc="-1" strike="noStrike">
+            <a:endParaRPr b="0" lang="en-GB" sz="1800" spc="-1" strike="noStrike">
               <a:solidFill>
                 <a:srgbClr val="000000"/>
               </a:solidFill>
@@ -4436,7 +4205,7 @@
               <a:buChar char=""/>
             </a:pPr>
             <a:r>
-              <a:rPr b="0" lang="en-GB" sz="1200" spc="-1" strike="noStrike">
+              <a:rPr b="0" lang="en-GB" sz="1800" spc="-1" strike="noStrike">
                 <a:solidFill>
                   <a:srgbClr val="000000"/>
                 </a:solidFill>
@@ -4444,7 +4213,7 @@
               </a:rPr>
               <a:t>Sixth Outline Level</a:t>
             </a:r>
-            <a:endParaRPr b="0" lang="en-GB" sz="1200" spc="-1" strike="noStrike">
+            <a:endParaRPr b="0" lang="en-GB" sz="1800" spc="-1" strike="noStrike">
               <a:solidFill>
                 <a:srgbClr val="000000"/>
               </a:solidFill>
@@ -4464,7 +4233,7 @@
               <a:buChar char=""/>
             </a:pPr>
             <a:r>
-              <a:rPr b="0" lang="en-GB" sz="1200" spc="-1" strike="noStrike">
+              <a:rPr b="0" lang="en-GB" sz="1800" spc="-1" strike="noStrike">
                 <a:solidFill>
                   <a:srgbClr val="000000"/>
                 </a:solidFill>
@@ -4472,7 +4241,7 @@
               </a:rPr>
               <a:t>Seventh Outline Level</a:t>
             </a:r>
-            <a:endParaRPr b="0" lang="en-GB" sz="1200" spc="-1" strike="noStrike">
+            <a:endParaRPr b="0" lang="en-GB" sz="1800" spc="-1" strike="noStrike">
               <a:solidFill>
                 <a:srgbClr val="000000"/>
               </a:solidFill>
@@ -4483,7 +4252,232 @@
       </p:sp>
       <p:sp>
         <p:nvSpPr>
-          <p:cNvPr id="35" name="PlaceHolder 3"/>
+          <p:cNvPr id="26" name="PlaceHolder 3"/>
+          <p:cNvSpPr>
+            <a:spLocks noGrp="1"/>
+          </p:cNvSpPr>
+          <p:nvPr>
+            <p:ph type="body"/>
+          </p:nvPr>
+        </p:nvSpPr>
+        <p:spPr>
+          <a:xfrm>
+            <a:off x="457200" y="2761920"/>
+            <a:ext cx="8228880" cy="1422360"/>
+          </a:xfrm>
+          <a:prstGeom prst="rect">
+            <a:avLst/>
+          </a:prstGeom>
+          <a:noFill/>
+          <a:ln w="0">
+            <a:noFill/>
+          </a:ln>
+        </p:spPr>
+        <p:txBody>
+          <a:bodyPr lIns="0" rIns="0" tIns="0" bIns="0" anchor="t">
+            <a:normAutofit fontScale="50000"/>
+          </a:bodyPr>
+          <a:p>
+            <a:pPr marL="432000" indent="-324000">
+              <a:spcBef>
+                <a:spcPts val="1417"/>
+              </a:spcBef>
+              <a:buClr>
+                <a:srgbClr val="000000"/>
+              </a:buClr>
+              <a:buSzPct val="45000"/>
+              <a:buFont typeface="Wingdings" charset="2"/>
+              <a:buChar char=""/>
+            </a:pPr>
+            <a:r>
+              <a:rPr b="0" lang="en-GB" sz="1800" spc="-1" strike="noStrike">
+                <a:solidFill>
+                  <a:srgbClr val="000000"/>
+                </a:solidFill>
+                <a:latin typeface="Arial"/>
+              </a:rPr>
+              <a:t>Click to edit the outline text format</a:t>
+            </a:r>
+            <a:endParaRPr b="0" lang="en-GB" sz="1800" spc="-1" strike="noStrike">
+              <a:solidFill>
+                <a:srgbClr val="000000"/>
+              </a:solidFill>
+              <a:latin typeface="Arial"/>
+            </a:endParaRPr>
+          </a:p>
+          <a:p>
+            <a:pPr lvl="1" marL="864000" indent="-324000">
+              <a:spcBef>
+                <a:spcPts val="1134"/>
+              </a:spcBef>
+              <a:buClr>
+                <a:srgbClr val="000000"/>
+              </a:buClr>
+              <a:buSzPct val="75000"/>
+              <a:buFont typeface="Symbol" charset="2"/>
+              <a:buChar char=""/>
+            </a:pPr>
+            <a:r>
+              <a:rPr b="0" lang="en-GB" sz="1800" spc="-1" strike="noStrike">
+                <a:solidFill>
+                  <a:srgbClr val="000000"/>
+                </a:solidFill>
+                <a:latin typeface="Arial"/>
+              </a:rPr>
+              <a:t>Second Outline Level</a:t>
+            </a:r>
+            <a:endParaRPr b="0" lang="en-GB" sz="1800" spc="-1" strike="noStrike">
+              <a:solidFill>
+                <a:srgbClr val="000000"/>
+              </a:solidFill>
+              <a:latin typeface="Arial"/>
+            </a:endParaRPr>
+          </a:p>
+          <a:p>
+            <a:pPr lvl="2" marL="1296000" indent="-288000">
+              <a:spcBef>
+                <a:spcPts val="850"/>
+              </a:spcBef>
+              <a:buClr>
+                <a:srgbClr val="000000"/>
+              </a:buClr>
+              <a:buSzPct val="45000"/>
+              <a:buFont typeface="Wingdings" charset="2"/>
+              <a:buChar char=""/>
+            </a:pPr>
+            <a:r>
+              <a:rPr b="0" lang="en-GB" sz="1800" spc="-1" strike="noStrike">
+                <a:solidFill>
+                  <a:srgbClr val="000000"/>
+                </a:solidFill>
+                <a:latin typeface="Arial"/>
+              </a:rPr>
+              <a:t>Third Outline Level</a:t>
+            </a:r>
+            <a:endParaRPr b="0" lang="en-GB" sz="1800" spc="-1" strike="noStrike">
+              <a:solidFill>
+                <a:srgbClr val="000000"/>
+              </a:solidFill>
+              <a:latin typeface="Arial"/>
+            </a:endParaRPr>
+          </a:p>
+          <a:p>
+            <a:pPr lvl="3" marL="1728000" indent="-216000">
+              <a:spcBef>
+                <a:spcPts val="567"/>
+              </a:spcBef>
+              <a:buClr>
+                <a:srgbClr val="000000"/>
+              </a:buClr>
+              <a:buSzPct val="75000"/>
+              <a:buFont typeface="Symbol" charset="2"/>
+              <a:buChar char=""/>
+            </a:pPr>
+            <a:r>
+              <a:rPr b="0" lang="en-GB" sz="1800" spc="-1" strike="noStrike">
+                <a:solidFill>
+                  <a:srgbClr val="000000"/>
+                </a:solidFill>
+                <a:latin typeface="Arial"/>
+              </a:rPr>
+              <a:t>Fourth Outline Level</a:t>
+            </a:r>
+            <a:endParaRPr b="0" lang="en-GB" sz="1800" spc="-1" strike="noStrike">
+              <a:solidFill>
+                <a:srgbClr val="000000"/>
+              </a:solidFill>
+              <a:latin typeface="Arial"/>
+            </a:endParaRPr>
+          </a:p>
+          <a:p>
+            <a:pPr lvl="4" marL="2160000" indent="-216000">
+              <a:spcBef>
+                <a:spcPts val="283"/>
+              </a:spcBef>
+              <a:buClr>
+                <a:srgbClr val="000000"/>
+              </a:buClr>
+              <a:buSzPct val="45000"/>
+              <a:buFont typeface="Wingdings" charset="2"/>
+              <a:buChar char=""/>
+            </a:pPr>
+            <a:r>
+              <a:rPr b="0" lang="en-GB" sz="1800" spc="-1" strike="noStrike">
+                <a:solidFill>
+                  <a:srgbClr val="000000"/>
+                </a:solidFill>
+                <a:latin typeface="Arial"/>
+              </a:rPr>
+              <a:t>Fifth Outline Level</a:t>
+            </a:r>
+            <a:endParaRPr b="0" lang="en-GB" sz="1800" spc="-1" strike="noStrike">
+              <a:solidFill>
+                <a:srgbClr val="000000"/>
+              </a:solidFill>
+              <a:latin typeface="Arial"/>
+            </a:endParaRPr>
+          </a:p>
+          <a:p>
+            <a:pPr lvl="5" marL="2592000" indent="-216000">
+              <a:spcBef>
+                <a:spcPts val="283"/>
+              </a:spcBef>
+              <a:buClr>
+                <a:srgbClr val="000000"/>
+              </a:buClr>
+              <a:buSzPct val="45000"/>
+              <a:buFont typeface="Wingdings" charset="2"/>
+              <a:buChar char=""/>
+            </a:pPr>
+            <a:r>
+              <a:rPr b="0" lang="en-GB" sz="1800" spc="-1" strike="noStrike">
+                <a:solidFill>
+                  <a:srgbClr val="000000"/>
+                </a:solidFill>
+                <a:latin typeface="Arial"/>
+              </a:rPr>
+              <a:t>Sixth Outline Level</a:t>
+            </a:r>
+            <a:endParaRPr b="0" lang="en-GB" sz="1800" spc="-1" strike="noStrike">
+              <a:solidFill>
+                <a:srgbClr val="000000"/>
+              </a:solidFill>
+              <a:latin typeface="Arial"/>
+            </a:endParaRPr>
+          </a:p>
+          <a:p>
+            <a:pPr lvl="6" marL="3024000" indent="-216000">
+              <a:spcBef>
+                <a:spcPts val="283"/>
+              </a:spcBef>
+              <a:buClr>
+                <a:srgbClr val="000000"/>
+              </a:buClr>
+              <a:buSzPct val="45000"/>
+              <a:buFont typeface="Wingdings" charset="2"/>
+              <a:buChar char=""/>
+            </a:pPr>
+            <a:r>
+              <a:rPr b="0" lang="en-GB" sz="1800" spc="-1" strike="noStrike">
+                <a:solidFill>
+                  <a:srgbClr val="000000"/>
+                </a:solidFill>
+                <a:latin typeface="Arial"/>
+              </a:rPr>
+              <a:t>Seventh Outline Level</a:t>
+            </a:r>
+            <a:endParaRPr b="0" lang="en-GB" sz="1800" spc="-1" strike="noStrike">
+              <a:solidFill>
+                <a:srgbClr val="000000"/>
+              </a:solidFill>
+              <a:latin typeface="Arial"/>
+            </a:endParaRPr>
+          </a:p>
+        </p:txBody>
+      </p:sp>
+      <p:sp>
+        <p:nvSpPr>
+          <p:cNvPr id="27" name="PlaceHolder 4"/>
           <p:cNvSpPr>
             <a:spLocks noGrp="1"/>
           </p:cNvSpPr>
@@ -4494,7 +4488,7 @@
         <p:spPr>
           <a:xfrm>
             <a:off x="8472600" y="4663080"/>
-            <a:ext cx="548280" cy="393120"/>
+            <a:ext cx="547920" cy="392760"/>
           </a:xfrm>
           <a:prstGeom prst="rect">
             <a:avLst/>
@@ -4506,7 +4500,7 @@
         </p:spPr>
         <p:txBody>
           <a:bodyPr lIns="91440" rIns="91440" tIns="91440" bIns="91440" anchor="ctr">
-            <a:normAutofit/>
+            <a:noAutofit/>
           </a:bodyPr>
           <a:lstStyle>
             <a:lvl1pPr indent="0" algn="r">
@@ -4536,7 +4530,7 @@
                 <a:tab algn="l" pos="0"/>
               </a:tabLst>
             </a:pPr>
-            <a:fld id="{413DCD96-8B06-4819-B4F8-7B23252BB4FF}" type="slidenum">
+            <a:fld id="{A25F7061-2C35-4EE6-B17E-B5B14472B25C}" type="slidenum">
               <a:rPr b="0" lang="fr" sz="1000" spc="-1" strike="noStrike">
                 <a:solidFill>
                   <a:schemeClr val="dk2"/>
@@ -4559,7 +4553,7 @@
   </p:cSld>
   <p:clrMap bg1="lt1" bg2="lt2" tx1="dk1" tx2="dk2" accent1="accent1" accent2="accent2" accent3="accent3" accent4="accent4" accent5="accent5" accent6="accent6" hlink="hlink" folHlink="folHlink"/>
   <p:sldLayoutIdLst>
-    <p:sldLayoutId id="2147483666" r:id="rId2"/>
+    <p:sldLayoutId id="2147483663" r:id="rId2"/>
   </p:sldLayoutIdLst>
 </p:sldMaster>
 </file>
@@ -4590,7 +4584,7 @@
       </p:grpSpPr>
       <p:sp>
         <p:nvSpPr>
-          <p:cNvPr id="36" name="PlaceHolder 1"/>
+          <p:cNvPr id="31" name="PlaceHolder 1"/>
           <p:cNvSpPr>
             <a:spLocks noGrp="1"/>
           </p:cNvSpPr>
@@ -4600,8 +4594,507 @@
         </p:nvSpPr>
         <p:spPr>
           <a:xfrm>
-            <a:off x="490320" y="450000"/>
-            <a:ext cx="6367320" cy="4090320"/>
+            <a:off x="311760" y="744480"/>
+            <a:ext cx="8519760" cy="2052000"/>
+          </a:xfrm>
+          <a:prstGeom prst="rect">
+            <a:avLst/>
+          </a:prstGeom>
+          <a:noFill/>
+          <a:ln w="0">
+            <a:noFill/>
+          </a:ln>
+        </p:spPr>
+        <p:txBody>
+          <a:bodyPr lIns="0" rIns="0" tIns="0" bIns="0" anchor="ctr">
+            <a:noAutofit/>
+          </a:bodyPr>
+          <a:p>
+            <a:pPr indent="0">
+              <a:buNone/>
+            </a:pPr>
+            <a:r>
+              <a:rPr b="0" lang="en-GB" sz="1800" spc="-1" strike="noStrike">
+                <a:solidFill>
+                  <a:srgbClr val="000000"/>
+                </a:solidFill>
+                <a:latin typeface="Arial"/>
+              </a:rPr>
+              <a:t>Click to edit the title text format</a:t>
+            </a:r>
+            <a:endParaRPr b="0" lang="en-GB" sz="1800" spc="-1" strike="noStrike">
+              <a:solidFill>
+                <a:srgbClr val="000000"/>
+              </a:solidFill>
+              <a:latin typeface="Arial"/>
+            </a:endParaRPr>
+          </a:p>
+        </p:txBody>
+      </p:sp>
+      <p:sp>
+        <p:nvSpPr>
+          <p:cNvPr id="32" name="PlaceHolder 2"/>
+          <p:cNvSpPr>
+            <a:spLocks noGrp="1"/>
+          </p:cNvSpPr>
+          <p:nvPr>
+            <p:ph type="body"/>
+          </p:nvPr>
+        </p:nvSpPr>
+        <p:spPr>
+          <a:xfrm>
+            <a:off x="457200" y="1203480"/>
+            <a:ext cx="4015440" cy="2982600"/>
+          </a:xfrm>
+          <a:prstGeom prst="rect">
+            <a:avLst/>
+          </a:prstGeom>
+          <a:noFill/>
+          <a:ln w="0">
+            <a:noFill/>
+          </a:ln>
+        </p:spPr>
+        <p:txBody>
+          <a:bodyPr lIns="0" rIns="0" tIns="0" bIns="0" anchor="t">
+            <a:normAutofit fontScale="87222"/>
+          </a:bodyPr>
+          <a:p>
+            <a:pPr marL="432000" indent="-324000">
+              <a:spcBef>
+                <a:spcPts val="1417"/>
+              </a:spcBef>
+              <a:buClr>
+                <a:srgbClr val="000000"/>
+              </a:buClr>
+              <a:buSzPct val="45000"/>
+              <a:buFont typeface="Wingdings" charset="2"/>
+              <a:buChar char=""/>
+            </a:pPr>
+            <a:r>
+              <a:rPr b="0" lang="en-GB" sz="1800" spc="-1" strike="noStrike">
+                <a:solidFill>
+                  <a:srgbClr val="000000"/>
+                </a:solidFill>
+                <a:latin typeface="Arial"/>
+              </a:rPr>
+              <a:t>Click to edit the outline text format</a:t>
+            </a:r>
+            <a:endParaRPr b="0" lang="en-GB" sz="1800" spc="-1" strike="noStrike">
+              <a:solidFill>
+                <a:srgbClr val="000000"/>
+              </a:solidFill>
+              <a:latin typeface="Arial"/>
+            </a:endParaRPr>
+          </a:p>
+          <a:p>
+            <a:pPr lvl="1" marL="864000" indent="-324000">
+              <a:spcBef>
+                <a:spcPts val="1134"/>
+              </a:spcBef>
+              <a:buClr>
+                <a:srgbClr val="000000"/>
+              </a:buClr>
+              <a:buSzPct val="75000"/>
+              <a:buFont typeface="Symbol" charset="2"/>
+              <a:buChar char=""/>
+            </a:pPr>
+            <a:r>
+              <a:rPr b="0" lang="en-GB" sz="1800" spc="-1" strike="noStrike">
+                <a:solidFill>
+                  <a:srgbClr val="000000"/>
+                </a:solidFill>
+                <a:latin typeface="Arial"/>
+              </a:rPr>
+              <a:t>Second Outline Level</a:t>
+            </a:r>
+            <a:endParaRPr b="0" lang="en-GB" sz="1800" spc="-1" strike="noStrike">
+              <a:solidFill>
+                <a:srgbClr val="000000"/>
+              </a:solidFill>
+              <a:latin typeface="Arial"/>
+            </a:endParaRPr>
+          </a:p>
+          <a:p>
+            <a:pPr lvl="2" marL="1296000" indent="-288000">
+              <a:spcBef>
+                <a:spcPts val="850"/>
+              </a:spcBef>
+              <a:buClr>
+                <a:srgbClr val="000000"/>
+              </a:buClr>
+              <a:buSzPct val="45000"/>
+              <a:buFont typeface="Wingdings" charset="2"/>
+              <a:buChar char=""/>
+            </a:pPr>
+            <a:r>
+              <a:rPr b="0" lang="en-GB" sz="1800" spc="-1" strike="noStrike">
+                <a:solidFill>
+                  <a:srgbClr val="000000"/>
+                </a:solidFill>
+                <a:latin typeface="Arial"/>
+              </a:rPr>
+              <a:t>Third Outline Level</a:t>
+            </a:r>
+            <a:endParaRPr b="0" lang="en-GB" sz="1800" spc="-1" strike="noStrike">
+              <a:solidFill>
+                <a:srgbClr val="000000"/>
+              </a:solidFill>
+              <a:latin typeface="Arial"/>
+            </a:endParaRPr>
+          </a:p>
+          <a:p>
+            <a:pPr lvl="3" marL="1728000" indent="-216000">
+              <a:spcBef>
+                <a:spcPts val="567"/>
+              </a:spcBef>
+              <a:buClr>
+                <a:srgbClr val="000000"/>
+              </a:buClr>
+              <a:buSzPct val="75000"/>
+              <a:buFont typeface="Symbol" charset="2"/>
+              <a:buChar char=""/>
+            </a:pPr>
+            <a:r>
+              <a:rPr b="0" lang="en-GB" sz="1800" spc="-1" strike="noStrike">
+                <a:solidFill>
+                  <a:srgbClr val="000000"/>
+                </a:solidFill>
+                <a:latin typeface="Arial"/>
+              </a:rPr>
+              <a:t>Fourth Outline Level</a:t>
+            </a:r>
+            <a:endParaRPr b="0" lang="en-GB" sz="1800" spc="-1" strike="noStrike">
+              <a:solidFill>
+                <a:srgbClr val="000000"/>
+              </a:solidFill>
+              <a:latin typeface="Arial"/>
+            </a:endParaRPr>
+          </a:p>
+          <a:p>
+            <a:pPr lvl="4" marL="2160000" indent="-216000">
+              <a:spcBef>
+                <a:spcPts val="283"/>
+              </a:spcBef>
+              <a:buClr>
+                <a:srgbClr val="000000"/>
+              </a:buClr>
+              <a:buSzPct val="45000"/>
+              <a:buFont typeface="Wingdings" charset="2"/>
+              <a:buChar char=""/>
+            </a:pPr>
+            <a:r>
+              <a:rPr b="0" lang="en-GB" sz="1800" spc="-1" strike="noStrike">
+                <a:solidFill>
+                  <a:srgbClr val="000000"/>
+                </a:solidFill>
+                <a:latin typeface="Arial"/>
+              </a:rPr>
+              <a:t>Fifth Outline Level</a:t>
+            </a:r>
+            <a:endParaRPr b="0" lang="en-GB" sz="1800" spc="-1" strike="noStrike">
+              <a:solidFill>
+                <a:srgbClr val="000000"/>
+              </a:solidFill>
+              <a:latin typeface="Arial"/>
+            </a:endParaRPr>
+          </a:p>
+          <a:p>
+            <a:pPr lvl="5" marL="2592000" indent="-216000">
+              <a:spcBef>
+                <a:spcPts val="283"/>
+              </a:spcBef>
+              <a:buClr>
+                <a:srgbClr val="000000"/>
+              </a:buClr>
+              <a:buSzPct val="45000"/>
+              <a:buFont typeface="Wingdings" charset="2"/>
+              <a:buChar char=""/>
+            </a:pPr>
+            <a:r>
+              <a:rPr b="0" lang="en-GB" sz="1800" spc="-1" strike="noStrike">
+                <a:solidFill>
+                  <a:srgbClr val="000000"/>
+                </a:solidFill>
+                <a:latin typeface="Arial"/>
+              </a:rPr>
+              <a:t>Sixth Outline Level</a:t>
+            </a:r>
+            <a:endParaRPr b="0" lang="en-GB" sz="1800" spc="-1" strike="noStrike">
+              <a:solidFill>
+                <a:srgbClr val="000000"/>
+              </a:solidFill>
+              <a:latin typeface="Arial"/>
+            </a:endParaRPr>
+          </a:p>
+          <a:p>
+            <a:pPr lvl="6" marL="3024000" indent="-216000">
+              <a:spcBef>
+                <a:spcPts val="283"/>
+              </a:spcBef>
+              <a:buClr>
+                <a:srgbClr val="000000"/>
+              </a:buClr>
+              <a:buSzPct val="45000"/>
+              <a:buFont typeface="Wingdings" charset="2"/>
+              <a:buChar char=""/>
+            </a:pPr>
+            <a:r>
+              <a:rPr b="0" lang="en-GB" sz="1800" spc="-1" strike="noStrike">
+                <a:solidFill>
+                  <a:srgbClr val="000000"/>
+                </a:solidFill>
+                <a:latin typeface="Arial"/>
+              </a:rPr>
+              <a:t>Seventh Outline Level</a:t>
+            </a:r>
+            <a:endParaRPr b="0" lang="en-GB" sz="1800" spc="-1" strike="noStrike">
+              <a:solidFill>
+                <a:srgbClr val="000000"/>
+              </a:solidFill>
+              <a:latin typeface="Arial"/>
+            </a:endParaRPr>
+          </a:p>
+        </p:txBody>
+      </p:sp>
+      <p:sp>
+        <p:nvSpPr>
+          <p:cNvPr id="33" name="PlaceHolder 3"/>
+          <p:cNvSpPr>
+            <a:spLocks noGrp="1"/>
+          </p:cNvSpPr>
+          <p:nvPr>
+            <p:ph type="body"/>
+          </p:nvPr>
+        </p:nvSpPr>
+        <p:spPr>
+          <a:xfrm>
+            <a:off x="4674240" y="1203480"/>
+            <a:ext cx="4015440" cy="2982600"/>
+          </a:xfrm>
+          <a:prstGeom prst="rect">
+            <a:avLst/>
+          </a:prstGeom>
+          <a:noFill/>
+          <a:ln w="0">
+            <a:noFill/>
+          </a:ln>
+        </p:spPr>
+        <p:txBody>
+          <a:bodyPr lIns="0" rIns="0" tIns="0" bIns="0" anchor="t">
+            <a:normAutofit fontScale="87222"/>
+          </a:bodyPr>
+          <a:p>
+            <a:pPr marL="432000" indent="-324000">
+              <a:spcBef>
+                <a:spcPts val="1417"/>
+              </a:spcBef>
+              <a:buClr>
+                <a:srgbClr val="000000"/>
+              </a:buClr>
+              <a:buSzPct val="45000"/>
+              <a:buFont typeface="Wingdings" charset="2"/>
+              <a:buChar char=""/>
+            </a:pPr>
+            <a:r>
+              <a:rPr b="0" lang="en-GB" sz="1800" spc="-1" strike="noStrike">
+                <a:solidFill>
+                  <a:srgbClr val="000000"/>
+                </a:solidFill>
+                <a:latin typeface="Arial"/>
+              </a:rPr>
+              <a:t>Click to edit the outline text format</a:t>
+            </a:r>
+            <a:endParaRPr b="0" lang="en-GB" sz="1800" spc="-1" strike="noStrike">
+              <a:solidFill>
+                <a:srgbClr val="000000"/>
+              </a:solidFill>
+              <a:latin typeface="Arial"/>
+            </a:endParaRPr>
+          </a:p>
+          <a:p>
+            <a:pPr lvl="1" marL="864000" indent="-324000">
+              <a:spcBef>
+                <a:spcPts val="1134"/>
+              </a:spcBef>
+              <a:buClr>
+                <a:srgbClr val="000000"/>
+              </a:buClr>
+              <a:buSzPct val="75000"/>
+              <a:buFont typeface="Symbol" charset="2"/>
+              <a:buChar char=""/>
+            </a:pPr>
+            <a:r>
+              <a:rPr b="0" lang="en-GB" sz="1800" spc="-1" strike="noStrike">
+                <a:solidFill>
+                  <a:srgbClr val="000000"/>
+                </a:solidFill>
+                <a:latin typeface="Arial"/>
+              </a:rPr>
+              <a:t>Second Outline Level</a:t>
+            </a:r>
+            <a:endParaRPr b="0" lang="en-GB" sz="1800" spc="-1" strike="noStrike">
+              <a:solidFill>
+                <a:srgbClr val="000000"/>
+              </a:solidFill>
+              <a:latin typeface="Arial"/>
+            </a:endParaRPr>
+          </a:p>
+          <a:p>
+            <a:pPr lvl="2" marL="1296000" indent="-288000">
+              <a:spcBef>
+                <a:spcPts val="850"/>
+              </a:spcBef>
+              <a:buClr>
+                <a:srgbClr val="000000"/>
+              </a:buClr>
+              <a:buSzPct val="45000"/>
+              <a:buFont typeface="Wingdings" charset="2"/>
+              <a:buChar char=""/>
+            </a:pPr>
+            <a:r>
+              <a:rPr b="0" lang="en-GB" sz="1800" spc="-1" strike="noStrike">
+                <a:solidFill>
+                  <a:srgbClr val="000000"/>
+                </a:solidFill>
+                <a:latin typeface="Arial"/>
+              </a:rPr>
+              <a:t>Third Outline Level</a:t>
+            </a:r>
+            <a:endParaRPr b="0" lang="en-GB" sz="1800" spc="-1" strike="noStrike">
+              <a:solidFill>
+                <a:srgbClr val="000000"/>
+              </a:solidFill>
+              <a:latin typeface="Arial"/>
+            </a:endParaRPr>
+          </a:p>
+          <a:p>
+            <a:pPr lvl="3" marL="1728000" indent="-216000">
+              <a:spcBef>
+                <a:spcPts val="567"/>
+              </a:spcBef>
+              <a:buClr>
+                <a:srgbClr val="000000"/>
+              </a:buClr>
+              <a:buSzPct val="75000"/>
+              <a:buFont typeface="Symbol" charset="2"/>
+              <a:buChar char=""/>
+            </a:pPr>
+            <a:r>
+              <a:rPr b="0" lang="en-GB" sz="1800" spc="-1" strike="noStrike">
+                <a:solidFill>
+                  <a:srgbClr val="000000"/>
+                </a:solidFill>
+                <a:latin typeface="Arial"/>
+              </a:rPr>
+              <a:t>Fourth Outline Level</a:t>
+            </a:r>
+            <a:endParaRPr b="0" lang="en-GB" sz="1800" spc="-1" strike="noStrike">
+              <a:solidFill>
+                <a:srgbClr val="000000"/>
+              </a:solidFill>
+              <a:latin typeface="Arial"/>
+            </a:endParaRPr>
+          </a:p>
+          <a:p>
+            <a:pPr lvl="4" marL="2160000" indent="-216000">
+              <a:spcBef>
+                <a:spcPts val="283"/>
+              </a:spcBef>
+              <a:buClr>
+                <a:srgbClr val="000000"/>
+              </a:buClr>
+              <a:buSzPct val="45000"/>
+              <a:buFont typeface="Wingdings" charset="2"/>
+              <a:buChar char=""/>
+            </a:pPr>
+            <a:r>
+              <a:rPr b="0" lang="en-GB" sz="1800" spc="-1" strike="noStrike">
+                <a:solidFill>
+                  <a:srgbClr val="000000"/>
+                </a:solidFill>
+                <a:latin typeface="Arial"/>
+              </a:rPr>
+              <a:t>Fifth Outline Level</a:t>
+            </a:r>
+            <a:endParaRPr b="0" lang="en-GB" sz="1800" spc="-1" strike="noStrike">
+              <a:solidFill>
+                <a:srgbClr val="000000"/>
+              </a:solidFill>
+              <a:latin typeface="Arial"/>
+            </a:endParaRPr>
+          </a:p>
+          <a:p>
+            <a:pPr lvl="5" marL="2592000" indent="-216000">
+              <a:spcBef>
+                <a:spcPts val="283"/>
+              </a:spcBef>
+              <a:buClr>
+                <a:srgbClr val="000000"/>
+              </a:buClr>
+              <a:buSzPct val="45000"/>
+              <a:buFont typeface="Wingdings" charset="2"/>
+              <a:buChar char=""/>
+            </a:pPr>
+            <a:r>
+              <a:rPr b="0" lang="en-GB" sz="1800" spc="-1" strike="noStrike">
+                <a:solidFill>
+                  <a:srgbClr val="000000"/>
+                </a:solidFill>
+                <a:latin typeface="Arial"/>
+              </a:rPr>
+              <a:t>Sixth Outline Level</a:t>
+            </a:r>
+            <a:endParaRPr b="0" lang="en-GB" sz="1800" spc="-1" strike="noStrike">
+              <a:solidFill>
+                <a:srgbClr val="000000"/>
+              </a:solidFill>
+              <a:latin typeface="Arial"/>
+            </a:endParaRPr>
+          </a:p>
+          <a:p>
+            <a:pPr lvl="6" marL="3024000" indent="-216000">
+              <a:spcBef>
+                <a:spcPts val="283"/>
+              </a:spcBef>
+              <a:buClr>
+                <a:srgbClr val="000000"/>
+              </a:buClr>
+              <a:buSzPct val="45000"/>
+              <a:buFont typeface="Wingdings" charset="2"/>
+              <a:buChar char=""/>
+            </a:pPr>
+            <a:r>
+              <a:rPr b="0" lang="en-GB" sz="1800" spc="-1" strike="noStrike">
+                <a:solidFill>
+                  <a:srgbClr val="000000"/>
+                </a:solidFill>
+                <a:latin typeface="Arial"/>
+              </a:rPr>
+              <a:t>Seventh Outline Level</a:t>
+            </a:r>
+            <a:endParaRPr b="0" lang="en-GB" sz="1800" spc="-1" strike="noStrike">
+              <a:solidFill>
+                <a:srgbClr val="000000"/>
+              </a:solidFill>
+              <a:latin typeface="Arial"/>
+            </a:endParaRPr>
+          </a:p>
+        </p:txBody>
+      </p:sp>
+      <p:sp>
+        <p:nvSpPr>
+          <p:cNvPr id="34" name="PlaceHolder 4"/>
+          <p:cNvSpPr>
+            <a:spLocks noGrp="1"/>
+          </p:cNvSpPr>
+          <p:nvPr>
+            <p:ph type="sldNum" idx="9"/>
+          </p:nvPr>
+        </p:nvSpPr>
+        <p:spPr>
+          <a:xfrm>
+            <a:off x="8472600" y="4663080"/>
+            <a:ext cx="547920" cy="392760"/>
           </a:xfrm>
           <a:prstGeom prst="rect">
             <a:avLst/>
@@ -4613,56 +5106,7 @@
         </p:spPr>
         <p:txBody>
           <a:bodyPr lIns="91440" rIns="91440" tIns="91440" bIns="91440" anchor="ctr">
-            <a:normAutofit/>
-          </a:bodyPr>
-          <a:p>
-            <a:pPr indent="0">
-              <a:buNone/>
-            </a:pPr>
-            <a:r>
-              <a:rPr b="0" lang="en-GB" sz="4800" spc="-1" strike="noStrike">
-                <a:solidFill>
-                  <a:srgbClr val="000000"/>
-                </a:solidFill>
-                <a:latin typeface="Arial"/>
-              </a:rPr>
-              <a:t>Click to edit the title text format</a:t>
-            </a:r>
-            <a:endParaRPr b="0" lang="en-GB" sz="4800" spc="-1" strike="noStrike">
-              <a:solidFill>
-                <a:srgbClr val="000000"/>
-              </a:solidFill>
-              <a:latin typeface="Arial"/>
-            </a:endParaRPr>
-          </a:p>
-        </p:txBody>
-      </p:sp>
-      <p:sp>
-        <p:nvSpPr>
-          <p:cNvPr id="37" name="PlaceHolder 2"/>
-          <p:cNvSpPr>
-            <a:spLocks noGrp="1"/>
-          </p:cNvSpPr>
-          <p:nvPr>
-            <p:ph type="sldNum" idx="9"/>
-          </p:nvPr>
-        </p:nvSpPr>
-        <p:spPr>
-          <a:xfrm>
-            <a:off x="8472600" y="4663080"/>
-            <a:ext cx="548280" cy="393120"/>
-          </a:xfrm>
-          <a:prstGeom prst="rect">
-            <a:avLst/>
-          </a:prstGeom>
-          <a:noFill/>
-          <a:ln w="0">
-            <a:noFill/>
-          </a:ln>
-        </p:spPr>
-        <p:txBody>
-          <a:bodyPr lIns="91440" rIns="91440" tIns="91440" bIns="91440" anchor="ctr">
-            <a:normAutofit/>
+            <a:noAutofit/>
           </a:bodyPr>
           <a:lstStyle>
             <a:lvl1pPr indent="0" algn="r">
@@ -4692,7 +5136,7 @@
                 <a:tab algn="l" pos="0"/>
               </a:tabLst>
             </a:pPr>
-            <a:fld id="{7197DFC3-CCC6-4310-9D3D-E6D2D95276D7}" type="slidenum">
+            <a:fld id="{61ECEA03-0BAC-41DE-B58A-2A07736EC0EE}" type="slidenum">
               <a:rPr b="0" lang="fr" sz="1000" spc="-1" strike="noStrike">
                 <a:solidFill>
                   <a:schemeClr val="dk2"/>
@@ -4715,7 +5159,7 @@
   </p:cSld>
   <p:clrMap bg1="lt1" bg2="lt2" tx1="dk1" tx2="dk2" accent1="accent1" accent2="accent2" accent3="accent3" accent4="accent4" accent5="accent5" accent6="accent6" hlink="hlink" folHlink="folHlink"/>
   <p:sldLayoutIdLst>
-    <p:sldLayoutId id="2147483668" r:id="rId2"/>
+    <p:sldLayoutId id="2147483665" r:id="rId2"/>
   </p:sldLayoutIdLst>
 </p:sldMaster>
 </file>
@@ -4746,14 +5190,14 @@
       </p:grpSpPr>
       <p:sp>
         <p:nvSpPr>
-          <p:cNvPr id="44" name="Google Shape;54;p13"/>
+          <p:cNvPr id="46" name="Google Shape;54;p13"/>
           <p:cNvSpPr/>
           <p:nvPr/>
         </p:nvSpPr>
         <p:spPr>
           <a:xfrm>
             <a:off x="2392920" y="1537560"/>
-            <a:ext cx="4221720" cy="801720"/>
+            <a:ext cx="4221360" cy="801360"/>
           </a:xfrm>
           <a:prstGeom prst="rect">
             <a:avLst/>
@@ -4770,7 +5214,7 @@
           <a:fontRef idx="minor"/>
         </p:style>
         <p:txBody>
-          <a:bodyPr tIns="91440" bIns="91440" anchor="t">
+          <a:bodyPr lIns="90000" rIns="90000" tIns="91440" bIns="91440" anchor="t">
             <a:noAutofit/>
           </a:bodyPr>
           <a:p>
@@ -4819,14 +5263,14 @@
       </p:sp>
       <p:sp>
         <p:nvSpPr>
-          <p:cNvPr id="45" name="Google Shape;55;p13"/>
+          <p:cNvPr id="47" name="Google Shape;55;p13"/>
           <p:cNvSpPr/>
           <p:nvPr/>
         </p:nvSpPr>
         <p:spPr>
           <a:xfrm>
             <a:off x="115200" y="118440"/>
-            <a:ext cx="2384280" cy="279720"/>
+            <a:ext cx="2383920" cy="279360"/>
           </a:xfrm>
           <a:prstGeom prst="rect">
             <a:avLst/>
@@ -4843,7 +5287,7 @@
           <a:fontRef idx="minor"/>
         </p:style>
         <p:txBody>
-          <a:bodyPr tIns="91440" bIns="91440" anchor="t">
+          <a:bodyPr lIns="90000" rIns="90000" tIns="91440" bIns="91440" anchor="t">
             <a:noAutofit/>
           </a:bodyPr>
           <a:p>
@@ -4889,7 +5333,7 @@
       </p:sp>
       <p:pic>
         <p:nvPicPr>
-          <p:cNvPr id="46" name="Google Shape;56;p13" descr=""/>
+          <p:cNvPr id="48" name="Google Shape;56;p13" descr=""/>
           <p:cNvPicPr/>
           <p:nvPr/>
         </p:nvPicPr>
@@ -4900,7 +5344,7 @@
         <p:spPr>
           <a:xfrm>
             <a:off x="8469720" y="0"/>
-            <a:ext cx="673920" cy="340200"/>
+            <a:ext cx="673560" cy="339840"/>
           </a:xfrm>
           <a:prstGeom prst="rect">
             <a:avLst/>
@@ -4942,7 +5386,7 @@
       </p:grpSpPr>
       <p:sp>
         <p:nvSpPr>
-          <p:cNvPr id="84" name="PlaceHolder 1"/>
+          <p:cNvPr id="86" name="PlaceHolder 1"/>
           <p:cNvSpPr>
             <a:spLocks noGrp="1"/>
           </p:cNvSpPr>
@@ -4953,7 +5397,7 @@
         <p:spPr>
           <a:xfrm>
             <a:off x="311760" y="444960"/>
-            <a:ext cx="8520120" cy="572400"/>
+            <a:ext cx="8519760" cy="572040"/>
           </a:xfrm>
           <a:prstGeom prst="rect">
             <a:avLst/>
@@ -5001,14 +5445,14 @@
       </p:sp>
       <p:sp>
         <p:nvSpPr>
-          <p:cNvPr id="85" name="Google Shape;103;p19"/>
+          <p:cNvPr id="87" name="Google Shape;103;p19"/>
           <p:cNvSpPr/>
           <p:nvPr/>
         </p:nvSpPr>
         <p:spPr>
           <a:xfrm>
             <a:off x="0" y="0"/>
-            <a:ext cx="4911120" cy="351360"/>
+            <a:ext cx="4910760" cy="351360"/>
           </a:xfrm>
           <a:prstGeom prst="rect">
             <a:avLst/>
@@ -5025,7 +5469,7 @@
           <a:fontRef idx="minor"/>
         </p:style>
         <p:txBody>
-          <a:bodyPr tIns="88200" bIns="88200" anchor="t">
+          <a:bodyPr lIns="90000" rIns="90000" tIns="88200" bIns="88200" anchor="t">
             <a:spAutoFit/>
           </a:bodyPr>
           <a:p>
@@ -5061,14 +5505,14 @@
       </p:sp>
       <p:sp>
         <p:nvSpPr>
-          <p:cNvPr id="86" name="Google Shape;104;p19"/>
+          <p:cNvPr id="88" name="Google Shape;104;p19"/>
           <p:cNvSpPr/>
           <p:nvPr/>
         </p:nvSpPr>
         <p:spPr>
           <a:xfrm>
             <a:off x="434880" y="1085400"/>
-            <a:ext cx="8320320" cy="1285200"/>
+            <a:ext cx="8319960" cy="1284480"/>
           </a:xfrm>
           <a:prstGeom prst="rect">
             <a:avLst/>
@@ -5085,19 +5529,14 @@
           <a:fontRef idx="minor"/>
         </p:style>
         <p:txBody>
-          <a:bodyPr tIns="91440" bIns="91440" anchor="t">
+          <a:bodyPr lIns="90000" rIns="90000" tIns="91440" bIns="91440" anchor="t">
             <a:spAutoFit/>
           </a:bodyPr>
           <a:p>
-            <a:pPr marL="457200" indent="-324000">
+            <a:pPr>
               <a:lnSpc>
                 <a:spcPct val="150000"/>
               </a:lnSpc>
-              <a:buClr>
-                <a:srgbClr val="0d0d0d"/>
-              </a:buClr>
-              <a:buFont typeface="Montserrat"/>
-              <a:buChar char="●"/>
             </a:pPr>
             <a:endParaRPr b="0" lang="en-GB" sz="1500" spc="-1" strike="noStrike">
               <a:solidFill>
@@ -5107,15 +5546,10 @@
             </a:endParaRPr>
           </a:p>
           <a:p>
-            <a:pPr marL="457200" indent="-324000">
+            <a:pPr>
               <a:lnSpc>
                 <a:spcPct val="150000"/>
               </a:lnSpc>
-              <a:buClr>
-                <a:srgbClr val="0d0d0d"/>
-              </a:buClr>
-              <a:buFont typeface="Montserrat"/>
-              <a:buChar char="●"/>
             </a:pPr>
             <a:endParaRPr b="0" lang="en-GB" sz="1300" spc="-1" strike="noStrike">
               <a:solidFill>
@@ -5163,14 +5597,14 @@
       </p:sp>
       <p:sp>
         <p:nvSpPr>
-          <p:cNvPr id="87" name="Google Shape;105;p19"/>
+          <p:cNvPr id="89" name="Google Shape;105;p19"/>
           <p:cNvSpPr/>
           <p:nvPr/>
         </p:nvSpPr>
         <p:spPr>
           <a:xfrm>
             <a:off x="-4680" y="0"/>
-            <a:ext cx="9153360" cy="239400"/>
+            <a:ext cx="9153000" cy="239040"/>
           </a:xfrm>
           <a:prstGeom prst="rect">
             <a:avLst/>
@@ -5192,7 +5626,7 @@
           <a:fontRef idx="minor"/>
         </p:style>
         <p:txBody>
-          <a:bodyPr tIns="91440" bIns="91440" anchor="ctr">
+          <a:bodyPr lIns="90000" rIns="90000" tIns="91440" bIns="91440" anchor="ctr">
             <a:noAutofit/>
           </a:bodyPr>
           <a:p>
@@ -5215,7 +5649,7 @@
       </p:sp>
       <p:sp>
         <p:nvSpPr>
-          <p:cNvPr id="88" name="PlaceHolder 2"/>
+          <p:cNvPr id="90" name="PlaceHolder 2"/>
           <p:cNvSpPr>
             <a:spLocks noGrp="1"/>
           </p:cNvSpPr>
@@ -5226,7 +5660,7 @@
         <p:spPr>
           <a:xfrm>
             <a:off x="311760" y="1152360"/>
-            <a:ext cx="4157640" cy="3707640"/>
+            <a:ext cx="4157280" cy="3707280"/>
           </a:xfrm>
           <a:prstGeom prst="rect">
             <a:avLst/>
@@ -5426,7 +5860,7 @@
       </p:sp>
       <p:sp>
         <p:nvSpPr>
-          <p:cNvPr id="89" name="PlaceHolder 3"/>
+          <p:cNvPr id="91" name="PlaceHolder 3"/>
           <p:cNvSpPr>
             <a:spLocks noGrp="1"/>
           </p:cNvSpPr>
@@ -5437,7 +5871,7 @@
         <p:spPr>
           <a:xfrm>
             <a:off x="4677480" y="1260000"/>
-            <a:ext cx="4157640" cy="3468600"/>
+            <a:ext cx="4157280" cy="3468240"/>
           </a:xfrm>
           <a:prstGeom prst="rect">
             <a:avLst/>
@@ -5453,6 +5887,9 @@
           </a:bodyPr>
           <a:p>
             <a:pPr marL="432000" indent="-324000">
+              <a:lnSpc>
+                <a:spcPct val="100000"/>
+              </a:lnSpc>
               <a:spcBef>
                 <a:spcPts val="1417"/>
               </a:spcBef>
@@ -5464,23 +5901,26 @@
               <a:buChar char=""/>
             </a:pPr>
             <a:r>
-              <a:rPr b="0" lang="en-GB" sz="1300" spc="-1" strike="noStrike">
+              <a:rPr b="0" lang="en-GB" sz="1200" spc="-1" strike="noStrike">
                 <a:solidFill>
                   <a:srgbClr val="000000"/>
                 </a:solidFill>
                 <a:latin typeface="Montserrat"/>
               </a:rPr>
-              <a:t>J’ai choisi d’utiliser en backend Node Js.</a:t>
-            </a:r>
-            <a:endParaRPr b="0" lang="en-GB" sz="1300" spc="-1" strike="noStrike">
-              <a:solidFill>
-                <a:srgbClr val="000000"/>
-              </a:solidFill>
-              <a:latin typeface="Montserrat"/>
+              <a:t>Connexion de l’utilisateur.</a:t>
+            </a:r>
+            <a:endParaRPr b="0" lang="en-GB" sz="1200" spc="-1" strike="noStrike">
+              <a:solidFill>
+                <a:srgbClr val="000000"/>
+              </a:solidFill>
+              <a:latin typeface="Arial"/>
             </a:endParaRPr>
           </a:p>
           <a:p>
             <a:pPr marL="432000" indent="-324000">
+              <a:lnSpc>
+                <a:spcPct val="100000"/>
+              </a:lnSpc>
               <a:spcBef>
                 <a:spcPts val="1417"/>
               </a:spcBef>
@@ -5492,23 +5932,26 @@
               <a:buChar char=""/>
             </a:pPr>
             <a:r>
-              <a:rPr b="0" lang="en-GB" sz="1300" spc="-1" strike="noStrike">
+              <a:rPr b="0" lang="en-GB" sz="1200" spc="-1" strike="noStrike">
                 <a:solidFill>
                   <a:srgbClr val="000000"/>
                 </a:solidFill>
                 <a:latin typeface="Montserrat"/>
               </a:rPr>
-              <a:t>J’ai fais le choix de MongoDB pour ma base de données.</a:t>
-            </a:r>
-            <a:endParaRPr b="0" lang="en-GB" sz="1300" spc="-1" strike="noStrike">
-              <a:solidFill>
-                <a:srgbClr val="000000"/>
-              </a:solidFill>
-              <a:latin typeface="Montserrat"/>
+              <a:t>L’utilisateur a acces a son compte et données</a:t>
+            </a:r>
+            <a:endParaRPr b="0" lang="en-GB" sz="1200" spc="-1" strike="noStrike">
+              <a:solidFill>
+                <a:srgbClr val="000000"/>
+              </a:solidFill>
+              <a:latin typeface="Arial"/>
             </a:endParaRPr>
           </a:p>
           <a:p>
             <a:pPr marL="432000" indent="-324000">
+              <a:lnSpc>
+                <a:spcPct val="100000"/>
+              </a:lnSpc>
               <a:spcBef>
                 <a:spcPts val="1417"/>
               </a:spcBef>
@@ -5520,23 +5963,26 @@
               <a:buChar char=""/>
             </a:pPr>
             <a:r>
-              <a:rPr b="0" lang="en-GB" sz="1300" spc="-1" strike="noStrike">
+              <a:rPr b="0" lang="en-GB" sz="1200" spc="-1" strike="noStrike">
                 <a:solidFill>
                   <a:srgbClr val="000000"/>
                 </a:solidFill>
                 <a:latin typeface="Montserrat"/>
               </a:rPr>
-              <a:t>Mon site sera hébergé sur AWS.</a:t>
-            </a:r>
-            <a:endParaRPr b="0" lang="en-GB" sz="1300" spc="-1" strike="noStrike">
-              <a:solidFill>
-                <a:srgbClr val="000000"/>
-              </a:solidFill>
-              <a:latin typeface="Montserrat"/>
+              <a:t>L’utilisateur peut diffuser ses menu sur Instagram et deliveroo.</a:t>
+            </a:r>
+            <a:endParaRPr b="0" lang="en-GB" sz="1200" spc="-1" strike="noStrike">
+              <a:solidFill>
+                <a:srgbClr val="000000"/>
+              </a:solidFill>
+              <a:latin typeface="Arial"/>
             </a:endParaRPr>
           </a:p>
           <a:p>
             <a:pPr marL="432000" indent="-324000">
+              <a:lnSpc>
+                <a:spcPct val="100000"/>
+              </a:lnSpc>
               <a:spcBef>
                 <a:spcPts val="1417"/>
               </a:spcBef>
@@ -5548,26 +5994,26 @@
               <a:buChar char=""/>
             </a:pPr>
             <a:r>
-              <a:rPr b="0" lang="en-GB" sz="1300" spc="-1" strike="noStrike">
+              <a:rPr b="0" lang="en-GB" sz="1200" spc="-1" strike="noStrike">
                 <a:solidFill>
                   <a:srgbClr val="000000"/>
                 </a:solidFill>
                 <a:latin typeface="Montserrat"/>
               </a:rPr>
-              <a:t>Mon frontend sera codé en React.</a:t>
-            </a:r>
-            <a:endParaRPr b="0" lang="en-GB" sz="1300" spc="-1" strike="noStrike">
-              <a:solidFill>
-                <a:srgbClr val="000000"/>
-              </a:solidFill>
-              <a:latin typeface="Montserrat"/>
+              <a:t>L’utilisateur peut télécharger et imprimer ses menu</a:t>
+            </a:r>
+            <a:endParaRPr b="0" lang="en-GB" sz="1200" spc="-1" strike="noStrike">
+              <a:solidFill>
+                <a:srgbClr val="000000"/>
+              </a:solidFill>
+              <a:latin typeface="Arial"/>
             </a:endParaRPr>
           </a:p>
         </p:txBody>
       </p:sp>
       <p:pic>
         <p:nvPicPr>
-          <p:cNvPr id="90" name="" descr=""/>
+          <p:cNvPr id="92" name="" descr=""/>
           <p:cNvPicPr/>
           <p:nvPr/>
         </p:nvPicPr>
@@ -5578,53 +6024,7 @@
         <p:spPr>
           <a:xfrm>
             <a:off x="540000" y="1260000"/>
-            <a:ext cx="2064240" cy="2128680"/>
-          </a:xfrm>
-          <a:prstGeom prst="rect">
-            <a:avLst/>
-          </a:prstGeom>
-          <a:ln w="0">
-            <a:noFill/>
-          </a:ln>
-        </p:spPr>
-      </p:pic>
-      <p:pic>
-        <p:nvPicPr>
-          <p:cNvPr id="91" name="" descr=""/>
-          <p:cNvPicPr/>
-          <p:nvPr/>
-        </p:nvPicPr>
-        <p:blipFill>
-          <a:blip r:embed="rId2"/>
-          <a:stretch/>
-        </p:blipFill>
-        <p:spPr>
-          <a:xfrm>
-            <a:off x="540000" y="3420000"/>
-            <a:ext cx="2857320" cy="1294920"/>
-          </a:xfrm>
-          <a:prstGeom prst="rect">
-            <a:avLst/>
-          </a:prstGeom>
-          <a:ln w="0">
-            <a:noFill/>
-          </a:ln>
-        </p:spPr>
-      </p:pic>
-      <p:pic>
-        <p:nvPicPr>
-          <p:cNvPr id="92" name="" descr=""/>
-          <p:cNvPicPr/>
-          <p:nvPr/>
-        </p:nvPicPr>
-        <p:blipFill>
-          <a:blip r:embed="rId3"/>
-          <a:stretch/>
-        </p:blipFill>
-        <p:spPr>
-          <a:xfrm>
-            <a:off x="2700000" y="1260000"/>
-            <a:ext cx="1769400" cy="2160000"/>
+            <a:ext cx="2063880" cy="2128320"/>
           </a:xfrm>
           <a:prstGeom prst="rect">
             <a:avLst/>
@@ -5641,13 +6041,59 @@
           <p:nvPr/>
         </p:nvPicPr>
         <p:blipFill>
+          <a:blip r:embed="rId2"/>
+          <a:stretch/>
+        </p:blipFill>
+        <p:spPr>
+          <a:xfrm>
+            <a:off x="540000" y="3420000"/>
+            <a:ext cx="2856960" cy="1294560"/>
+          </a:xfrm>
+          <a:prstGeom prst="rect">
+            <a:avLst/>
+          </a:prstGeom>
+          <a:ln w="0">
+            <a:noFill/>
+          </a:ln>
+        </p:spPr>
+      </p:pic>
+      <p:pic>
+        <p:nvPicPr>
+          <p:cNvPr id="94" name="" descr=""/>
+          <p:cNvPicPr/>
+          <p:nvPr/>
+        </p:nvPicPr>
+        <p:blipFill>
+          <a:blip r:embed="rId3"/>
+          <a:stretch/>
+        </p:blipFill>
+        <p:spPr>
+          <a:xfrm>
+            <a:off x="2700000" y="1260000"/>
+            <a:ext cx="1769040" cy="2159640"/>
+          </a:xfrm>
+          <a:prstGeom prst="rect">
+            <a:avLst/>
+          </a:prstGeom>
+          <a:ln w="0">
+            <a:noFill/>
+          </a:ln>
+        </p:spPr>
+      </p:pic>
+      <p:pic>
+        <p:nvPicPr>
+          <p:cNvPr id="95" name="" descr=""/>
+          <p:cNvPicPr/>
+          <p:nvPr/>
+        </p:nvPicPr>
+        <p:blipFill>
           <a:blip r:embed="rId4"/>
           <a:stretch/>
         </p:blipFill>
         <p:spPr>
           <a:xfrm>
             <a:off x="4860000" y="2947680"/>
-            <a:ext cx="3809880" cy="1552320"/>
+            <a:ext cx="3809520" cy="1551960"/>
           </a:xfrm>
           <a:prstGeom prst="rect">
             <a:avLst/>
@@ -5689,7 +6135,7 @@
       </p:grpSpPr>
       <p:pic>
         <p:nvPicPr>
-          <p:cNvPr id="94" name="" descr=""/>
+          <p:cNvPr id="96" name="" descr=""/>
           <p:cNvPicPr/>
           <p:nvPr/>
         </p:nvPicPr>
@@ -5700,7 +6146,7 @@
         <p:spPr>
           <a:xfrm>
             <a:off x="311400" y="1796040"/>
-            <a:ext cx="4157640" cy="2128320"/>
+            <a:ext cx="4157280" cy="2127960"/>
           </a:xfrm>
           <a:prstGeom prst="rect">
             <a:avLst/>
@@ -5712,7 +6158,7 @@
       </p:pic>
       <p:sp>
         <p:nvSpPr>
-          <p:cNvPr id="95" name="PlaceHolder 1"/>
+          <p:cNvPr id="97" name="PlaceHolder 1"/>
           <p:cNvSpPr>
             <a:spLocks noGrp="1"/>
           </p:cNvSpPr>
@@ -5723,7 +6169,7 @@
         <p:spPr>
           <a:xfrm>
             <a:off x="311760" y="444960"/>
-            <a:ext cx="8520120" cy="572400"/>
+            <a:ext cx="8519760" cy="572040"/>
           </a:xfrm>
           <a:prstGeom prst="rect">
             <a:avLst/>
@@ -5739,7 +6185,13 @@
           </a:bodyPr>
           <a:p>
             <a:pPr indent="0">
+              <a:lnSpc>
+                <a:spcPct val="100000"/>
+              </a:lnSpc>
               <a:buNone/>
+              <a:tabLst>
+                <a:tab algn="l" pos="0"/>
+              </a:tabLst>
             </a:pPr>
             <a:r>
               <a:rPr b="0" lang="en-GB" sz="1400" spc="-1" strike="noStrike">
@@ -5754,14 +6206,14 @@
               <a:solidFill>
                 <a:srgbClr val="000000"/>
               </a:solidFill>
-              <a:latin typeface="Montserrat"/>
+              <a:latin typeface="Arial"/>
             </a:endParaRPr>
           </a:p>
         </p:txBody>
       </p:sp>
       <p:pic>
         <p:nvPicPr>
-          <p:cNvPr id="96" name="" descr=""/>
+          <p:cNvPr id="98" name="" descr=""/>
           <p:cNvPicPr/>
           <p:nvPr/>
         </p:nvPicPr>
@@ -5772,7 +6224,7 @@
         <p:spPr>
           <a:xfrm>
             <a:off x="4677480" y="1673280"/>
-            <a:ext cx="4157640" cy="2373480"/>
+            <a:ext cx="4157280" cy="2373120"/>
           </a:xfrm>
           <a:prstGeom prst="rect">
             <a:avLst/>
@@ -5814,7 +6266,7 @@
       </p:grpSpPr>
       <p:sp>
         <p:nvSpPr>
-          <p:cNvPr id="97" name="PlaceHolder 1"/>
+          <p:cNvPr id="99" name="PlaceHolder 1"/>
           <p:cNvSpPr>
             <a:spLocks noGrp="1"/>
           </p:cNvSpPr>
@@ -5825,7 +6277,7 @@
         <p:spPr>
           <a:xfrm>
             <a:off x="311760" y="444960"/>
-            <a:ext cx="8520120" cy="572400"/>
+            <a:ext cx="8519760" cy="572040"/>
           </a:xfrm>
           <a:prstGeom prst="rect">
             <a:avLst/>
@@ -5873,7 +6325,7 @@
       </p:sp>
       <p:sp>
         <p:nvSpPr>
-          <p:cNvPr id="98" name="PlaceHolder 2"/>
+          <p:cNvPr id="100" name="PlaceHolder 2"/>
           <p:cNvSpPr>
             <a:spLocks noGrp="1"/>
           </p:cNvSpPr>
@@ -5884,7 +6336,7 @@
         <p:spPr>
           <a:xfrm>
             <a:off x="108000" y="1044360"/>
-            <a:ext cx="8520120" cy="3991320"/>
+            <a:ext cx="8519760" cy="3990960"/>
           </a:xfrm>
           <a:prstGeom prst="rect">
             <a:avLst/>
@@ -5962,14 +6414,14 @@
       </p:sp>
       <p:sp>
         <p:nvSpPr>
-          <p:cNvPr id="99" name="Google Shape;113;p20"/>
+          <p:cNvPr id="101" name="Google Shape;113;p20"/>
           <p:cNvSpPr/>
           <p:nvPr/>
         </p:nvSpPr>
         <p:spPr>
           <a:xfrm>
             <a:off x="0" y="0"/>
-            <a:ext cx="4911120" cy="351360"/>
+            <a:ext cx="4910760" cy="351360"/>
           </a:xfrm>
           <a:prstGeom prst="rect">
             <a:avLst/>
@@ -5986,7 +6438,7 @@
           <a:fontRef idx="minor"/>
         </p:style>
         <p:txBody>
-          <a:bodyPr tIns="88200" bIns="88200" anchor="t">
+          <a:bodyPr lIns="90000" rIns="90000" tIns="88200" bIns="88200" anchor="t">
             <a:spAutoFit/>
           </a:bodyPr>
           <a:p>
@@ -6022,14 +6474,14 @@
       </p:sp>
       <p:sp>
         <p:nvSpPr>
-          <p:cNvPr id="100" name="Google Shape;114;p20"/>
+          <p:cNvPr id="102" name="Google Shape;114;p20"/>
           <p:cNvSpPr/>
           <p:nvPr/>
         </p:nvSpPr>
         <p:spPr>
           <a:xfrm>
             <a:off x="434880" y="1085400"/>
-            <a:ext cx="8320320" cy="2772000"/>
+            <a:ext cx="8319960" cy="2771280"/>
           </a:xfrm>
           <a:prstGeom prst="rect">
             <a:avLst/>
@@ -6046,9 +6498,22 @@
           <a:fontRef idx="minor"/>
         </p:style>
         <p:txBody>
-          <a:bodyPr tIns="91440" bIns="91440" anchor="t">
+          <a:bodyPr lIns="90000" rIns="90000" tIns="91440" bIns="91440" anchor="t">
             <a:spAutoFit/>
           </a:bodyPr>
+          <a:p>
+            <a:pPr>
+              <a:lnSpc>
+                <a:spcPct val="150000"/>
+              </a:lnSpc>
+            </a:pPr>
+            <a:endParaRPr b="0" lang="en-GB" sz="1500" spc="-1" strike="noStrike">
+              <a:solidFill>
+                <a:srgbClr val="000000"/>
+              </a:solidFill>
+              <a:latin typeface="Arial"/>
+            </a:endParaRPr>
+          </a:p>
           <a:p>
             <a:pPr marL="457200" indent="-324000">
               <a:lnSpc>
@@ -6060,7 +6525,20 @@
               <a:buFont typeface="Montserrat"/>
               <a:buChar char="●"/>
             </a:pPr>
-            <a:endParaRPr b="0" lang="en-GB" sz="1500" spc="-1" strike="noStrike">
+            <a:r>
+              <a:rPr b="0" lang="fr" sz="1300" spc="-1" strike="noStrike">
+                <a:solidFill>
+                  <a:srgbClr val="0d0d0d"/>
+                </a:solidFill>
+                <a:highlight>
+                  <a:srgbClr val="ffffff"/>
+                </a:highlight>
+                <a:latin typeface="Montserrat"/>
+                <a:ea typeface="Montserrat"/>
+              </a:rPr>
+              <a:t>J’ai choisi de classer les informations sur mon agregateur de flux en deux parties : 1)Frontend qui reproupe toutes les informations relatives à la partie frontend de mon application.</a:t>
+            </a:r>
+            <a:endParaRPr b="0" lang="en-GB" sz="1300" spc="-1" strike="noStrike">
               <a:solidFill>
                 <a:srgbClr val="000000"/>
               </a:solidFill>
@@ -6089,7 +6567,7 @@
                 <a:latin typeface="Montserrat"/>
                 <a:ea typeface="Montserrat"/>
               </a:rPr>
-              <a:t>J’ai choisi de classer les informations sur mon agregateur de flux en deux parties : 1)Frontend qui reproupe toutes les informations relatives à la partie frontend de mon application.</a:t>
+              <a:t>2)Backend Qui regroupe toutes les informations relatives à la partie backend de mon application.</a:t>
             </a:r>
             <a:endParaRPr b="0" lang="en-GB" sz="1300" spc="-1" strike="noStrike">
               <a:solidFill>
@@ -6099,46 +6577,10 @@
             </a:endParaRPr>
           </a:p>
           <a:p>
-            <a:pPr marL="457200" indent="-324000">
+            <a:pPr>
               <a:lnSpc>
                 <a:spcPct val="150000"/>
               </a:lnSpc>
-              <a:buClr>
-                <a:srgbClr val="0d0d0d"/>
-              </a:buClr>
-              <a:buFont typeface="Montserrat"/>
-              <a:buChar char="●"/>
-            </a:pPr>
-            <a:r>
-              <a:rPr b="0" lang="fr" sz="1300" spc="-1" strike="noStrike">
-                <a:solidFill>
-                  <a:srgbClr val="0d0d0d"/>
-                </a:solidFill>
-                <a:highlight>
-                  <a:srgbClr val="ffffff"/>
-                </a:highlight>
-                <a:latin typeface="Montserrat"/>
-                <a:ea typeface="Montserrat"/>
-              </a:rPr>
-              <a:t>2)Backend Qui regroupe toutes les informations relatives à la partie backend de mon application.</a:t>
-            </a:r>
-            <a:endParaRPr b="0" lang="en-GB" sz="1300" spc="-1" strike="noStrike">
-              <a:solidFill>
-                <a:srgbClr val="000000"/>
-              </a:solidFill>
-              <a:latin typeface="Arial"/>
-            </a:endParaRPr>
-          </a:p>
-          <a:p>
-            <a:pPr marL="457200" indent="-324000">
-              <a:lnSpc>
-                <a:spcPct val="150000"/>
-              </a:lnSpc>
-              <a:buClr>
-                <a:srgbClr val="0d0d0d"/>
-              </a:buClr>
-              <a:buFont typeface="Montserrat"/>
-              <a:buChar char="●"/>
             </a:pPr>
             <a:endParaRPr b="0" lang="en-GB" sz="1300" spc="-1" strike="noStrike">
               <a:solidFill>
@@ -6186,14 +6628,14 @@
       </p:sp>
       <p:sp>
         <p:nvSpPr>
-          <p:cNvPr id="101" name="Google Shape;115;p20"/>
+          <p:cNvPr id="103" name="Google Shape;115;p20"/>
           <p:cNvSpPr/>
           <p:nvPr/>
         </p:nvSpPr>
         <p:spPr>
           <a:xfrm>
             <a:off x="-4680" y="0"/>
-            <a:ext cx="9153360" cy="239400"/>
+            <a:ext cx="9153000" cy="239040"/>
           </a:xfrm>
           <a:prstGeom prst="rect">
             <a:avLst/>
@@ -6215,7 +6657,7 @@
           <a:fontRef idx="minor"/>
         </p:style>
         <p:txBody>
-          <a:bodyPr tIns="91440" bIns="91440" anchor="ctr">
+          <a:bodyPr lIns="90000" rIns="90000" tIns="91440" bIns="91440" anchor="ctr">
             <a:noAutofit/>
           </a:bodyPr>
           <a:p>
@@ -6238,7 +6680,7 @@
       </p:sp>
       <p:pic>
         <p:nvPicPr>
-          <p:cNvPr id="102" name="Google Shape;116;p20" descr=""/>
+          <p:cNvPr id="104" name="Google Shape;116;p20" descr=""/>
           <p:cNvPicPr/>
           <p:nvPr/>
         </p:nvPicPr>
@@ -6249,7 +6691,7 @@
         <p:spPr>
           <a:xfrm>
             <a:off x="8469720" y="0"/>
-            <a:ext cx="673920" cy="340200"/>
+            <a:ext cx="673560" cy="339840"/>
           </a:xfrm>
           <a:prstGeom prst="rect">
             <a:avLst/>
@@ -6261,7 +6703,7 @@
       </p:pic>
       <p:pic>
         <p:nvPicPr>
-          <p:cNvPr id="103" name="" descr=""/>
+          <p:cNvPr id="105" name="" descr=""/>
           <p:cNvPicPr/>
           <p:nvPr/>
         </p:nvPicPr>
@@ -6272,7 +6714,7 @@
         <p:spPr>
           <a:xfrm>
             <a:off x="6430320" y="2666880"/>
-            <a:ext cx="1669680" cy="2435400"/>
+            <a:ext cx="1669320" cy="2435040"/>
           </a:xfrm>
           <a:prstGeom prst="rect">
             <a:avLst/>
@@ -6314,7 +6756,7 @@
       </p:grpSpPr>
       <p:sp>
         <p:nvSpPr>
-          <p:cNvPr id="104" name="PlaceHolder 1"/>
+          <p:cNvPr id="106" name="PlaceHolder 1"/>
           <p:cNvSpPr>
             <a:spLocks noGrp="1"/>
           </p:cNvSpPr>
@@ -6325,7 +6767,7 @@
         <p:spPr>
           <a:xfrm>
             <a:off x="311760" y="444960"/>
-            <a:ext cx="8520120" cy="572400"/>
+            <a:ext cx="8519760" cy="572040"/>
           </a:xfrm>
           <a:prstGeom prst="rect">
             <a:avLst/>
@@ -6366,14 +6808,14 @@
               <a:solidFill>
                 <a:srgbClr val="000000"/>
               </a:solidFill>
-              <a:latin typeface="Montserrat"/>
+              <a:latin typeface="Arial"/>
             </a:endParaRPr>
           </a:p>
         </p:txBody>
       </p:sp>
       <p:pic>
         <p:nvPicPr>
-          <p:cNvPr id="105" name="" descr=""/>
+          <p:cNvPr id="107" name="" descr=""/>
           <p:cNvPicPr/>
           <p:nvPr/>
         </p:nvPicPr>
@@ -6384,7 +6826,7 @@
         <p:spPr>
           <a:xfrm>
             <a:off x="473760" y="1152000"/>
-            <a:ext cx="3832920" cy="3416040"/>
+            <a:ext cx="3832560" cy="3415680"/>
           </a:xfrm>
           <a:prstGeom prst="rect">
             <a:avLst/>
@@ -6396,7 +6838,7 @@
       </p:pic>
       <p:pic>
         <p:nvPicPr>
-          <p:cNvPr id="106" name="" descr=""/>
+          <p:cNvPr id="108" name="" descr=""/>
           <p:cNvPicPr/>
           <p:nvPr/>
         </p:nvPicPr>
@@ -6407,7 +6849,7 @@
         <p:spPr>
           <a:xfrm>
             <a:off x="4939560" y="1152000"/>
-            <a:ext cx="3633840" cy="3416040"/>
+            <a:ext cx="3633480" cy="3415680"/>
           </a:xfrm>
           <a:prstGeom prst="rect">
             <a:avLst/>
@@ -6449,7 +6891,7 @@
       </p:grpSpPr>
       <p:sp>
         <p:nvSpPr>
-          <p:cNvPr id="107" name="PlaceHolder 1"/>
+          <p:cNvPr id="109" name="PlaceHolder 1"/>
           <p:cNvSpPr>
             <a:spLocks noGrp="1"/>
           </p:cNvSpPr>
@@ -6460,7 +6902,7 @@
         <p:spPr>
           <a:xfrm>
             <a:off x="311760" y="444960"/>
-            <a:ext cx="8520120" cy="572400"/>
+            <a:ext cx="8519760" cy="572040"/>
           </a:xfrm>
           <a:prstGeom prst="rect">
             <a:avLst/>
@@ -6508,7 +6950,7 @@
       </p:sp>
       <p:sp>
         <p:nvSpPr>
-          <p:cNvPr id="108" name="PlaceHolder 2"/>
+          <p:cNvPr id="110" name="PlaceHolder 2"/>
           <p:cNvSpPr>
             <a:spLocks noGrp="1"/>
           </p:cNvSpPr>
@@ -6519,7 +6961,7 @@
         <p:spPr>
           <a:xfrm>
             <a:off x="311760" y="1152360"/>
-            <a:ext cx="8520120" cy="3416040"/>
+            <a:ext cx="8519760" cy="3415680"/>
           </a:xfrm>
           <a:prstGeom prst="rect">
             <a:avLst/>
@@ -6599,7 +7041,7 @@
       </p:grpSpPr>
       <p:sp>
         <p:nvSpPr>
-          <p:cNvPr id="109" name="PlaceHolder 1"/>
+          <p:cNvPr id="111" name="PlaceHolder 1"/>
           <p:cNvSpPr>
             <a:spLocks noGrp="1"/>
           </p:cNvSpPr>
@@ -6610,7 +7052,7 @@
         <p:spPr>
           <a:xfrm>
             <a:off x="311760" y="444960"/>
-            <a:ext cx="8520120" cy="572400"/>
+            <a:ext cx="8519760" cy="572040"/>
           </a:xfrm>
           <a:prstGeom prst="rect">
             <a:avLst/>
@@ -6658,7 +7100,7 @@
       </p:sp>
       <p:sp>
         <p:nvSpPr>
-          <p:cNvPr id="110" name="PlaceHolder 2"/>
+          <p:cNvPr id="112" name="PlaceHolder 2"/>
           <p:cNvSpPr>
             <a:spLocks noGrp="1"/>
           </p:cNvSpPr>
@@ -6669,7 +7111,7 @@
         <p:spPr>
           <a:xfrm>
             <a:off x="311760" y="1152360"/>
-            <a:ext cx="8520120" cy="3416040"/>
+            <a:ext cx="8519760" cy="3415680"/>
           </a:xfrm>
           <a:prstGeom prst="rect">
             <a:avLst/>
@@ -6685,10 +7127,16 @@
           </a:bodyPr>
           <a:p>
             <a:pPr marL="432000" indent="0">
+              <a:lnSpc>
+                <a:spcPct val="100000"/>
+              </a:lnSpc>
               <a:spcBef>
                 <a:spcPts val="1417"/>
               </a:spcBef>
               <a:buNone/>
+              <a:tabLst>
+                <a:tab algn="l" pos="0"/>
+              </a:tabLst>
             </a:pPr>
             <a:endParaRPr b="0" lang="en-GB" sz="1400" spc="-1" strike="noStrike">
               <a:solidFill>
@@ -6699,6 +7147,9 @@
           </a:p>
           <a:p>
             <a:pPr marL="432000" indent="-324000">
+              <a:lnSpc>
+                <a:spcPct val="100000"/>
+              </a:lnSpc>
               <a:spcBef>
                 <a:spcPts val="1417"/>
               </a:spcBef>
@@ -6708,6 +7159,9 @@
               <a:buSzPct val="45000"/>
               <a:buFont typeface="Wingdings" charset="2"/>
               <a:buChar char=""/>
+              <a:tabLst>
+                <a:tab algn="l" pos="0"/>
+              </a:tabLst>
             </a:pPr>
             <a:r>
               <a:rPr b="0" lang="en-GB" sz="1600" spc="-1" strike="noStrike">
@@ -6729,14 +7183,14 @@
       </p:sp>
       <p:sp>
         <p:nvSpPr>
-          <p:cNvPr id="111" name="Google Shape;123;p21"/>
+          <p:cNvPr id="113" name="Google Shape;123;p21"/>
           <p:cNvSpPr/>
           <p:nvPr/>
         </p:nvSpPr>
         <p:spPr>
           <a:xfrm>
             <a:off x="0" y="0"/>
-            <a:ext cx="4911120" cy="351360"/>
+            <a:ext cx="4910760" cy="351360"/>
           </a:xfrm>
           <a:prstGeom prst="rect">
             <a:avLst/>
@@ -6753,7 +7207,7 @@
           <a:fontRef idx="minor"/>
         </p:style>
         <p:txBody>
-          <a:bodyPr tIns="88200" bIns="88200" anchor="t">
+          <a:bodyPr lIns="90000" rIns="90000" tIns="88200" bIns="88200" anchor="t">
             <a:spAutoFit/>
           </a:bodyPr>
           <a:p>
@@ -6789,14 +7243,14 @@
       </p:sp>
       <p:sp>
         <p:nvSpPr>
-          <p:cNvPr id="112" name="Google Shape;124;p21"/>
+          <p:cNvPr id="114" name="Google Shape;124;p21"/>
           <p:cNvSpPr/>
           <p:nvPr/>
         </p:nvSpPr>
         <p:spPr>
           <a:xfrm>
             <a:off x="434880" y="1085400"/>
-            <a:ext cx="8320320" cy="987840"/>
+            <a:ext cx="8319960" cy="987120"/>
           </a:xfrm>
           <a:prstGeom prst="rect">
             <a:avLst/>
@@ -6813,19 +7267,14 @@
           <a:fontRef idx="minor"/>
         </p:style>
         <p:txBody>
-          <a:bodyPr tIns="91440" bIns="91440" anchor="t">
+          <a:bodyPr lIns="90000" rIns="90000" tIns="91440" bIns="91440" anchor="t">
             <a:spAutoFit/>
           </a:bodyPr>
           <a:p>
-            <a:pPr marL="457200" indent="-343080">
+            <a:pPr>
               <a:lnSpc>
                 <a:spcPct val="115000"/>
               </a:lnSpc>
-              <a:buClr>
-                <a:srgbClr val="0d0d0d"/>
-              </a:buClr>
-              <a:buFont typeface="Montserrat"/>
-              <a:buChar char="●"/>
             </a:pPr>
             <a:endParaRPr b="0" lang="en-GB" sz="1500" spc="-1" strike="noStrike">
               <a:solidFill>
@@ -6873,14 +7322,14 @@
       </p:sp>
       <p:sp>
         <p:nvSpPr>
-          <p:cNvPr id="113" name="Google Shape;125;p21"/>
+          <p:cNvPr id="115" name="Google Shape;125;p21"/>
           <p:cNvSpPr/>
           <p:nvPr/>
         </p:nvSpPr>
         <p:spPr>
           <a:xfrm>
             <a:off x="-4680" y="0"/>
-            <a:ext cx="9153360" cy="239400"/>
+            <a:ext cx="9153000" cy="239040"/>
           </a:xfrm>
           <a:prstGeom prst="rect">
             <a:avLst/>
@@ -6902,7 +7351,7 @@
           <a:fontRef idx="minor"/>
         </p:style>
         <p:txBody>
-          <a:bodyPr tIns="91440" bIns="91440" anchor="ctr">
+          <a:bodyPr lIns="90000" rIns="90000" tIns="91440" bIns="91440" anchor="ctr">
             <a:noAutofit/>
           </a:bodyPr>
           <a:p>
@@ -6925,7 +7374,7 @@
       </p:sp>
       <p:pic>
         <p:nvPicPr>
-          <p:cNvPr id="114" name="Google Shape;126;p21" descr=""/>
+          <p:cNvPr id="116" name="Google Shape;126;p21" descr=""/>
           <p:cNvPicPr/>
           <p:nvPr/>
         </p:nvPicPr>
@@ -6936,7 +7385,7 @@
         <p:spPr>
           <a:xfrm>
             <a:off x="8469720" y="0"/>
-            <a:ext cx="673920" cy="340200"/>
+            <a:ext cx="673560" cy="339840"/>
           </a:xfrm>
           <a:prstGeom prst="rect">
             <a:avLst/>
@@ -6985,14 +7434,14 @@
       </p:grpSpPr>
       <p:sp>
         <p:nvSpPr>
-          <p:cNvPr id="115" name="Google Shape;131;p22"/>
+          <p:cNvPr id="117" name="Google Shape;131;p22"/>
           <p:cNvSpPr/>
           <p:nvPr/>
         </p:nvSpPr>
         <p:spPr>
           <a:xfrm>
             <a:off x="2411640" y="2125800"/>
-            <a:ext cx="4221720" cy="801720"/>
+            <a:ext cx="4221360" cy="801360"/>
           </a:xfrm>
           <a:prstGeom prst="rect">
             <a:avLst/>
@@ -7009,7 +7458,7 @@
           <a:fontRef idx="minor"/>
         </p:style>
         <p:txBody>
-          <a:bodyPr tIns="91440" bIns="91440" anchor="t">
+          <a:bodyPr lIns="90000" rIns="90000" tIns="91440" bIns="91440" anchor="t">
             <a:noAutofit/>
           </a:bodyPr>
           <a:p>
@@ -7042,14 +7491,14 @@
       </p:sp>
       <p:sp>
         <p:nvSpPr>
-          <p:cNvPr id="116" name="Google Shape;132;p22"/>
+          <p:cNvPr id="118" name="Google Shape;132;p22"/>
           <p:cNvSpPr/>
           <p:nvPr/>
         </p:nvSpPr>
         <p:spPr>
           <a:xfrm>
             <a:off x="115200" y="118440"/>
-            <a:ext cx="2384280" cy="279720"/>
+            <a:ext cx="2383920" cy="279360"/>
           </a:xfrm>
           <a:prstGeom prst="rect">
             <a:avLst/>
@@ -7066,7 +7515,7 @@
           <a:fontRef idx="minor"/>
         </p:style>
         <p:txBody>
-          <a:bodyPr tIns="91440" bIns="91440" anchor="t">
+          <a:bodyPr lIns="90000" rIns="90000" tIns="91440" bIns="91440" anchor="t">
             <a:noAutofit/>
           </a:bodyPr>
           <a:p>
@@ -7089,7 +7538,7 @@
       </p:sp>
       <p:pic>
         <p:nvPicPr>
-          <p:cNvPr id="117" name="Google Shape;133;p22" descr=""/>
+          <p:cNvPr id="119" name="Google Shape;133;p22" descr=""/>
           <p:cNvPicPr/>
           <p:nvPr/>
         </p:nvPicPr>
@@ -7100,7 +7549,7 @@
         <p:spPr>
           <a:xfrm>
             <a:off x="8469720" y="0"/>
-            <a:ext cx="673920" cy="340200"/>
+            <a:ext cx="673560" cy="339840"/>
           </a:xfrm>
           <a:prstGeom prst="rect">
             <a:avLst/>
@@ -7142,7 +7591,7 @@
       </p:grpSpPr>
       <p:sp>
         <p:nvSpPr>
-          <p:cNvPr id="47" name="PlaceHolder 1"/>
+          <p:cNvPr id="49" name="PlaceHolder 1"/>
           <p:cNvSpPr>
             <a:spLocks noGrp="1"/>
           </p:cNvSpPr>
@@ -7153,7 +7602,7 @@
         <p:spPr>
           <a:xfrm>
             <a:off x="311760" y="444960"/>
-            <a:ext cx="8520120" cy="572400"/>
+            <a:ext cx="8519760" cy="572040"/>
           </a:xfrm>
           <a:prstGeom prst="rect">
             <a:avLst/>
@@ -7165,7 +7614,7 @@
         </p:spPr>
         <p:txBody>
           <a:bodyPr lIns="91440" rIns="91440" tIns="91440" bIns="91440" anchor="t">
-            <a:normAutofit fontScale="93550"/>
+            <a:normAutofit fontScale="93333"/>
           </a:bodyPr>
           <a:p>
             <a:pPr indent="0">
@@ -7198,7 +7647,7 @@
       </p:sp>
       <p:sp>
         <p:nvSpPr>
-          <p:cNvPr id="48" name="PlaceHolder 2"/>
+          <p:cNvPr id="50" name="PlaceHolder 2"/>
           <p:cNvSpPr>
             <a:spLocks noGrp="1"/>
           </p:cNvSpPr>
@@ -7209,7 +7658,7 @@
         <p:spPr>
           <a:xfrm>
             <a:off x="311760" y="1152360"/>
-            <a:ext cx="8520120" cy="3416040"/>
+            <a:ext cx="8519760" cy="3415680"/>
           </a:xfrm>
           <a:prstGeom prst="rect">
             <a:avLst/>
@@ -7495,7 +7944,7 @@
       </p:sp>
       <p:pic>
         <p:nvPicPr>
-          <p:cNvPr id="49" name="Google Shape;63;p14" descr=""/>
+          <p:cNvPr id="51" name="Google Shape;63;p14" descr=""/>
           <p:cNvPicPr/>
           <p:nvPr/>
         </p:nvPicPr>
@@ -7506,7 +7955,7 @@
         <p:spPr>
           <a:xfrm>
             <a:off x="8469720" y="0"/>
-            <a:ext cx="673920" cy="340200"/>
+            <a:ext cx="673560" cy="339840"/>
           </a:xfrm>
           <a:prstGeom prst="rect">
             <a:avLst/>
@@ -7548,7 +7997,7 @@
       </p:grpSpPr>
       <p:sp>
         <p:nvSpPr>
-          <p:cNvPr id="50" name="PlaceHolder 1"/>
+          <p:cNvPr id="52" name="PlaceHolder 1"/>
           <p:cNvSpPr>
             <a:spLocks noGrp="1"/>
           </p:cNvSpPr>
@@ -7559,7 +8008,7 @@
         <p:spPr>
           <a:xfrm>
             <a:off x="311760" y="444960"/>
-            <a:ext cx="8520120" cy="572400"/>
+            <a:ext cx="8519760" cy="572040"/>
           </a:xfrm>
           <a:prstGeom prst="rect">
             <a:avLst/>
@@ -7607,14 +8056,14 @@
       </p:sp>
       <p:sp>
         <p:nvSpPr>
-          <p:cNvPr id="51" name="Google Shape;69;p15"/>
+          <p:cNvPr id="53" name="Google Shape;69;p15"/>
           <p:cNvSpPr/>
           <p:nvPr/>
         </p:nvSpPr>
         <p:spPr>
           <a:xfrm>
             <a:off x="434880" y="1085400"/>
-            <a:ext cx="8320320" cy="1039320"/>
+            <a:ext cx="8319960" cy="1038600"/>
           </a:xfrm>
           <a:prstGeom prst="rect">
             <a:avLst/>
@@ -7631,7 +8080,7 @@
           <a:fontRef idx="minor"/>
         </p:style>
         <p:txBody>
-          <a:bodyPr tIns="91440" bIns="91440" anchor="t">
+          <a:bodyPr lIns="90000" rIns="90000" tIns="91440" bIns="91440" anchor="t">
             <a:spAutoFit/>
           </a:bodyPr>
           <a:p>
@@ -7685,14 +8134,14 @@
       </p:sp>
       <p:sp>
         <p:nvSpPr>
-          <p:cNvPr id="52" name="Google Shape;70;p15"/>
+          <p:cNvPr id="54" name="Google Shape;70;p15"/>
           <p:cNvSpPr/>
           <p:nvPr/>
         </p:nvSpPr>
         <p:spPr>
           <a:xfrm>
             <a:off x="-4680" y="0"/>
-            <a:ext cx="9153360" cy="239400"/>
+            <a:ext cx="9153000" cy="239040"/>
           </a:xfrm>
           <a:prstGeom prst="rect">
             <a:avLst/>
@@ -7714,10 +8163,15 @@
           <a:fontRef idx="minor"/>
         </p:style>
         <p:txBody>
-          <a:bodyPr tIns="91440" bIns="91440" anchor="ctr">
+          <a:bodyPr lIns="90000" rIns="90000" tIns="91440" bIns="91440" anchor="ctr">
             <a:noAutofit/>
           </a:bodyPr>
           <a:p>
+            <a:pPr>
+              <a:lnSpc>
+                <a:spcPct val="100000"/>
+              </a:lnSpc>
+            </a:pPr>
             <a:endParaRPr b="0" lang="en-GB" sz="1400" spc="-1" strike="noStrike">
               <a:solidFill>
                 <a:srgbClr val="000000"/>
@@ -7729,7 +8183,7 @@
       </p:sp>
       <p:pic>
         <p:nvPicPr>
-          <p:cNvPr id="53" name="Google Shape;71;p15" descr=""/>
+          <p:cNvPr id="55" name="Google Shape;71;p15" descr=""/>
           <p:cNvPicPr/>
           <p:nvPr/>
         </p:nvPicPr>
@@ -7740,7 +8194,7 @@
         <p:spPr>
           <a:xfrm>
             <a:off x="7920000" y="252360"/>
-            <a:ext cx="1224000" cy="647640"/>
+            <a:ext cx="1223640" cy="647280"/>
           </a:xfrm>
           <a:prstGeom prst="rect">
             <a:avLst/>
@@ -7752,7 +8206,7 @@
       </p:pic>
       <p:sp>
         <p:nvSpPr>
-          <p:cNvPr id="54" name="PlaceHolder 2"/>
+          <p:cNvPr id="56" name="PlaceHolder 2"/>
           <p:cNvSpPr>
             <a:spLocks noGrp="1"/>
           </p:cNvSpPr>
@@ -7763,7 +8217,7 @@
         <p:spPr>
           <a:xfrm>
             <a:off x="311760" y="2160000"/>
-            <a:ext cx="8520120" cy="2700000"/>
+            <a:ext cx="8519760" cy="2699640"/>
           </a:xfrm>
           <a:prstGeom prst="rect">
             <a:avLst/>
@@ -7779,6 +8233,9 @@
           </a:bodyPr>
           <a:p>
             <a:pPr marL="432000" indent="-324000">
+              <a:lnSpc>
+                <a:spcPct val="100000"/>
+              </a:lnSpc>
               <a:spcBef>
                 <a:spcPts val="1417"/>
               </a:spcBef>
@@ -7796,7 +8253,7 @@
                 </a:solidFill>
                 <a:latin typeface="Arial"/>
               </a:rPr>
-              <a:t>L’objectif de notre site est de mettre à disposition un outil pour que les restaurateurs puissent crée et publier leurs menu et plats facilement.</a:t>
+              <a:t>L’objectif de notre site est de mettre à disposition un outil pour que les restaurateurs puissent créer et publier leurs menu et plats facilement.</a:t>
             </a:r>
             <a:endParaRPr b="0" lang="en-GB" sz="1300" spc="-1" strike="noStrike">
               <a:solidFill>
@@ -7807,6 +8264,9 @@
           </a:p>
           <a:p>
             <a:pPr marL="432000" indent="-324000">
+              <a:lnSpc>
+                <a:spcPct val="100000"/>
+              </a:lnSpc>
               <a:spcBef>
                 <a:spcPts val="1417"/>
               </a:spcBef>
@@ -7835,10 +8295,16 @@
           </a:p>
           <a:p>
             <a:pPr marL="432000" indent="0">
+              <a:lnSpc>
+                <a:spcPct val="100000"/>
+              </a:lnSpc>
               <a:spcBef>
                 <a:spcPts val="1417"/>
               </a:spcBef>
               <a:buNone/>
+              <a:tabLst>
+                <a:tab algn="l" pos="0"/>
+              </a:tabLst>
             </a:pPr>
             <a:r>
               <a:rPr b="0" lang="en-GB" sz="1400" spc="-1" strike="noStrike">
@@ -7860,7 +8326,7 @@
       </p:sp>
       <p:pic>
         <p:nvPicPr>
-          <p:cNvPr id="55" name="" descr=""/>
+          <p:cNvPr id="57" name="" descr=""/>
           <p:cNvPicPr/>
           <p:nvPr/>
         </p:nvPicPr>
@@ -7871,7 +8337,7 @@
         <p:spPr>
           <a:xfrm>
             <a:off x="540000" y="3288600"/>
-            <a:ext cx="3000240" cy="1571400"/>
+            <a:ext cx="2999880" cy="1571040"/>
           </a:xfrm>
           <a:prstGeom prst="rect">
             <a:avLst/>
@@ -7883,7 +8349,7 @@
       </p:pic>
       <p:pic>
         <p:nvPicPr>
-          <p:cNvPr id="56" name="" descr=""/>
+          <p:cNvPr id="58" name="" descr=""/>
           <p:cNvPicPr/>
           <p:nvPr/>
         </p:nvPicPr>
@@ -7894,7 +8360,7 @@
         <p:spPr>
           <a:xfrm>
             <a:off x="6699240" y="3240000"/>
-            <a:ext cx="1580760" cy="1714320"/>
+            <a:ext cx="1580400" cy="1713960"/>
           </a:xfrm>
           <a:prstGeom prst="rect">
             <a:avLst/>
@@ -7936,7 +8402,7 @@
       </p:grpSpPr>
       <p:sp>
         <p:nvSpPr>
-          <p:cNvPr id="57" name="PlaceHolder 1"/>
+          <p:cNvPr id="59" name="PlaceHolder 1"/>
           <p:cNvSpPr>
             <a:spLocks noGrp="1"/>
           </p:cNvSpPr>
@@ -7947,7 +8413,7 @@
         <p:spPr>
           <a:xfrm>
             <a:off x="311760" y="444960"/>
-            <a:ext cx="8520120" cy="572400"/>
+            <a:ext cx="8519760" cy="572040"/>
           </a:xfrm>
           <a:prstGeom prst="rect">
             <a:avLst/>
@@ -8015,7 +8481,7 @@
       </p:sp>
       <p:sp>
         <p:nvSpPr>
-          <p:cNvPr id="58" name="PlaceHolder 2"/>
+          <p:cNvPr id="60" name="PlaceHolder 2"/>
           <p:cNvSpPr>
             <a:spLocks noGrp="1"/>
           </p:cNvSpPr>
@@ -8026,7 +8492,7 @@
         <p:spPr>
           <a:xfrm>
             <a:off x="360000" y="1152360"/>
-            <a:ext cx="8688240" cy="3991320"/>
+            <a:ext cx="8687880" cy="3990960"/>
           </a:xfrm>
           <a:prstGeom prst="rect">
             <a:avLst/>
@@ -8263,6 +8729,9 @@
                 <a:spcPct val="150000"/>
               </a:lnSpc>
               <a:buNone/>
+              <a:tabLst>
+                <a:tab algn="l" pos="0"/>
+              </a:tabLst>
             </a:pPr>
             <a:endParaRPr b="0" lang="en-GB" sz="1300" spc="-1" strike="noStrike">
               <a:solidFill>
@@ -8272,7 +8741,7 @@
             </a:endParaRPr>
           </a:p>
           <a:p>
-            <a:pPr indent="0">
+            <a:pPr marL="457200" indent="0">
               <a:lnSpc>
                 <a:spcPct val="115000"/>
               </a:lnSpc>
@@ -8315,14 +8784,14 @@
       </p:sp>
       <p:sp>
         <p:nvSpPr>
-          <p:cNvPr id="59" name="Google Shape;78;p16"/>
+          <p:cNvPr id="61" name="Google Shape;78;p16"/>
           <p:cNvSpPr/>
           <p:nvPr/>
         </p:nvSpPr>
         <p:spPr>
           <a:xfrm>
             <a:off x="-4680" y="0"/>
-            <a:ext cx="9153360" cy="239400"/>
+            <a:ext cx="9153000" cy="239040"/>
           </a:xfrm>
           <a:prstGeom prst="rect">
             <a:avLst/>
@@ -8344,7 +8813,7 @@
           <a:fontRef idx="minor"/>
         </p:style>
         <p:txBody>
-          <a:bodyPr tIns="91440" bIns="91440" anchor="ctr">
+          <a:bodyPr lIns="90000" rIns="90000" tIns="91440" bIns="91440" anchor="ctr">
             <a:noAutofit/>
           </a:bodyPr>
           <a:p>
@@ -8367,7 +8836,7 @@
       </p:sp>
       <p:pic>
         <p:nvPicPr>
-          <p:cNvPr id="60" name="Google Shape;79;p16" descr=""/>
+          <p:cNvPr id="62" name="Google Shape;79;p16" descr=""/>
           <p:cNvPicPr/>
           <p:nvPr/>
         </p:nvPicPr>
@@ -8378,53 +8847,7 @@
         <p:spPr>
           <a:xfrm>
             <a:off x="8241480" y="317520"/>
-            <a:ext cx="902520" cy="582480"/>
-          </a:xfrm>
-          <a:prstGeom prst="rect">
-            <a:avLst/>
-          </a:prstGeom>
-          <a:ln w="0">
-            <a:noFill/>
-          </a:ln>
-        </p:spPr>
-      </p:pic>
-      <p:pic>
-        <p:nvPicPr>
-          <p:cNvPr id="61" name="" descr=""/>
-          <p:cNvPicPr/>
-          <p:nvPr/>
-        </p:nvPicPr>
-        <p:blipFill>
-          <a:blip r:embed="rId2"/>
-          <a:stretch/>
-        </p:blipFill>
-        <p:spPr>
-          <a:xfrm>
-            <a:off x="7020000" y="1260000"/>
-            <a:ext cx="1904760" cy="2047680"/>
-          </a:xfrm>
-          <a:prstGeom prst="rect">
-            <a:avLst/>
-          </a:prstGeom>
-          <a:ln w="0">
-            <a:noFill/>
-          </a:ln>
-        </p:spPr>
-      </p:pic>
-      <p:pic>
-        <p:nvPicPr>
-          <p:cNvPr id="62" name="" descr=""/>
-          <p:cNvPicPr/>
-          <p:nvPr/>
-        </p:nvPicPr>
-        <p:blipFill>
-          <a:blip r:embed="rId3"/>
-          <a:stretch/>
-        </p:blipFill>
-        <p:spPr>
-          <a:xfrm>
-            <a:off x="4860000" y="1270440"/>
-            <a:ext cx="1904760" cy="1352160"/>
+            <a:ext cx="902160" cy="582120"/>
           </a:xfrm>
           <a:prstGeom prst="rect">
             <a:avLst/>
@@ -8441,13 +8864,59 @@
           <p:nvPr/>
         </p:nvPicPr>
         <p:blipFill>
+          <a:blip r:embed="rId2"/>
+          <a:stretch/>
+        </p:blipFill>
+        <p:spPr>
+          <a:xfrm>
+            <a:off x="7020000" y="1260000"/>
+            <a:ext cx="1904400" cy="2047320"/>
+          </a:xfrm>
+          <a:prstGeom prst="rect">
+            <a:avLst/>
+          </a:prstGeom>
+          <a:ln w="0">
+            <a:noFill/>
+          </a:ln>
+        </p:spPr>
+      </p:pic>
+      <p:pic>
+        <p:nvPicPr>
+          <p:cNvPr id="64" name="" descr=""/>
+          <p:cNvPicPr/>
+          <p:nvPr/>
+        </p:nvPicPr>
+        <p:blipFill>
+          <a:blip r:embed="rId3"/>
+          <a:stretch/>
+        </p:blipFill>
+        <p:spPr>
+          <a:xfrm>
+            <a:off x="4860000" y="1270440"/>
+            <a:ext cx="1904400" cy="1351800"/>
+          </a:xfrm>
+          <a:prstGeom prst="rect">
+            <a:avLst/>
+          </a:prstGeom>
+          <a:ln w="0">
+            <a:noFill/>
+          </a:ln>
+        </p:spPr>
+      </p:pic>
+      <p:pic>
+        <p:nvPicPr>
+          <p:cNvPr id="65" name="" descr=""/>
+          <p:cNvPicPr/>
+          <p:nvPr/>
+        </p:nvPicPr>
+        <p:blipFill>
           <a:blip r:embed="rId4"/>
           <a:stretch/>
         </p:blipFill>
         <p:spPr>
           <a:xfrm>
             <a:off x="6120000" y="3381840"/>
-            <a:ext cx="2857320" cy="1761840"/>
+            <a:ext cx="2856960" cy="1761480"/>
           </a:xfrm>
           <a:prstGeom prst="rect">
             <a:avLst/>
@@ -8489,7 +8958,7 @@
       </p:grpSpPr>
       <p:sp>
         <p:nvSpPr>
-          <p:cNvPr id="64" name="PlaceHolder 1"/>
+          <p:cNvPr id="66" name="PlaceHolder 1"/>
           <p:cNvSpPr>
             <a:spLocks noGrp="1"/>
           </p:cNvSpPr>
@@ -8500,7 +8969,7 @@
         <p:spPr>
           <a:xfrm>
             <a:off x="311760" y="444960"/>
-            <a:ext cx="8520120" cy="572400"/>
+            <a:ext cx="8519760" cy="572040"/>
           </a:xfrm>
           <a:prstGeom prst="rect">
             <a:avLst/>
@@ -8548,7 +9017,7 @@
       </p:sp>
       <p:sp>
         <p:nvSpPr>
-          <p:cNvPr id="65" name="PlaceHolder 2"/>
+          <p:cNvPr id="67" name="PlaceHolder 2"/>
           <p:cNvSpPr>
             <a:spLocks noGrp="1"/>
           </p:cNvSpPr>
@@ -8559,7 +9028,7 @@
         <p:spPr>
           <a:xfrm>
             <a:off x="311760" y="1152360"/>
-            <a:ext cx="4157640" cy="3416040"/>
+            <a:ext cx="4157280" cy="3415680"/>
           </a:xfrm>
           <a:prstGeom prst="rect">
             <a:avLst/>
@@ -8579,6 +9048,9 @@
                 <a:spcPct val="115000"/>
               </a:lnSpc>
               <a:buNone/>
+              <a:tabLst>
+                <a:tab algn="l" pos="0"/>
+              </a:tabLst>
             </a:pPr>
             <a:endParaRPr b="0" lang="en-GB" sz="1500" spc="-1" strike="noStrike">
               <a:solidFill>
@@ -8597,6 +9069,9 @@
               </a:buClr>
               <a:buFont typeface="Montserrat"/>
               <a:buChar char="●"/>
+              <a:tabLst>
+                <a:tab algn="l" pos="0"/>
+              </a:tabLst>
             </a:pPr>
             <a:r>
               <a:rPr b="0" lang="fr" sz="1500" spc="-1" strike="noStrike">
@@ -8624,6 +9099,9 @@
                 <a:spcPct val="115000"/>
               </a:lnSpc>
               <a:buNone/>
+              <a:tabLst>
+                <a:tab algn="l" pos="0"/>
+              </a:tabLst>
             </a:pPr>
             <a:endParaRPr b="0" lang="en-GB" sz="1500" spc="-1" strike="noStrike">
               <a:solidFill>
@@ -8642,6 +9120,9 @@
               </a:buClr>
               <a:buFont typeface="Montserrat"/>
               <a:buChar char="●"/>
+              <a:tabLst>
+                <a:tab algn="l" pos="0"/>
+              </a:tabLst>
             </a:pPr>
             <a:r>
               <a:rPr b="0" lang="fr" sz="1500" spc="-1" strike="noStrike">
@@ -8669,6 +9150,9 @@
                 <a:spcPct val="115000"/>
               </a:lnSpc>
               <a:buNone/>
+              <a:tabLst>
+                <a:tab algn="l" pos="0"/>
+              </a:tabLst>
             </a:pPr>
             <a:endParaRPr b="0" lang="en-GB" sz="1500" spc="-1" strike="noStrike">
               <a:solidFill>
@@ -8687,6 +9171,9 @@
               </a:buClr>
               <a:buFont typeface="Montserrat"/>
               <a:buChar char="●"/>
+              <a:tabLst>
+                <a:tab algn="l" pos="0"/>
+              </a:tabLst>
             </a:pPr>
             <a:r>
               <a:rPr b="0" lang="fr" sz="1500" spc="-1" strike="noStrike">
@@ -8735,14 +9222,14 @@
       </p:sp>
       <p:sp>
         <p:nvSpPr>
-          <p:cNvPr id="66" name="Google Shape;86;p17"/>
+          <p:cNvPr id="68" name="Google Shape;86;p17"/>
           <p:cNvSpPr/>
           <p:nvPr/>
         </p:nvSpPr>
         <p:spPr>
           <a:xfrm>
             <a:off x="-4680" y="0"/>
-            <a:ext cx="9153360" cy="239400"/>
+            <a:ext cx="9153000" cy="239040"/>
           </a:xfrm>
           <a:prstGeom prst="rect">
             <a:avLst/>
@@ -8764,7 +9251,7 @@
           <a:fontRef idx="minor"/>
         </p:style>
         <p:txBody>
-          <a:bodyPr tIns="91440" bIns="91440" anchor="ctr">
+          <a:bodyPr lIns="90000" rIns="90000" tIns="91440" bIns="91440" anchor="ctr">
             <a:noAutofit/>
           </a:bodyPr>
           <a:p>
@@ -8787,7 +9274,7 @@
       </p:sp>
       <p:pic>
         <p:nvPicPr>
-          <p:cNvPr id="67" name="Google Shape;87;p17" descr=""/>
+          <p:cNvPr id="69" name="Google Shape;87;p17" descr=""/>
           <p:cNvPicPr/>
           <p:nvPr/>
         </p:nvPicPr>
@@ -8798,7 +9285,7 @@
         <p:spPr>
           <a:xfrm>
             <a:off x="4677480" y="1820160"/>
-            <a:ext cx="4157640" cy="2080080"/>
+            <a:ext cx="4157280" cy="2079720"/>
           </a:xfrm>
           <a:prstGeom prst="rect">
             <a:avLst/>
@@ -8810,7 +9297,7 @@
       </p:pic>
       <p:pic>
         <p:nvPicPr>
-          <p:cNvPr id="68" name="" descr=""/>
+          <p:cNvPr id="70" name="" descr=""/>
           <p:cNvPicPr/>
           <p:nvPr/>
         </p:nvPicPr>
@@ -8821,7 +9308,7 @@
         <p:spPr>
           <a:xfrm>
             <a:off x="4686840" y="1410480"/>
-            <a:ext cx="3773160" cy="2899800"/>
+            <a:ext cx="3772800" cy="2899440"/>
           </a:xfrm>
           <a:prstGeom prst="rect">
             <a:avLst/>
@@ -8863,7 +9350,7 @@
       </p:grpSpPr>
       <p:pic>
         <p:nvPicPr>
-          <p:cNvPr id="69" name="" descr=""/>
+          <p:cNvPr id="71" name="" descr=""/>
           <p:cNvPicPr/>
           <p:nvPr/>
         </p:nvPicPr>
@@ -8874,7 +9361,7 @@
         <p:spPr>
           <a:xfrm>
             <a:off x="311040" y="2021760"/>
-            <a:ext cx="4157640" cy="1675800"/>
+            <a:ext cx="4157280" cy="1675440"/>
           </a:xfrm>
           <a:prstGeom prst="rect">
             <a:avLst/>
@@ -8886,7 +9373,7 @@
       </p:pic>
       <p:sp>
         <p:nvSpPr>
-          <p:cNvPr id="70" name="PlaceHolder 1"/>
+          <p:cNvPr id="72" name="PlaceHolder 1"/>
           <p:cNvSpPr>
             <a:spLocks noGrp="1"/>
           </p:cNvSpPr>
@@ -8897,7 +9384,7 @@
         <p:spPr>
           <a:xfrm>
             <a:off x="311760" y="444960"/>
-            <a:ext cx="8520120" cy="572400"/>
+            <a:ext cx="8519760" cy="572040"/>
           </a:xfrm>
           <a:prstGeom prst="rect">
             <a:avLst/>
@@ -8945,7 +9432,7 @@
       </p:sp>
       <p:sp>
         <p:nvSpPr>
-          <p:cNvPr id="71" name="PlaceHolder 2"/>
+          <p:cNvPr id="73" name="PlaceHolder 2"/>
           <p:cNvSpPr>
             <a:spLocks noGrp="1"/>
           </p:cNvSpPr>
@@ -8956,7 +9443,7 @@
         <p:spPr>
           <a:xfrm>
             <a:off x="4677840" y="1152360"/>
-            <a:ext cx="4157640" cy="3416040"/>
+            <a:ext cx="4157280" cy="3415680"/>
           </a:xfrm>
           <a:prstGeom prst="rect">
             <a:avLst/>
@@ -8972,20 +9459,29 @@
           </a:bodyPr>
           <a:p>
             <a:pPr marL="432000" indent="0">
+              <a:lnSpc>
+                <a:spcPct val="100000"/>
+              </a:lnSpc>
               <a:spcBef>
                 <a:spcPts val="1417"/>
               </a:spcBef>
               <a:buNone/>
+              <a:tabLst>
+                <a:tab algn="l" pos="0"/>
+              </a:tabLst>
             </a:pPr>
             <a:endParaRPr b="0" lang="en-GB" sz="1300" spc="-1" strike="noStrike">
               <a:solidFill>
                 <a:srgbClr val="000000"/>
               </a:solidFill>
-              <a:latin typeface="Montserrat"/>
+              <a:latin typeface="Arial"/>
             </a:endParaRPr>
           </a:p>
           <a:p>
             <a:pPr marL="432000" indent="-324000">
+              <a:lnSpc>
+                <a:spcPct val="100000"/>
+              </a:lnSpc>
               <a:spcBef>
                 <a:spcPts val="1417"/>
               </a:spcBef>
@@ -8995,6 +9491,9 @@
               <a:buSzPct val="45000"/>
               <a:buFont typeface="Wingdings" charset="2"/>
               <a:buChar char=""/>
+              <a:tabLst>
+                <a:tab algn="l" pos="0"/>
+              </a:tabLst>
             </a:pPr>
             <a:r>
               <a:rPr b="0" lang="en-GB" sz="1500" spc="-1" strike="noStrike">
@@ -9009,11 +9508,14 @@
               <a:solidFill>
                 <a:srgbClr val="000000"/>
               </a:solidFill>
-              <a:latin typeface="Montserrat"/>
+              <a:latin typeface="Arial"/>
             </a:endParaRPr>
           </a:p>
           <a:p>
             <a:pPr marL="432000" indent="-324000">
+              <a:lnSpc>
+                <a:spcPct val="100000"/>
+              </a:lnSpc>
               <a:spcBef>
                 <a:spcPts val="1417"/>
               </a:spcBef>
@@ -9023,6 +9525,9 @@
               <a:buSzPct val="45000"/>
               <a:buFont typeface="Wingdings" charset="2"/>
               <a:buChar char=""/>
+              <a:tabLst>
+                <a:tab algn="l" pos="0"/>
+              </a:tabLst>
             </a:pPr>
             <a:r>
               <a:rPr b="0" lang="en-GB" sz="1500" spc="-1" strike="noStrike">
@@ -9037,21 +9542,27 @@
               <a:solidFill>
                 <a:srgbClr val="000000"/>
               </a:solidFill>
-              <a:latin typeface="Montserrat"/>
+              <a:latin typeface="Arial"/>
             </a:endParaRPr>
           </a:p>
           <a:p>
             <a:pPr marL="432000" indent="0">
+              <a:lnSpc>
+                <a:spcPct val="100000"/>
+              </a:lnSpc>
               <a:spcBef>
                 <a:spcPts val="1417"/>
               </a:spcBef>
               <a:buNone/>
+              <a:tabLst>
+                <a:tab algn="l" pos="0"/>
+              </a:tabLst>
             </a:pPr>
             <a:endParaRPr b="0" lang="en-GB" sz="1300" spc="-1" strike="noStrike">
               <a:solidFill>
                 <a:srgbClr val="000000"/>
               </a:solidFill>
-              <a:latin typeface="Montserrat"/>
+              <a:latin typeface="Arial"/>
             </a:endParaRPr>
           </a:p>
         </p:txBody>
@@ -9088,7 +9599,7 @@
       </p:grpSpPr>
       <p:sp>
         <p:nvSpPr>
-          <p:cNvPr id="72" name="PlaceHolder 1"/>
+          <p:cNvPr id="74" name="PlaceHolder 1"/>
           <p:cNvSpPr>
             <a:spLocks noGrp="1"/>
           </p:cNvSpPr>
@@ -9099,7 +9610,7 @@
         <p:spPr>
           <a:xfrm>
             <a:off x="311760" y="444960"/>
-            <a:ext cx="8520120" cy="572400"/>
+            <a:ext cx="8519760" cy="572040"/>
           </a:xfrm>
           <a:prstGeom prst="rect">
             <a:avLst/>
@@ -9147,14 +9658,14 @@
       </p:sp>
       <p:sp>
         <p:nvSpPr>
-          <p:cNvPr id="73" name="Google Shape;94;p18"/>
+          <p:cNvPr id="75" name="Google Shape;94;p18"/>
           <p:cNvSpPr/>
           <p:nvPr/>
         </p:nvSpPr>
         <p:spPr>
           <a:xfrm>
             <a:off x="360000" y="1080000"/>
-            <a:ext cx="8395200" cy="2245320"/>
+            <a:ext cx="8394840" cy="2245320"/>
           </a:xfrm>
           <a:prstGeom prst="rect">
             <a:avLst/>
@@ -9171,7 +9682,7 @@
           <a:fontRef idx="minor"/>
         </p:style>
         <p:txBody>
-          <a:bodyPr tIns="91440" bIns="91440" anchor="t">
+          <a:bodyPr lIns="90000" rIns="90000" tIns="91440" bIns="91440" anchor="t">
             <a:spAutoFit/>
           </a:bodyPr>
           <a:p>
@@ -9306,14 +9817,14 @@
       </p:sp>
       <p:sp>
         <p:nvSpPr>
-          <p:cNvPr id="74" name="Google Shape;95;p18"/>
+          <p:cNvPr id="76" name="Google Shape;95;p18"/>
           <p:cNvSpPr/>
           <p:nvPr/>
         </p:nvSpPr>
         <p:spPr>
           <a:xfrm>
             <a:off x="-4680" y="0"/>
-            <a:ext cx="9153360" cy="239400"/>
+            <a:ext cx="9153000" cy="239040"/>
           </a:xfrm>
           <a:prstGeom prst="rect">
             <a:avLst/>
@@ -9335,7 +9846,7 @@
           <a:fontRef idx="minor"/>
         </p:style>
         <p:txBody>
-          <a:bodyPr tIns="91440" bIns="91440" anchor="ctr">
+          <a:bodyPr lIns="90000" rIns="90000" tIns="91440" bIns="91440" anchor="ctr">
             <a:noAutofit/>
           </a:bodyPr>
           <a:p>
@@ -9358,7 +9869,7 @@
       </p:sp>
       <p:pic>
         <p:nvPicPr>
-          <p:cNvPr id="75" name="Google Shape;96;p18" descr=""/>
+          <p:cNvPr id="77" name="Google Shape;96;p18" descr=""/>
           <p:cNvPicPr/>
           <p:nvPr/>
         </p:nvPicPr>
@@ -9369,7 +9880,7 @@
         <p:spPr>
           <a:xfrm>
             <a:off x="8100000" y="236880"/>
-            <a:ext cx="1016640" cy="483120"/>
+            <a:ext cx="1016280" cy="482760"/>
           </a:xfrm>
           <a:prstGeom prst="rect">
             <a:avLst/>
@@ -9381,7 +9892,7 @@
       </p:pic>
       <p:pic>
         <p:nvPicPr>
-          <p:cNvPr id="76" name="" descr=""/>
+          <p:cNvPr id="78" name="" descr=""/>
           <p:cNvPicPr/>
           <p:nvPr/>
         </p:nvPicPr>
@@ -9392,7 +9903,7 @@
         <p:spPr>
           <a:xfrm>
             <a:off x="427680" y="2880000"/>
-            <a:ext cx="4972320" cy="2153160"/>
+            <a:ext cx="4971960" cy="2152800"/>
           </a:xfrm>
           <a:prstGeom prst="rect">
             <a:avLst/>
@@ -9434,7 +9945,7 @@
       </p:grpSpPr>
       <p:sp>
         <p:nvSpPr>
-          <p:cNvPr id="77" name="PlaceHolder 1"/>
+          <p:cNvPr id="79" name="PlaceHolder 1"/>
           <p:cNvSpPr>
             <a:spLocks noGrp="1"/>
           </p:cNvSpPr>
@@ -9445,7 +9956,7 @@
         <p:spPr>
           <a:xfrm>
             <a:off x="311760" y="444960"/>
-            <a:ext cx="8520120" cy="572400"/>
+            <a:ext cx="8519760" cy="572040"/>
           </a:xfrm>
           <a:prstGeom prst="rect">
             <a:avLst/>
@@ -9461,7 +9972,13 @@
           </a:bodyPr>
           <a:p>
             <a:pPr indent="0">
+              <a:lnSpc>
+                <a:spcPct val="100000"/>
+              </a:lnSpc>
               <a:buNone/>
+              <a:tabLst>
+                <a:tab algn="l" pos="0"/>
+              </a:tabLst>
             </a:pPr>
             <a:r>
               <a:rPr b="0" lang="en-GB" sz="2000" spc="-1" strike="noStrike">
@@ -9476,14 +9993,14 @@
               <a:solidFill>
                 <a:srgbClr val="000000"/>
               </a:solidFill>
-              <a:latin typeface="Montserrat"/>
+              <a:latin typeface="Arial"/>
             </a:endParaRPr>
           </a:p>
         </p:txBody>
       </p:sp>
       <p:pic>
         <p:nvPicPr>
-          <p:cNvPr id="78" name="" descr=""/>
+          <p:cNvPr id="80" name="" descr=""/>
           <p:cNvPicPr/>
           <p:nvPr/>
         </p:nvPicPr>
@@ -9494,7 +10011,7 @@
         <p:spPr>
           <a:xfrm>
             <a:off x="783000" y="1152000"/>
-            <a:ext cx="3214800" cy="3416040"/>
+            <a:ext cx="3214440" cy="3415680"/>
           </a:xfrm>
           <a:prstGeom prst="rect">
             <a:avLst/>
@@ -9506,7 +10023,7 @@
       </p:pic>
       <p:sp>
         <p:nvSpPr>
-          <p:cNvPr id="79" name="PlaceHolder 2"/>
+          <p:cNvPr id="81" name="PlaceHolder 2"/>
           <p:cNvSpPr>
             <a:spLocks noGrp="1"/>
           </p:cNvSpPr>
@@ -9517,7 +10034,7 @@
         <p:spPr>
           <a:xfrm>
             <a:off x="4677840" y="1152360"/>
-            <a:ext cx="4157640" cy="3416040"/>
+            <a:ext cx="4157280" cy="3415680"/>
           </a:xfrm>
           <a:prstGeom prst="rect">
             <a:avLst/>
@@ -9533,6 +10050,9 @@
           </a:bodyPr>
           <a:p>
             <a:pPr marL="432000" indent="-324000">
+              <a:lnSpc>
+                <a:spcPct val="100000"/>
+              </a:lnSpc>
               <a:spcBef>
                 <a:spcPts val="1417"/>
               </a:spcBef>
@@ -9561,6 +10081,9 @@
           </a:p>
           <a:p>
             <a:pPr marL="432000" indent="-324000">
+              <a:lnSpc>
+                <a:spcPct val="100000"/>
+              </a:lnSpc>
               <a:spcBef>
                 <a:spcPts val="1417"/>
               </a:spcBef>
@@ -9589,6 +10112,9 @@
           </a:p>
           <a:p>
             <a:pPr marL="432000" indent="-324000">
+              <a:lnSpc>
+                <a:spcPct val="100000"/>
+              </a:lnSpc>
               <a:spcBef>
                 <a:spcPts val="1417"/>
               </a:spcBef>
@@ -9649,7 +10175,7 @@
       </p:grpSpPr>
       <p:sp>
         <p:nvSpPr>
-          <p:cNvPr id="80" name="PlaceHolder 1"/>
+          <p:cNvPr id="82" name="PlaceHolder 1"/>
           <p:cNvSpPr>
             <a:spLocks noGrp="1"/>
           </p:cNvSpPr>
@@ -9660,7 +10186,7 @@
         <p:spPr>
           <a:xfrm>
             <a:off x="311760" y="444960"/>
-            <a:ext cx="8520120" cy="572400"/>
+            <a:ext cx="8519760" cy="572040"/>
           </a:xfrm>
           <a:prstGeom prst="rect">
             <a:avLst/>
@@ -9680,6 +10206,9 @@
                 <a:spcPct val="100000"/>
               </a:lnSpc>
               <a:buNone/>
+              <a:tabLst>
+                <a:tab algn="l" pos="0"/>
+              </a:tabLst>
             </a:pPr>
             <a:r>
               <a:rPr b="0" lang="en-GB" sz="2000" spc="-1" strike="noStrike">
@@ -9701,7 +10230,7 @@
       </p:sp>
       <p:sp>
         <p:nvSpPr>
-          <p:cNvPr id="81" name="PlaceHolder 2"/>
+          <p:cNvPr id="83" name="PlaceHolder 2"/>
           <p:cNvSpPr>
             <a:spLocks noGrp="1"/>
           </p:cNvSpPr>
@@ -9712,7 +10241,7 @@
         <p:spPr>
           <a:xfrm>
             <a:off x="311760" y="1152360"/>
-            <a:ext cx="4157640" cy="3416040"/>
+            <a:ext cx="4157280" cy="3415680"/>
           </a:xfrm>
           <a:prstGeom prst="rect">
             <a:avLst/>
@@ -9733,7 +10262,7 @@
               </a:spcBef>
               <a:buNone/>
             </a:pPr>
-            <a:endParaRPr b="0" lang="en-GB" sz="1400" spc="-1" strike="noStrike">
+            <a:endParaRPr b="0" lang="en-GB" sz="1800" spc="-1" strike="noStrike">
               <a:solidFill>
                 <a:srgbClr val="000000"/>
               </a:solidFill>
@@ -9744,7 +10273,7 @@
       </p:sp>
       <p:sp>
         <p:nvSpPr>
-          <p:cNvPr id="82" name="PlaceHolder 3"/>
+          <p:cNvPr id="84" name="PlaceHolder 3"/>
           <p:cNvSpPr>
             <a:spLocks noGrp="1"/>
           </p:cNvSpPr>
@@ -9755,7 +10284,7 @@
         <p:spPr>
           <a:xfrm>
             <a:off x="4677840" y="1152360"/>
-            <a:ext cx="4157640" cy="3416040"/>
+            <a:ext cx="4157280" cy="3415680"/>
           </a:xfrm>
           <a:prstGeom prst="rect">
             <a:avLst/>
@@ -9771,10 +10300,16 @@
           </a:bodyPr>
           <a:p>
             <a:pPr marL="432000" indent="0">
+              <a:lnSpc>
+                <a:spcPct val="100000"/>
+              </a:lnSpc>
               <a:spcBef>
                 <a:spcPts val="1417"/>
               </a:spcBef>
               <a:buNone/>
+              <a:tabLst>
+                <a:tab algn="l" pos="0"/>
+              </a:tabLst>
             </a:pPr>
             <a:r>
               <a:rPr b="0" lang="en-GB" sz="1400" spc="-1" strike="noStrike">
@@ -9796,7 +10331,7 @@
       </p:sp>
       <p:pic>
         <p:nvPicPr>
-          <p:cNvPr id="83" name="" descr=""/>
+          <p:cNvPr id="85" name="" descr=""/>
           <p:cNvPicPr/>
           <p:nvPr/>
         </p:nvPicPr>
@@ -9807,7 +10342,7 @@
         <p:spPr>
           <a:xfrm>
             <a:off x="720000" y="1320840"/>
-            <a:ext cx="3356640" cy="3179160"/>
+            <a:ext cx="3356280" cy="3178800"/>
           </a:xfrm>
           <a:prstGeom prst="rect">
             <a:avLst/>
@@ -10346,6 +10881,522 @@
 </a:theme>
 </file>
 
+<file path=ppt/theme/theme12.xml><?xml version="1.0" encoding="utf-8"?>
+<a:theme xmlns:a="http://schemas.openxmlformats.org/drawingml/2006/main" xmlns:r="http://schemas.openxmlformats.org/officeDocument/2006/relationships" name="Simple Light">
+  <a:themeElements>
+    <a:clrScheme name="Simple Light">
+      <a:dk1>
+        <a:srgbClr val="000000"/>
+      </a:dk1>
+      <a:lt1>
+        <a:srgbClr val="ffffff"/>
+      </a:lt1>
+      <a:dk2>
+        <a:srgbClr val="595959"/>
+      </a:dk2>
+      <a:lt2>
+        <a:srgbClr val="eeeeee"/>
+      </a:lt2>
+      <a:accent1>
+        <a:srgbClr val="4285f4"/>
+      </a:accent1>
+      <a:accent2>
+        <a:srgbClr val="212121"/>
+      </a:accent2>
+      <a:accent3>
+        <a:srgbClr val="78909c"/>
+      </a:accent3>
+      <a:accent4>
+        <a:srgbClr val="ffab40"/>
+      </a:accent4>
+      <a:accent5>
+        <a:srgbClr val="0097a7"/>
+      </a:accent5>
+      <a:accent6>
+        <a:srgbClr val="eeff41"/>
+      </a:accent6>
+      <a:hlink>
+        <a:srgbClr val="0097a7"/>
+      </a:hlink>
+      <a:folHlink>
+        <a:srgbClr val="0097a7"/>
+      </a:folHlink>
+    </a:clrScheme>
+    <a:fontScheme name="Office">
+      <a:majorFont>
+        <a:latin typeface="Arial" pitchFamily="0" charset="1"/>
+        <a:ea typeface=""/>
+        <a:cs typeface=""/>
+      </a:majorFont>
+      <a:minorFont>
+        <a:latin typeface="Arial" pitchFamily="0" charset="1"/>
+        <a:ea typeface=""/>
+        <a:cs typeface=""/>
+      </a:minorFont>
+    </a:fontScheme>
+    <a:fmtScheme>
+      <a:fillStyleLst>
+        <a:solidFill>
+          <a:schemeClr val="phClr"/>
+        </a:solidFill>
+        <a:gradFill>
+          <a:gsLst>
+            <a:gs pos="0">
+              <a:schemeClr val="phClr">
+                <a:tint val="50000"/>
+              </a:schemeClr>
+            </a:gs>
+            <a:gs pos="35000">
+              <a:schemeClr val="phClr">
+                <a:tint val="37000"/>
+              </a:schemeClr>
+            </a:gs>
+            <a:gs pos="100000">
+              <a:schemeClr val="phClr">
+                <a:tint val="15000"/>
+              </a:schemeClr>
+            </a:gs>
+          </a:gsLst>
+          <a:lin ang="16200000" scaled="1"/>
+          <a:tileRect l="0" t="0" r="0" b="0"/>
+        </a:gradFill>
+        <a:gradFill>
+          <a:gsLst>
+            <a:gs pos="0">
+              <a:schemeClr val="phClr">
+                <a:tint val="100000"/>
+                <a:shade val="100000"/>
+              </a:schemeClr>
+            </a:gs>
+            <a:gs pos="100000">
+              <a:schemeClr val="phClr">
+                <a:tint val="50000"/>
+                <a:shade val="100000"/>
+              </a:schemeClr>
+            </a:gs>
+          </a:gsLst>
+          <a:lin ang="16200000" scaled="0"/>
+          <a:tileRect l="0" t="0" r="0" b="0"/>
+        </a:gradFill>
+      </a:fillStyleLst>
+      <a:lnStyleLst>
+        <a:ln w="9525" cap="flat" cmpd="sng" algn="ctr">
+          <a:prstDash val="solid"/>
+        </a:ln>
+        <a:ln w="25400" cap="flat" cmpd="sng" algn="ctr">
+          <a:prstDash val="solid"/>
+        </a:ln>
+        <a:ln w="38100" cap="flat" cmpd="sng" algn="ctr">
+          <a:prstDash val="solid"/>
+        </a:ln>
+      </a:lnStyleLst>
+      <a:effectStyleLst>
+        <a:effectStyle>
+          <a:effectLst/>
+        </a:effectStyle>
+        <a:effectStyle>
+          <a:effectLst/>
+        </a:effectStyle>
+        <a:effectStyle>
+          <a:effectLst/>
+        </a:effectStyle>
+      </a:effectStyleLst>
+      <a:bgFillStyleLst>
+        <a:solidFill>
+          <a:schemeClr val="phClr"/>
+        </a:solidFill>
+        <a:gradFill>
+          <a:gsLst>
+            <a:gs pos="0">
+              <a:schemeClr val="phClr">
+                <a:tint val="40000"/>
+              </a:schemeClr>
+            </a:gs>
+            <a:gs pos="40000">
+              <a:schemeClr val="phClr">
+                <a:tint val="45000"/>
+                <a:shade val="99000"/>
+              </a:schemeClr>
+            </a:gs>
+            <a:gs pos="100000">
+              <a:schemeClr val="phClr">
+                <a:shade val="20000"/>
+              </a:schemeClr>
+            </a:gs>
+          </a:gsLst>
+          <a:path path="circle">
+            <a:fillToRect l="50000" t="-80000" r="50000" b="180000"/>
+          </a:path>
+          <a:tileRect l="0" t="0" r="0" b="0"/>
+        </a:gradFill>
+        <a:gradFill>
+          <a:gsLst>
+            <a:gs pos="0">
+              <a:schemeClr val="phClr">
+                <a:tint val="80000"/>
+              </a:schemeClr>
+            </a:gs>
+            <a:gs pos="100000">
+              <a:schemeClr val="phClr">
+                <a:shade val="30000"/>
+              </a:schemeClr>
+            </a:gs>
+          </a:gsLst>
+          <a:path path="circle">
+            <a:fillToRect l="50000" t="50000" r="50000" b="50000"/>
+          </a:path>
+          <a:tileRect l="0" t="0" r="0" b="0"/>
+        </a:gradFill>
+      </a:bgFillStyleLst>
+    </a:fmtScheme>
+  </a:themeElements>
+</a:theme>
+</file>
+
+<file path=ppt/theme/theme13.xml><?xml version="1.0" encoding="utf-8"?>
+<a:theme xmlns:a="http://schemas.openxmlformats.org/drawingml/2006/main" xmlns:r="http://schemas.openxmlformats.org/officeDocument/2006/relationships" name="Simple Light">
+  <a:themeElements>
+    <a:clrScheme name="Simple Light">
+      <a:dk1>
+        <a:srgbClr val="000000"/>
+      </a:dk1>
+      <a:lt1>
+        <a:srgbClr val="ffffff"/>
+      </a:lt1>
+      <a:dk2>
+        <a:srgbClr val="595959"/>
+      </a:dk2>
+      <a:lt2>
+        <a:srgbClr val="eeeeee"/>
+      </a:lt2>
+      <a:accent1>
+        <a:srgbClr val="4285f4"/>
+      </a:accent1>
+      <a:accent2>
+        <a:srgbClr val="212121"/>
+      </a:accent2>
+      <a:accent3>
+        <a:srgbClr val="78909c"/>
+      </a:accent3>
+      <a:accent4>
+        <a:srgbClr val="ffab40"/>
+      </a:accent4>
+      <a:accent5>
+        <a:srgbClr val="0097a7"/>
+      </a:accent5>
+      <a:accent6>
+        <a:srgbClr val="eeff41"/>
+      </a:accent6>
+      <a:hlink>
+        <a:srgbClr val="0097a7"/>
+      </a:hlink>
+      <a:folHlink>
+        <a:srgbClr val="0097a7"/>
+      </a:folHlink>
+    </a:clrScheme>
+    <a:fontScheme name="Office">
+      <a:majorFont>
+        <a:latin typeface="Arial" pitchFamily="0" charset="1"/>
+        <a:ea typeface=""/>
+        <a:cs typeface=""/>
+      </a:majorFont>
+      <a:minorFont>
+        <a:latin typeface="Arial" pitchFamily="0" charset="1"/>
+        <a:ea typeface=""/>
+        <a:cs typeface=""/>
+      </a:minorFont>
+    </a:fontScheme>
+    <a:fmtScheme>
+      <a:fillStyleLst>
+        <a:solidFill>
+          <a:schemeClr val="phClr"/>
+        </a:solidFill>
+        <a:gradFill>
+          <a:gsLst>
+            <a:gs pos="0">
+              <a:schemeClr val="phClr">
+                <a:tint val="50000"/>
+              </a:schemeClr>
+            </a:gs>
+            <a:gs pos="35000">
+              <a:schemeClr val="phClr">
+                <a:tint val="37000"/>
+              </a:schemeClr>
+            </a:gs>
+            <a:gs pos="100000">
+              <a:schemeClr val="phClr">
+                <a:tint val="15000"/>
+              </a:schemeClr>
+            </a:gs>
+          </a:gsLst>
+          <a:lin ang="16200000" scaled="1"/>
+          <a:tileRect l="0" t="0" r="0" b="0"/>
+        </a:gradFill>
+        <a:gradFill>
+          <a:gsLst>
+            <a:gs pos="0">
+              <a:schemeClr val="phClr">
+                <a:tint val="100000"/>
+                <a:shade val="100000"/>
+              </a:schemeClr>
+            </a:gs>
+            <a:gs pos="100000">
+              <a:schemeClr val="phClr">
+                <a:tint val="50000"/>
+                <a:shade val="100000"/>
+              </a:schemeClr>
+            </a:gs>
+          </a:gsLst>
+          <a:lin ang="16200000" scaled="0"/>
+          <a:tileRect l="0" t="0" r="0" b="0"/>
+        </a:gradFill>
+      </a:fillStyleLst>
+      <a:lnStyleLst>
+        <a:ln w="9525" cap="flat" cmpd="sng" algn="ctr">
+          <a:prstDash val="solid"/>
+        </a:ln>
+        <a:ln w="25400" cap="flat" cmpd="sng" algn="ctr">
+          <a:prstDash val="solid"/>
+        </a:ln>
+        <a:ln w="38100" cap="flat" cmpd="sng" algn="ctr">
+          <a:prstDash val="solid"/>
+        </a:ln>
+      </a:lnStyleLst>
+      <a:effectStyleLst>
+        <a:effectStyle>
+          <a:effectLst/>
+        </a:effectStyle>
+        <a:effectStyle>
+          <a:effectLst/>
+        </a:effectStyle>
+        <a:effectStyle>
+          <a:effectLst/>
+        </a:effectStyle>
+      </a:effectStyleLst>
+      <a:bgFillStyleLst>
+        <a:solidFill>
+          <a:schemeClr val="phClr"/>
+        </a:solidFill>
+        <a:gradFill>
+          <a:gsLst>
+            <a:gs pos="0">
+              <a:schemeClr val="phClr">
+                <a:tint val="40000"/>
+              </a:schemeClr>
+            </a:gs>
+            <a:gs pos="40000">
+              <a:schemeClr val="phClr">
+                <a:tint val="45000"/>
+                <a:shade val="99000"/>
+              </a:schemeClr>
+            </a:gs>
+            <a:gs pos="100000">
+              <a:schemeClr val="phClr">
+                <a:shade val="20000"/>
+              </a:schemeClr>
+            </a:gs>
+          </a:gsLst>
+          <a:path path="circle">
+            <a:fillToRect l="50000" t="-80000" r="50000" b="180000"/>
+          </a:path>
+          <a:tileRect l="0" t="0" r="0" b="0"/>
+        </a:gradFill>
+        <a:gradFill>
+          <a:gsLst>
+            <a:gs pos="0">
+              <a:schemeClr val="phClr">
+                <a:tint val="80000"/>
+              </a:schemeClr>
+            </a:gs>
+            <a:gs pos="100000">
+              <a:schemeClr val="phClr">
+                <a:shade val="30000"/>
+              </a:schemeClr>
+            </a:gs>
+          </a:gsLst>
+          <a:path path="circle">
+            <a:fillToRect l="50000" t="50000" r="50000" b="50000"/>
+          </a:path>
+          <a:tileRect l="0" t="0" r="0" b="0"/>
+        </a:gradFill>
+      </a:bgFillStyleLst>
+    </a:fmtScheme>
+  </a:themeElements>
+</a:theme>
+</file>
+
+<file path=ppt/theme/theme14.xml><?xml version="1.0" encoding="utf-8"?>
+<a:theme xmlns:a="http://schemas.openxmlformats.org/drawingml/2006/main" xmlns:r="http://schemas.openxmlformats.org/officeDocument/2006/relationships" name="Simple Light">
+  <a:themeElements>
+    <a:clrScheme name="Simple Light">
+      <a:dk1>
+        <a:srgbClr val="000000"/>
+      </a:dk1>
+      <a:lt1>
+        <a:srgbClr val="ffffff"/>
+      </a:lt1>
+      <a:dk2>
+        <a:srgbClr val="595959"/>
+      </a:dk2>
+      <a:lt2>
+        <a:srgbClr val="eeeeee"/>
+      </a:lt2>
+      <a:accent1>
+        <a:srgbClr val="4285f4"/>
+      </a:accent1>
+      <a:accent2>
+        <a:srgbClr val="212121"/>
+      </a:accent2>
+      <a:accent3>
+        <a:srgbClr val="78909c"/>
+      </a:accent3>
+      <a:accent4>
+        <a:srgbClr val="ffab40"/>
+      </a:accent4>
+      <a:accent5>
+        <a:srgbClr val="0097a7"/>
+      </a:accent5>
+      <a:accent6>
+        <a:srgbClr val="eeff41"/>
+      </a:accent6>
+      <a:hlink>
+        <a:srgbClr val="0097a7"/>
+      </a:hlink>
+      <a:folHlink>
+        <a:srgbClr val="0097a7"/>
+      </a:folHlink>
+    </a:clrScheme>
+    <a:fontScheme name="Office">
+      <a:majorFont>
+        <a:latin typeface="Arial" pitchFamily="0" charset="1"/>
+        <a:ea typeface=""/>
+        <a:cs typeface=""/>
+      </a:majorFont>
+      <a:minorFont>
+        <a:latin typeface="Arial" pitchFamily="0" charset="1"/>
+        <a:ea typeface=""/>
+        <a:cs typeface=""/>
+      </a:minorFont>
+    </a:fontScheme>
+    <a:fmtScheme>
+      <a:fillStyleLst>
+        <a:solidFill>
+          <a:schemeClr val="phClr"/>
+        </a:solidFill>
+        <a:gradFill>
+          <a:gsLst>
+            <a:gs pos="0">
+              <a:schemeClr val="phClr">
+                <a:tint val="50000"/>
+              </a:schemeClr>
+            </a:gs>
+            <a:gs pos="35000">
+              <a:schemeClr val="phClr">
+                <a:tint val="37000"/>
+              </a:schemeClr>
+            </a:gs>
+            <a:gs pos="100000">
+              <a:schemeClr val="phClr">
+                <a:tint val="15000"/>
+              </a:schemeClr>
+            </a:gs>
+          </a:gsLst>
+          <a:lin ang="16200000" scaled="1"/>
+          <a:tileRect l="0" t="0" r="0" b="0"/>
+        </a:gradFill>
+        <a:gradFill>
+          <a:gsLst>
+            <a:gs pos="0">
+              <a:schemeClr val="phClr">
+                <a:tint val="100000"/>
+                <a:shade val="100000"/>
+              </a:schemeClr>
+            </a:gs>
+            <a:gs pos="100000">
+              <a:schemeClr val="phClr">
+                <a:tint val="50000"/>
+                <a:shade val="100000"/>
+              </a:schemeClr>
+            </a:gs>
+          </a:gsLst>
+          <a:lin ang="16200000" scaled="0"/>
+          <a:tileRect l="0" t="0" r="0" b="0"/>
+        </a:gradFill>
+      </a:fillStyleLst>
+      <a:lnStyleLst>
+        <a:ln w="9525" cap="flat" cmpd="sng" algn="ctr">
+          <a:prstDash val="solid"/>
+        </a:ln>
+        <a:ln w="25400" cap="flat" cmpd="sng" algn="ctr">
+          <a:prstDash val="solid"/>
+        </a:ln>
+        <a:ln w="38100" cap="flat" cmpd="sng" algn="ctr">
+          <a:prstDash val="solid"/>
+        </a:ln>
+      </a:lnStyleLst>
+      <a:effectStyleLst>
+        <a:effectStyle>
+          <a:effectLst/>
+        </a:effectStyle>
+        <a:effectStyle>
+          <a:effectLst/>
+        </a:effectStyle>
+        <a:effectStyle>
+          <a:effectLst/>
+        </a:effectStyle>
+      </a:effectStyleLst>
+      <a:bgFillStyleLst>
+        <a:solidFill>
+          <a:schemeClr val="phClr"/>
+        </a:solidFill>
+        <a:gradFill>
+          <a:gsLst>
+            <a:gs pos="0">
+              <a:schemeClr val="phClr">
+                <a:tint val="40000"/>
+              </a:schemeClr>
+            </a:gs>
+            <a:gs pos="40000">
+              <a:schemeClr val="phClr">
+                <a:tint val="45000"/>
+                <a:shade val="99000"/>
+              </a:schemeClr>
+            </a:gs>
+            <a:gs pos="100000">
+              <a:schemeClr val="phClr">
+                <a:shade val="20000"/>
+              </a:schemeClr>
+            </a:gs>
+          </a:gsLst>
+          <a:path path="circle">
+            <a:fillToRect l="50000" t="-80000" r="50000" b="180000"/>
+          </a:path>
+          <a:tileRect l="0" t="0" r="0" b="0"/>
+        </a:gradFill>
+        <a:gradFill>
+          <a:gsLst>
+            <a:gs pos="0">
+              <a:schemeClr val="phClr">
+                <a:tint val="80000"/>
+              </a:schemeClr>
+            </a:gs>
+            <a:gs pos="100000">
+              <a:schemeClr val="phClr">
+                <a:shade val="30000"/>
+              </a:schemeClr>
+            </a:gs>
+          </a:gsLst>
+          <a:path path="circle">
+            <a:fillToRect l="50000" t="50000" r="50000" b="50000"/>
+          </a:path>
+          <a:tileRect l="0" t="0" r="0" b="0"/>
+        </a:gradFill>
+      </a:bgFillStyleLst>
+    </a:fmtScheme>
+  </a:themeElements>
+</a:theme>
+</file>
+
 <file path=ppt/theme/theme2.xml><?xml version="1.0" encoding="utf-8"?>
 <a:theme xmlns:a="http://schemas.openxmlformats.org/drawingml/2006/main" xmlns:r="http://schemas.openxmlformats.org/officeDocument/2006/relationships" name="Simple Light">
   <a:themeElements>

--- a/Présentation.pptx
+++ b/Présentation.pptx
@@ -9,13 +9,13 @@
     <p:sldMasterId id="2147483656" r:id="rId6"/>
     <p:sldMasterId id="2147483658" r:id="rId7"/>
     <p:sldMasterId id="2147483660" r:id="rId8"/>
-    <p:sldMasterId id="2147483662" r:id="rId9"/>
-    <p:sldMasterId id="2147483664" r:id="rId10"/>
-    <p:sldMasterId id="2147483666" r:id="rId11"/>
-    <p:sldMasterId id="2147483668" r:id="rId12"/>
-    <p:sldMasterId id="2147483670" r:id="rId13"/>
-    <p:sldMasterId id="2147483672" r:id="rId14"/>
-    <p:sldMasterId id="2147483674" r:id="rId15"/>
+    <p:sldMasterId id="2147483664" r:id="rId9"/>
+    <p:sldMasterId id="2147483666" r:id="rId10"/>
+    <p:sldMasterId id="2147483668" r:id="rId11"/>
+    <p:sldMasterId id="2147483670" r:id="rId12"/>
+    <p:sldMasterId id="2147483672" r:id="rId13"/>
+    <p:sldMasterId id="2147483674" r:id="rId14"/>
+    <p:sldMasterId id="2147483676" r:id="rId15"/>
   </p:sldMasterIdLst>
   <p:sldIdLst>
     <p:sldId id="256" r:id="rId16"/>
@@ -70,7 +70,7 @@
         <p:spPr>
           <a:xfrm>
             <a:off x="311760" y="744480"/>
-            <a:ext cx="8519760" cy="2052000"/>
+            <a:ext cx="8519400" cy="2051640"/>
           </a:xfrm>
           <a:prstGeom prst="rect">
             <a:avLst/>
@@ -151,7 +151,7 @@
         <p:txBody>
           <a:bodyPr/>
           <a:p>
-            <a:fld id="{F7BBCD1C-C95A-490C-A431-4A1787A55C6E}" type="slidenum">
+            <a:fld id="{38118006-A845-49FB-8BBA-6E185B385C99}" type="slidenum">
               <a:t>&lt;#&gt;</a:t>
             </a:fld>
           </a:p>
@@ -163,6 +163,342 @@
 </file>
 
 <file path=ppt/slideLayouts/slideLayout10.xml><?xml version="1.0" encoding="utf-8"?>
+<p:sldLayout xmlns:a="http://schemas.openxmlformats.org/drawingml/2006/main" xmlns:p="http://schemas.openxmlformats.org/presentationml/2006/main" xmlns:r="http://schemas.openxmlformats.org/officeDocument/2006/relationships" xmlns:p14="http://schemas.microsoft.com/office/powerpoint/2010/main" xmlns:p15="http://schemas.microsoft.com/office/powerpoint/2012/main" xmlns:mc="http://schemas.openxmlformats.org/markup-compatibility/2006" type="objOverTx" preserve="1">
+  <p:cSld name="Default 2">
+    <p:spTree>
+      <p:nvGrpSpPr>
+        <p:cNvPr id="1" name=""/>
+        <p:cNvGrpSpPr/>
+        <p:nvPr/>
+      </p:nvGrpSpPr>
+      <p:grpSpPr>
+        <a:xfrm>
+          <a:off x="0" y="0"/>
+          <a:ext cx="0" cy="0"/>
+          <a:chOff x="0" y="0"/>
+          <a:chExt cx="0" cy="0"/>
+        </a:xfrm>
+      </p:grpSpPr>
+      <p:sp>
+        <p:nvSpPr>
+          <p:cNvPr id="31" name="PlaceHolder 1"/>
+          <p:cNvSpPr>
+            <a:spLocks noGrp="1"/>
+          </p:cNvSpPr>
+          <p:nvPr>
+            <p:ph type="title"/>
+          </p:nvPr>
+        </p:nvSpPr>
+        <p:spPr>
+          <a:xfrm>
+            <a:off x="311760" y="744480"/>
+            <a:ext cx="8519400" cy="2051640"/>
+          </a:xfrm>
+          <a:prstGeom prst="rect">
+            <a:avLst/>
+          </a:prstGeom>
+          <a:noFill/>
+          <a:ln w="0">
+            <a:noFill/>
+          </a:ln>
+        </p:spPr>
+        <p:txBody>
+          <a:bodyPr lIns="0" rIns="0" tIns="0" bIns="0" anchor="ctr">
+            <a:noAutofit/>
+          </a:bodyPr>
+          <a:p>
+            <a:pPr indent="0" algn="ctr">
+              <a:buNone/>
+            </a:pPr>
+            <a:endParaRPr b="0" lang="en-GB" sz="4400" spc="-1" strike="noStrike">
+              <a:solidFill>
+                <a:srgbClr val="000000"/>
+              </a:solidFill>
+              <a:latin typeface="Arial"/>
+            </a:endParaRPr>
+          </a:p>
+        </p:txBody>
+      </p:sp>
+      <p:sp>
+        <p:nvSpPr>
+          <p:cNvPr id="32" name="PlaceHolder 2"/>
+          <p:cNvSpPr>
+            <a:spLocks noGrp="1"/>
+          </p:cNvSpPr>
+          <p:nvPr>
+            <p:ph/>
+          </p:nvPr>
+        </p:nvSpPr>
+        <p:spPr>
+          <a:xfrm>
+            <a:off x="457200" y="1203480"/>
+            <a:ext cx="8229240" cy="1422720"/>
+          </a:xfrm>
+          <a:prstGeom prst="rect">
+            <a:avLst/>
+          </a:prstGeom>
+          <a:noFill/>
+          <a:ln w="0">
+            <a:noFill/>
+          </a:ln>
+        </p:spPr>
+        <p:txBody>
+          <a:bodyPr lIns="0" rIns="0" tIns="0" bIns="0" anchor="t">
+            <a:normAutofit/>
+          </a:bodyPr>
+          <a:p>
+            <a:pPr indent="0">
+              <a:spcBef>
+                <a:spcPts val="1417"/>
+              </a:spcBef>
+              <a:buNone/>
+            </a:pPr>
+            <a:endParaRPr b="0" lang="en-GB" sz="3200" spc="-1" strike="noStrike">
+              <a:solidFill>
+                <a:srgbClr val="000000"/>
+              </a:solidFill>
+              <a:latin typeface="Arial"/>
+            </a:endParaRPr>
+          </a:p>
+        </p:txBody>
+      </p:sp>
+      <p:sp>
+        <p:nvSpPr>
+          <p:cNvPr id="33" name="PlaceHolder 3"/>
+          <p:cNvSpPr>
+            <a:spLocks noGrp="1"/>
+          </p:cNvSpPr>
+          <p:nvPr>
+            <p:ph/>
+          </p:nvPr>
+        </p:nvSpPr>
+        <p:spPr>
+          <a:xfrm>
+            <a:off x="457200" y="2761920"/>
+            <a:ext cx="8229240" cy="1422720"/>
+          </a:xfrm>
+          <a:prstGeom prst="rect">
+            <a:avLst/>
+          </a:prstGeom>
+          <a:noFill/>
+          <a:ln w="0">
+            <a:noFill/>
+          </a:ln>
+        </p:spPr>
+        <p:txBody>
+          <a:bodyPr lIns="0" rIns="0" tIns="0" bIns="0" anchor="t">
+            <a:normAutofit/>
+          </a:bodyPr>
+          <a:p>
+            <a:pPr indent="0">
+              <a:spcBef>
+                <a:spcPts val="1417"/>
+              </a:spcBef>
+              <a:buNone/>
+            </a:pPr>
+            <a:endParaRPr b="0" lang="en-GB" sz="3200" spc="-1" strike="noStrike">
+              <a:solidFill>
+                <a:srgbClr val="000000"/>
+              </a:solidFill>
+              <a:latin typeface="Arial"/>
+            </a:endParaRPr>
+          </a:p>
+        </p:txBody>
+      </p:sp>
+      <p:sp>
+        <p:nvSpPr>
+          <p:cNvPr id="5" name="PlaceHolder 4"/>
+          <p:cNvSpPr>
+            <a:spLocks noGrp="1"/>
+          </p:cNvSpPr>
+          <p:nvPr>
+            <p:ph type="sldNum" idx="8"/>
+          </p:nvPr>
+        </p:nvSpPr>
+        <p:spPr/>
+        <p:txBody>
+          <a:bodyPr/>
+          <a:p>
+            <a:fld id="{D29E4801-AE08-48E6-B2A9-7BC4B7E76C01}" type="slidenum">
+              <a:t>&lt;#&gt;</a:t>
+            </a:fld>
+          </a:p>
+        </p:txBody>
+      </p:sp>
+    </p:spTree>
+  </p:cSld>
+</p:sldLayout>
+</file>
+
+<file path=ppt/slideLayouts/slideLayout11.xml><?xml version="1.0" encoding="utf-8"?>
+<p:sldLayout xmlns:a="http://schemas.openxmlformats.org/drawingml/2006/main" xmlns:p="http://schemas.openxmlformats.org/presentationml/2006/main" xmlns:r="http://schemas.openxmlformats.org/officeDocument/2006/relationships" xmlns:p14="http://schemas.microsoft.com/office/powerpoint/2010/main" xmlns:p15="http://schemas.microsoft.com/office/powerpoint/2012/main" xmlns:mc="http://schemas.openxmlformats.org/markup-compatibility/2006" type="twoObj" preserve="1">
+  <p:cSld name="TITLE_AND_TWO_COLUMNS">
+    <p:spTree>
+      <p:nvGrpSpPr>
+        <p:cNvPr id="1" name=""/>
+        <p:cNvGrpSpPr/>
+        <p:nvPr/>
+      </p:nvGrpSpPr>
+      <p:grpSpPr>
+        <a:xfrm>
+          <a:off x="0" y="0"/>
+          <a:ext cx="0" cy="0"/>
+          <a:chOff x="0" y="0"/>
+          <a:chExt cx="0" cy="0"/>
+        </a:xfrm>
+      </p:grpSpPr>
+      <p:sp>
+        <p:nvSpPr>
+          <p:cNvPr id="38" name="PlaceHolder 1"/>
+          <p:cNvSpPr>
+            <a:spLocks noGrp="1"/>
+          </p:cNvSpPr>
+          <p:nvPr>
+            <p:ph type="title"/>
+          </p:nvPr>
+        </p:nvSpPr>
+        <p:spPr>
+          <a:xfrm>
+            <a:off x="311760" y="744480"/>
+            <a:ext cx="8519400" cy="2051640"/>
+          </a:xfrm>
+          <a:prstGeom prst="rect">
+            <a:avLst/>
+          </a:prstGeom>
+          <a:noFill/>
+          <a:ln w="0">
+            <a:noFill/>
+          </a:ln>
+        </p:spPr>
+        <p:txBody>
+          <a:bodyPr lIns="0" rIns="0" tIns="0" bIns="0" anchor="ctr">
+            <a:noAutofit/>
+          </a:bodyPr>
+          <a:p>
+            <a:pPr indent="0" algn="ctr">
+              <a:buNone/>
+            </a:pPr>
+            <a:endParaRPr b="0" lang="en-GB" sz="4400" spc="-1" strike="noStrike">
+              <a:solidFill>
+                <a:srgbClr val="000000"/>
+              </a:solidFill>
+              <a:latin typeface="Arial"/>
+            </a:endParaRPr>
+          </a:p>
+        </p:txBody>
+      </p:sp>
+      <p:sp>
+        <p:nvSpPr>
+          <p:cNvPr id="39" name="PlaceHolder 2"/>
+          <p:cNvSpPr>
+            <a:spLocks noGrp="1"/>
+          </p:cNvSpPr>
+          <p:nvPr>
+            <p:ph/>
+          </p:nvPr>
+        </p:nvSpPr>
+        <p:spPr>
+          <a:xfrm>
+            <a:off x="457200" y="1203480"/>
+            <a:ext cx="4015800" cy="2982960"/>
+          </a:xfrm>
+          <a:prstGeom prst="rect">
+            <a:avLst/>
+          </a:prstGeom>
+          <a:noFill/>
+          <a:ln w="0">
+            <a:noFill/>
+          </a:ln>
+        </p:spPr>
+        <p:txBody>
+          <a:bodyPr lIns="0" rIns="0" tIns="0" bIns="0" anchor="t">
+            <a:normAutofit/>
+          </a:bodyPr>
+          <a:p>
+            <a:pPr indent="0">
+              <a:spcBef>
+                <a:spcPts val="1417"/>
+              </a:spcBef>
+              <a:buNone/>
+            </a:pPr>
+            <a:endParaRPr b="0" lang="en-GB" sz="3200" spc="-1" strike="noStrike">
+              <a:solidFill>
+                <a:srgbClr val="000000"/>
+              </a:solidFill>
+              <a:latin typeface="Arial"/>
+            </a:endParaRPr>
+          </a:p>
+        </p:txBody>
+      </p:sp>
+      <p:sp>
+        <p:nvSpPr>
+          <p:cNvPr id="40" name="PlaceHolder 3"/>
+          <p:cNvSpPr>
+            <a:spLocks noGrp="1"/>
+          </p:cNvSpPr>
+          <p:nvPr>
+            <p:ph/>
+          </p:nvPr>
+        </p:nvSpPr>
+        <p:spPr>
+          <a:xfrm>
+            <a:off x="4674240" y="1203480"/>
+            <a:ext cx="4015800" cy="2982960"/>
+          </a:xfrm>
+          <a:prstGeom prst="rect">
+            <a:avLst/>
+          </a:prstGeom>
+          <a:noFill/>
+          <a:ln w="0">
+            <a:noFill/>
+          </a:ln>
+        </p:spPr>
+        <p:txBody>
+          <a:bodyPr lIns="0" rIns="0" tIns="0" bIns="0" anchor="t">
+            <a:normAutofit/>
+          </a:bodyPr>
+          <a:p>
+            <a:pPr indent="0">
+              <a:spcBef>
+                <a:spcPts val="1417"/>
+              </a:spcBef>
+              <a:buNone/>
+            </a:pPr>
+            <a:endParaRPr b="0" lang="en-GB" sz="3200" spc="-1" strike="noStrike">
+              <a:solidFill>
+                <a:srgbClr val="000000"/>
+              </a:solidFill>
+              <a:latin typeface="Arial"/>
+            </a:endParaRPr>
+          </a:p>
+        </p:txBody>
+      </p:sp>
+      <p:sp>
+        <p:nvSpPr>
+          <p:cNvPr id="5" name="PlaceHolder 4"/>
+          <p:cNvSpPr>
+            <a:spLocks noGrp="1"/>
+          </p:cNvSpPr>
+          <p:nvPr>
+            <p:ph type="sldNum" idx="9"/>
+          </p:nvPr>
+        </p:nvSpPr>
+        <p:spPr/>
+        <p:txBody>
+          <a:bodyPr/>
+          <a:p>
+            <a:fld id="{1808C510-4936-4EFD-BFA5-3F706218B954}" type="slidenum">
+              <a:t>&lt;#&gt;</a:t>
+            </a:fld>
+          </a:p>
+        </p:txBody>
+      </p:sp>
+    </p:spTree>
+  </p:cSld>
+</p:sldLayout>
+</file>
+
+<file path=ppt/slideLayouts/slideLayout12.xml><?xml version="1.0" encoding="utf-8"?>
 <p:sldLayout xmlns:a="http://schemas.openxmlformats.org/drawingml/2006/main" xmlns:p="http://schemas.openxmlformats.org/presentationml/2006/main" xmlns:r="http://schemas.openxmlformats.org/officeDocument/2006/relationships" xmlns:p14="http://schemas.microsoft.com/office/powerpoint/2010/main" xmlns:p15="http://schemas.microsoft.com/office/powerpoint/2012/main" xmlns:mc="http://schemas.openxmlformats.org/markup-compatibility/2006" type="titleOnly" preserve="1">
   <p:cSld name="TITLE_ONLY">
     <p:spTree>
@@ -181,7 +517,7 @@
       </p:grpSpPr>
       <p:sp>
         <p:nvSpPr>
-          <p:cNvPr id="40" name="PlaceHolder 1"/>
+          <p:cNvPr id="43" name="PlaceHolder 1"/>
           <p:cNvSpPr>
             <a:spLocks noGrp="1"/>
           </p:cNvSpPr>
@@ -192,7 +528,7 @@
         <p:spPr>
           <a:xfrm>
             <a:off x="311760" y="744480"/>
-            <a:ext cx="8519760" cy="2052000"/>
+            <a:ext cx="8519400" cy="2051640"/>
           </a:xfrm>
           <a:prstGeom prst="rect">
             <a:avLst/>
@@ -233,7 +569,7 @@
         <p:txBody>
           <a:bodyPr/>
           <a:p>
-            <a:fld id="{E4DFB27B-DEA1-4269-B518-F94A9D1318AB}" type="slidenum">
+            <a:fld id="{376E2CE2-41E4-4CA3-BBEC-4F46553F2D87}" type="slidenum">
               <a:t>&lt;#&gt;</a:t>
             </a:fld>
           </a:p>
@@ -244,7 +580,7 @@
 </p:sldLayout>
 </file>
 
-<file path=ppt/slideLayouts/slideLayout11.xml><?xml version="1.0" encoding="utf-8"?>
+<file path=ppt/slideLayouts/slideLayout13.xml><?xml version="1.0" encoding="utf-8"?>
 <p:sldLayout xmlns:a="http://schemas.openxmlformats.org/drawingml/2006/main" xmlns:p="http://schemas.openxmlformats.org/presentationml/2006/main" xmlns:r="http://schemas.openxmlformats.org/officeDocument/2006/relationships" xmlns:p14="http://schemas.microsoft.com/office/powerpoint/2010/main" xmlns:p15="http://schemas.microsoft.com/office/powerpoint/2012/main" xmlns:mc="http://schemas.openxmlformats.org/markup-compatibility/2006" type="blank" preserve="1">
   <p:cSld name="ONE_COLUMN_TEXT">
     <p:spTree>
@@ -275,7 +611,7 @@
         <p:txBody>
           <a:bodyPr/>
           <a:p>
-            <a:fld id="{9B7AAC9F-DA98-4589-A16F-5E0CE22D66BC}" type="slidenum">
+            <a:fld id="{12E4636F-659E-4184-A2A2-ABCA1A1306F4}" type="slidenum">
               <a:t>&lt;#&gt;</a:t>
             </a:fld>
           </a:p>
@@ -286,7 +622,7 @@
 </p:sldLayout>
 </file>
 
-<file path=ppt/slideLayouts/slideLayout12.xml><?xml version="1.0" encoding="utf-8"?>
+<file path=ppt/slideLayouts/slideLayout14.xml><?xml version="1.0" encoding="utf-8"?>
 <p:sldLayout xmlns:a="http://schemas.openxmlformats.org/drawingml/2006/main" xmlns:p="http://schemas.openxmlformats.org/presentationml/2006/main" xmlns:r="http://schemas.openxmlformats.org/officeDocument/2006/relationships" xmlns:p14="http://schemas.microsoft.com/office/powerpoint/2010/main" xmlns:p15="http://schemas.microsoft.com/office/powerpoint/2012/main" xmlns:mc="http://schemas.openxmlformats.org/markup-compatibility/2006" type="blank" preserve="1">
   <p:cSld name="MAIN_POINT">
     <p:spTree>
@@ -317,7 +653,7 @@
         <p:txBody>
           <a:bodyPr/>
           <a:p>
-            <a:fld id="{E789334E-010F-4CC7-AC9E-A4C30330EDC4}" type="slidenum">
+            <a:fld id="{C3D3E3DF-1D7A-462D-B204-69B9721DAD12}" type="slidenum">
               <a:t>&lt;#&gt;</a:t>
             </a:fld>
           </a:p>
@@ -328,7 +664,7 @@
 </p:sldLayout>
 </file>
 
-<file path=ppt/slideLayouts/slideLayout13.xml><?xml version="1.0" encoding="utf-8"?>
+<file path=ppt/slideLayouts/slideLayout15.xml><?xml version="1.0" encoding="utf-8"?>
 <p:sldLayout xmlns:a="http://schemas.openxmlformats.org/drawingml/2006/main" xmlns:p="http://schemas.openxmlformats.org/presentationml/2006/main" xmlns:r="http://schemas.openxmlformats.org/officeDocument/2006/relationships" xmlns:p14="http://schemas.microsoft.com/office/powerpoint/2010/main" xmlns:p15="http://schemas.microsoft.com/office/powerpoint/2012/main" xmlns:mc="http://schemas.openxmlformats.org/markup-compatibility/2006" type="blank" preserve="1">
   <p:cSld name="SECTION_TITLE_AND_DESCRIPTION">
     <p:spTree>
@@ -359,7 +695,7 @@
         <p:txBody>
           <a:bodyPr/>
           <a:p>
-            <a:fld id="{DEDE9B4F-5CE8-42F8-840A-D82A67BD9CE3}" type="slidenum">
+            <a:fld id="{2D9846B2-0C97-4150-9879-0F38120EE83A}" type="slidenum">
               <a:t>&lt;#&gt;</a:t>
             </a:fld>
           </a:p>
@@ -370,7 +706,7 @@
 </p:sldLayout>
 </file>
 
-<file path=ppt/slideLayouts/slideLayout14.xml><?xml version="1.0" encoding="utf-8"?>
+<file path=ppt/slideLayouts/slideLayout16.xml><?xml version="1.0" encoding="utf-8"?>
 <p:sldLayout xmlns:a="http://schemas.openxmlformats.org/drawingml/2006/main" xmlns:p="http://schemas.openxmlformats.org/presentationml/2006/main" xmlns:r="http://schemas.openxmlformats.org/officeDocument/2006/relationships" xmlns:p14="http://schemas.microsoft.com/office/powerpoint/2010/main" xmlns:p15="http://schemas.microsoft.com/office/powerpoint/2012/main" xmlns:mc="http://schemas.openxmlformats.org/markup-compatibility/2006" type="blank" preserve="1">
   <p:cSld name="CAPTION_ONLY">
     <p:spTree>
@@ -401,7 +737,7 @@
         <p:txBody>
           <a:bodyPr/>
           <a:p>
-            <a:fld id="{F8A20F85-5787-49C7-AE2D-2A143E89D005}" type="slidenum">
+            <a:fld id="{B4EDE323-F88B-4E14-8137-66F964B5B109}" type="slidenum">
               <a:t>&lt;#&gt;</a:t>
             </a:fld>
           </a:p>
@@ -443,7 +779,7 @@
         <p:txBody>
           <a:bodyPr/>
           <a:p>
-            <a:fld id="{ADA34143-E357-4E52-AC81-34C977285D7A}" type="slidenum">
+            <a:fld id="{1B014A38-F915-4B9E-991C-C18DAA49CBDB}" type="slidenum">
               <a:t>&lt;#&gt;</a:t>
             </a:fld>
           </a:p>
@@ -485,7 +821,7 @@
         <p:txBody>
           <a:bodyPr/>
           <a:p>
-            <a:fld id="{28EFE9AD-265C-409E-A145-9710B625F425}" type="slidenum">
+            <a:fld id="{BE6B8771-F36A-4162-915C-B1FF1CACC2DA}" type="slidenum">
               <a:t>&lt;#&gt;</a:t>
             </a:fld>
           </a:p>
@@ -527,7 +863,7 @@
         <p:txBody>
           <a:bodyPr/>
           <a:p>
-            <a:fld id="{9A55A4F5-520B-459D-A0A9-CB62855A06EA}" type="slidenum">
+            <a:fld id="{EE38792F-76D3-4C03-B099-F75217F75635}" type="slidenum">
               <a:t>&lt;#&gt;</a:t>
             </a:fld>
           </a:p>
@@ -568,7 +904,7 @@
         <p:spPr>
           <a:xfrm>
             <a:off x="311760" y="744480"/>
-            <a:ext cx="8519760" cy="2052000"/>
+            <a:ext cx="8519400" cy="2051640"/>
           </a:xfrm>
           <a:prstGeom prst="rect">
             <a:avLst/>
@@ -652,7 +988,7 @@
         <p:txBody>
           <a:bodyPr/>
           <a:p>
-            <a:fld id="{8BA0C1C8-3880-41C9-89D0-350CBD132EB2}" type="slidenum">
+            <a:fld id="{D6AC2F4D-EFCD-4505-A06D-615B023AB637}" type="slidenum">
               <a:t>&lt;#&gt;</a:t>
             </a:fld>
           </a:p>
@@ -693,7 +1029,7 @@
         <p:spPr>
           <a:xfrm>
             <a:off x="311760" y="744480"/>
-            <a:ext cx="8519760" cy="2052000"/>
+            <a:ext cx="8519400" cy="2051640"/>
           </a:xfrm>
           <a:prstGeom prst="rect">
             <a:avLst/>
@@ -734,7 +1070,7 @@
         <p:txBody>
           <a:bodyPr/>
           <a:p>
-            <a:fld id="{79A6B461-503D-46C6-81B7-6C1D1D71F9BE}" type="slidenum">
+            <a:fld id="{9C823033-31DB-4AB7-B66B-87B7A5C160C8}" type="slidenum">
               <a:t>&lt;#&gt;</a:t>
             </a:fld>
           </a:p>
@@ -746,7 +1082,7 @@
 </file>
 
 <file path=ppt/slideLayouts/slideLayout7.xml><?xml version="1.0" encoding="utf-8"?>
-<p:sldLayout xmlns:a="http://schemas.openxmlformats.org/drawingml/2006/main" xmlns:p="http://schemas.openxmlformats.org/presentationml/2006/main" xmlns:r="http://schemas.openxmlformats.org/officeDocument/2006/relationships" xmlns:p14="http://schemas.microsoft.com/office/powerpoint/2010/main" xmlns:p15="http://schemas.microsoft.com/office/powerpoint/2012/main" xmlns:mc="http://schemas.openxmlformats.org/markup-compatibility/2006" type="twoObj" preserve="1">
+<p:sldLayout xmlns:a="http://schemas.openxmlformats.org/drawingml/2006/main" xmlns:p="http://schemas.openxmlformats.org/presentationml/2006/main" xmlns:r="http://schemas.openxmlformats.org/officeDocument/2006/relationships" xmlns:p14="http://schemas.microsoft.com/office/powerpoint/2010/main" xmlns:p15="http://schemas.microsoft.com/office/powerpoint/2012/main" xmlns:mc="http://schemas.openxmlformats.org/markup-compatibility/2006" type="titleOnly" preserve="1">
   <p:cSld name="Default 1">
     <p:spTree>
       <p:nvGrpSpPr>
@@ -775,7 +1111,7 @@
         <p:spPr>
           <a:xfrm>
             <a:off x="311760" y="744480"/>
-            <a:ext cx="8519760" cy="2052000"/>
+            <a:ext cx="8519400" cy="2051640"/>
           </a:xfrm>
           <a:prstGeom prst="rect">
             <a:avLst/>
@@ -804,7 +1140,89 @@
       </p:sp>
       <p:sp>
         <p:nvSpPr>
-          <p:cNvPr id="22" name="PlaceHolder 2"/>
+          <p:cNvPr id="3" name="PlaceHolder 2"/>
+          <p:cNvSpPr>
+            <a:spLocks noGrp="1"/>
+          </p:cNvSpPr>
+          <p:nvPr>
+            <p:ph type="sldNum" idx="7"/>
+          </p:nvPr>
+        </p:nvSpPr>
+        <p:spPr/>
+        <p:txBody>
+          <a:bodyPr/>
+          <a:p>
+            <a:fld id="{3492DCFF-3DCB-47F2-A199-7D07FA160300}" type="slidenum">
+              <a:t>&lt;#&gt;</a:t>
+            </a:fld>
+          </a:p>
+        </p:txBody>
+      </p:sp>
+    </p:spTree>
+  </p:cSld>
+</p:sldLayout>
+</file>
+
+<file path=ppt/slideLayouts/slideLayout8.xml><?xml version="1.0" encoding="utf-8"?>
+<p:sldLayout xmlns:a="http://schemas.openxmlformats.org/drawingml/2006/main" xmlns:p="http://schemas.openxmlformats.org/presentationml/2006/main" xmlns:r="http://schemas.openxmlformats.org/officeDocument/2006/relationships" xmlns:p14="http://schemas.microsoft.com/office/powerpoint/2010/main" xmlns:p15="http://schemas.microsoft.com/office/powerpoint/2012/main" xmlns:mc="http://schemas.openxmlformats.org/markup-compatibility/2006" type="twoObj" preserve="1">
+  <p:cSld name="Default 1">
+    <p:spTree>
+      <p:nvGrpSpPr>
+        <p:cNvPr id="1" name=""/>
+        <p:cNvGrpSpPr/>
+        <p:nvPr/>
+      </p:nvGrpSpPr>
+      <p:grpSpPr>
+        <a:xfrm>
+          <a:off x="0" y="0"/>
+          <a:ext cx="0" cy="0"/>
+          <a:chOff x="0" y="0"/>
+          <a:chExt cx="0" cy="0"/>
+        </a:xfrm>
+      </p:grpSpPr>
+      <p:sp>
+        <p:nvSpPr>
+          <p:cNvPr id="22" name="PlaceHolder 1"/>
+          <p:cNvSpPr>
+            <a:spLocks noGrp="1"/>
+          </p:cNvSpPr>
+          <p:nvPr>
+            <p:ph type="title"/>
+          </p:nvPr>
+        </p:nvSpPr>
+        <p:spPr>
+          <a:xfrm>
+            <a:off x="311760" y="744480"/>
+            <a:ext cx="8519400" cy="2051640"/>
+          </a:xfrm>
+          <a:prstGeom prst="rect">
+            <a:avLst/>
+          </a:prstGeom>
+          <a:noFill/>
+          <a:ln w="0">
+            <a:noFill/>
+          </a:ln>
+        </p:spPr>
+        <p:txBody>
+          <a:bodyPr lIns="0" rIns="0" tIns="0" bIns="0" anchor="ctr">
+            <a:noAutofit/>
+          </a:bodyPr>
+          <a:p>
+            <a:pPr indent="0" algn="ctr">
+              <a:buNone/>
+            </a:pPr>
+            <a:endParaRPr b="0" lang="en-GB" sz="4400" spc="-1" strike="noStrike">
+              <a:solidFill>
+                <a:srgbClr val="000000"/>
+              </a:solidFill>
+              <a:latin typeface="Arial"/>
+            </a:endParaRPr>
+          </a:p>
+        </p:txBody>
+      </p:sp>
+      <p:sp>
+        <p:nvSpPr>
+          <p:cNvPr id="23" name="PlaceHolder 2"/>
           <p:cNvSpPr>
             <a:spLocks noGrp="1"/>
           </p:cNvSpPr>
@@ -847,7 +1265,7 @@
       </p:sp>
       <p:sp>
         <p:nvSpPr>
-          <p:cNvPr id="23" name="PlaceHolder 3"/>
+          <p:cNvPr id="24" name="PlaceHolder 3"/>
           <p:cNvSpPr>
             <a:spLocks noGrp="1"/>
           </p:cNvSpPr>
@@ -902,7 +1320,7 @@
         <p:txBody>
           <a:bodyPr/>
           <a:p>
-            <a:fld id="{2D799A4C-73F2-417D-9562-CFD0A9B96898}" type="slidenum">
+            <a:fld id="{8B006281-ED6E-4B3E-87C0-FD71A0E6C782}" type="slidenum">
               <a:t>&lt;#&gt;</a:t>
             </a:fld>
           </a:p>
@@ -913,9 +1331,9 @@
 </p:sldLayout>
 </file>
 
-<file path=ppt/slideLayouts/slideLayout8.xml><?xml version="1.0" encoding="utf-8"?>
-<p:sldLayout xmlns:a="http://schemas.openxmlformats.org/drawingml/2006/main" xmlns:p="http://schemas.openxmlformats.org/presentationml/2006/main" xmlns:r="http://schemas.openxmlformats.org/officeDocument/2006/relationships" xmlns:p14="http://schemas.microsoft.com/office/powerpoint/2010/main" xmlns:p15="http://schemas.microsoft.com/office/powerpoint/2012/main" xmlns:mc="http://schemas.openxmlformats.org/markup-compatibility/2006" type="objOverTx" preserve="1">
-  <p:cSld name="Default 2">
+<file path=ppt/slideLayouts/slideLayout9.xml><?xml version="1.0" encoding="utf-8"?>
+<p:sldLayout xmlns:a="http://schemas.openxmlformats.org/drawingml/2006/main" xmlns:p="http://schemas.openxmlformats.org/presentationml/2006/main" xmlns:r="http://schemas.openxmlformats.org/officeDocument/2006/relationships" xmlns:p14="http://schemas.microsoft.com/office/powerpoint/2010/main" xmlns:p15="http://schemas.microsoft.com/office/powerpoint/2012/main" xmlns:mc="http://schemas.openxmlformats.org/markup-compatibility/2006" type="tx" preserve="1">
+  <p:cSld name="Default 1">
     <p:spTree>
       <p:nvGrpSpPr>
         <p:cNvPr id="1" name=""/>
@@ -932,7 +1350,7 @@
       </p:grpSpPr>
       <p:sp>
         <p:nvSpPr>
-          <p:cNvPr id="28" name="PlaceHolder 1"/>
+          <p:cNvPr id="25" name="PlaceHolder 1"/>
           <p:cNvSpPr>
             <a:spLocks noGrp="1"/>
           </p:cNvSpPr>
@@ -943,7 +1361,7 @@
         <p:spPr>
           <a:xfrm>
             <a:off x="311760" y="744480"/>
-            <a:ext cx="8519760" cy="2052000"/>
+            <a:ext cx="8519400" cy="2051640"/>
           </a:xfrm>
           <a:prstGeom prst="rect">
             <a:avLst/>
@@ -972,7 +1390,7 @@
       </p:sp>
       <p:sp>
         <p:nvSpPr>
-          <p:cNvPr id="29" name="PlaceHolder 2"/>
+          <p:cNvPr id="26" name="PlaceHolder 2"/>
           <p:cNvSpPr>
             <a:spLocks noGrp="1"/>
           </p:cNvSpPr>
@@ -983,7 +1401,7 @@
         <p:spPr>
           <a:xfrm>
             <a:off x="457200" y="1203480"/>
-            <a:ext cx="8229240" cy="1422720"/>
+            <a:ext cx="8229240" cy="2982960"/>
           </a:xfrm>
           <a:prstGeom prst="rect">
             <a:avLst/>
@@ -1015,230 +1433,19 @@
       </p:sp>
       <p:sp>
         <p:nvSpPr>
-          <p:cNvPr id="30" name="PlaceHolder 3"/>
+          <p:cNvPr id="4" name="PlaceHolder 3"/>
           <p:cNvSpPr>
             <a:spLocks noGrp="1"/>
           </p:cNvSpPr>
           <p:nvPr>
-            <p:ph/>
-          </p:nvPr>
-        </p:nvSpPr>
-        <p:spPr>
-          <a:xfrm>
-            <a:off x="457200" y="2761920"/>
-            <a:ext cx="8229240" cy="1422720"/>
-          </a:xfrm>
-          <a:prstGeom prst="rect">
-            <a:avLst/>
-          </a:prstGeom>
-          <a:noFill/>
-          <a:ln w="0">
-            <a:noFill/>
-          </a:ln>
-        </p:spPr>
-        <p:txBody>
-          <a:bodyPr lIns="0" rIns="0" tIns="0" bIns="0" anchor="t">
-            <a:normAutofit/>
-          </a:bodyPr>
-          <a:p>
-            <a:pPr indent="0">
-              <a:spcBef>
-                <a:spcPts val="1417"/>
-              </a:spcBef>
-              <a:buNone/>
-            </a:pPr>
-            <a:endParaRPr b="0" lang="en-GB" sz="3200" spc="-1" strike="noStrike">
-              <a:solidFill>
-                <a:srgbClr val="000000"/>
-              </a:solidFill>
-              <a:latin typeface="Arial"/>
-            </a:endParaRPr>
-          </a:p>
-        </p:txBody>
-      </p:sp>
-      <p:sp>
-        <p:nvSpPr>
-          <p:cNvPr id="5" name="PlaceHolder 4"/>
-          <p:cNvSpPr>
-            <a:spLocks noGrp="1"/>
-          </p:cNvSpPr>
-          <p:nvPr>
-            <p:ph type="sldNum" idx="8"/>
+            <p:ph type="sldNum" idx="7"/>
           </p:nvPr>
         </p:nvSpPr>
         <p:spPr/>
         <p:txBody>
           <a:bodyPr/>
           <a:p>
-            <a:fld id="{166E140A-9FF6-48A5-8D94-A79658C2DEBC}" type="slidenum">
-              <a:t>&lt;#&gt;</a:t>
-            </a:fld>
-          </a:p>
-        </p:txBody>
-      </p:sp>
-    </p:spTree>
-  </p:cSld>
-</p:sldLayout>
-</file>
-
-<file path=ppt/slideLayouts/slideLayout9.xml><?xml version="1.0" encoding="utf-8"?>
-<p:sldLayout xmlns:a="http://schemas.openxmlformats.org/drawingml/2006/main" xmlns:p="http://schemas.openxmlformats.org/presentationml/2006/main" xmlns:r="http://schemas.openxmlformats.org/officeDocument/2006/relationships" xmlns:p14="http://schemas.microsoft.com/office/powerpoint/2010/main" xmlns:p15="http://schemas.microsoft.com/office/powerpoint/2012/main" xmlns:mc="http://schemas.openxmlformats.org/markup-compatibility/2006" type="twoObj" preserve="1">
-  <p:cSld name="TITLE_AND_TWO_COLUMNS">
-    <p:spTree>
-      <p:nvGrpSpPr>
-        <p:cNvPr id="1" name=""/>
-        <p:cNvGrpSpPr/>
-        <p:nvPr/>
-      </p:nvGrpSpPr>
-      <p:grpSpPr>
-        <a:xfrm>
-          <a:off x="0" y="0"/>
-          <a:ext cx="0" cy="0"/>
-          <a:chOff x="0" y="0"/>
-          <a:chExt cx="0" cy="0"/>
-        </a:xfrm>
-      </p:grpSpPr>
-      <p:sp>
-        <p:nvSpPr>
-          <p:cNvPr id="35" name="PlaceHolder 1"/>
-          <p:cNvSpPr>
-            <a:spLocks noGrp="1"/>
-          </p:cNvSpPr>
-          <p:nvPr>
-            <p:ph type="title"/>
-          </p:nvPr>
-        </p:nvSpPr>
-        <p:spPr>
-          <a:xfrm>
-            <a:off x="311760" y="744480"/>
-            <a:ext cx="8519760" cy="2052000"/>
-          </a:xfrm>
-          <a:prstGeom prst="rect">
-            <a:avLst/>
-          </a:prstGeom>
-          <a:noFill/>
-          <a:ln w="0">
-            <a:noFill/>
-          </a:ln>
-        </p:spPr>
-        <p:txBody>
-          <a:bodyPr lIns="0" rIns="0" tIns="0" bIns="0" anchor="ctr">
-            <a:noAutofit/>
-          </a:bodyPr>
-          <a:p>
-            <a:pPr indent="0" algn="ctr">
-              <a:buNone/>
-            </a:pPr>
-            <a:endParaRPr b="0" lang="en-GB" sz="4400" spc="-1" strike="noStrike">
-              <a:solidFill>
-                <a:srgbClr val="000000"/>
-              </a:solidFill>
-              <a:latin typeface="Arial"/>
-            </a:endParaRPr>
-          </a:p>
-        </p:txBody>
-      </p:sp>
-      <p:sp>
-        <p:nvSpPr>
-          <p:cNvPr id="36" name="PlaceHolder 2"/>
-          <p:cNvSpPr>
-            <a:spLocks noGrp="1"/>
-          </p:cNvSpPr>
-          <p:nvPr>
-            <p:ph/>
-          </p:nvPr>
-        </p:nvSpPr>
-        <p:spPr>
-          <a:xfrm>
-            <a:off x="457200" y="1203480"/>
-            <a:ext cx="4015800" cy="2982960"/>
-          </a:xfrm>
-          <a:prstGeom prst="rect">
-            <a:avLst/>
-          </a:prstGeom>
-          <a:noFill/>
-          <a:ln w="0">
-            <a:noFill/>
-          </a:ln>
-        </p:spPr>
-        <p:txBody>
-          <a:bodyPr lIns="0" rIns="0" tIns="0" bIns="0" anchor="t">
-            <a:normAutofit/>
-          </a:bodyPr>
-          <a:p>
-            <a:pPr indent="0">
-              <a:spcBef>
-                <a:spcPts val="1417"/>
-              </a:spcBef>
-              <a:buNone/>
-            </a:pPr>
-            <a:endParaRPr b="0" lang="en-GB" sz="3200" spc="-1" strike="noStrike">
-              <a:solidFill>
-                <a:srgbClr val="000000"/>
-              </a:solidFill>
-              <a:latin typeface="Arial"/>
-            </a:endParaRPr>
-          </a:p>
-        </p:txBody>
-      </p:sp>
-      <p:sp>
-        <p:nvSpPr>
-          <p:cNvPr id="37" name="PlaceHolder 3"/>
-          <p:cNvSpPr>
-            <a:spLocks noGrp="1"/>
-          </p:cNvSpPr>
-          <p:nvPr>
-            <p:ph/>
-          </p:nvPr>
-        </p:nvSpPr>
-        <p:spPr>
-          <a:xfrm>
-            <a:off x="4674240" y="1203480"/>
-            <a:ext cx="4015800" cy="2982960"/>
-          </a:xfrm>
-          <a:prstGeom prst="rect">
-            <a:avLst/>
-          </a:prstGeom>
-          <a:noFill/>
-          <a:ln w="0">
-            <a:noFill/>
-          </a:ln>
-        </p:spPr>
-        <p:txBody>
-          <a:bodyPr lIns="0" rIns="0" tIns="0" bIns="0" anchor="t">
-            <a:normAutofit/>
-          </a:bodyPr>
-          <a:p>
-            <a:pPr indent="0">
-              <a:spcBef>
-                <a:spcPts val="1417"/>
-              </a:spcBef>
-              <a:buNone/>
-            </a:pPr>
-            <a:endParaRPr b="0" lang="en-GB" sz="3200" spc="-1" strike="noStrike">
-              <a:solidFill>
-                <a:srgbClr val="000000"/>
-              </a:solidFill>
-              <a:latin typeface="Arial"/>
-            </a:endParaRPr>
-          </a:p>
-        </p:txBody>
-      </p:sp>
-      <p:sp>
-        <p:nvSpPr>
-          <p:cNvPr id="5" name="PlaceHolder 4"/>
-          <p:cNvSpPr>
-            <a:spLocks noGrp="1"/>
-          </p:cNvSpPr>
-          <p:nvPr>
-            <p:ph type="sldNum" idx="9"/>
-          </p:nvPr>
-        </p:nvSpPr>
-        <p:spPr/>
-        <p:txBody>
-          <a:bodyPr/>
-          <a:p>
-            <a:fld id="{C1E59160-C543-49D1-A97A-75C37B17CC7E}" type="slidenum">
+            <a:fld id="{8F81088B-3BE2-4C5C-8E7E-C641E737B506}" type="slidenum">
               <a:t>&lt;#&gt;</a:t>
             </a:fld>
           </a:p>
@@ -1286,7 +1493,7 @@
         <p:spPr>
           <a:xfrm>
             <a:off x="311760" y="744480"/>
-            <a:ext cx="8519760" cy="2052000"/>
+            <a:ext cx="8519400" cy="2051640"/>
           </a:xfrm>
           <a:prstGeom prst="rect">
             <a:avLst/>
@@ -1335,7 +1542,7 @@
         <p:spPr>
           <a:xfrm>
             <a:off x="8472600" y="4663080"/>
-            <a:ext cx="547920" cy="392760"/>
+            <a:ext cx="547560" cy="392400"/>
           </a:xfrm>
           <a:prstGeom prst="rect">
             <a:avLst/>
@@ -1377,7 +1584,7 @@
                 <a:tab algn="l" pos="0"/>
               </a:tabLst>
             </a:pPr>
-            <a:fld id="{CFC94C1B-7767-4332-8EC7-2DAA030BD25C}" type="slidenum">
+            <a:fld id="{2A076023-291F-4DED-91EF-0CAF0677CD22}" type="slidenum">
               <a:rPr b="0" lang="fr" sz="1000" spc="-1" strike="noStrike">
                 <a:solidFill>
                   <a:schemeClr val="dk2"/>
@@ -1385,7 +1592,7 @@
                 <a:latin typeface="Arial"/>
                 <a:ea typeface="Arial"/>
               </a:rPr>
-              <a:t>10</a:t>
+              <a:t>11</a:t>
             </a:fld>
             <a:endParaRPr b="0" lang="en-GB" sz="1000" spc="-1" strike="noStrike">
               <a:solidFill>
@@ -1656,7 +1863,7 @@
       </p:grpSpPr>
       <p:sp>
         <p:nvSpPr>
-          <p:cNvPr id="38" name="PlaceHolder 1"/>
+          <p:cNvPr id="41" name="PlaceHolder 1"/>
           <p:cNvSpPr>
             <a:spLocks noGrp="1"/>
           </p:cNvSpPr>
@@ -1667,7 +1874,7 @@
         <p:spPr>
           <a:xfrm>
             <a:off x="311760" y="744480"/>
-            <a:ext cx="8519760" cy="2052000"/>
+            <a:ext cx="8519400" cy="2051640"/>
           </a:xfrm>
           <a:prstGeom prst="rect">
             <a:avLst/>
@@ -1705,7 +1912,7 @@
       </p:sp>
       <p:sp>
         <p:nvSpPr>
-          <p:cNvPr id="39" name="PlaceHolder 2"/>
+          <p:cNvPr id="42" name="PlaceHolder 2"/>
           <p:cNvSpPr>
             <a:spLocks noGrp="1"/>
           </p:cNvSpPr>
@@ -1716,7 +1923,7 @@
         <p:spPr>
           <a:xfrm>
             <a:off x="8472600" y="4663080"/>
-            <a:ext cx="547920" cy="392760"/>
+            <a:ext cx="547560" cy="392400"/>
           </a:xfrm>
           <a:prstGeom prst="rect">
             <a:avLst/>
@@ -1758,7 +1965,7 @@
                 <a:tab algn="l" pos="0"/>
               </a:tabLst>
             </a:pPr>
-            <a:fld id="{631FC056-C33C-4D6E-AC5A-F88552131341}" type="slidenum">
+            <a:fld id="{BC5B5353-67CF-4BE2-960A-AE53AE9B53DA}" type="slidenum">
               <a:rPr b="0" lang="fr" sz="1000" spc="-1" strike="noStrike">
                 <a:solidFill>
                   <a:schemeClr val="dk2"/>
@@ -1781,7 +1988,7 @@
   </p:cSld>
   <p:clrMap bg1="lt1" bg2="lt2" tx1="dk1" tx2="dk2" accent1="accent1" accent2="accent2" accent3="accent3" accent4="accent4" accent5="accent5" accent6="accent6" hlink="hlink" folHlink="folHlink"/>
   <p:sldLayoutIdLst>
-    <p:sldLayoutId id="2147483667" r:id="rId2"/>
+    <p:sldLayoutId id="2147483669" r:id="rId2"/>
   </p:sldLayoutIdLst>
 </p:sldMaster>
 </file>
@@ -1812,7 +2019,7 @@
       </p:grpSpPr>
       <p:sp>
         <p:nvSpPr>
-          <p:cNvPr id="41" name="PlaceHolder 1"/>
+          <p:cNvPr id="44" name="PlaceHolder 1"/>
           <p:cNvSpPr>
             <a:spLocks noGrp="1"/>
           </p:cNvSpPr>
@@ -1823,7 +2030,7 @@
         <p:spPr>
           <a:xfrm>
             <a:off x="8472600" y="4663080"/>
-            <a:ext cx="547920" cy="392760"/>
+            <a:ext cx="547560" cy="392400"/>
           </a:xfrm>
           <a:prstGeom prst="rect">
             <a:avLst/>
@@ -1865,7 +2072,7 @@
                 <a:tab algn="l" pos="0"/>
               </a:tabLst>
             </a:pPr>
-            <a:fld id="{B7B0C111-D263-4A55-BA8C-06D63438A080}" type="slidenum">
+            <a:fld id="{3FE100A2-5DBF-4009-8C9D-994F55681323}" type="slidenum">
               <a:rPr b="0" lang="fr" sz="1000" spc="-1" strike="noStrike">
                 <a:solidFill>
                   <a:schemeClr val="dk2"/>
@@ -1888,7 +2095,7 @@
   </p:cSld>
   <p:clrMap bg1="lt1" bg2="lt2" tx1="dk1" tx2="dk2" accent1="accent1" accent2="accent2" accent3="accent3" accent4="accent4" accent5="accent5" accent6="accent6" hlink="hlink" folHlink="folHlink"/>
   <p:sldLayoutIdLst>
-    <p:sldLayoutId id="2147483669" r:id="rId2"/>
+    <p:sldLayoutId id="2147483671" r:id="rId2"/>
   </p:sldLayoutIdLst>
 </p:sldMaster>
 </file>
@@ -1919,7 +2126,7 @@
       </p:grpSpPr>
       <p:sp>
         <p:nvSpPr>
-          <p:cNvPr id="42" name="PlaceHolder 1"/>
+          <p:cNvPr id="45" name="PlaceHolder 1"/>
           <p:cNvSpPr>
             <a:spLocks noGrp="1"/>
           </p:cNvSpPr>
@@ -1930,7 +2137,7 @@
         <p:spPr>
           <a:xfrm>
             <a:off x="8472600" y="4663080"/>
-            <a:ext cx="547920" cy="392760"/>
+            <a:ext cx="547560" cy="392400"/>
           </a:xfrm>
           <a:prstGeom prst="rect">
             <a:avLst/>
@@ -1972,7 +2179,7 @@
                 <a:tab algn="l" pos="0"/>
               </a:tabLst>
             </a:pPr>
-            <a:fld id="{984B8B11-7729-4BA5-A3F5-F89A6329575A}" type="slidenum">
+            <a:fld id="{AD2B32AF-A745-485B-A446-0FDE06E63D81}" type="slidenum">
               <a:rPr b="0" lang="fr" sz="1000" spc="-1" strike="noStrike">
                 <a:solidFill>
                   <a:schemeClr val="dk2"/>
@@ -1995,7 +2202,7 @@
   </p:cSld>
   <p:clrMap bg1="lt1" bg2="lt2" tx1="dk1" tx2="dk2" accent1="accent1" accent2="accent2" accent3="accent3" accent4="accent4" accent5="accent5" accent6="accent6" hlink="hlink" folHlink="folHlink"/>
   <p:sldLayoutIdLst>
-    <p:sldLayoutId id="2147483671" r:id="rId2"/>
+    <p:sldLayoutId id="2147483673" r:id="rId2"/>
   </p:sldLayoutIdLst>
 </p:sldMaster>
 </file>
@@ -2026,14 +2233,14 @@
       </p:grpSpPr>
       <p:sp>
         <p:nvSpPr>
-          <p:cNvPr id="43" name="Google Shape;36;p9"/>
+          <p:cNvPr id="46" name="Google Shape;36;p9"/>
           <p:cNvSpPr/>
           <p:nvPr/>
         </p:nvSpPr>
         <p:spPr>
           <a:xfrm>
             <a:off x="4572000" y="0"/>
-            <a:ext cx="4571280" cy="5142960"/>
+            <a:ext cx="4570920" cy="5142600"/>
           </a:xfrm>
           <a:prstGeom prst="rect">
             <a:avLst/>
@@ -2075,7 +2282,7 @@
       </p:sp>
       <p:sp>
         <p:nvSpPr>
-          <p:cNvPr id="44" name="PlaceHolder 1"/>
+          <p:cNvPr id="47" name="PlaceHolder 1"/>
           <p:cNvSpPr>
             <a:spLocks noGrp="1"/>
           </p:cNvSpPr>
@@ -2086,7 +2293,7 @@
         <p:spPr>
           <a:xfrm>
             <a:off x="8472600" y="4663080"/>
-            <a:ext cx="547920" cy="392760"/>
+            <a:ext cx="547560" cy="392400"/>
           </a:xfrm>
           <a:prstGeom prst="rect">
             <a:avLst/>
@@ -2128,7 +2335,7 @@
                 <a:tab algn="l" pos="0"/>
               </a:tabLst>
             </a:pPr>
-            <a:fld id="{1C907B0E-B700-47C5-BA26-513FCAABBCF7}" type="slidenum">
+            <a:fld id="{1BA38E25-C9DA-426F-9020-177FCD2D86C6}" type="slidenum">
               <a:rPr b="0" lang="fr" sz="1000" spc="-1" strike="noStrike">
                 <a:solidFill>
                   <a:schemeClr val="dk2"/>
@@ -2151,7 +2358,7 @@
   </p:cSld>
   <p:clrMap bg1="lt1" bg2="lt2" tx1="dk1" tx2="dk2" accent1="accent1" accent2="accent2" accent3="accent3" accent4="accent4" accent5="accent5" accent6="accent6" hlink="hlink" folHlink="folHlink"/>
   <p:sldLayoutIdLst>
-    <p:sldLayoutId id="2147483673" r:id="rId2"/>
+    <p:sldLayoutId id="2147483675" r:id="rId2"/>
   </p:sldLayoutIdLst>
 </p:sldMaster>
 </file>
@@ -2182,7 +2389,7 @@
       </p:grpSpPr>
       <p:sp>
         <p:nvSpPr>
-          <p:cNvPr id="45" name="PlaceHolder 1"/>
+          <p:cNvPr id="48" name="PlaceHolder 1"/>
           <p:cNvSpPr>
             <a:spLocks noGrp="1"/>
           </p:cNvSpPr>
@@ -2193,7 +2400,7 @@
         <p:spPr>
           <a:xfrm>
             <a:off x="8472600" y="4663080"/>
-            <a:ext cx="547920" cy="392760"/>
+            <a:ext cx="547560" cy="392400"/>
           </a:xfrm>
           <a:prstGeom prst="rect">
             <a:avLst/>
@@ -2235,7 +2442,7 @@
                 <a:tab algn="l" pos="0"/>
               </a:tabLst>
             </a:pPr>
-            <a:fld id="{1A8B9C42-A1A1-42BC-AE6D-698EA0B816D5}" type="slidenum">
+            <a:fld id="{0E26CEEA-1227-467B-9BAA-76B9CDF0C33A}" type="slidenum">
               <a:rPr b="0" lang="fr" sz="1000" spc="-1" strike="noStrike">
                 <a:solidFill>
                   <a:schemeClr val="dk2"/>
@@ -2258,7 +2465,7 @@
   </p:cSld>
   <p:clrMap bg1="lt1" bg2="lt2" tx1="dk1" tx2="dk2" accent1="accent1" accent2="accent2" accent3="accent3" accent4="accent4" accent5="accent5" accent6="accent6" hlink="hlink" folHlink="folHlink"/>
   <p:sldLayoutIdLst>
-    <p:sldLayoutId id="2147483675" r:id="rId2"/>
+    <p:sldLayoutId id="2147483677" r:id="rId2"/>
   </p:sldLayoutIdLst>
 </p:sldMaster>
 </file>
@@ -2300,7 +2507,7 @@
         <p:spPr>
           <a:xfrm>
             <a:off x="8472600" y="4663080"/>
-            <a:ext cx="547920" cy="392760"/>
+            <a:ext cx="547560" cy="392400"/>
           </a:xfrm>
           <a:prstGeom prst="rect">
             <a:avLst/>
@@ -2342,7 +2549,7 @@
                 <a:tab algn="l" pos="0"/>
               </a:tabLst>
             </a:pPr>
-            <a:fld id="{2DFA2307-B055-4468-9F41-699FF25A45E1}" type="slidenum">
+            <a:fld id="{A4626532-6299-45E1-8C13-78FF4A5D311A}" type="slidenum">
               <a:rPr b="0" lang="fr" sz="1000" spc="-1" strike="noStrike">
                 <a:solidFill>
                   <a:schemeClr val="dk2"/>
@@ -2407,7 +2614,7 @@
         <p:spPr>
           <a:xfrm>
             <a:off x="8472600" y="4663080"/>
-            <a:ext cx="547920" cy="392760"/>
+            <a:ext cx="547560" cy="392400"/>
           </a:xfrm>
           <a:prstGeom prst="rect">
             <a:avLst/>
@@ -2449,7 +2656,7 @@
                 <a:tab algn="l" pos="0"/>
               </a:tabLst>
             </a:pPr>
-            <a:fld id="{98A97C0D-5152-48B4-802A-B5804DD5D21A}" type="slidenum">
+            <a:fld id="{9F73E15D-C049-4065-9536-2691FBBD115A}" type="slidenum">
               <a:rPr b="0" lang="fr" sz="1000" spc="-1" strike="noStrike">
                 <a:solidFill>
                   <a:schemeClr val="dk2"/>
@@ -2514,7 +2721,7 @@
         <p:spPr>
           <a:xfrm>
             <a:off x="8472600" y="4663080"/>
-            <a:ext cx="547920" cy="392760"/>
+            <a:ext cx="547560" cy="392400"/>
           </a:xfrm>
           <a:prstGeom prst="rect">
             <a:avLst/>
@@ -2556,7 +2763,7 @@
                 <a:tab algn="l" pos="0"/>
               </a:tabLst>
             </a:pPr>
-            <a:fld id="{9E8E9DAE-6636-47D7-AAC6-99EEA11ECCC0}" type="slidenum">
+            <a:fld id="{EBEBE5D0-14FB-4199-9C53-09E5866239D1}" type="slidenum">
               <a:rPr b="0" lang="fr" sz="1000" spc="-1" strike="noStrike">
                 <a:solidFill>
                   <a:schemeClr val="dk2"/>
@@ -2621,7 +2828,7 @@
         <p:spPr>
           <a:xfrm>
             <a:off x="311760" y="744480"/>
-            <a:ext cx="8519760" cy="2052000"/>
+            <a:ext cx="8519400" cy="2051640"/>
           </a:xfrm>
           <a:prstGeom prst="rect">
             <a:avLst/>
@@ -2895,7 +3102,7 @@
         <p:spPr>
           <a:xfrm>
             <a:off x="8472600" y="4663080"/>
-            <a:ext cx="547920" cy="392760"/>
+            <a:ext cx="547560" cy="392400"/>
           </a:xfrm>
           <a:prstGeom prst="rect">
             <a:avLst/>
@@ -2937,7 +3144,7 @@
                 <a:tab algn="l" pos="0"/>
               </a:tabLst>
             </a:pPr>
-            <a:fld id="{51ECEE77-7066-4630-9667-399F82B088AF}" type="slidenum">
+            <a:fld id="{8616746C-70A3-4163-9B59-69B538DB42A2}" type="slidenum">
               <a:rPr b="0" lang="fr" sz="1000" spc="-1" strike="noStrike">
                 <a:solidFill>
                   <a:schemeClr val="dk2"/>
@@ -3002,7 +3209,7 @@
         <p:spPr>
           <a:xfrm>
             <a:off x="311760" y="744480"/>
-            <a:ext cx="8519760" cy="2052000"/>
+            <a:ext cx="8519400" cy="2051640"/>
           </a:xfrm>
           <a:prstGeom prst="rect">
             <a:avLst/>
@@ -3051,7 +3258,7 @@
         <p:spPr>
           <a:xfrm>
             <a:off x="8472600" y="4663080"/>
-            <a:ext cx="547920" cy="392760"/>
+            <a:ext cx="547560" cy="392400"/>
           </a:xfrm>
           <a:prstGeom prst="rect">
             <a:avLst/>
@@ -3093,7 +3300,7 @@
                 <a:tab algn="l" pos="0"/>
               </a:tabLst>
             </a:pPr>
-            <a:fld id="{03C9407C-3E9C-4C32-B08F-82FA50D8DAFB}" type="slidenum">
+            <a:fld id="{B7900F2D-76DD-410B-88F1-B27CBC42CA37}" type="slidenum">
               <a:rPr b="0" lang="fr" sz="1000" spc="-1" strike="noStrike">
                 <a:solidFill>
                   <a:schemeClr val="dk2"/>
@@ -3383,7 +3590,7 @@
         <p:spPr>
           <a:xfrm>
             <a:off x="311760" y="744480"/>
-            <a:ext cx="8519760" cy="2052000"/>
+            <a:ext cx="8519400" cy="2051640"/>
           </a:xfrm>
           <a:prstGeom prst="rect">
             <a:avLst/>
@@ -3882,7 +4089,7 @@
         <p:spPr>
           <a:xfrm>
             <a:off x="8472600" y="4663080"/>
-            <a:ext cx="547920" cy="392760"/>
+            <a:ext cx="547560" cy="392400"/>
           </a:xfrm>
           <a:prstGeom prst="rect">
             <a:avLst/>
@@ -3924,7 +4131,7 @@
                 <a:tab algn="l" pos="0"/>
               </a:tabLst>
             </a:pPr>
-            <a:fld id="{1A70428F-11F5-4824-BB9B-44B4274D93C6}" type="slidenum">
+            <a:fld id="{1A9EA084-FECB-4400-AB0B-E8CAD060AE99}" type="slidenum">
               <a:rPr b="0" lang="fr" sz="1000" spc="-1" strike="noStrike">
                 <a:solidFill>
                   <a:schemeClr val="dk2"/>
@@ -3948,6 +4155,8 @@
   <p:clrMap bg1="lt1" bg2="lt2" tx1="dk1" tx2="dk2" accent1="accent1" accent2="accent2" accent3="accent3" accent4="accent4" accent5="accent5" accent6="accent6" hlink="hlink" folHlink="folHlink"/>
   <p:sldLayoutIdLst>
     <p:sldLayoutId id="2147483661" r:id="rId2"/>
+    <p:sldLayoutId id="2147483662" r:id="rId3"/>
+    <p:sldLayoutId id="2147483663" r:id="rId4"/>
   </p:sldLayoutIdLst>
 </p:sldMaster>
 </file>
@@ -3978,7 +4187,7 @@
       </p:grpSpPr>
       <p:sp>
         <p:nvSpPr>
-          <p:cNvPr id="24" name="PlaceHolder 1"/>
+          <p:cNvPr id="27" name="PlaceHolder 1"/>
           <p:cNvSpPr>
             <a:spLocks noGrp="1"/>
           </p:cNvSpPr>
@@ -3989,7 +4198,7 @@
         <p:spPr>
           <a:xfrm>
             <a:off x="311760" y="744480"/>
-            <a:ext cx="8519760" cy="2052000"/>
+            <a:ext cx="8519400" cy="2051640"/>
           </a:xfrm>
           <a:prstGeom prst="rect">
             <a:avLst/>
@@ -4027,7 +4236,7 @@
       </p:sp>
       <p:sp>
         <p:nvSpPr>
-          <p:cNvPr id="25" name="PlaceHolder 2"/>
+          <p:cNvPr id="28" name="PlaceHolder 2"/>
           <p:cNvSpPr>
             <a:spLocks noGrp="1"/>
           </p:cNvSpPr>
@@ -4252,7 +4461,7 @@
       </p:sp>
       <p:sp>
         <p:nvSpPr>
-          <p:cNvPr id="26" name="PlaceHolder 3"/>
+          <p:cNvPr id="29" name="PlaceHolder 3"/>
           <p:cNvSpPr>
             <a:spLocks noGrp="1"/>
           </p:cNvSpPr>
@@ -4477,7 +4686,7 @@
       </p:sp>
       <p:sp>
         <p:nvSpPr>
-          <p:cNvPr id="27" name="PlaceHolder 4"/>
+          <p:cNvPr id="30" name="PlaceHolder 4"/>
           <p:cNvSpPr>
             <a:spLocks noGrp="1"/>
           </p:cNvSpPr>
@@ -4488,7 +4697,7 @@
         <p:spPr>
           <a:xfrm>
             <a:off x="8472600" y="4663080"/>
-            <a:ext cx="547920" cy="392760"/>
+            <a:ext cx="547560" cy="392400"/>
           </a:xfrm>
           <a:prstGeom prst="rect">
             <a:avLst/>
@@ -4530,7 +4739,7 @@
                 <a:tab algn="l" pos="0"/>
               </a:tabLst>
             </a:pPr>
-            <a:fld id="{A25F7061-2C35-4EE6-B17E-B5B14472B25C}" type="slidenum">
+            <a:fld id="{36884F1D-70E7-45B6-AFFE-34B551A76EEB}" type="slidenum">
               <a:rPr b="0" lang="fr" sz="1000" spc="-1" strike="noStrike">
                 <a:solidFill>
                   <a:schemeClr val="dk2"/>
@@ -4553,7 +4762,7 @@
   </p:cSld>
   <p:clrMap bg1="lt1" bg2="lt2" tx1="dk1" tx2="dk2" accent1="accent1" accent2="accent2" accent3="accent3" accent4="accent4" accent5="accent5" accent6="accent6" hlink="hlink" folHlink="folHlink"/>
   <p:sldLayoutIdLst>
-    <p:sldLayoutId id="2147483663" r:id="rId2"/>
+    <p:sldLayoutId id="2147483665" r:id="rId2"/>
   </p:sldLayoutIdLst>
 </p:sldMaster>
 </file>
@@ -4584,7 +4793,7 @@
       </p:grpSpPr>
       <p:sp>
         <p:nvSpPr>
-          <p:cNvPr id="31" name="PlaceHolder 1"/>
+          <p:cNvPr id="34" name="PlaceHolder 1"/>
           <p:cNvSpPr>
             <a:spLocks noGrp="1"/>
           </p:cNvSpPr>
@@ -4595,7 +4804,7 @@
         <p:spPr>
           <a:xfrm>
             <a:off x="311760" y="744480"/>
-            <a:ext cx="8519760" cy="2052000"/>
+            <a:ext cx="8519400" cy="2051640"/>
           </a:xfrm>
           <a:prstGeom prst="rect">
             <a:avLst/>
@@ -4633,7 +4842,7 @@
       </p:sp>
       <p:sp>
         <p:nvSpPr>
-          <p:cNvPr id="32" name="PlaceHolder 2"/>
+          <p:cNvPr id="35" name="PlaceHolder 2"/>
           <p:cNvSpPr>
             <a:spLocks noGrp="1"/>
           </p:cNvSpPr>
@@ -4858,7 +5067,7 @@
       </p:sp>
       <p:sp>
         <p:nvSpPr>
-          <p:cNvPr id="33" name="PlaceHolder 3"/>
+          <p:cNvPr id="36" name="PlaceHolder 3"/>
           <p:cNvSpPr>
             <a:spLocks noGrp="1"/>
           </p:cNvSpPr>
@@ -5083,7 +5292,7 @@
       </p:sp>
       <p:sp>
         <p:nvSpPr>
-          <p:cNvPr id="34" name="PlaceHolder 4"/>
+          <p:cNvPr id="37" name="PlaceHolder 4"/>
           <p:cNvSpPr>
             <a:spLocks noGrp="1"/>
           </p:cNvSpPr>
@@ -5094,7 +5303,7 @@
         <p:spPr>
           <a:xfrm>
             <a:off x="8472600" y="4663080"/>
-            <a:ext cx="547920" cy="392760"/>
+            <a:ext cx="547560" cy="392400"/>
           </a:xfrm>
           <a:prstGeom prst="rect">
             <a:avLst/>
@@ -5136,7 +5345,7 @@
                 <a:tab algn="l" pos="0"/>
               </a:tabLst>
             </a:pPr>
-            <a:fld id="{61ECEA03-0BAC-41DE-B58A-2A07736EC0EE}" type="slidenum">
+            <a:fld id="{DC779559-4EE1-49A8-8F77-498ABC0BD16D}" type="slidenum">
               <a:rPr b="0" lang="fr" sz="1000" spc="-1" strike="noStrike">
                 <a:solidFill>
                   <a:schemeClr val="dk2"/>
@@ -5159,7 +5368,7 @@
   </p:cSld>
   <p:clrMap bg1="lt1" bg2="lt2" tx1="dk1" tx2="dk2" accent1="accent1" accent2="accent2" accent3="accent3" accent4="accent4" accent5="accent5" accent6="accent6" hlink="hlink" folHlink="folHlink"/>
   <p:sldLayoutIdLst>
-    <p:sldLayoutId id="2147483665" r:id="rId2"/>
+    <p:sldLayoutId id="2147483667" r:id="rId2"/>
   </p:sldLayoutIdLst>
 </p:sldMaster>
 </file>
@@ -5190,14 +5399,14 @@
       </p:grpSpPr>
       <p:sp>
         <p:nvSpPr>
-          <p:cNvPr id="46" name="Google Shape;54;p13"/>
+          <p:cNvPr id="49" name="Google Shape;54;p13"/>
           <p:cNvSpPr/>
           <p:nvPr/>
         </p:nvSpPr>
         <p:spPr>
           <a:xfrm>
             <a:off x="2392920" y="1537560"/>
-            <a:ext cx="4221360" cy="801360"/>
+            <a:ext cx="4221000" cy="801000"/>
           </a:xfrm>
           <a:prstGeom prst="rect">
             <a:avLst/>
@@ -5263,14 +5472,14 @@
       </p:sp>
       <p:sp>
         <p:nvSpPr>
-          <p:cNvPr id="47" name="Google Shape;55;p13"/>
+          <p:cNvPr id="50" name="Google Shape;55;p13"/>
           <p:cNvSpPr/>
           <p:nvPr/>
         </p:nvSpPr>
         <p:spPr>
           <a:xfrm>
             <a:off x="115200" y="118440"/>
-            <a:ext cx="2383920" cy="279360"/>
+            <a:ext cx="2383560" cy="279000"/>
           </a:xfrm>
           <a:prstGeom prst="rect">
             <a:avLst/>
@@ -5333,7 +5542,7 @@
       </p:sp>
       <p:pic>
         <p:nvPicPr>
-          <p:cNvPr id="48" name="Google Shape;56;p13" descr=""/>
+          <p:cNvPr id="51" name="Google Shape;56;p13" descr=""/>
           <p:cNvPicPr/>
           <p:nvPr/>
         </p:nvPicPr>
@@ -5344,7 +5553,7 @@
         <p:spPr>
           <a:xfrm>
             <a:off x="8469720" y="0"/>
-            <a:ext cx="673560" cy="339840"/>
+            <a:ext cx="673200" cy="339480"/>
           </a:xfrm>
           <a:prstGeom prst="rect">
             <a:avLst/>
@@ -5386,7 +5595,7 @@
       </p:grpSpPr>
       <p:sp>
         <p:nvSpPr>
-          <p:cNvPr id="86" name="PlaceHolder 1"/>
+          <p:cNvPr id="89" name="PlaceHolder 1"/>
           <p:cNvSpPr>
             <a:spLocks noGrp="1"/>
           </p:cNvSpPr>
@@ -5397,7 +5606,7 @@
         <p:spPr>
           <a:xfrm>
             <a:off x="311760" y="444960"/>
-            <a:ext cx="8519760" cy="572040"/>
+            <a:ext cx="8519400" cy="571680"/>
           </a:xfrm>
           <a:prstGeom prst="rect">
             <a:avLst/>
@@ -5445,14 +5654,14 @@
       </p:sp>
       <p:sp>
         <p:nvSpPr>
-          <p:cNvPr id="87" name="Google Shape;103;p19"/>
+          <p:cNvPr id="90" name="Google Shape;103;p19"/>
           <p:cNvSpPr/>
           <p:nvPr/>
         </p:nvSpPr>
         <p:spPr>
           <a:xfrm>
             <a:off x="0" y="0"/>
-            <a:ext cx="4910760" cy="351360"/>
+            <a:ext cx="4910400" cy="351360"/>
           </a:xfrm>
           <a:prstGeom prst="rect">
             <a:avLst/>
@@ -5505,14 +5714,14 @@
       </p:sp>
       <p:sp>
         <p:nvSpPr>
-          <p:cNvPr id="88" name="Google Shape;104;p19"/>
+          <p:cNvPr id="91" name="Google Shape;104;p19"/>
           <p:cNvSpPr/>
           <p:nvPr/>
         </p:nvSpPr>
         <p:spPr>
           <a:xfrm>
             <a:off x="434880" y="1085400"/>
-            <a:ext cx="8319960" cy="1284480"/>
+            <a:ext cx="8319600" cy="1284480"/>
           </a:xfrm>
           <a:prstGeom prst="rect">
             <a:avLst/>
@@ -5597,14 +5806,14 @@
       </p:sp>
       <p:sp>
         <p:nvSpPr>
-          <p:cNvPr id="89" name="Google Shape;105;p19"/>
+          <p:cNvPr id="92" name="Google Shape;105;p19"/>
           <p:cNvSpPr/>
           <p:nvPr/>
         </p:nvSpPr>
         <p:spPr>
           <a:xfrm>
             <a:off x="-4680" y="0"/>
-            <a:ext cx="9153000" cy="239040"/>
+            <a:ext cx="9152640" cy="238680"/>
           </a:xfrm>
           <a:prstGeom prst="rect">
             <a:avLst/>
@@ -5649,7 +5858,7 @@
       </p:sp>
       <p:sp>
         <p:nvSpPr>
-          <p:cNvPr id="90" name="PlaceHolder 2"/>
+          <p:cNvPr id="93" name="PlaceHolder 2"/>
           <p:cNvSpPr>
             <a:spLocks noGrp="1"/>
           </p:cNvSpPr>
@@ -5660,7 +5869,7 @@
         <p:spPr>
           <a:xfrm>
             <a:off x="311760" y="1152360"/>
-            <a:ext cx="4157280" cy="3707280"/>
+            <a:ext cx="4156920" cy="3706920"/>
           </a:xfrm>
           <a:prstGeom prst="rect">
             <a:avLst/>
@@ -5860,7 +6069,7 @@
       </p:sp>
       <p:sp>
         <p:nvSpPr>
-          <p:cNvPr id="91" name="PlaceHolder 3"/>
+          <p:cNvPr id="94" name="PlaceHolder 3"/>
           <p:cNvSpPr>
             <a:spLocks noGrp="1"/>
           </p:cNvSpPr>
@@ -5871,7 +6080,7 @@
         <p:spPr>
           <a:xfrm>
             <a:off x="4677480" y="1260000"/>
-            <a:ext cx="4157280" cy="3468240"/>
+            <a:ext cx="4156920" cy="3467880"/>
           </a:xfrm>
           <a:prstGeom prst="rect">
             <a:avLst/>
@@ -6013,7 +6222,7 @@
       </p:sp>
       <p:pic>
         <p:nvPicPr>
-          <p:cNvPr id="92" name="" descr=""/>
+          <p:cNvPr id="95" name="" descr=""/>
           <p:cNvPicPr/>
           <p:nvPr/>
         </p:nvPicPr>
@@ -6024,7 +6233,7 @@
         <p:spPr>
           <a:xfrm>
             <a:off x="540000" y="1260000"/>
-            <a:ext cx="2063880" cy="2128320"/>
+            <a:ext cx="2063520" cy="2127960"/>
           </a:xfrm>
           <a:prstGeom prst="rect">
             <a:avLst/>
@@ -6036,7 +6245,7 @@
       </p:pic>
       <p:pic>
         <p:nvPicPr>
-          <p:cNvPr id="93" name="" descr=""/>
+          <p:cNvPr id="96" name="" descr=""/>
           <p:cNvPicPr/>
           <p:nvPr/>
         </p:nvPicPr>
@@ -6047,7 +6256,7 @@
         <p:spPr>
           <a:xfrm>
             <a:off x="540000" y="3420000"/>
-            <a:ext cx="2856960" cy="1294560"/>
+            <a:ext cx="2340000" cy="1294200"/>
           </a:xfrm>
           <a:prstGeom prst="rect">
             <a:avLst/>
@@ -6059,7 +6268,7 @@
       </p:pic>
       <p:pic>
         <p:nvPicPr>
-          <p:cNvPr id="94" name="" descr=""/>
+          <p:cNvPr id="97" name="" descr=""/>
           <p:cNvPicPr/>
           <p:nvPr/>
         </p:nvPicPr>
@@ -6070,7 +6279,7 @@
         <p:spPr>
           <a:xfrm>
             <a:off x="2700000" y="1260000"/>
-            <a:ext cx="1769040" cy="2159640"/>
+            <a:ext cx="1768680" cy="2159280"/>
           </a:xfrm>
           <a:prstGeom prst="rect">
             <a:avLst/>
@@ -6082,7 +6291,7 @@
       </p:pic>
       <p:pic>
         <p:nvPicPr>
-          <p:cNvPr id="95" name="" descr=""/>
+          <p:cNvPr id="98" name="" descr=""/>
           <p:cNvPicPr/>
           <p:nvPr/>
         </p:nvPicPr>
@@ -6093,7 +6302,30 @@
         <p:spPr>
           <a:xfrm>
             <a:off x="4860000" y="2947680"/>
-            <a:ext cx="3809520" cy="1551960"/>
+            <a:ext cx="3809160" cy="1551600"/>
+          </a:xfrm>
+          <a:prstGeom prst="rect">
+            <a:avLst/>
+          </a:prstGeom>
+          <a:ln w="0">
+            <a:noFill/>
+          </a:ln>
+        </p:spPr>
+      </p:pic>
+      <p:pic>
+        <p:nvPicPr>
+          <p:cNvPr id="99" name="" descr=""/>
+          <p:cNvPicPr/>
+          <p:nvPr/>
+        </p:nvPicPr>
+        <p:blipFill>
+          <a:blip r:embed="rId5"/>
+          <a:stretch/>
+        </p:blipFill>
+        <p:spPr>
+          <a:xfrm>
+            <a:off x="3045600" y="3513960"/>
+            <a:ext cx="1274400" cy="986040"/>
           </a:xfrm>
           <a:prstGeom prst="rect">
             <a:avLst/>
@@ -6133,32 +6365,9 @@
           <a:chExt cx="0" cy="0"/>
         </a:xfrm>
       </p:grpSpPr>
-      <p:pic>
-        <p:nvPicPr>
-          <p:cNvPr id="96" name="" descr=""/>
-          <p:cNvPicPr/>
-          <p:nvPr/>
-        </p:nvPicPr>
-        <p:blipFill>
-          <a:blip r:embed="rId1"/>
-          <a:stretch/>
-        </p:blipFill>
-        <p:spPr>
-          <a:xfrm>
-            <a:off x="311400" y="1796040"/>
-            <a:ext cx="4157280" cy="2127960"/>
-          </a:xfrm>
-          <a:prstGeom prst="rect">
-            <a:avLst/>
-          </a:prstGeom>
-          <a:ln w="0">
-            <a:noFill/>
-          </a:ln>
-        </p:spPr>
-      </p:pic>
       <p:sp>
         <p:nvSpPr>
-          <p:cNvPr id="97" name="PlaceHolder 1"/>
+          <p:cNvPr id="100" name="PlaceHolder 1"/>
           <p:cNvSpPr>
             <a:spLocks noGrp="1"/>
           </p:cNvSpPr>
@@ -6168,8 +6377,8 @@
         </p:nvSpPr>
         <p:spPr>
           <a:xfrm>
-            <a:off x="311760" y="444960"/>
-            <a:ext cx="8519760" cy="572040"/>
+            <a:off x="300600" y="384480"/>
+            <a:ext cx="8519400" cy="335520"/>
           </a:xfrm>
           <a:prstGeom prst="rect">
             <a:avLst/>
@@ -6186,23 +6395,27 @@
           <a:p>
             <a:pPr indent="0">
               <a:lnSpc>
-                <a:spcPct val="100000"/>
-              </a:lnSpc>
+                <a:spcPct val="115000"/>
+              </a:lnSpc>
+              <a:spcAft>
+                <a:spcPts val="1199"/>
+              </a:spcAft>
               <a:buNone/>
               <a:tabLst>
                 <a:tab algn="l" pos="0"/>
               </a:tabLst>
             </a:pPr>
             <a:r>
-              <a:rPr b="0" lang="en-GB" sz="1400" spc="-1" strike="noStrike">
-                <a:solidFill>
-                  <a:srgbClr val="000000"/>
+              <a:rPr b="0" lang="fr" sz="1800" spc="-1" strike="noStrike">
+                <a:solidFill>
+                  <a:schemeClr val="dk1"/>
                 </a:solidFill>
                 <a:latin typeface="Montserrat"/>
-              </a:rPr>
-              <a:t>Il s’agit d’un outil pratique qui nous facilite la tâche de création et de personnalisation du formulaire.</a:t>
-            </a:r>
-            <a:endParaRPr b="0" lang="en-GB" sz="1400" spc="-1" strike="noStrike">
+                <a:ea typeface="Montserrat"/>
+              </a:rPr>
+              <a:t>Spécifications techniques</a:t>
+            </a:r>
+            <a:endParaRPr b="0" lang="en-GB" sz="1800" spc="-1" strike="noStrike">
               <a:solidFill>
                 <a:srgbClr val="000000"/>
               </a:solidFill>
@@ -6213,18 +6426,18 @@
       </p:sp>
       <p:pic>
         <p:nvPicPr>
-          <p:cNvPr id="98" name="" descr=""/>
+          <p:cNvPr id="101" name="" descr=""/>
           <p:cNvPicPr/>
           <p:nvPr/>
         </p:nvPicPr>
         <p:blipFill>
-          <a:blip r:embed="rId2"/>
+          <a:blip r:embed="rId1"/>
           <a:stretch/>
         </p:blipFill>
         <p:spPr>
           <a:xfrm>
-            <a:off x="4677480" y="1673280"/>
-            <a:ext cx="4157280" cy="2373120"/>
+            <a:off x="540000" y="1080000"/>
+            <a:ext cx="7325280" cy="3658680"/>
           </a:xfrm>
           <a:prstGeom prst="rect">
             <a:avLst/>
@@ -6266,7 +6479,7 @@
       </p:grpSpPr>
       <p:sp>
         <p:nvSpPr>
-          <p:cNvPr id="99" name="PlaceHolder 1"/>
+          <p:cNvPr id="102" name="PlaceHolder 1"/>
           <p:cNvSpPr>
             <a:spLocks noGrp="1"/>
           </p:cNvSpPr>
@@ -6277,7 +6490,7 @@
         <p:spPr>
           <a:xfrm>
             <a:off x="311760" y="444960"/>
-            <a:ext cx="8519760" cy="572040"/>
+            <a:ext cx="8519400" cy="571680"/>
           </a:xfrm>
           <a:prstGeom prst="rect">
             <a:avLst/>
@@ -6325,7 +6538,7 @@
       </p:sp>
       <p:sp>
         <p:nvSpPr>
-          <p:cNvPr id="100" name="PlaceHolder 2"/>
+          <p:cNvPr id="103" name="PlaceHolder 2"/>
           <p:cNvSpPr>
             <a:spLocks noGrp="1"/>
           </p:cNvSpPr>
@@ -6336,7 +6549,7 @@
         <p:spPr>
           <a:xfrm>
             <a:off x="108000" y="1044360"/>
-            <a:ext cx="8519760" cy="3990960"/>
+            <a:ext cx="8519400" cy="3990600"/>
           </a:xfrm>
           <a:prstGeom prst="rect">
             <a:avLst/>
@@ -6414,14 +6627,14 @@
       </p:sp>
       <p:sp>
         <p:nvSpPr>
-          <p:cNvPr id="101" name="Google Shape;113;p20"/>
+          <p:cNvPr id="104" name="Google Shape;113;p20"/>
           <p:cNvSpPr/>
           <p:nvPr/>
         </p:nvSpPr>
         <p:spPr>
           <a:xfrm>
             <a:off x="0" y="0"/>
-            <a:ext cx="4910760" cy="351360"/>
+            <a:ext cx="4910400" cy="351360"/>
           </a:xfrm>
           <a:prstGeom prst="rect">
             <a:avLst/>
@@ -6474,14 +6687,14 @@
       </p:sp>
       <p:sp>
         <p:nvSpPr>
-          <p:cNvPr id="102" name="Google Shape;114;p20"/>
+          <p:cNvPr id="105" name="Google Shape;114;p20"/>
           <p:cNvSpPr/>
           <p:nvPr/>
         </p:nvSpPr>
         <p:spPr>
           <a:xfrm>
             <a:off x="434880" y="1085400"/>
-            <a:ext cx="8319960" cy="2771280"/>
+            <a:ext cx="8319600" cy="2771280"/>
           </a:xfrm>
           <a:prstGeom prst="rect">
             <a:avLst/>
@@ -6628,14 +6841,14 @@
       </p:sp>
       <p:sp>
         <p:nvSpPr>
-          <p:cNvPr id="103" name="Google Shape;115;p20"/>
+          <p:cNvPr id="106" name="Google Shape;115;p20"/>
           <p:cNvSpPr/>
           <p:nvPr/>
         </p:nvSpPr>
         <p:spPr>
           <a:xfrm>
             <a:off x="-4680" y="0"/>
-            <a:ext cx="9153000" cy="239040"/>
+            <a:ext cx="9152640" cy="238680"/>
           </a:xfrm>
           <a:prstGeom prst="rect">
             <a:avLst/>
@@ -6680,7 +6893,7 @@
       </p:sp>
       <p:pic>
         <p:nvPicPr>
-          <p:cNvPr id="104" name="Google Shape;116;p20" descr=""/>
+          <p:cNvPr id="107" name="Google Shape;116;p20" descr=""/>
           <p:cNvPicPr/>
           <p:nvPr/>
         </p:nvPicPr>
@@ -6691,7 +6904,7 @@
         <p:spPr>
           <a:xfrm>
             <a:off x="8469720" y="0"/>
-            <a:ext cx="673560" cy="339840"/>
+            <a:ext cx="673200" cy="339480"/>
           </a:xfrm>
           <a:prstGeom prst="rect">
             <a:avLst/>
@@ -6703,7 +6916,7 @@
       </p:pic>
       <p:pic>
         <p:nvPicPr>
-          <p:cNvPr id="105" name="" descr=""/>
+          <p:cNvPr id="108" name="" descr=""/>
           <p:cNvPicPr/>
           <p:nvPr/>
         </p:nvPicPr>
@@ -6714,7 +6927,7 @@
         <p:spPr>
           <a:xfrm>
             <a:off x="6430320" y="2666880"/>
-            <a:ext cx="1669320" cy="2435040"/>
+            <a:ext cx="1668960" cy="2434680"/>
           </a:xfrm>
           <a:prstGeom prst="rect">
             <a:avLst/>
@@ -6756,7 +6969,7 @@
       </p:grpSpPr>
       <p:sp>
         <p:nvSpPr>
-          <p:cNvPr id="106" name="PlaceHolder 1"/>
+          <p:cNvPr id="109" name="PlaceHolder 1"/>
           <p:cNvSpPr>
             <a:spLocks noGrp="1"/>
           </p:cNvSpPr>
@@ -6767,7 +6980,7 @@
         <p:spPr>
           <a:xfrm>
             <a:off x="311760" y="444960"/>
-            <a:ext cx="8519760" cy="572040"/>
+            <a:ext cx="8519400" cy="571680"/>
           </a:xfrm>
           <a:prstGeom prst="rect">
             <a:avLst/>
@@ -6815,7 +7028,7 @@
       </p:sp>
       <p:pic>
         <p:nvPicPr>
-          <p:cNvPr id="107" name="" descr=""/>
+          <p:cNvPr id="110" name="" descr=""/>
           <p:cNvPicPr/>
           <p:nvPr/>
         </p:nvPicPr>
@@ -6826,7 +7039,7 @@
         <p:spPr>
           <a:xfrm>
             <a:off x="473760" y="1152000"/>
-            <a:ext cx="3832560" cy="3415680"/>
+            <a:ext cx="3832200" cy="3415320"/>
           </a:xfrm>
           <a:prstGeom prst="rect">
             <a:avLst/>
@@ -6838,7 +7051,7 @@
       </p:pic>
       <p:pic>
         <p:nvPicPr>
-          <p:cNvPr id="108" name="" descr=""/>
+          <p:cNvPr id="111" name="" descr=""/>
           <p:cNvPicPr/>
           <p:nvPr/>
         </p:nvPicPr>
@@ -6849,7 +7062,7 @@
         <p:spPr>
           <a:xfrm>
             <a:off x="4939560" y="1152000"/>
-            <a:ext cx="3633480" cy="3415680"/>
+            <a:ext cx="3633120" cy="3415320"/>
           </a:xfrm>
           <a:prstGeom prst="rect">
             <a:avLst/>
@@ -6891,7 +7104,7 @@
       </p:grpSpPr>
       <p:sp>
         <p:nvSpPr>
-          <p:cNvPr id="109" name="PlaceHolder 1"/>
+          <p:cNvPr id="112" name="PlaceHolder 1"/>
           <p:cNvSpPr>
             <a:spLocks noGrp="1"/>
           </p:cNvSpPr>
@@ -6902,7 +7115,7 @@
         <p:spPr>
           <a:xfrm>
             <a:off x="311760" y="444960"/>
-            <a:ext cx="8519760" cy="572040"/>
+            <a:ext cx="8519400" cy="571680"/>
           </a:xfrm>
           <a:prstGeom prst="rect">
             <a:avLst/>
@@ -6950,7 +7163,7 @@
       </p:sp>
       <p:sp>
         <p:nvSpPr>
-          <p:cNvPr id="110" name="PlaceHolder 2"/>
+          <p:cNvPr id="113" name="PlaceHolder 2"/>
           <p:cNvSpPr>
             <a:spLocks noGrp="1"/>
           </p:cNvSpPr>
@@ -6961,7 +7174,7 @@
         <p:spPr>
           <a:xfrm>
             <a:off x="311760" y="1152360"/>
-            <a:ext cx="8519760" cy="3415680"/>
+            <a:ext cx="8519400" cy="3415320"/>
           </a:xfrm>
           <a:prstGeom prst="rect">
             <a:avLst/>
@@ -7041,7 +7254,7 @@
       </p:grpSpPr>
       <p:sp>
         <p:nvSpPr>
-          <p:cNvPr id="111" name="PlaceHolder 1"/>
+          <p:cNvPr id="114" name="PlaceHolder 1"/>
           <p:cNvSpPr>
             <a:spLocks noGrp="1"/>
           </p:cNvSpPr>
@@ -7052,7 +7265,7 @@
         <p:spPr>
           <a:xfrm>
             <a:off x="311760" y="444960"/>
-            <a:ext cx="8519760" cy="572040"/>
+            <a:ext cx="8519400" cy="571680"/>
           </a:xfrm>
           <a:prstGeom prst="rect">
             <a:avLst/>
@@ -7100,7 +7313,7 @@
       </p:sp>
       <p:sp>
         <p:nvSpPr>
-          <p:cNvPr id="112" name="PlaceHolder 2"/>
+          <p:cNvPr id="115" name="PlaceHolder 2"/>
           <p:cNvSpPr>
             <a:spLocks noGrp="1"/>
           </p:cNvSpPr>
@@ -7111,7 +7324,7 @@
         <p:spPr>
           <a:xfrm>
             <a:off x="311760" y="1152360"/>
-            <a:ext cx="8519760" cy="3415680"/>
+            <a:ext cx="8519400" cy="3415320"/>
           </a:xfrm>
           <a:prstGeom prst="rect">
             <a:avLst/>
@@ -7183,14 +7396,14 @@
       </p:sp>
       <p:sp>
         <p:nvSpPr>
-          <p:cNvPr id="113" name="Google Shape;123;p21"/>
+          <p:cNvPr id="116" name="Google Shape;123;p21"/>
           <p:cNvSpPr/>
           <p:nvPr/>
         </p:nvSpPr>
         <p:spPr>
           <a:xfrm>
             <a:off x="0" y="0"/>
-            <a:ext cx="4910760" cy="351360"/>
+            <a:ext cx="4910400" cy="351360"/>
           </a:xfrm>
           <a:prstGeom prst="rect">
             <a:avLst/>
@@ -7243,14 +7456,14 @@
       </p:sp>
       <p:sp>
         <p:nvSpPr>
-          <p:cNvPr id="114" name="Google Shape;124;p21"/>
+          <p:cNvPr id="117" name="Google Shape;124;p21"/>
           <p:cNvSpPr/>
           <p:nvPr/>
         </p:nvSpPr>
         <p:spPr>
           <a:xfrm>
             <a:off x="434880" y="1085400"/>
-            <a:ext cx="8319960" cy="987120"/>
+            <a:ext cx="8319600" cy="987120"/>
           </a:xfrm>
           <a:prstGeom prst="rect">
             <a:avLst/>
@@ -7322,14 +7535,14 @@
       </p:sp>
       <p:sp>
         <p:nvSpPr>
-          <p:cNvPr id="115" name="Google Shape;125;p21"/>
+          <p:cNvPr id="118" name="Google Shape;125;p21"/>
           <p:cNvSpPr/>
           <p:nvPr/>
         </p:nvSpPr>
         <p:spPr>
           <a:xfrm>
             <a:off x="-4680" y="0"/>
-            <a:ext cx="9153000" cy="239040"/>
+            <a:ext cx="9152640" cy="238680"/>
           </a:xfrm>
           <a:prstGeom prst="rect">
             <a:avLst/>
@@ -7374,7 +7587,7 @@
       </p:sp>
       <p:pic>
         <p:nvPicPr>
-          <p:cNvPr id="116" name="Google Shape;126;p21" descr=""/>
+          <p:cNvPr id="119" name="Google Shape;126;p21" descr=""/>
           <p:cNvPicPr/>
           <p:nvPr/>
         </p:nvPicPr>
@@ -7385,7 +7598,7 @@
         <p:spPr>
           <a:xfrm>
             <a:off x="8469720" y="0"/>
-            <a:ext cx="673560" cy="339840"/>
+            <a:ext cx="673200" cy="339480"/>
           </a:xfrm>
           <a:prstGeom prst="rect">
             <a:avLst/>
@@ -7434,14 +7647,14 @@
       </p:grpSpPr>
       <p:sp>
         <p:nvSpPr>
-          <p:cNvPr id="117" name="Google Shape;131;p22"/>
+          <p:cNvPr id="120" name="Google Shape;131;p22"/>
           <p:cNvSpPr/>
           <p:nvPr/>
         </p:nvSpPr>
         <p:spPr>
           <a:xfrm>
             <a:off x="2411640" y="2125800"/>
-            <a:ext cx="4221360" cy="801360"/>
+            <a:ext cx="4221000" cy="801000"/>
           </a:xfrm>
           <a:prstGeom prst="rect">
             <a:avLst/>
@@ -7491,14 +7704,14 @@
       </p:sp>
       <p:sp>
         <p:nvSpPr>
-          <p:cNvPr id="118" name="Google Shape;132;p22"/>
+          <p:cNvPr id="121" name="Google Shape;132;p22"/>
           <p:cNvSpPr/>
           <p:nvPr/>
         </p:nvSpPr>
         <p:spPr>
           <a:xfrm>
             <a:off x="115200" y="118440"/>
-            <a:ext cx="2383920" cy="279360"/>
+            <a:ext cx="2383560" cy="279000"/>
           </a:xfrm>
           <a:prstGeom prst="rect">
             <a:avLst/>
@@ -7538,7 +7751,7 @@
       </p:sp>
       <p:pic>
         <p:nvPicPr>
-          <p:cNvPr id="119" name="Google Shape;133;p22" descr=""/>
+          <p:cNvPr id="122" name="Google Shape;133;p22" descr=""/>
           <p:cNvPicPr/>
           <p:nvPr/>
         </p:nvPicPr>
@@ -7549,7 +7762,7 @@
         <p:spPr>
           <a:xfrm>
             <a:off x="8469720" y="0"/>
-            <a:ext cx="673560" cy="339840"/>
+            <a:ext cx="673200" cy="339480"/>
           </a:xfrm>
           <a:prstGeom prst="rect">
             <a:avLst/>
@@ -7591,7 +7804,7 @@
       </p:grpSpPr>
       <p:sp>
         <p:nvSpPr>
-          <p:cNvPr id="49" name="PlaceHolder 1"/>
+          <p:cNvPr id="52" name="PlaceHolder 1"/>
           <p:cNvSpPr>
             <a:spLocks noGrp="1"/>
           </p:cNvSpPr>
@@ -7602,7 +7815,7 @@
         <p:spPr>
           <a:xfrm>
             <a:off x="311760" y="444960"/>
-            <a:ext cx="8519760" cy="572040"/>
+            <a:ext cx="8519400" cy="571680"/>
           </a:xfrm>
           <a:prstGeom prst="rect">
             <a:avLst/>
@@ -7647,7 +7860,7 @@
       </p:sp>
       <p:sp>
         <p:nvSpPr>
-          <p:cNvPr id="50" name="PlaceHolder 2"/>
+          <p:cNvPr id="53" name="PlaceHolder 2"/>
           <p:cNvSpPr>
             <a:spLocks noGrp="1"/>
           </p:cNvSpPr>
@@ -7658,7 +7871,7 @@
         <p:spPr>
           <a:xfrm>
             <a:off x="311760" y="1152360"/>
-            <a:ext cx="8519760" cy="3415680"/>
+            <a:ext cx="8519400" cy="3415320"/>
           </a:xfrm>
           <a:prstGeom prst="rect">
             <a:avLst/>
@@ -7944,7 +8157,7 @@
       </p:sp>
       <p:pic>
         <p:nvPicPr>
-          <p:cNvPr id="51" name="Google Shape;63;p14" descr=""/>
+          <p:cNvPr id="54" name="Google Shape;63;p14" descr=""/>
           <p:cNvPicPr/>
           <p:nvPr/>
         </p:nvPicPr>
@@ -7955,7 +8168,7 @@
         <p:spPr>
           <a:xfrm>
             <a:off x="8469720" y="0"/>
-            <a:ext cx="673560" cy="339840"/>
+            <a:ext cx="673200" cy="339480"/>
           </a:xfrm>
           <a:prstGeom prst="rect">
             <a:avLst/>
@@ -7997,7 +8210,7 @@
       </p:grpSpPr>
       <p:sp>
         <p:nvSpPr>
-          <p:cNvPr id="52" name="PlaceHolder 1"/>
+          <p:cNvPr id="55" name="PlaceHolder 1"/>
           <p:cNvSpPr>
             <a:spLocks noGrp="1"/>
           </p:cNvSpPr>
@@ -8008,7 +8221,7 @@
         <p:spPr>
           <a:xfrm>
             <a:off x="311760" y="444960"/>
-            <a:ext cx="8519760" cy="572040"/>
+            <a:ext cx="8519400" cy="571680"/>
           </a:xfrm>
           <a:prstGeom prst="rect">
             <a:avLst/>
@@ -8056,14 +8269,14 @@
       </p:sp>
       <p:sp>
         <p:nvSpPr>
-          <p:cNvPr id="53" name="Google Shape;69;p15"/>
+          <p:cNvPr id="56" name="Google Shape;69;p15"/>
           <p:cNvSpPr/>
           <p:nvPr/>
         </p:nvSpPr>
         <p:spPr>
           <a:xfrm>
             <a:off x="434880" y="1085400"/>
-            <a:ext cx="8319960" cy="1038600"/>
+            <a:ext cx="8319600" cy="1038600"/>
           </a:xfrm>
           <a:prstGeom prst="rect">
             <a:avLst/>
@@ -8134,14 +8347,14 @@
       </p:sp>
       <p:sp>
         <p:nvSpPr>
-          <p:cNvPr id="54" name="Google Shape;70;p15"/>
+          <p:cNvPr id="57" name="Google Shape;70;p15"/>
           <p:cNvSpPr/>
           <p:nvPr/>
         </p:nvSpPr>
         <p:spPr>
           <a:xfrm>
             <a:off x="-4680" y="0"/>
-            <a:ext cx="9153000" cy="239040"/>
+            <a:ext cx="9152640" cy="238680"/>
           </a:xfrm>
           <a:prstGeom prst="rect">
             <a:avLst/>
@@ -8183,7 +8396,7 @@
       </p:sp>
       <p:pic>
         <p:nvPicPr>
-          <p:cNvPr id="55" name="Google Shape;71;p15" descr=""/>
+          <p:cNvPr id="58" name="Google Shape;71;p15" descr=""/>
           <p:cNvPicPr/>
           <p:nvPr/>
         </p:nvPicPr>
@@ -8194,7 +8407,7 @@
         <p:spPr>
           <a:xfrm>
             <a:off x="7920000" y="252360"/>
-            <a:ext cx="1223640" cy="647280"/>
+            <a:ext cx="1223280" cy="646920"/>
           </a:xfrm>
           <a:prstGeom prst="rect">
             <a:avLst/>
@@ -8206,7 +8419,7 @@
       </p:pic>
       <p:sp>
         <p:nvSpPr>
-          <p:cNvPr id="56" name="PlaceHolder 2"/>
+          <p:cNvPr id="59" name="PlaceHolder 2"/>
           <p:cNvSpPr>
             <a:spLocks noGrp="1"/>
           </p:cNvSpPr>
@@ -8217,7 +8430,7 @@
         <p:spPr>
           <a:xfrm>
             <a:off x="311760" y="2160000"/>
-            <a:ext cx="8519760" cy="2699640"/>
+            <a:ext cx="8519400" cy="2699280"/>
           </a:xfrm>
           <a:prstGeom prst="rect">
             <a:avLst/>
@@ -8326,7 +8539,7 @@
       </p:sp>
       <p:pic>
         <p:nvPicPr>
-          <p:cNvPr id="57" name="" descr=""/>
+          <p:cNvPr id="60" name="" descr=""/>
           <p:cNvPicPr/>
           <p:nvPr/>
         </p:nvPicPr>
@@ -8337,7 +8550,7 @@
         <p:spPr>
           <a:xfrm>
             <a:off x="540000" y="3288600"/>
-            <a:ext cx="2999880" cy="1571040"/>
+            <a:ext cx="2999520" cy="1570680"/>
           </a:xfrm>
           <a:prstGeom prst="rect">
             <a:avLst/>
@@ -8349,7 +8562,7 @@
       </p:pic>
       <p:pic>
         <p:nvPicPr>
-          <p:cNvPr id="58" name="" descr=""/>
+          <p:cNvPr id="61" name="" descr=""/>
           <p:cNvPicPr/>
           <p:nvPr/>
         </p:nvPicPr>
@@ -8360,7 +8573,7 @@
         <p:spPr>
           <a:xfrm>
             <a:off x="6699240" y="3240000"/>
-            <a:ext cx="1580400" cy="1713960"/>
+            <a:ext cx="1580040" cy="1713600"/>
           </a:xfrm>
           <a:prstGeom prst="rect">
             <a:avLst/>
@@ -8402,7 +8615,7 @@
       </p:grpSpPr>
       <p:sp>
         <p:nvSpPr>
-          <p:cNvPr id="59" name="PlaceHolder 1"/>
+          <p:cNvPr id="62" name="PlaceHolder 1"/>
           <p:cNvSpPr>
             <a:spLocks noGrp="1"/>
           </p:cNvSpPr>
@@ -8413,7 +8626,7 @@
         <p:spPr>
           <a:xfrm>
             <a:off x="311760" y="444960"/>
-            <a:ext cx="8519760" cy="572040"/>
+            <a:ext cx="8519400" cy="571680"/>
           </a:xfrm>
           <a:prstGeom prst="rect">
             <a:avLst/>
@@ -8481,7 +8694,7 @@
       </p:sp>
       <p:sp>
         <p:nvSpPr>
-          <p:cNvPr id="60" name="PlaceHolder 2"/>
+          <p:cNvPr id="63" name="PlaceHolder 2"/>
           <p:cNvSpPr>
             <a:spLocks noGrp="1"/>
           </p:cNvSpPr>
@@ -8492,7 +8705,7 @@
         <p:spPr>
           <a:xfrm>
             <a:off x="360000" y="1152360"/>
-            <a:ext cx="8687880" cy="3990960"/>
+            <a:ext cx="8687520" cy="3990600"/>
           </a:xfrm>
           <a:prstGeom prst="rect">
             <a:avLst/>
@@ -8784,14 +8997,14 @@
       </p:sp>
       <p:sp>
         <p:nvSpPr>
-          <p:cNvPr id="61" name="Google Shape;78;p16"/>
+          <p:cNvPr id="64" name="Google Shape;78;p16"/>
           <p:cNvSpPr/>
           <p:nvPr/>
         </p:nvSpPr>
         <p:spPr>
           <a:xfrm>
             <a:off x="-4680" y="0"/>
-            <a:ext cx="9153000" cy="239040"/>
+            <a:ext cx="9152640" cy="238680"/>
           </a:xfrm>
           <a:prstGeom prst="rect">
             <a:avLst/>
@@ -8836,7 +9049,7 @@
       </p:sp>
       <p:pic>
         <p:nvPicPr>
-          <p:cNvPr id="62" name="Google Shape;79;p16" descr=""/>
+          <p:cNvPr id="65" name="Google Shape;79;p16" descr=""/>
           <p:cNvPicPr/>
           <p:nvPr/>
         </p:nvPicPr>
@@ -8847,7 +9060,7 @@
         <p:spPr>
           <a:xfrm>
             <a:off x="8241480" y="317520"/>
-            <a:ext cx="902160" cy="582120"/>
+            <a:ext cx="901800" cy="581760"/>
           </a:xfrm>
           <a:prstGeom prst="rect">
             <a:avLst/>
@@ -8859,7 +9072,7 @@
       </p:pic>
       <p:pic>
         <p:nvPicPr>
-          <p:cNvPr id="63" name="" descr=""/>
+          <p:cNvPr id="66" name="" descr=""/>
           <p:cNvPicPr/>
           <p:nvPr/>
         </p:nvPicPr>
@@ -8870,7 +9083,7 @@
         <p:spPr>
           <a:xfrm>
             <a:off x="7020000" y="1260000"/>
-            <a:ext cx="1904400" cy="2047320"/>
+            <a:ext cx="1904040" cy="2046960"/>
           </a:xfrm>
           <a:prstGeom prst="rect">
             <a:avLst/>
@@ -8882,7 +9095,7 @@
       </p:pic>
       <p:pic>
         <p:nvPicPr>
-          <p:cNvPr id="64" name="" descr=""/>
+          <p:cNvPr id="67" name="" descr=""/>
           <p:cNvPicPr/>
           <p:nvPr/>
         </p:nvPicPr>
@@ -8893,7 +9106,7 @@
         <p:spPr>
           <a:xfrm>
             <a:off x="4860000" y="1270440"/>
-            <a:ext cx="1904400" cy="1351800"/>
+            <a:ext cx="1904040" cy="1351440"/>
           </a:xfrm>
           <a:prstGeom prst="rect">
             <a:avLst/>
@@ -8905,7 +9118,7 @@
       </p:pic>
       <p:pic>
         <p:nvPicPr>
-          <p:cNvPr id="65" name="" descr=""/>
+          <p:cNvPr id="68" name="" descr=""/>
           <p:cNvPicPr/>
           <p:nvPr/>
         </p:nvPicPr>
@@ -8916,7 +9129,7 @@
         <p:spPr>
           <a:xfrm>
             <a:off x="6120000" y="3381840"/>
-            <a:ext cx="2856960" cy="1761480"/>
+            <a:ext cx="2856600" cy="1761120"/>
           </a:xfrm>
           <a:prstGeom prst="rect">
             <a:avLst/>
@@ -8958,7 +9171,7 @@
       </p:grpSpPr>
       <p:sp>
         <p:nvSpPr>
-          <p:cNvPr id="66" name="PlaceHolder 1"/>
+          <p:cNvPr id="69" name="PlaceHolder 1"/>
           <p:cNvSpPr>
             <a:spLocks noGrp="1"/>
           </p:cNvSpPr>
@@ -8969,7 +9182,7 @@
         <p:spPr>
           <a:xfrm>
             <a:off x="311760" y="444960"/>
-            <a:ext cx="8519760" cy="572040"/>
+            <a:ext cx="8519400" cy="571680"/>
           </a:xfrm>
           <a:prstGeom prst="rect">
             <a:avLst/>
@@ -9017,7 +9230,7 @@
       </p:sp>
       <p:sp>
         <p:nvSpPr>
-          <p:cNvPr id="67" name="PlaceHolder 2"/>
+          <p:cNvPr id="70" name="PlaceHolder 2"/>
           <p:cNvSpPr>
             <a:spLocks noGrp="1"/>
           </p:cNvSpPr>
@@ -9028,7 +9241,7 @@
         <p:spPr>
           <a:xfrm>
             <a:off x="311760" y="1152360"/>
-            <a:ext cx="4157280" cy="3415680"/>
+            <a:ext cx="4156920" cy="3415320"/>
           </a:xfrm>
           <a:prstGeom prst="rect">
             <a:avLst/>
@@ -9222,14 +9435,14 @@
       </p:sp>
       <p:sp>
         <p:nvSpPr>
-          <p:cNvPr id="68" name="Google Shape;86;p17"/>
+          <p:cNvPr id="71" name="Google Shape;86;p17"/>
           <p:cNvSpPr/>
           <p:nvPr/>
         </p:nvSpPr>
         <p:spPr>
           <a:xfrm>
             <a:off x="-4680" y="0"/>
-            <a:ext cx="9153000" cy="239040"/>
+            <a:ext cx="9152640" cy="238680"/>
           </a:xfrm>
           <a:prstGeom prst="rect">
             <a:avLst/>
@@ -9274,7 +9487,7 @@
       </p:sp>
       <p:pic>
         <p:nvPicPr>
-          <p:cNvPr id="69" name="Google Shape;87;p17" descr=""/>
+          <p:cNvPr id="72" name="Google Shape;87;p17" descr=""/>
           <p:cNvPicPr/>
           <p:nvPr/>
         </p:nvPicPr>
@@ -9285,7 +9498,7 @@
         <p:spPr>
           <a:xfrm>
             <a:off x="4677480" y="1820160"/>
-            <a:ext cx="4157280" cy="2079720"/>
+            <a:ext cx="4156920" cy="2079360"/>
           </a:xfrm>
           <a:prstGeom prst="rect">
             <a:avLst/>
@@ -9297,7 +9510,7 @@
       </p:pic>
       <p:pic>
         <p:nvPicPr>
-          <p:cNvPr id="70" name="" descr=""/>
+          <p:cNvPr id="73" name="" descr=""/>
           <p:cNvPicPr/>
           <p:nvPr/>
         </p:nvPicPr>
@@ -9308,7 +9521,7 @@
         <p:spPr>
           <a:xfrm>
             <a:off x="4686840" y="1410480"/>
-            <a:ext cx="3772800" cy="2899440"/>
+            <a:ext cx="3772440" cy="2899080"/>
           </a:xfrm>
           <a:prstGeom prst="rect">
             <a:avLst/>
@@ -9350,7 +9563,7 @@
       </p:grpSpPr>
       <p:pic>
         <p:nvPicPr>
-          <p:cNvPr id="71" name="" descr=""/>
+          <p:cNvPr id="74" name="" descr=""/>
           <p:cNvPicPr/>
           <p:nvPr/>
         </p:nvPicPr>
@@ -9361,7 +9574,7 @@
         <p:spPr>
           <a:xfrm>
             <a:off x="311040" y="2021760"/>
-            <a:ext cx="4157280" cy="1675440"/>
+            <a:ext cx="4156920" cy="1675080"/>
           </a:xfrm>
           <a:prstGeom prst="rect">
             <a:avLst/>
@@ -9373,7 +9586,7 @@
       </p:pic>
       <p:sp>
         <p:nvSpPr>
-          <p:cNvPr id="72" name="PlaceHolder 1"/>
+          <p:cNvPr id="75" name="PlaceHolder 1"/>
           <p:cNvSpPr>
             <a:spLocks noGrp="1"/>
           </p:cNvSpPr>
@@ -9384,7 +9597,7 @@
         <p:spPr>
           <a:xfrm>
             <a:off x="311760" y="444960"/>
-            <a:ext cx="8519760" cy="572040"/>
+            <a:ext cx="8519400" cy="571680"/>
           </a:xfrm>
           <a:prstGeom prst="rect">
             <a:avLst/>
@@ -9432,7 +9645,7 @@
       </p:sp>
       <p:sp>
         <p:nvSpPr>
-          <p:cNvPr id="73" name="PlaceHolder 2"/>
+          <p:cNvPr id="76" name="PlaceHolder 2"/>
           <p:cNvSpPr>
             <a:spLocks noGrp="1"/>
           </p:cNvSpPr>
@@ -9443,7 +9656,7 @@
         <p:spPr>
           <a:xfrm>
             <a:off x="4677840" y="1152360"/>
-            <a:ext cx="4157280" cy="3415680"/>
+            <a:ext cx="4156920" cy="3415320"/>
           </a:xfrm>
           <a:prstGeom prst="rect">
             <a:avLst/>
@@ -9599,7 +9812,7 @@
       </p:grpSpPr>
       <p:sp>
         <p:nvSpPr>
-          <p:cNvPr id="74" name="PlaceHolder 1"/>
+          <p:cNvPr id="77" name="PlaceHolder 1"/>
           <p:cNvSpPr>
             <a:spLocks noGrp="1"/>
           </p:cNvSpPr>
@@ -9610,7 +9823,7 @@
         <p:spPr>
           <a:xfrm>
             <a:off x="311760" y="444960"/>
-            <a:ext cx="8519760" cy="572040"/>
+            <a:ext cx="8519400" cy="571680"/>
           </a:xfrm>
           <a:prstGeom prst="rect">
             <a:avLst/>
@@ -9658,14 +9871,14 @@
       </p:sp>
       <p:sp>
         <p:nvSpPr>
-          <p:cNvPr id="75" name="Google Shape;94;p18"/>
+          <p:cNvPr id="78" name="Google Shape;94;p18"/>
           <p:cNvSpPr/>
           <p:nvPr/>
         </p:nvSpPr>
         <p:spPr>
           <a:xfrm>
             <a:off x="360000" y="1080000"/>
-            <a:ext cx="8394840" cy="2245320"/>
+            <a:ext cx="8394480" cy="2245320"/>
           </a:xfrm>
           <a:prstGeom prst="rect">
             <a:avLst/>
@@ -9817,14 +10030,14 @@
       </p:sp>
       <p:sp>
         <p:nvSpPr>
-          <p:cNvPr id="76" name="Google Shape;95;p18"/>
+          <p:cNvPr id="79" name="Google Shape;95;p18"/>
           <p:cNvSpPr/>
           <p:nvPr/>
         </p:nvSpPr>
         <p:spPr>
           <a:xfrm>
             <a:off x="-4680" y="0"/>
-            <a:ext cx="9153000" cy="239040"/>
+            <a:ext cx="9152640" cy="238680"/>
           </a:xfrm>
           <a:prstGeom prst="rect">
             <a:avLst/>
@@ -9869,7 +10082,7 @@
       </p:sp>
       <p:pic>
         <p:nvPicPr>
-          <p:cNvPr id="77" name="Google Shape;96;p18" descr=""/>
+          <p:cNvPr id="80" name="Google Shape;96;p18" descr=""/>
           <p:cNvPicPr/>
           <p:nvPr/>
         </p:nvPicPr>
@@ -9880,7 +10093,7 @@
         <p:spPr>
           <a:xfrm>
             <a:off x="8100000" y="236880"/>
-            <a:ext cx="1016280" cy="482760"/>
+            <a:ext cx="1015920" cy="482400"/>
           </a:xfrm>
           <a:prstGeom prst="rect">
             <a:avLst/>
@@ -9892,7 +10105,7 @@
       </p:pic>
       <p:pic>
         <p:nvPicPr>
-          <p:cNvPr id="78" name="" descr=""/>
+          <p:cNvPr id="81" name="" descr=""/>
           <p:cNvPicPr/>
           <p:nvPr/>
         </p:nvPicPr>
@@ -9903,7 +10116,7 @@
         <p:spPr>
           <a:xfrm>
             <a:off x="427680" y="2880000"/>
-            <a:ext cx="4971960" cy="2152800"/>
+            <a:ext cx="4971600" cy="2152440"/>
           </a:xfrm>
           <a:prstGeom prst="rect">
             <a:avLst/>
@@ -9945,7 +10158,7 @@
       </p:grpSpPr>
       <p:sp>
         <p:nvSpPr>
-          <p:cNvPr id="79" name="PlaceHolder 1"/>
+          <p:cNvPr id="82" name="PlaceHolder 1"/>
           <p:cNvSpPr>
             <a:spLocks noGrp="1"/>
           </p:cNvSpPr>
@@ -9956,7 +10169,7 @@
         <p:spPr>
           <a:xfrm>
             <a:off x="311760" y="444960"/>
-            <a:ext cx="8519760" cy="572040"/>
+            <a:ext cx="8519400" cy="571680"/>
           </a:xfrm>
           <a:prstGeom prst="rect">
             <a:avLst/>
@@ -10000,7 +10213,7 @@
       </p:sp>
       <p:pic>
         <p:nvPicPr>
-          <p:cNvPr id="80" name="" descr=""/>
+          <p:cNvPr id="83" name="" descr=""/>
           <p:cNvPicPr/>
           <p:nvPr/>
         </p:nvPicPr>
@@ -10011,7 +10224,7 @@
         <p:spPr>
           <a:xfrm>
             <a:off x="783000" y="1152000"/>
-            <a:ext cx="3214440" cy="3415680"/>
+            <a:ext cx="3214080" cy="3415320"/>
           </a:xfrm>
           <a:prstGeom prst="rect">
             <a:avLst/>
@@ -10023,7 +10236,7 @@
       </p:pic>
       <p:sp>
         <p:nvSpPr>
-          <p:cNvPr id="81" name="PlaceHolder 2"/>
+          <p:cNvPr id="84" name="PlaceHolder 2"/>
           <p:cNvSpPr>
             <a:spLocks noGrp="1"/>
           </p:cNvSpPr>
@@ -10034,7 +10247,7 @@
         <p:spPr>
           <a:xfrm>
             <a:off x="4677840" y="1152360"/>
-            <a:ext cx="4157280" cy="3415680"/>
+            <a:ext cx="4156920" cy="3415320"/>
           </a:xfrm>
           <a:prstGeom prst="rect">
             <a:avLst/>
@@ -10175,7 +10388,7 @@
       </p:grpSpPr>
       <p:sp>
         <p:nvSpPr>
-          <p:cNvPr id="82" name="PlaceHolder 1"/>
+          <p:cNvPr id="85" name="PlaceHolder 1"/>
           <p:cNvSpPr>
             <a:spLocks noGrp="1"/>
           </p:cNvSpPr>
@@ -10186,7 +10399,7 @@
         <p:spPr>
           <a:xfrm>
             <a:off x="311760" y="444960"/>
-            <a:ext cx="8519760" cy="572040"/>
+            <a:ext cx="8519400" cy="571680"/>
           </a:xfrm>
           <a:prstGeom prst="rect">
             <a:avLst/>
@@ -10230,7 +10443,7 @@
       </p:sp>
       <p:sp>
         <p:nvSpPr>
-          <p:cNvPr id="83" name="PlaceHolder 2"/>
+          <p:cNvPr id="86" name="PlaceHolder 2"/>
           <p:cNvSpPr>
             <a:spLocks noGrp="1"/>
           </p:cNvSpPr>
@@ -10241,7 +10454,7 @@
         <p:spPr>
           <a:xfrm>
             <a:off x="311760" y="1152360"/>
-            <a:ext cx="4157280" cy="3415680"/>
+            <a:ext cx="4156920" cy="3415320"/>
           </a:xfrm>
           <a:prstGeom prst="rect">
             <a:avLst/>
@@ -10273,7 +10486,7 @@
       </p:sp>
       <p:sp>
         <p:nvSpPr>
-          <p:cNvPr id="84" name="PlaceHolder 3"/>
+          <p:cNvPr id="87" name="PlaceHolder 3"/>
           <p:cNvSpPr>
             <a:spLocks noGrp="1"/>
           </p:cNvSpPr>
@@ -10284,7 +10497,7 @@
         <p:spPr>
           <a:xfrm>
             <a:off x="4677840" y="1152360"/>
-            <a:ext cx="4157280" cy="3415680"/>
+            <a:ext cx="4156920" cy="3415320"/>
           </a:xfrm>
           <a:prstGeom prst="rect">
             <a:avLst/>
@@ -10331,7 +10544,7 @@
       </p:sp>
       <p:pic>
         <p:nvPicPr>
-          <p:cNvPr id="85" name="" descr=""/>
+          <p:cNvPr id="88" name="" descr=""/>
           <p:cNvPicPr/>
           <p:nvPr/>
         </p:nvPicPr>
@@ -10342,7 +10555,7 @@
         <p:spPr>
           <a:xfrm>
             <a:off x="720000" y="1320840"/>
-            <a:ext cx="3356280" cy="3178800"/>
+            <a:ext cx="3355920" cy="3178440"/>
           </a:xfrm>
           <a:prstGeom prst="rect">
             <a:avLst/>

--- a/Présentation.pptx
+++ b/Présentation.pptx
@@ -9,13 +9,13 @@
     <p:sldMasterId id="2147483656" r:id="rId6"/>
     <p:sldMasterId id="2147483658" r:id="rId7"/>
     <p:sldMasterId id="2147483660" r:id="rId8"/>
-    <p:sldMasterId id="2147483664" r:id="rId9"/>
-    <p:sldMasterId id="2147483666" r:id="rId10"/>
-    <p:sldMasterId id="2147483668" r:id="rId11"/>
-    <p:sldMasterId id="2147483670" r:id="rId12"/>
-    <p:sldMasterId id="2147483672" r:id="rId13"/>
-    <p:sldMasterId id="2147483674" r:id="rId14"/>
-    <p:sldMasterId id="2147483676" r:id="rId15"/>
+    <p:sldMasterId id="2147483665" r:id="rId9"/>
+    <p:sldMasterId id="2147483667" r:id="rId10"/>
+    <p:sldMasterId id="2147483669" r:id="rId11"/>
+    <p:sldMasterId id="2147483671" r:id="rId12"/>
+    <p:sldMasterId id="2147483673" r:id="rId13"/>
+    <p:sldMasterId id="2147483675" r:id="rId14"/>
+    <p:sldMasterId id="2147483677" r:id="rId15"/>
   </p:sldMasterIdLst>
   <p:sldIdLst>
     <p:sldId id="256" r:id="rId16"/>
@@ -34,6 +34,7 @@
     <p:sldId id="269" r:id="rId29"/>
     <p:sldId id="270" r:id="rId30"/>
     <p:sldId id="271" r:id="rId31"/>
+    <p:sldId id="272" r:id="rId32"/>
   </p:sldIdLst>
   <p:sldSz cx="9144000" cy="5143500"/>
   <p:notesSz cx="7559675" cy="10691813"/>
@@ -151,7 +152,7 @@
         <p:txBody>
           <a:bodyPr/>
           <a:p>
-            <a:fld id="{38118006-A845-49FB-8BBA-6E185B385C99}" type="slidenum">
+            <a:fld id="{7A2D806F-0585-46CA-9D32-2B86372D918B}" type="slidenum">
               <a:t>&lt;#&gt;</a:t>
             </a:fld>
           </a:p>
@@ -163,6 +164,48 @@
 </file>
 
 <file path=ppt/slideLayouts/slideLayout10.xml><?xml version="1.0" encoding="utf-8"?>
+<p:sldLayout xmlns:a="http://schemas.openxmlformats.org/drawingml/2006/main" xmlns:p="http://schemas.openxmlformats.org/presentationml/2006/main" xmlns:r="http://schemas.openxmlformats.org/officeDocument/2006/relationships" xmlns:p14="http://schemas.microsoft.com/office/powerpoint/2010/main" xmlns:p15="http://schemas.microsoft.com/office/powerpoint/2012/main" xmlns:mc="http://schemas.openxmlformats.org/markup-compatibility/2006" type="blank" preserve="1">
+  <p:cSld name="Default 1">
+    <p:spTree>
+      <p:nvGrpSpPr>
+        <p:cNvPr id="1" name=""/>
+        <p:cNvGrpSpPr/>
+        <p:nvPr/>
+      </p:nvGrpSpPr>
+      <p:grpSpPr>
+        <a:xfrm>
+          <a:off x="0" y="0"/>
+          <a:ext cx="0" cy="0"/>
+          <a:chOff x="0" y="0"/>
+          <a:chExt cx="0" cy="0"/>
+        </a:xfrm>
+      </p:grpSpPr>
+      <p:sp>
+        <p:nvSpPr>
+          <p:cNvPr id="2" name="PlaceHolder 1"/>
+          <p:cNvSpPr>
+            <a:spLocks noGrp="1"/>
+          </p:cNvSpPr>
+          <p:nvPr>
+            <p:ph type="sldNum" idx="7"/>
+          </p:nvPr>
+        </p:nvSpPr>
+        <p:spPr/>
+        <p:txBody>
+          <a:bodyPr/>
+          <a:p>
+            <a:fld id="{63133F77-D347-4798-8FAB-6E5D73604405}" type="slidenum">
+              <a:t>&lt;#&gt;</a:t>
+            </a:fld>
+          </a:p>
+        </p:txBody>
+      </p:sp>
+    </p:spTree>
+  </p:cSld>
+</p:sldLayout>
+</file>
+
+<file path=ppt/slideLayouts/slideLayout11.xml><?xml version="1.0" encoding="utf-8"?>
 <p:sldLayout xmlns:a="http://schemas.openxmlformats.org/drawingml/2006/main" xmlns:p="http://schemas.openxmlformats.org/presentationml/2006/main" xmlns:r="http://schemas.openxmlformats.org/officeDocument/2006/relationships" xmlns:p14="http://schemas.microsoft.com/office/powerpoint/2010/main" xmlns:p15="http://schemas.microsoft.com/office/powerpoint/2012/main" xmlns:mc="http://schemas.openxmlformats.org/markup-compatibility/2006" type="objOverTx" preserve="1">
   <p:cSld name="Default 2">
     <p:spTree>
@@ -319,7 +362,7 @@
         <p:txBody>
           <a:bodyPr/>
           <a:p>
-            <a:fld id="{D29E4801-AE08-48E6-B2A9-7BC4B7E76C01}" type="slidenum">
+            <a:fld id="{9E5016A5-1B4D-4EC1-A4D4-DE68C40492F0}" type="slidenum">
               <a:t>&lt;#&gt;</a:t>
             </a:fld>
           </a:p>
@@ -330,7 +373,7 @@
 </p:sldLayout>
 </file>
 
-<file path=ppt/slideLayouts/slideLayout11.xml><?xml version="1.0" encoding="utf-8"?>
+<file path=ppt/slideLayouts/slideLayout12.xml><?xml version="1.0" encoding="utf-8"?>
 <p:sldLayout xmlns:a="http://schemas.openxmlformats.org/drawingml/2006/main" xmlns:p="http://schemas.openxmlformats.org/presentationml/2006/main" xmlns:r="http://schemas.openxmlformats.org/officeDocument/2006/relationships" xmlns:p14="http://schemas.microsoft.com/office/powerpoint/2010/main" xmlns:p15="http://schemas.microsoft.com/office/powerpoint/2012/main" xmlns:mc="http://schemas.openxmlformats.org/markup-compatibility/2006" type="twoObj" preserve="1">
   <p:cSld name="TITLE_AND_TWO_COLUMNS">
     <p:spTree>
@@ -487,7 +530,7 @@
         <p:txBody>
           <a:bodyPr/>
           <a:p>
-            <a:fld id="{1808C510-4936-4EFD-BFA5-3F706218B954}" type="slidenum">
+            <a:fld id="{2190F58D-C939-495D-9C43-D44F598CDF6E}" type="slidenum">
               <a:t>&lt;#&gt;</a:t>
             </a:fld>
           </a:p>
@@ -498,7 +541,7 @@
 </p:sldLayout>
 </file>
 
-<file path=ppt/slideLayouts/slideLayout12.xml><?xml version="1.0" encoding="utf-8"?>
+<file path=ppt/slideLayouts/slideLayout13.xml><?xml version="1.0" encoding="utf-8"?>
 <p:sldLayout xmlns:a="http://schemas.openxmlformats.org/drawingml/2006/main" xmlns:p="http://schemas.openxmlformats.org/presentationml/2006/main" xmlns:r="http://schemas.openxmlformats.org/officeDocument/2006/relationships" xmlns:p14="http://schemas.microsoft.com/office/powerpoint/2010/main" xmlns:p15="http://schemas.microsoft.com/office/powerpoint/2012/main" xmlns:mc="http://schemas.openxmlformats.org/markup-compatibility/2006" type="titleOnly" preserve="1">
   <p:cSld name="TITLE_ONLY">
     <p:spTree>
@@ -569,7 +612,7 @@
         <p:txBody>
           <a:bodyPr/>
           <a:p>
-            <a:fld id="{376E2CE2-41E4-4CA3-BBEC-4F46553F2D87}" type="slidenum">
+            <a:fld id="{B875B4CA-F3BB-4CD2-9AC2-ED4ED4A03B0A}" type="slidenum">
               <a:t>&lt;#&gt;</a:t>
             </a:fld>
           </a:p>
@@ -580,7 +623,7 @@
 </p:sldLayout>
 </file>
 
-<file path=ppt/slideLayouts/slideLayout13.xml><?xml version="1.0" encoding="utf-8"?>
+<file path=ppt/slideLayouts/slideLayout14.xml><?xml version="1.0" encoding="utf-8"?>
 <p:sldLayout xmlns:a="http://schemas.openxmlformats.org/drawingml/2006/main" xmlns:p="http://schemas.openxmlformats.org/presentationml/2006/main" xmlns:r="http://schemas.openxmlformats.org/officeDocument/2006/relationships" xmlns:p14="http://schemas.microsoft.com/office/powerpoint/2010/main" xmlns:p15="http://schemas.microsoft.com/office/powerpoint/2012/main" xmlns:mc="http://schemas.openxmlformats.org/markup-compatibility/2006" type="blank" preserve="1">
   <p:cSld name="ONE_COLUMN_TEXT">
     <p:spTree>
@@ -611,7 +654,7 @@
         <p:txBody>
           <a:bodyPr/>
           <a:p>
-            <a:fld id="{12E4636F-659E-4184-A2A2-ABCA1A1306F4}" type="slidenum">
+            <a:fld id="{99154DE6-BDF5-4E62-AB77-C43F51ED8578}" type="slidenum">
               <a:t>&lt;#&gt;</a:t>
             </a:fld>
           </a:p>
@@ -622,7 +665,7 @@
 </p:sldLayout>
 </file>
 
-<file path=ppt/slideLayouts/slideLayout14.xml><?xml version="1.0" encoding="utf-8"?>
+<file path=ppt/slideLayouts/slideLayout15.xml><?xml version="1.0" encoding="utf-8"?>
 <p:sldLayout xmlns:a="http://schemas.openxmlformats.org/drawingml/2006/main" xmlns:p="http://schemas.openxmlformats.org/presentationml/2006/main" xmlns:r="http://schemas.openxmlformats.org/officeDocument/2006/relationships" xmlns:p14="http://schemas.microsoft.com/office/powerpoint/2010/main" xmlns:p15="http://schemas.microsoft.com/office/powerpoint/2012/main" xmlns:mc="http://schemas.openxmlformats.org/markup-compatibility/2006" type="blank" preserve="1">
   <p:cSld name="MAIN_POINT">
     <p:spTree>
@@ -653,7 +696,7 @@
         <p:txBody>
           <a:bodyPr/>
           <a:p>
-            <a:fld id="{C3D3E3DF-1D7A-462D-B204-69B9721DAD12}" type="slidenum">
+            <a:fld id="{D2F49FFB-E8C1-4EFC-A407-8FD6AB347B3E}" type="slidenum">
               <a:t>&lt;#&gt;</a:t>
             </a:fld>
           </a:p>
@@ -664,7 +707,7 @@
 </p:sldLayout>
 </file>
 
-<file path=ppt/slideLayouts/slideLayout15.xml><?xml version="1.0" encoding="utf-8"?>
+<file path=ppt/slideLayouts/slideLayout16.xml><?xml version="1.0" encoding="utf-8"?>
 <p:sldLayout xmlns:a="http://schemas.openxmlformats.org/drawingml/2006/main" xmlns:p="http://schemas.openxmlformats.org/presentationml/2006/main" xmlns:r="http://schemas.openxmlformats.org/officeDocument/2006/relationships" xmlns:p14="http://schemas.microsoft.com/office/powerpoint/2010/main" xmlns:p15="http://schemas.microsoft.com/office/powerpoint/2012/main" xmlns:mc="http://schemas.openxmlformats.org/markup-compatibility/2006" type="blank" preserve="1">
   <p:cSld name="SECTION_TITLE_AND_DESCRIPTION">
     <p:spTree>
@@ -695,7 +738,7 @@
         <p:txBody>
           <a:bodyPr/>
           <a:p>
-            <a:fld id="{2D9846B2-0C97-4150-9879-0F38120EE83A}" type="slidenum">
+            <a:fld id="{1A7B6D07-94EC-4AE4-A58A-32518EF37E27}" type="slidenum">
               <a:t>&lt;#&gt;</a:t>
             </a:fld>
           </a:p>
@@ -706,7 +749,7 @@
 </p:sldLayout>
 </file>
 
-<file path=ppt/slideLayouts/slideLayout16.xml><?xml version="1.0" encoding="utf-8"?>
+<file path=ppt/slideLayouts/slideLayout17.xml><?xml version="1.0" encoding="utf-8"?>
 <p:sldLayout xmlns:a="http://schemas.openxmlformats.org/drawingml/2006/main" xmlns:p="http://schemas.openxmlformats.org/presentationml/2006/main" xmlns:r="http://schemas.openxmlformats.org/officeDocument/2006/relationships" xmlns:p14="http://schemas.microsoft.com/office/powerpoint/2010/main" xmlns:p15="http://schemas.microsoft.com/office/powerpoint/2012/main" xmlns:mc="http://schemas.openxmlformats.org/markup-compatibility/2006" type="blank" preserve="1">
   <p:cSld name="CAPTION_ONLY">
     <p:spTree>
@@ -737,7 +780,7 @@
         <p:txBody>
           <a:bodyPr/>
           <a:p>
-            <a:fld id="{B4EDE323-F88B-4E14-8137-66F964B5B109}" type="slidenum">
+            <a:fld id="{FBD47891-471A-46F4-8CAA-B97D13293D7E}" type="slidenum">
               <a:t>&lt;#&gt;</a:t>
             </a:fld>
           </a:p>
@@ -779,7 +822,7 @@
         <p:txBody>
           <a:bodyPr/>
           <a:p>
-            <a:fld id="{1B014A38-F915-4B9E-991C-C18DAA49CBDB}" type="slidenum">
+            <a:fld id="{E1A33DF2-5885-440D-9AFA-C5024934C831}" type="slidenum">
               <a:t>&lt;#&gt;</a:t>
             </a:fld>
           </a:p>
@@ -821,7 +864,7 @@
         <p:txBody>
           <a:bodyPr/>
           <a:p>
-            <a:fld id="{BE6B8771-F36A-4162-915C-B1FF1CACC2DA}" type="slidenum">
+            <a:fld id="{8E472039-B5FE-4CB2-98E9-6319864B82AB}" type="slidenum">
               <a:t>&lt;#&gt;</a:t>
             </a:fld>
           </a:p>
@@ -863,7 +906,7 @@
         <p:txBody>
           <a:bodyPr/>
           <a:p>
-            <a:fld id="{EE38792F-76D3-4C03-B099-F75217F75635}" type="slidenum">
+            <a:fld id="{5AB8F4CF-0BFF-4436-9C49-5B218B3E5B74}" type="slidenum">
               <a:t>&lt;#&gt;</a:t>
             </a:fld>
           </a:p>
@@ -988,7 +1031,7 @@
         <p:txBody>
           <a:bodyPr/>
           <a:p>
-            <a:fld id="{D6AC2F4D-EFCD-4505-A06D-615B023AB637}" type="slidenum">
+            <a:fld id="{C392A1BE-A034-4616-97A6-7647A714C81D}" type="slidenum">
               <a:t>&lt;#&gt;</a:t>
             </a:fld>
           </a:p>
@@ -1070,7 +1113,7 @@
         <p:txBody>
           <a:bodyPr/>
           <a:p>
-            <a:fld id="{9C823033-31DB-4AB7-B66B-87B7A5C160C8}" type="slidenum">
+            <a:fld id="{3A252116-C9E9-46EC-ABEB-24D77CCE6E2C}" type="slidenum">
               <a:t>&lt;#&gt;</a:t>
             </a:fld>
           </a:p>
@@ -1152,7 +1195,7 @@
         <p:txBody>
           <a:bodyPr/>
           <a:p>
-            <a:fld id="{3492DCFF-3DCB-47F2-A199-7D07FA160300}" type="slidenum">
+            <a:fld id="{6C4E7B70-EE46-4EEB-AAF2-F4C84C0FA034}" type="slidenum">
               <a:t>&lt;#&gt;</a:t>
             </a:fld>
           </a:p>
@@ -1320,7 +1363,7 @@
         <p:txBody>
           <a:bodyPr/>
           <a:p>
-            <a:fld id="{8B006281-ED6E-4B3E-87C0-FD71A0E6C782}" type="slidenum">
+            <a:fld id="{2B832DDB-5F97-4070-8CD4-68046CFA6459}" type="slidenum">
               <a:t>&lt;#&gt;</a:t>
             </a:fld>
           </a:p>
@@ -1445,7 +1488,7 @@
         <p:txBody>
           <a:bodyPr/>
           <a:p>
-            <a:fld id="{8F81088B-3BE2-4C5C-8E7E-C641E737B506}" type="slidenum">
+            <a:fld id="{BA92B757-8BFB-4B4F-B60B-46AF5387190D}" type="slidenum">
               <a:t>&lt;#&gt;</a:t>
             </a:fld>
           </a:p>
@@ -1584,7 +1627,7 @@
                 <a:tab algn="l" pos="0"/>
               </a:tabLst>
             </a:pPr>
-            <a:fld id="{2A076023-291F-4DED-91EF-0CAF0677CD22}" type="slidenum">
+            <a:fld id="{A192A91D-FA15-48F2-A4FD-DF5ADFD4B2A5}" type="slidenum">
               <a:rPr b="0" lang="fr" sz="1000" spc="-1" strike="noStrike">
                 <a:solidFill>
                   <a:schemeClr val="dk2"/>
@@ -1592,7 +1635,7 @@
                 <a:latin typeface="Arial"/>
                 <a:ea typeface="Arial"/>
               </a:rPr>
-              <a:t>11</a:t>
+              <a:t>&lt;number&gt;</a:t>
             </a:fld>
             <a:endParaRPr b="0" lang="en-GB" sz="1000" spc="-1" strike="noStrike">
               <a:solidFill>
@@ -1965,7 +2008,7 @@
                 <a:tab algn="l" pos="0"/>
               </a:tabLst>
             </a:pPr>
-            <a:fld id="{BC5B5353-67CF-4BE2-960A-AE53AE9B53DA}" type="slidenum">
+            <a:fld id="{ECF952C3-AB62-47BD-B408-CDCA96AAB10E}" type="slidenum">
               <a:rPr b="0" lang="fr" sz="1000" spc="-1" strike="noStrike">
                 <a:solidFill>
                   <a:schemeClr val="dk2"/>
@@ -1988,7 +2031,7 @@
   </p:cSld>
   <p:clrMap bg1="lt1" bg2="lt2" tx1="dk1" tx2="dk2" accent1="accent1" accent2="accent2" accent3="accent3" accent4="accent4" accent5="accent5" accent6="accent6" hlink="hlink" folHlink="folHlink"/>
   <p:sldLayoutIdLst>
-    <p:sldLayoutId id="2147483669" r:id="rId2"/>
+    <p:sldLayoutId id="2147483670" r:id="rId2"/>
   </p:sldLayoutIdLst>
 </p:sldMaster>
 </file>
@@ -2072,7 +2115,7 @@
                 <a:tab algn="l" pos="0"/>
               </a:tabLst>
             </a:pPr>
-            <a:fld id="{3FE100A2-5DBF-4009-8C9D-994F55681323}" type="slidenum">
+            <a:fld id="{1EB8EF9D-5FF8-4496-92CE-E6569A14EFEC}" type="slidenum">
               <a:rPr b="0" lang="fr" sz="1000" spc="-1" strike="noStrike">
                 <a:solidFill>
                   <a:schemeClr val="dk2"/>
@@ -2095,7 +2138,7 @@
   </p:cSld>
   <p:clrMap bg1="lt1" bg2="lt2" tx1="dk1" tx2="dk2" accent1="accent1" accent2="accent2" accent3="accent3" accent4="accent4" accent5="accent5" accent6="accent6" hlink="hlink" folHlink="folHlink"/>
   <p:sldLayoutIdLst>
-    <p:sldLayoutId id="2147483671" r:id="rId2"/>
+    <p:sldLayoutId id="2147483672" r:id="rId2"/>
   </p:sldLayoutIdLst>
 </p:sldMaster>
 </file>
@@ -2179,7 +2222,7 @@
                 <a:tab algn="l" pos="0"/>
               </a:tabLst>
             </a:pPr>
-            <a:fld id="{AD2B32AF-A745-485B-A446-0FDE06E63D81}" type="slidenum">
+            <a:fld id="{24FE38E1-772C-4634-91D5-CEF3B42ABAF2}" type="slidenum">
               <a:rPr b="0" lang="fr" sz="1000" spc="-1" strike="noStrike">
                 <a:solidFill>
                   <a:schemeClr val="dk2"/>
@@ -2202,7 +2245,7 @@
   </p:cSld>
   <p:clrMap bg1="lt1" bg2="lt2" tx1="dk1" tx2="dk2" accent1="accent1" accent2="accent2" accent3="accent3" accent4="accent4" accent5="accent5" accent6="accent6" hlink="hlink" folHlink="folHlink"/>
   <p:sldLayoutIdLst>
-    <p:sldLayoutId id="2147483673" r:id="rId2"/>
+    <p:sldLayoutId id="2147483674" r:id="rId2"/>
   </p:sldLayoutIdLst>
 </p:sldMaster>
 </file>
@@ -2335,7 +2378,7 @@
                 <a:tab algn="l" pos="0"/>
               </a:tabLst>
             </a:pPr>
-            <a:fld id="{1BA38E25-C9DA-426F-9020-177FCD2D86C6}" type="slidenum">
+            <a:fld id="{FF2410AC-D110-4266-815E-E6E5EA06BB09}" type="slidenum">
               <a:rPr b="0" lang="fr" sz="1000" spc="-1" strike="noStrike">
                 <a:solidFill>
                   <a:schemeClr val="dk2"/>
@@ -2358,7 +2401,7 @@
   </p:cSld>
   <p:clrMap bg1="lt1" bg2="lt2" tx1="dk1" tx2="dk2" accent1="accent1" accent2="accent2" accent3="accent3" accent4="accent4" accent5="accent5" accent6="accent6" hlink="hlink" folHlink="folHlink"/>
   <p:sldLayoutIdLst>
-    <p:sldLayoutId id="2147483675" r:id="rId2"/>
+    <p:sldLayoutId id="2147483676" r:id="rId2"/>
   </p:sldLayoutIdLst>
 </p:sldMaster>
 </file>
@@ -2442,7 +2485,7 @@
                 <a:tab algn="l" pos="0"/>
               </a:tabLst>
             </a:pPr>
-            <a:fld id="{0E26CEEA-1227-467B-9BAA-76B9CDF0C33A}" type="slidenum">
+            <a:fld id="{B48F8154-D8BE-468B-8CAE-5362084F9FBD}" type="slidenum">
               <a:rPr b="0" lang="fr" sz="1000" spc="-1" strike="noStrike">
                 <a:solidFill>
                   <a:schemeClr val="dk2"/>
@@ -2465,7 +2508,7 @@
   </p:cSld>
   <p:clrMap bg1="lt1" bg2="lt2" tx1="dk1" tx2="dk2" accent1="accent1" accent2="accent2" accent3="accent3" accent4="accent4" accent5="accent5" accent6="accent6" hlink="hlink" folHlink="folHlink"/>
   <p:sldLayoutIdLst>
-    <p:sldLayoutId id="2147483677" r:id="rId2"/>
+    <p:sldLayoutId id="2147483678" r:id="rId2"/>
   </p:sldLayoutIdLst>
 </p:sldMaster>
 </file>
@@ -2549,7 +2592,7 @@
                 <a:tab algn="l" pos="0"/>
               </a:tabLst>
             </a:pPr>
-            <a:fld id="{A4626532-6299-45E1-8C13-78FF4A5D311A}" type="slidenum">
+            <a:fld id="{43AE3CD5-F563-4F77-AA48-C17CBBE897E5}" type="slidenum">
               <a:rPr b="0" lang="fr" sz="1000" spc="-1" strike="noStrike">
                 <a:solidFill>
                   <a:schemeClr val="dk2"/>
@@ -2656,7 +2699,7 @@
                 <a:tab algn="l" pos="0"/>
               </a:tabLst>
             </a:pPr>
-            <a:fld id="{9F73E15D-C049-4065-9536-2691FBBD115A}" type="slidenum">
+            <a:fld id="{A4CB94F2-24C8-45D2-85B5-778F2671F6E0}" type="slidenum">
               <a:rPr b="0" lang="fr" sz="1000" spc="-1" strike="noStrike">
                 <a:solidFill>
                   <a:schemeClr val="dk2"/>
@@ -2763,7 +2806,7 @@
                 <a:tab algn="l" pos="0"/>
               </a:tabLst>
             </a:pPr>
-            <a:fld id="{EBEBE5D0-14FB-4199-9C53-09E5866239D1}" type="slidenum">
+            <a:fld id="{33600C87-6688-4AB5-AE32-692354CE9319}" type="slidenum">
               <a:rPr b="0" lang="fr" sz="1000" spc="-1" strike="noStrike">
                 <a:solidFill>
                   <a:schemeClr val="dk2"/>
@@ -3144,7 +3187,7 @@
                 <a:tab algn="l" pos="0"/>
               </a:tabLst>
             </a:pPr>
-            <a:fld id="{8616746C-70A3-4163-9B59-69B538DB42A2}" type="slidenum">
+            <a:fld id="{75039F52-3A9B-4125-83ED-D3D3760CDDCE}" type="slidenum">
               <a:rPr b="0" lang="fr" sz="1000" spc="-1" strike="noStrike">
                 <a:solidFill>
                   <a:schemeClr val="dk2"/>
@@ -3300,7 +3343,7 @@
                 <a:tab algn="l" pos="0"/>
               </a:tabLst>
             </a:pPr>
-            <a:fld id="{B7900F2D-76DD-410B-88F1-B27CBC42CA37}" type="slidenum">
+            <a:fld id="{BC8CF6B3-89B0-4095-B823-D2671E0182AA}" type="slidenum">
               <a:rPr b="0" lang="fr" sz="1000" spc="-1" strike="noStrike">
                 <a:solidFill>
                   <a:schemeClr val="dk2"/>
@@ -4131,7 +4174,7 @@
                 <a:tab algn="l" pos="0"/>
               </a:tabLst>
             </a:pPr>
-            <a:fld id="{1A9EA084-FECB-4400-AB0B-E8CAD060AE99}" type="slidenum">
+            <a:fld id="{0E528F9B-15D2-4220-A4E5-854D11D1E752}" type="slidenum">
               <a:rPr b="0" lang="fr" sz="1000" spc="-1" strike="noStrike">
                 <a:solidFill>
                   <a:schemeClr val="dk2"/>
@@ -4157,6 +4200,7 @@
     <p:sldLayoutId id="2147483661" r:id="rId2"/>
     <p:sldLayoutId id="2147483662" r:id="rId3"/>
     <p:sldLayoutId id="2147483663" r:id="rId4"/>
+    <p:sldLayoutId id="2147483664" r:id="rId5"/>
   </p:sldLayoutIdLst>
 </p:sldMaster>
 </file>
@@ -4739,7 +4783,7 @@
                 <a:tab algn="l" pos="0"/>
               </a:tabLst>
             </a:pPr>
-            <a:fld id="{36884F1D-70E7-45B6-AFFE-34B551A76EEB}" type="slidenum">
+            <a:fld id="{A97EE42E-A751-46D5-B5E9-6FF9876DFDFB}" type="slidenum">
               <a:rPr b="0" lang="fr" sz="1000" spc="-1" strike="noStrike">
                 <a:solidFill>
                   <a:schemeClr val="dk2"/>
@@ -4762,7 +4806,7 @@
   </p:cSld>
   <p:clrMap bg1="lt1" bg2="lt2" tx1="dk1" tx2="dk2" accent1="accent1" accent2="accent2" accent3="accent3" accent4="accent4" accent5="accent5" accent6="accent6" hlink="hlink" folHlink="folHlink"/>
   <p:sldLayoutIdLst>
-    <p:sldLayoutId id="2147483665" r:id="rId2"/>
+    <p:sldLayoutId id="2147483666" r:id="rId2"/>
   </p:sldLayoutIdLst>
 </p:sldMaster>
 </file>
@@ -5345,7 +5389,7 @@
                 <a:tab algn="l" pos="0"/>
               </a:tabLst>
             </a:pPr>
-            <a:fld id="{DC779559-4EE1-49A8-8F77-498ABC0BD16D}" type="slidenum">
+            <a:fld id="{3704E585-54C8-47CD-BBA8-EEB189440402}" type="slidenum">
               <a:rPr b="0" lang="fr" sz="1000" spc="-1" strike="noStrike">
                 <a:solidFill>
                   <a:schemeClr val="dk2"/>
@@ -5368,7 +5412,7 @@
   </p:cSld>
   <p:clrMap bg1="lt1" bg2="lt2" tx1="dk1" tx2="dk2" accent1="accent1" accent2="accent2" accent3="accent3" accent4="accent4" accent5="accent5" accent6="accent6" hlink="hlink" folHlink="folHlink"/>
   <p:sldLayoutIdLst>
-    <p:sldLayoutId id="2147483667" r:id="rId2"/>
+    <p:sldLayoutId id="2147483668" r:id="rId2"/>
   </p:sldLayoutIdLst>
 </p:sldMaster>
 </file>
@@ -5595,7 +5639,7 @@
       </p:grpSpPr>
       <p:sp>
         <p:nvSpPr>
-          <p:cNvPr id="89" name="PlaceHolder 1"/>
+          <p:cNvPr id="86" name="PlaceHolder 1"/>
           <p:cNvSpPr>
             <a:spLocks noGrp="1"/>
           </p:cNvSpPr>
@@ -5617,33 +5661,29 @@
           </a:ln>
         </p:spPr>
         <p:txBody>
-          <a:bodyPr lIns="91440" rIns="91440" tIns="91440" bIns="91440" anchor="t">
-            <a:normAutofit/>
+          <a:bodyPr lIns="0" rIns="0" tIns="0" bIns="0" anchor="ctr">
+            <a:noAutofit/>
           </a:bodyPr>
           <a:p>
             <a:pPr indent="0">
               <a:lnSpc>
-                <a:spcPct val="115000"/>
-              </a:lnSpc>
-              <a:spcAft>
-                <a:spcPts val="1199"/>
-              </a:spcAft>
+                <a:spcPct val="100000"/>
+              </a:lnSpc>
               <a:buNone/>
               <a:tabLst>
                 <a:tab algn="l" pos="0"/>
               </a:tabLst>
             </a:pPr>
             <a:r>
-              <a:rPr b="0" lang="fr" sz="1800" spc="-1" strike="noStrike">
-                <a:solidFill>
-                  <a:schemeClr val="dk1"/>
+              <a:rPr b="0" lang="en-GB" sz="2000" spc="-1" strike="noStrike">
+                <a:solidFill>
+                  <a:srgbClr val="000000"/>
                 </a:solidFill>
                 <a:latin typeface="Montserrat"/>
-                <a:ea typeface="Montserrat"/>
-              </a:rPr>
-              <a:t>Spécifications techniques</a:t>
-            </a:r>
-            <a:endParaRPr b="0" lang="en-GB" sz="1800" spc="-1" strike="noStrike">
+              </a:rPr>
+              <a:t>Suivi du projet avec le kanban</a:t>
+            </a:r>
+            <a:endParaRPr b="0" lang="en-GB" sz="2000" spc="-1" strike="noStrike">
               <a:solidFill>
                 <a:srgbClr val="000000"/>
               </a:solidFill>
@@ -5654,211 +5694,7 @@
       </p:sp>
       <p:sp>
         <p:nvSpPr>
-          <p:cNvPr id="90" name="Google Shape;103;p19"/>
-          <p:cNvSpPr/>
-          <p:nvPr/>
-        </p:nvSpPr>
-        <p:spPr>
-          <a:xfrm>
-            <a:off x="0" y="0"/>
-            <a:ext cx="4910400" cy="351360"/>
-          </a:xfrm>
-          <a:prstGeom prst="rect">
-            <a:avLst/>
-          </a:prstGeom>
-          <a:noFill/>
-          <a:ln w="0">
-            <a:noFill/>
-          </a:ln>
-        </p:spPr>
-        <p:style>
-          <a:lnRef idx="0"/>
-          <a:fillRef idx="0"/>
-          <a:effectRef idx="0"/>
-          <a:fontRef idx="minor"/>
-        </p:style>
-        <p:txBody>
-          <a:bodyPr lIns="90000" rIns="90000" tIns="88200" bIns="88200" anchor="t">
-            <a:spAutoFit/>
-          </a:bodyPr>
-          <a:p>
-            <a:pPr>
-              <a:lnSpc>
-                <a:spcPct val="115000"/>
-              </a:lnSpc>
-              <a:spcAft>
-                <a:spcPts val="1199"/>
-              </a:spcAft>
-              <a:tabLst>
-                <a:tab algn="l" pos="0"/>
-              </a:tabLst>
-            </a:pPr>
-            <a:r>
-              <a:rPr b="0" lang="fr" sz="1000" spc="-1" strike="noStrike">
-                <a:solidFill>
-                  <a:schemeClr val="dk2"/>
-                </a:solidFill>
-                <a:latin typeface="Montserrat"/>
-                <a:ea typeface="Montserrat"/>
-              </a:rPr>
-              <a:t>Présentation de l’usage du no-code</a:t>
-            </a:r>
-            <a:endParaRPr b="0" lang="en-GB" sz="1000" spc="-1" strike="noStrike">
-              <a:solidFill>
-                <a:srgbClr val="000000"/>
-              </a:solidFill>
-              <a:latin typeface="Arial"/>
-            </a:endParaRPr>
-          </a:p>
-        </p:txBody>
-      </p:sp>
-      <p:sp>
-        <p:nvSpPr>
-          <p:cNvPr id="91" name="Google Shape;104;p19"/>
-          <p:cNvSpPr/>
-          <p:nvPr/>
-        </p:nvSpPr>
-        <p:spPr>
-          <a:xfrm>
-            <a:off x="434880" y="1085400"/>
-            <a:ext cx="8319600" cy="1284480"/>
-          </a:xfrm>
-          <a:prstGeom prst="rect">
-            <a:avLst/>
-          </a:prstGeom>
-          <a:noFill/>
-          <a:ln w="0">
-            <a:noFill/>
-          </a:ln>
-        </p:spPr>
-        <p:style>
-          <a:lnRef idx="0"/>
-          <a:fillRef idx="0"/>
-          <a:effectRef idx="0"/>
-          <a:fontRef idx="minor"/>
-        </p:style>
-        <p:txBody>
-          <a:bodyPr lIns="90000" rIns="90000" tIns="91440" bIns="91440" anchor="t">
-            <a:spAutoFit/>
-          </a:bodyPr>
-          <a:p>
-            <a:pPr>
-              <a:lnSpc>
-                <a:spcPct val="150000"/>
-              </a:lnSpc>
-            </a:pPr>
-            <a:endParaRPr b="0" lang="en-GB" sz="1500" spc="-1" strike="noStrike">
-              <a:solidFill>
-                <a:srgbClr val="000000"/>
-              </a:solidFill>
-              <a:latin typeface="Arial"/>
-            </a:endParaRPr>
-          </a:p>
-          <a:p>
-            <a:pPr>
-              <a:lnSpc>
-                <a:spcPct val="150000"/>
-              </a:lnSpc>
-            </a:pPr>
-            <a:endParaRPr b="0" lang="en-GB" sz="1300" spc="-1" strike="noStrike">
-              <a:solidFill>
-                <a:srgbClr val="000000"/>
-              </a:solidFill>
-              <a:latin typeface="Arial"/>
-            </a:endParaRPr>
-          </a:p>
-          <a:p>
-            <a:pPr>
-              <a:lnSpc>
-                <a:spcPct val="115000"/>
-              </a:lnSpc>
-              <a:tabLst>
-                <a:tab algn="l" pos="0"/>
-              </a:tabLst>
-            </a:pPr>
-            <a:endParaRPr b="0" lang="en-GB" sz="1200" spc="-1" strike="noStrike">
-              <a:solidFill>
-                <a:srgbClr val="000000"/>
-              </a:solidFill>
-              <a:latin typeface="Arial"/>
-            </a:endParaRPr>
-          </a:p>
-          <a:p>
-            <a:pPr>
-              <a:lnSpc>
-                <a:spcPct val="100000"/>
-              </a:lnSpc>
-              <a:spcBef>
-                <a:spcPts val="1199"/>
-              </a:spcBef>
-              <a:tabLst>
-                <a:tab algn="l" pos="0"/>
-              </a:tabLst>
-            </a:pPr>
-            <a:endParaRPr b="0" lang="en-GB" sz="1400" spc="-1" strike="noStrike">
-              <a:solidFill>
-                <a:srgbClr val="000000"/>
-              </a:solidFill>
-              <a:latin typeface="Arial"/>
-            </a:endParaRPr>
-          </a:p>
-        </p:txBody>
-      </p:sp>
-      <p:sp>
-        <p:nvSpPr>
-          <p:cNvPr id="92" name="Google Shape;105;p19"/>
-          <p:cNvSpPr/>
-          <p:nvPr/>
-        </p:nvSpPr>
-        <p:spPr>
-          <a:xfrm>
-            <a:off x="-4680" y="0"/>
-            <a:ext cx="9152640" cy="238680"/>
-          </a:xfrm>
-          <a:prstGeom prst="rect">
-            <a:avLst/>
-          </a:prstGeom>
-          <a:solidFill>
-            <a:srgbClr val="fce5cd"/>
-          </a:solidFill>
-          <a:ln w="9525">
-            <a:solidFill>
-              <a:srgbClr val="f7edde"/>
-            </a:solidFill>
-            <a:round/>
-          </a:ln>
-        </p:spPr>
-        <p:style>
-          <a:lnRef idx="0"/>
-          <a:fillRef idx="0"/>
-          <a:effectRef idx="0"/>
-          <a:fontRef idx="minor"/>
-        </p:style>
-        <p:txBody>
-          <a:bodyPr lIns="90000" rIns="90000" tIns="91440" bIns="91440" anchor="ctr">
-            <a:noAutofit/>
-          </a:bodyPr>
-          <a:p>
-            <a:pPr algn="ctr">
-              <a:lnSpc>
-                <a:spcPct val="100000"/>
-              </a:lnSpc>
-              <a:tabLst>
-                <a:tab algn="l" pos="0"/>
-              </a:tabLst>
-            </a:pPr>
-            <a:endParaRPr b="0" lang="en-GB" sz="1400" spc="-1" strike="noStrike">
-              <a:solidFill>
-                <a:srgbClr val="000000"/>
-              </a:solidFill>
-              <a:latin typeface="Arial"/>
-            </a:endParaRPr>
-          </a:p>
-        </p:txBody>
-      </p:sp>
-      <p:sp>
-        <p:nvSpPr>
-          <p:cNvPr id="93" name="PlaceHolder 2"/>
+          <p:cNvPr id="87" name="PlaceHolder 2"/>
           <p:cNvSpPr>
             <a:spLocks noGrp="1"/>
           </p:cNvSpPr>
@@ -5869,7 +5705,7 @@
         <p:spPr>
           <a:xfrm>
             <a:off x="311760" y="1152360"/>
-            <a:ext cx="4156920" cy="3706920"/>
+            <a:ext cx="4156920" cy="3415320"/>
           </a:xfrm>
           <a:prstGeom prst="rect">
             <a:avLst/>
@@ -5885,178 +5721,10 @@
           </a:bodyPr>
           <a:p>
             <a:pPr indent="0">
-              <a:lnSpc>
-                <a:spcPct val="115000"/>
-              </a:lnSpc>
-              <a:buNone/>
-              <a:tabLst>
-                <a:tab algn="l" pos="0"/>
-              </a:tabLst>
-            </a:pPr>
-            <a:endParaRPr b="0" lang="en-GB" sz="1800" spc="-1" strike="noStrike">
-              <a:solidFill>
-                <a:srgbClr val="000000"/>
-              </a:solidFill>
-              <a:latin typeface="Arial"/>
-            </a:endParaRPr>
-          </a:p>
-          <a:p>
-            <a:pPr indent="0">
-              <a:lnSpc>
-                <a:spcPct val="115000"/>
-              </a:lnSpc>
               <a:spcBef>
-                <a:spcPts val="1199"/>
+                <a:spcPts val="1417"/>
               </a:spcBef>
               <a:buNone/>
-              <a:tabLst>
-                <a:tab algn="l" pos="0"/>
-              </a:tabLst>
-            </a:pPr>
-            <a:endParaRPr b="0" lang="en-GB" sz="1800" spc="-1" strike="noStrike">
-              <a:solidFill>
-                <a:srgbClr val="000000"/>
-              </a:solidFill>
-              <a:latin typeface="Arial"/>
-            </a:endParaRPr>
-          </a:p>
-          <a:p>
-            <a:pPr indent="0">
-              <a:lnSpc>
-                <a:spcPct val="115000"/>
-              </a:lnSpc>
-              <a:spcBef>
-                <a:spcPts val="1199"/>
-              </a:spcBef>
-              <a:spcAft>
-                <a:spcPts val="1199"/>
-              </a:spcAft>
-              <a:buNone/>
-              <a:tabLst>
-                <a:tab algn="l" pos="0"/>
-              </a:tabLst>
-            </a:pPr>
-            <a:r>
-              <a:rPr b="0" lang="en-GB" sz="1800" spc="-1" strike="noStrike">
-                <a:solidFill>
-                  <a:schemeClr val="dk2"/>
-                </a:solidFill>
-                <a:latin typeface="Montserrat"/>
-                <a:ea typeface="Montserrat"/>
-              </a:rPr>
-              <a:t> </a:t>
-            </a:r>
-            <a:endParaRPr b="0" lang="en-GB" sz="1800" spc="-1" strike="noStrike">
-              <a:solidFill>
-                <a:srgbClr val="000000"/>
-              </a:solidFill>
-              <a:latin typeface="Arial"/>
-            </a:endParaRPr>
-          </a:p>
-          <a:p>
-            <a:pPr indent="0">
-              <a:lnSpc>
-                <a:spcPct val="115000"/>
-              </a:lnSpc>
-              <a:spcBef>
-                <a:spcPts val="1199"/>
-              </a:spcBef>
-              <a:spcAft>
-                <a:spcPts val="1199"/>
-              </a:spcAft>
-              <a:buNone/>
-              <a:tabLst>
-                <a:tab algn="l" pos="0"/>
-              </a:tabLst>
-            </a:pPr>
-            <a:endParaRPr b="0" lang="en-GB" sz="1800" spc="-1" strike="noStrike">
-              <a:solidFill>
-                <a:srgbClr val="000000"/>
-              </a:solidFill>
-              <a:latin typeface="Arial"/>
-            </a:endParaRPr>
-          </a:p>
-          <a:p>
-            <a:pPr indent="0">
-              <a:lnSpc>
-                <a:spcPct val="115000"/>
-              </a:lnSpc>
-              <a:spcBef>
-                <a:spcPts val="1199"/>
-              </a:spcBef>
-              <a:spcAft>
-                <a:spcPts val="1199"/>
-              </a:spcAft>
-              <a:buNone/>
-              <a:tabLst>
-                <a:tab algn="l" pos="0"/>
-              </a:tabLst>
-            </a:pPr>
-            <a:endParaRPr b="0" lang="en-GB" sz="1800" spc="-1" strike="noStrike">
-              <a:solidFill>
-                <a:srgbClr val="000000"/>
-              </a:solidFill>
-              <a:latin typeface="Arial"/>
-            </a:endParaRPr>
-          </a:p>
-          <a:p>
-            <a:pPr indent="0">
-              <a:lnSpc>
-                <a:spcPct val="115000"/>
-              </a:lnSpc>
-              <a:spcBef>
-                <a:spcPts val="1199"/>
-              </a:spcBef>
-              <a:spcAft>
-                <a:spcPts val="1199"/>
-              </a:spcAft>
-              <a:buNone/>
-              <a:tabLst>
-                <a:tab algn="l" pos="0"/>
-              </a:tabLst>
-            </a:pPr>
-            <a:r>
-              <a:rPr b="0" lang="en-GB" sz="1800" spc="-1" strike="noStrike">
-                <a:solidFill>
-                  <a:schemeClr val="dk2"/>
-                </a:solidFill>
-                <a:latin typeface="Montserrat"/>
-                <a:ea typeface="Montserrat"/>
-              </a:rPr>
-              <a:t>                  </a:t>
-            </a:r>
-            <a:r>
-              <a:rPr b="0" lang="en-GB" sz="1800" spc="-1" strike="noStrike">
-                <a:solidFill>
-                  <a:schemeClr val="dk2"/>
-                </a:solidFill>
-                <a:latin typeface="Montserrat"/>
-                <a:ea typeface="Montserrat"/>
-              </a:rPr>
-              <a:t>;</a:t>
-            </a:r>
-            <a:endParaRPr b="0" lang="en-GB" sz="1800" spc="-1" strike="noStrike">
-              <a:solidFill>
-                <a:srgbClr val="000000"/>
-              </a:solidFill>
-              <a:latin typeface="Arial"/>
-            </a:endParaRPr>
-          </a:p>
-          <a:p>
-            <a:pPr indent="0">
-              <a:lnSpc>
-                <a:spcPct val="115000"/>
-              </a:lnSpc>
-              <a:spcBef>
-                <a:spcPts val="1199"/>
-              </a:spcBef>
-              <a:spcAft>
-                <a:spcPts val="1199"/>
-              </a:spcAft>
-              <a:buNone/>
-              <a:tabLst>
-                <a:tab algn="l" pos="0"/>
-              </a:tabLst>
             </a:pPr>
             <a:endParaRPr b="0" lang="en-GB" sz="1800" spc="-1" strike="noStrike">
               <a:solidFill>
@@ -6069,7 +5737,7 @@
       </p:sp>
       <p:sp>
         <p:nvSpPr>
-          <p:cNvPr id="94" name="PlaceHolder 3"/>
+          <p:cNvPr id="88" name="PlaceHolder 3"/>
           <p:cNvSpPr>
             <a:spLocks noGrp="1"/>
           </p:cNvSpPr>
@@ -6079,8 +5747,8 @@
         </p:nvSpPr>
         <p:spPr>
           <a:xfrm>
-            <a:off x="4677480" y="1260000"/>
-            <a:ext cx="4156920" cy="3467880"/>
+            <a:off x="4677840" y="1152360"/>
+            <a:ext cx="4156920" cy="3415320"/>
           </a:xfrm>
           <a:prstGeom prst="rect">
             <a:avLst/>
@@ -6095,123 +5763,28 @@
             <a:normAutofit/>
           </a:bodyPr>
           <a:p>
-            <a:pPr marL="432000" indent="-324000">
+            <a:pPr marL="432000" indent="0">
               <a:lnSpc>
                 <a:spcPct val="100000"/>
               </a:lnSpc>
               <a:spcBef>
                 <a:spcPts val="1417"/>
               </a:spcBef>
-              <a:buClr>
-                <a:srgbClr val="000000"/>
-              </a:buClr>
-              <a:buSzPct val="45000"/>
-              <a:buFont typeface="Wingdings" charset="2"/>
-              <a:buChar char=""/>
-            </a:pPr>
-            <a:r>
-              <a:rPr b="0" lang="en-GB" sz="1200" spc="-1" strike="noStrike">
+              <a:buNone/>
+              <a:tabLst>
+                <a:tab algn="l" pos="0"/>
+              </a:tabLst>
+            </a:pPr>
+            <a:r>
+              <a:rPr b="0" lang="en-GB" sz="1400" spc="-1" strike="noStrike">
                 <a:solidFill>
                   <a:srgbClr val="000000"/>
                 </a:solidFill>
-                <a:latin typeface="Montserrat"/>
-              </a:rPr>
-              <a:t>Connexion de l’utilisateur.</a:t>
-            </a:r>
-            <a:endParaRPr b="0" lang="en-GB" sz="1200" spc="-1" strike="noStrike">
-              <a:solidFill>
-                <a:srgbClr val="000000"/>
-              </a:solidFill>
-              <a:latin typeface="Arial"/>
-            </a:endParaRPr>
-          </a:p>
-          <a:p>
-            <a:pPr marL="432000" indent="-324000">
-              <a:lnSpc>
-                <a:spcPct val="100000"/>
-              </a:lnSpc>
-              <a:spcBef>
-                <a:spcPts val="1417"/>
-              </a:spcBef>
-              <a:buClr>
-                <a:srgbClr val="000000"/>
-              </a:buClr>
-              <a:buSzPct val="45000"/>
-              <a:buFont typeface="Wingdings" charset="2"/>
-              <a:buChar char=""/>
-            </a:pPr>
-            <a:r>
-              <a:rPr b="0" lang="en-GB" sz="1200" spc="-1" strike="noStrike">
-                <a:solidFill>
-                  <a:srgbClr val="000000"/>
-                </a:solidFill>
-                <a:latin typeface="Montserrat"/>
-              </a:rPr>
-              <a:t>L’utilisateur a acces a son compte et données</a:t>
-            </a:r>
-            <a:endParaRPr b="0" lang="en-GB" sz="1200" spc="-1" strike="noStrike">
-              <a:solidFill>
-                <a:srgbClr val="000000"/>
-              </a:solidFill>
-              <a:latin typeface="Arial"/>
-            </a:endParaRPr>
-          </a:p>
-          <a:p>
-            <a:pPr marL="432000" indent="-324000">
-              <a:lnSpc>
-                <a:spcPct val="100000"/>
-              </a:lnSpc>
-              <a:spcBef>
-                <a:spcPts val="1417"/>
-              </a:spcBef>
-              <a:buClr>
-                <a:srgbClr val="000000"/>
-              </a:buClr>
-              <a:buSzPct val="45000"/>
-              <a:buFont typeface="Wingdings" charset="2"/>
-              <a:buChar char=""/>
-            </a:pPr>
-            <a:r>
-              <a:rPr b="0" lang="en-GB" sz="1200" spc="-1" strike="noStrike">
-                <a:solidFill>
-                  <a:srgbClr val="000000"/>
-                </a:solidFill>
-                <a:latin typeface="Montserrat"/>
-              </a:rPr>
-              <a:t>L’utilisateur peut diffuser ses menu sur Instagram et deliveroo.</a:t>
-            </a:r>
-            <a:endParaRPr b="0" lang="en-GB" sz="1200" spc="-1" strike="noStrike">
-              <a:solidFill>
-                <a:srgbClr val="000000"/>
-              </a:solidFill>
-              <a:latin typeface="Arial"/>
-            </a:endParaRPr>
-          </a:p>
-          <a:p>
-            <a:pPr marL="432000" indent="-324000">
-              <a:lnSpc>
-                <a:spcPct val="100000"/>
-              </a:lnSpc>
-              <a:spcBef>
-                <a:spcPts val="1417"/>
-              </a:spcBef>
-              <a:buClr>
-                <a:srgbClr val="000000"/>
-              </a:buClr>
-              <a:buSzPct val="45000"/>
-              <a:buFont typeface="Wingdings" charset="2"/>
-              <a:buChar char=""/>
-            </a:pPr>
-            <a:r>
-              <a:rPr b="0" lang="en-GB" sz="1200" spc="-1" strike="noStrike">
-                <a:solidFill>
-                  <a:srgbClr val="000000"/>
-                </a:solidFill>
-                <a:latin typeface="Montserrat"/>
-              </a:rPr>
-              <a:t>L’utilisateur peut télécharger et imprimer ses menu</a:t>
-            </a:r>
-            <a:endParaRPr b="0" lang="en-GB" sz="1200" spc="-1" strike="noStrike">
+                <a:latin typeface="Arial"/>
+              </a:rPr>
+              <a:t> </a:t>
+            </a:r>
+            <a:endParaRPr b="0" lang="en-GB" sz="1400" spc="-1" strike="noStrike">
               <a:solidFill>
                 <a:srgbClr val="000000"/>
               </a:solidFill>
@@ -6222,7 +5795,7 @@
       </p:sp>
       <p:pic>
         <p:nvPicPr>
-          <p:cNvPr id="95" name="" descr=""/>
+          <p:cNvPr id="89" name="" descr=""/>
           <p:cNvPicPr/>
           <p:nvPr/>
         </p:nvPicPr>
@@ -6232,100 +5805,8 @@
         </p:blipFill>
         <p:spPr>
           <a:xfrm>
-            <a:off x="540000" y="1260000"/>
-            <a:ext cx="2063520" cy="2127960"/>
-          </a:xfrm>
-          <a:prstGeom prst="rect">
-            <a:avLst/>
-          </a:prstGeom>
-          <a:ln w="0">
-            <a:noFill/>
-          </a:ln>
-        </p:spPr>
-      </p:pic>
-      <p:pic>
-        <p:nvPicPr>
-          <p:cNvPr id="96" name="" descr=""/>
-          <p:cNvPicPr/>
-          <p:nvPr/>
-        </p:nvPicPr>
-        <p:blipFill>
-          <a:blip r:embed="rId2"/>
-          <a:stretch/>
-        </p:blipFill>
-        <p:spPr>
-          <a:xfrm>
-            <a:off x="540000" y="3420000"/>
-            <a:ext cx="2340000" cy="1294200"/>
-          </a:xfrm>
-          <a:prstGeom prst="rect">
-            <a:avLst/>
-          </a:prstGeom>
-          <a:ln w="0">
-            <a:noFill/>
-          </a:ln>
-        </p:spPr>
-      </p:pic>
-      <p:pic>
-        <p:nvPicPr>
-          <p:cNvPr id="97" name="" descr=""/>
-          <p:cNvPicPr/>
-          <p:nvPr/>
-        </p:nvPicPr>
-        <p:blipFill>
-          <a:blip r:embed="rId3"/>
-          <a:stretch/>
-        </p:blipFill>
-        <p:spPr>
-          <a:xfrm>
-            <a:off x="2700000" y="1260000"/>
-            <a:ext cx="1768680" cy="2159280"/>
-          </a:xfrm>
-          <a:prstGeom prst="rect">
-            <a:avLst/>
-          </a:prstGeom>
-          <a:ln w="0">
-            <a:noFill/>
-          </a:ln>
-        </p:spPr>
-      </p:pic>
-      <p:pic>
-        <p:nvPicPr>
-          <p:cNvPr id="98" name="" descr=""/>
-          <p:cNvPicPr/>
-          <p:nvPr/>
-        </p:nvPicPr>
-        <p:blipFill>
-          <a:blip r:embed="rId4"/>
-          <a:stretch/>
-        </p:blipFill>
-        <p:spPr>
-          <a:xfrm>
-            <a:off x="4860000" y="2947680"/>
-            <a:ext cx="3809160" cy="1551600"/>
-          </a:xfrm>
-          <a:prstGeom prst="rect">
-            <a:avLst/>
-          </a:prstGeom>
-          <a:ln w="0">
-            <a:noFill/>
-          </a:ln>
-        </p:spPr>
-      </p:pic>
-      <p:pic>
-        <p:nvPicPr>
-          <p:cNvPr id="99" name="" descr=""/>
-          <p:cNvPicPr/>
-          <p:nvPr/>
-        </p:nvPicPr>
-        <p:blipFill>
-          <a:blip r:embed="rId5"/>
-          <a:stretch/>
-        </p:blipFill>
-        <p:spPr>
-          <a:xfrm>
-            <a:off x="3045600" y="3513960"/>
-            <a:ext cx="1274400" cy="986040"/>
+            <a:off x="720000" y="1320840"/>
+            <a:ext cx="3355920" cy="3178440"/>
           </a:xfrm>
           <a:prstGeom prst="rect">
             <a:avLst/>
@@ -6367,7 +5848,7 @@
       </p:grpSpPr>
       <p:sp>
         <p:nvSpPr>
-          <p:cNvPr id="100" name="PlaceHolder 1"/>
+          <p:cNvPr id="90" name="PlaceHolder 1"/>
           <p:cNvSpPr>
             <a:spLocks noGrp="1"/>
           </p:cNvSpPr>
@@ -6377,8 +5858,8 @@
         </p:nvSpPr>
         <p:spPr>
           <a:xfrm>
-            <a:off x="300600" y="384480"/>
-            <a:ext cx="8519400" cy="335520"/>
+            <a:off x="311760" y="444960"/>
+            <a:ext cx="8519400" cy="571680"/>
           </a:xfrm>
           <a:prstGeom prst="rect">
             <a:avLst/>
@@ -6389,8 +5870,8 @@
           </a:ln>
         </p:spPr>
         <p:txBody>
-          <a:bodyPr lIns="0" rIns="0" tIns="0" bIns="0" anchor="ctr">
-            <a:noAutofit/>
+          <a:bodyPr lIns="91440" rIns="91440" tIns="91440" bIns="91440" anchor="t">
+            <a:normAutofit/>
           </a:bodyPr>
           <a:p>
             <a:pPr indent="0">
@@ -6424,9 +5905,577 @@
           </a:p>
         </p:txBody>
       </p:sp>
+      <p:sp>
+        <p:nvSpPr>
+          <p:cNvPr id="91" name="Google Shape;103;p19"/>
+          <p:cNvSpPr/>
+          <p:nvPr/>
+        </p:nvSpPr>
+        <p:spPr>
+          <a:xfrm>
+            <a:off x="0" y="0"/>
+            <a:ext cx="4910400" cy="351360"/>
+          </a:xfrm>
+          <a:prstGeom prst="rect">
+            <a:avLst/>
+          </a:prstGeom>
+          <a:noFill/>
+          <a:ln w="0">
+            <a:noFill/>
+          </a:ln>
+        </p:spPr>
+        <p:style>
+          <a:lnRef idx="0"/>
+          <a:fillRef idx="0"/>
+          <a:effectRef idx="0"/>
+          <a:fontRef idx="minor"/>
+        </p:style>
+        <p:txBody>
+          <a:bodyPr lIns="90000" rIns="90000" tIns="88200" bIns="88200" anchor="t">
+            <a:spAutoFit/>
+          </a:bodyPr>
+          <a:p>
+            <a:pPr>
+              <a:lnSpc>
+                <a:spcPct val="115000"/>
+              </a:lnSpc>
+              <a:spcAft>
+                <a:spcPts val="1199"/>
+              </a:spcAft>
+              <a:tabLst>
+                <a:tab algn="l" pos="0"/>
+              </a:tabLst>
+            </a:pPr>
+            <a:r>
+              <a:rPr b="0" lang="fr" sz="1000" spc="-1" strike="noStrike">
+                <a:solidFill>
+                  <a:schemeClr val="dk2"/>
+                </a:solidFill>
+                <a:latin typeface="Montserrat"/>
+                <a:ea typeface="Montserrat"/>
+              </a:rPr>
+              <a:t>Présentation de l’usage du no-code</a:t>
+            </a:r>
+            <a:endParaRPr b="0" lang="en-GB" sz="1000" spc="-1" strike="noStrike">
+              <a:solidFill>
+                <a:srgbClr val="000000"/>
+              </a:solidFill>
+              <a:latin typeface="Arial"/>
+            </a:endParaRPr>
+          </a:p>
+        </p:txBody>
+      </p:sp>
+      <p:sp>
+        <p:nvSpPr>
+          <p:cNvPr id="92" name="Google Shape;104;p19"/>
+          <p:cNvSpPr/>
+          <p:nvPr/>
+        </p:nvSpPr>
+        <p:spPr>
+          <a:xfrm>
+            <a:off x="434880" y="1085400"/>
+            <a:ext cx="8319600" cy="1284480"/>
+          </a:xfrm>
+          <a:prstGeom prst="rect">
+            <a:avLst/>
+          </a:prstGeom>
+          <a:noFill/>
+          <a:ln w="0">
+            <a:noFill/>
+          </a:ln>
+        </p:spPr>
+        <p:style>
+          <a:lnRef idx="0"/>
+          <a:fillRef idx="0"/>
+          <a:effectRef idx="0"/>
+          <a:fontRef idx="minor"/>
+        </p:style>
+        <p:txBody>
+          <a:bodyPr lIns="90000" rIns="90000" tIns="91440" bIns="91440" anchor="t">
+            <a:spAutoFit/>
+          </a:bodyPr>
+          <a:p>
+            <a:pPr>
+              <a:lnSpc>
+                <a:spcPct val="150000"/>
+              </a:lnSpc>
+            </a:pPr>
+            <a:endParaRPr b="0" lang="en-GB" sz="1500" spc="-1" strike="noStrike">
+              <a:solidFill>
+                <a:srgbClr val="000000"/>
+              </a:solidFill>
+              <a:latin typeface="Arial"/>
+            </a:endParaRPr>
+          </a:p>
+          <a:p>
+            <a:pPr>
+              <a:lnSpc>
+                <a:spcPct val="150000"/>
+              </a:lnSpc>
+            </a:pPr>
+            <a:endParaRPr b="0" lang="en-GB" sz="1300" spc="-1" strike="noStrike">
+              <a:solidFill>
+                <a:srgbClr val="000000"/>
+              </a:solidFill>
+              <a:latin typeface="Arial"/>
+            </a:endParaRPr>
+          </a:p>
+          <a:p>
+            <a:pPr>
+              <a:lnSpc>
+                <a:spcPct val="115000"/>
+              </a:lnSpc>
+              <a:tabLst>
+                <a:tab algn="l" pos="0"/>
+              </a:tabLst>
+            </a:pPr>
+            <a:endParaRPr b="0" lang="en-GB" sz="1200" spc="-1" strike="noStrike">
+              <a:solidFill>
+                <a:srgbClr val="000000"/>
+              </a:solidFill>
+              <a:latin typeface="Arial"/>
+            </a:endParaRPr>
+          </a:p>
+          <a:p>
+            <a:pPr>
+              <a:lnSpc>
+                <a:spcPct val="100000"/>
+              </a:lnSpc>
+              <a:spcBef>
+                <a:spcPts val="1199"/>
+              </a:spcBef>
+              <a:tabLst>
+                <a:tab algn="l" pos="0"/>
+              </a:tabLst>
+            </a:pPr>
+            <a:endParaRPr b="0" lang="en-GB" sz="1400" spc="-1" strike="noStrike">
+              <a:solidFill>
+                <a:srgbClr val="000000"/>
+              </a:solidFill>
+              <a:latin typeface="Arial"/>
+            </a:endParaRPr>
+          </a:p>
+        </p:txBody>
+      </p:sp>
+      <p:sp>
+        <p:nvSpPr>
+          <p:cNvPr id="93" name="Google Shape;105;p19"/>
+          <p:cNvSpPr/>
+          <p:nvPr/>
+        </p:nvSpPr>
+        <p:spPr>
+          <a:xfrm>
+            <a:off x="-4680" y="0"/>
+            <a:ext cx="9152640" cy="238680"/>
+          </a:xfrm>
+          <a:prstGeom prst="rect">
+            <a:avLst/>
+          </a:prstGeom>
+          <a:solidFill>
+            <a:srgbClr val="fce5cd"/>
+          </a:solidFill>
+          <a:ln w="9525">
+            <a:solidFill>
+              <a:srgbClr val="f7edde"/>
+            </a:solidFill>
+            <a:round/>
+          </a:ln>
+        </p:spPr>
+        <p:style>
+          <a:lnRef idx="0"/>
+          <a:fillRef idx="0"/>
+          <a:effectRef idx="0"/>
+          <a:fontRef idx="minor"/>
+        </p:style>
+        <p:txBody>
+          <a:bodyPr lIns="90000" rIns="90000" tIns="91440" bIns="91440" anchor="ctr">
+            <a:noAutofit/>
+          </a:bodyPr>
+          <a:p>
+            <a:pPr algn="ctr">
+              <a:lnSpc>
+                <a:spcPct val="100000"/>
+              </a:lnSpc>
+              <a:tabLst>
+                <a:tab algn="l" pos="0"/>
+              </a:tabLst>
+            </a:pPr>
+            <a:endParaRPr b="0" lang="en-GB" sz="1400" spc="-1" strike="noStrike">
+              <a:solidFill>
+                <a:srgbClr val="000000"/>
+              </a:solidFill>
+              <a:latin typeface="Arial"/>
+            </a:endParaRPr>
+          </a:p>
+        </p:txBody>
+      </p:sp>
+      <p:sp>
+        <p:nvSpPr>
+          <p:cNvPr id="94" name="PlaceHolder 2"/>
+          <p:cNvSpPr>
+            <a:spLocks noGrp="1"/>
+          </p:cNvSpPr>
+          <p:nvPr>
+            <p:ph/>
+          </p:nvPr>
+        </p:nvSpPr>
+        <p:spPr>
+          <a:xfrm>
+            <a:off x="311760" y="1152360"/>
+            <a:ext cx="4156920" cy="3706920"/>
+          </a:xfrm>
+          <a:prstGeom prst="rect">
+            <a:avLst/>
+          </a:prstGeom>
+          <a:noFill/>
+          <a:ln w="0">
+            <a:noFill/>
+          </a:ln>
+        </p:spPr>
+        <p:txBody>
+          <a:bodyPr lIns="0" rIns="0" tIns="0" bIns="0" anchor="t">
+            <a:normAutofit/>
+          </a:bodyPr>
+          <a:p>
+            <a:pPr indent="0">
+              <a:lnSpc>
+                <a:spcPct val="115000"/>
+              </a:lnSpc>
+              <a:buNone/>
+              <a:tabLst>
+                <a:tab algn="l" pos="0"/>
+              </a:tabLst>
+            </a:pPr>
+            <a:endParaRPr b="0" lang="en-GB" sz="1800" spc="-1" strike="noStrike">
+              <a:solidFill>
+                <a:srgbClr val="000000"/>
+              </a:solidFill>
+              <a:latin typeface="Arial"/>
+            </a:endParaRPr>
+          </a:p>
+          <a:p>
+            <a:pPr indent="0">
+              <a:lnSpc>
+                <a:spcPct val="115000"/>
+              </a:lnSpc>
+              <a:spcBef>
+                <a:spcPts val="1199"/>
+              </a:spcBef>
+              <a:buNone/>
+              <a:tabLst>
+                <a:tab algn="l" pos="0"/>
+              </a:tabLst>
+            </a:pPr>
+            <a:endParaRPr b="0" lang="en-GB" sz="1800" spc="-1" strike="noStrike">
+              <a:solidFill>
+                <a:srgbClr val="000000"/>
+              </a:solidFill>
+              <a:latin typeface="Arial"/>
+            </a:endParaRPr>
+          </a:p>
+          <a:p>
+            <a:pPr indent="0">
+              <a:lnSpc>
+                <a:spcPct val="115000"/>
+              </a:lnSpc>
+              <a:spcBef>
+                <a:spcPts val="1199"/>
+              </a:spcBef>
+              <a:spcAft>
+                <a:spcPts val="1199"/>
+              </a:spcAft>
+              <a:buNone/>
+              <a:tabLst>
+                <a:tab algn="l" pos="0"/>
+              </a:tabLst>
+            </a:pPr>
+            <a:r>
+              <a:rPr b="0" lang="en-GB" sz="1800" spc="-1" strike="noStrike">
+                <a:solidFill>
+                  <a:schemeClr val="dk2"/>
+                </a:solidFill>
+                <a:latin typeface="Montserrat"/>
+                <a:ea typeface="Montserrat"/>
+              </a:rPr>
+              <a:t> </a:t>
+            </a:r>
+            <a:endParaRPr b="0" lang="en-GB" sz="1800" spc="-1" strike="noStrike">
+              <a:solidFill>
+                <a:srgbClr val="000000"/>
+              </a:solidFill>
+              <a:latin typeface="Arial"/>
+            </a:endParaRPr>
+          </a:p>
+          <a:p>
+            <a:pPr indent="0">
+              <a:lnSpc>
+                <a:spcPct val="115000"/>
+              </a:lnSpc>
+              <a:spcBef>
+                <a:spcPts val="1199"/>
+              </a:spcBef>
+              <a:spcAft>
+                <a:spcPts val="1199"/>
+              </a:spcAft>
+              <a:buNone/>
+              <a:tabLst>
+                <a:tab algn="l" pos="0"/>
+              </a:tabLst>
+            </a:pPr>
+            <a:endParaRPr b="0" lang="en-GB" sz="1800" spc="-1" strike="noStrike">
+              <a:solidFill>
+                <a:srgbClr val="000000"/>
+              </a:solidFill>
+              <a:latin typeface="Arial"/>
+            </a:endParaRPr>
+          </a:p>
+          <a:p>
+            <a:pPr indent="0">
+              <a:lnSpc>
+                <a:spcPct val="115000"/>
+              </a:lnSpc>
+              <a:spcBef>
+                <a:spcPts val="1199"/>
+              </a:spcBef>
+              <a:spcAft>
+                <a:spcPts val="1199"/>
+              </a:spcAft>
+              <a:buNone/>
+              <a:tabLst>
+                <a:tab algn="l" pos="0"/>
+              </a:tabLst>
+            </a:pPr>
+            <a:endParaRPr b="0" lang="en-GB" sz="1800" spc="-1" strike="noStrike">
+              <a:solidFill>
+                <a:srgbClr val="000000"/>
+              </a:solidFill>
+              <a:latin typeface="Arial"/>
+            </a:endParaRPr>
+          </a:p>
+          <a:p>
+            <a:pPr indent="0">
+              <a:lnSpc>
+                <a:spcPct val="115000"/>
+              </a:lnSpc>
+              <a:spcBef>
+                <a:spcPts val="1199"/>
+              </a:spcBef>
+              <a:spcAft>
+                <a:spcPts val="1199"/>
+              </a:spcAft>
+              <a:buNone/>
+              <a:tabLst>
+                <a:tab algn="l" pos="0"/>
+              </a:tabLst>
+            </a:pPr>
+            <a:r>
+              <a:rPr b="0" lang="en-GB" sz="1800" spc="-1" strike="noStrike">
+                <a:solidFill>
+                  <a:schemeClr val="dk2"/>
+                </a:solidFill>
+                <a:latin typeface="Montserrat"/>
+                <a:ea typeface="Montserrat"/>
+              </a:rPr>
+              <a:t>                  </a:t>
+            </a:r>
+            <a:r>
+              <a:rPr b="0" lang="en-GB" sz="1800" spc="-1" strike="noStrike">
+                <a:solidFill>
+                  <a:schemeClr val="dk2"/>
+                </a:solidFill>
+                <a:latin typeface="Montserrat"/>
+                <a:ea typeface="Montserrat"/>
+              </a:rPr>
+              <a:t>;</a:t>
+            </a:r>
+            <a:endParaRPr b="0" lang="en-GB" sz="1800" spc="-1" strike="noStrike">
+              <a:solidFill>
+                <a:srgbClr val="000000"/>
+              </a:solidFill>
+              <a:latin typeface="Arial"/>
+            </a:endParaRPr>
+          </a:p>
+          <a:p>
+            <a:pPr indent="0">
+              <a:lnSpc>
+                <a:spcPct val="115000"/>
+              </a:lnSpc>
+              <a:spcBef>
+                <a:spcPts val="1199"/>
+              </a:spcBef>
+              <a:spcAft>
+                <a:spcPts val="1199"/>
+              </a:spcAft>
+              <a:buNone/>
+              <a:tabLst>
+                <a:tab algn="l" pos="0"/>
+              </a:tabLst>
+            </a:pPr>
+            <a:endParaRPr b="0" lang="en-GB" sz="1800" spc="-1" strike="noStrike">
+              <a:solidFill>
+                <a:srgbClr val="000000"/>
+              </a:solidFill>
+              <a:latin typeface="Arial"/>
+            </a:endParaRPr>
+          </a:p>
+        </p:txBody>
+      </p:sp>
+      <p:sp>
+        <p:nvSpPr>
+          <p:cNvPr id="95" name="PlaceHolder 3"/>
+          <p:cNvSpPr>
+            <a:spLocks noGrp="1"/>
+          </p:cNvSpPr>
+          <p:nvPr>
+            <p:ph/>
+          </p:nvPr>
+        </p:nvSpPr>
+        <p:spPr>
+          <a:xfrm>
+            <a:off x="4677480" y="1260000"/>
+            <a:ext cx="4156920" cy="3467880"/>
+          </a:xfrm>
+          <a:prstGeom prst="rect">
+            <a:avLst/>
+          </a:prstGeom>
+          <a:noFill/>
+          <a:ln w="0">
+            <a:noFill/>
+          </a:ln>
+        </p:spPr>
+        <p:txBody>
+          <a:bodyPr lIns="0" rIns="0" tIns="0" bIns="0" anchor="t">
+            <a:normAutofit/>
+          </a:bodyPr>
+          <a:p>
+            <a:pPr marL="432000" indent="-324000">
+              <a:lnSpc>
+                <a:spcPct val="100000"/>
+              </a:lnSpc>
+              <a:spcBef>
+                <a:spcPts val="1417"/>
+              </a:spcBef>
+              <a:buClr>
+                <a:srgbClr val="000000"/>
+              </a:buClr>
+              <a:buSzPct val="45000"/>
+              <a:buFont typeface="Wingdings" charset="2"/>
+              <a:buChar char=""/>
+            </a:pPr>
+            <a:r>
+              <a:rPr b="0" lang="en-GB" sz="1200" spc="-1" strike="noStrike">
+                <a:solidFill>
+                  <a:srgbClr val="000000"/>
+                </a:solidFill>
+                <a:latin typeface="Montserrat"/>
+              </a:rPr>
+              <a:t>Connexion de l’utilisateur.</a:t>
+            </a:r>
+            <a:endParaRPr b="0" lang="en-GB" sz="1200" spc="-1" strike="noStrike">
+              <a:solidFill>
+                <a:srgbClr val="000000"/>
+              </a:solidFill>
+              <a:latin typeface="Arial"/>
+            </a:endParaRPr>
+          </a:p>
+          <a:p>
+            <a:pPr marL="432000" indent="-324000">
+              <a:lnSpc>
+                <a:spcPct val="100000"/>
+              </a:lnSpc>
+              <a:spcBef>
+                <a:spcPts val="1417"/>
+              </a:spcBef>
+              <a:buClr>
+                <a:srgbClr val="000000"/>
+              </a:buClr>
+              <a:buSzPct val="45000"/>
+              <a:buFont typeface="Wingdings" charset="2"/>
+              <a:buChar char=""/>
+            </a:pPr>
+            <a:r>
+              <a:rPr b="0" lang="en-GB" sz="1200" spc="-1" strike="noStrike">
+                <a:solidFill>
+                  <a:srgbClr val="000000"/>
+                </a:solidFill>
+                <a:latin typeface="Montserrat"/>
+              </a:rPr>
+              <a:t>L’utilisateur a acces a son compte et données</a:t>
+            </a:r>
+            <a:endParaRPr b="0" lang="en-GB" sz="1200" spc="-1" strike="noStrike">
+              <a:solidFill>
+                <a:srgbClr val="000000"/>
+              </a:solidFill>
+              <a:latin typeface="Arial"/>
+            </a:endParaRPr>
+          </a:p>
+          <a:p>
+            <a:pPr marL="432000" indent="-324000">
+              <a:lnSpc>
+                <a:spcPct val="100000"/>
+              </a:lnSpc>
+              <a:spcBef>
+                <a:spcPts val="1417"/>
+              </a:spcBef>
+              <a:buClr>
+                <a:srgbClr val="000000"/>
+              </a:buClr>
+              <a:buSzPct val="45000"/>
+              <a:buFont typeface="Wingdings" charset="2"/>
+              <a:buChar char=""/>
+            </a:pPr>
+            <a:r>
+              <a:rPr b="0" lang="en-GB" sz="1200" spc="-1" strike="noStrike">
+                <a:solidFill>
+                  <a:srgbClr val="000000"/>
+                </a:solidFill>
+                <a:latin typeface="Montserrat"/>
+              </a:rPr>
+              <a:t>L’utilisateur peut diffuser ses menu sur Instagram et deliveroo.</a:t>
+            </a:r>
+            <a:endParaRPr b="0" lang="en-GB" sz="1200" spc="-1" strike="noStrike">
+              <a:solidFill>
+                <a:srgbClr val="000000"/>
+              </a:solidFill>
+              <a:latin typeface="Arial"/>
+            </a:endParaRPr>
+          </a:p>
+          <a:p>
+            <a:pPr marL="432000" indent="-324000">
+              <a:lnSpc>
+                <a:spcPct val="100000"/>
+              </a:lnSpc>
+              <a:spcBef>
+                <a:spcPts val="1417"/>
+              </a:spcBef>
+              <a:buClr>
+                <a:srgbClr val="000000"/>
+              </a:buClr>
+              <a:buSzPct val="45000"/>
+              <a:buFont typeface="Wingdings" charset="2"/>
+              <a:buChar char=""/>
+            </a:pPr>
+            <a:r>
+              <a:rPr b="0" lang="en-GB" sz="1200" spc="-1" strike="noStrike">
+                <a:solidFill>
+                  <a:srgbClr val="000000"/>
+                </a:solidFill>
+                <a:latin typeface="Montserrat"/>
+              </a:rPr>
+              <a:t>L’utilisateur peut télécharger et imprimer ses menu</a:t>
+            </a:r>
+            <a:endParaRPr b="0" lang="en-GB" sz="1200" spc="-1" strike="noStrike">
+              <a:solidFill>
+                <a:srgbClr val="000000"/>
+              </a:solidFill>
+              <a:latin typeface="Arial"/>
+            </a:endParaRPr>
+          </a:p>
+        </p:txBody>
+      </p:sp>
       <p:pic>
         <p:nvPicPr>
-          <p:cNvPr id="101" name="" descr=""/>
+          <p:cNvPr id="96" name="" descr=""/>
           <p:cNvPicPr/>
           <p:nvPr/>
         </p:nvPicPr>
@@ -6436,8 +6485,100 @@
         </p:blipFill>
         <p:spPr>
           <a:xfrm>
-            <a:off x="540000" y="1080000"/>
-            <a:ext cx="7325280" cy="3658680"/>
+            <a:off x="540000" y="1260000"/>
+            <a:ext cx="2063520" cy="2127960"/>
+          </a:xfrm>
+          <a:prstGeom prst="rect">
+            <a:avLst/>
+          </a:prstGeom>
+          <a:ln w="0">
+            <a:noFill/>
+          </a:ln>
+        </p:spPr>
+      </p:pic>
+      <p:pic>
+        <p:nvPicPr>
+          <p:cNvPr id="97" name="" descr=""/>
+          <p:cNvPicPr/>
+          <p:nvPr/>
+        </p:nvPicPr>
+        <p:blipFill>
+          <a:blip r:embed="rId2"/>
+          <a:stretch/>
+        </p:blipFill>
+        <p:spPr>
+          <a:xfrm>
+            <a:off x="540000" y="3420000"/>
+            <a:ext cx="2340000" cy="1294200"/>
+          </a:xfrm>
+          <a:prstGeom prst="rect">
+            <a:avLst/>
+          </a:prstGeom>
+          <a:ln w="0">
+            <a:noFill/>
+          </a:ln>
+        </p:spPr>
+      </p:pic>
+      <p:pic>
+        <p:nvPicPr>
+          <p:cNvPr id="98" name="" descr=""/>
+          <p:cNvPicPr/>
+          <p:nvPr/>
+        </p:nvPicPr>
+        <p:blipFill>
+          <a:blip r:embed="rId3"/>
+          <a:stretch/>
+        </p:blipFill>
+        <p:spPr>
+          <a:xfrm>
+            <a:off x="2700000" y="1260000"/>
+            <a:ext cx="1768680" cy="2159280"/>
+          </a:xfrm>
+          <a:prstGeom prst="rect">
+            <a:avLst/>
+          </a:prstGeom>
+          <a:ln w="0">
+            <a:noFill/>
+          </a:ln>
+        </p:spPr>
+      </p:pic>
+      <p:pic>
+        <p:nvPicPr>
+          <p:cNvPr id="99" name="" descr=""/>
+          <p:cNvPicPr/>
+          <p:nvPr/>
+        </p:nvPicPr>
+        <p:blipFill>
+          <a:blip r:embed="rId4"/>
+          <a:stretch/>
+        </p:blipFill>
+        <p:spPr>
+          <a:xfrm>
+            <a:off x="4860000" y="2947680"/>
+            <a:ext cx="3809160" cy="1551600"/>
+          </a:xfrm>
+          <a:prstGeom prst="rect">
+            <a:avLst/>
+          </a:prstGeom>
+          <a:ln w="0">
+            <a:noFill/>
+          </a:ln>
+        </p:spPr>
+      </p:pic>
+      <p:pic>
+        <p:nvPicPr>
+          <p:cNvPr id="100" name="" descr=""/>
+          <p:cNvPicPr/>
+          <p:nvPr/>
+        </p:nvPicPr>
+        <p:blipFill>
+          <a:blip r:embed="rId5"/>
+          <a:stretch/>
+        </p:blipFill>
+        <p:spPr>
+          <a:xfrm>
+            <a:off x="3045600" y="3513960"/>
+            <a:ext cx="1274400" cy="986040"/>
           </a:xfrm>
           <a:prstGeom prst="rect">
             <a:avLst/>
@@ -6479,7 +6620,7 @@
       </p:grpSpPr>
       <p:sp>
         <p:nvSpPr>
-          <p:cNvPr id="102" name="PlaceHolder 1"/>
+          <p:cNvPr id="101" name="PlaceHolder 1"/>
           <p:cNvSpPr>
             <a:spLocks noGrp="1"/>
           </p:cNvSpPr>
@@ -6489,8 +6630,8 @@
         </p:nvSpPr>
         <p:spPr>
           <a:xfrm>
-            <a:off x="311760" y="444960"/>
-            <a:ext cx="8519400" cy="571680"/>
+            <a:off x="300600" y="384480"/>
+            <a:ext cx="8519400" cy="335520"/>
           </a:xfrm>
           <a:prstGeom prst="rect">
             <a:avLst/>
@@ -6501,8 +6642,8 @@
           </a:ln>
         </p:spPr>
         <p:txBody>
-          <a:bodyPr lIns="91440" rIns="91440" tIns="91440" bIns="91440" anchor="t">
-            <a:normAutofit/>
+          <a:bodyPr lIns="0" rIns="0" tIns="0" bIns="0" anchor="ctr">
+            <a:noAutofit/>
           </a:bodyPr>
           <a:p>
             <a:pPr indent="0">
@@ -6518,371 +6659,16 @@
               </a:tabLst>
             </a:pPr>
             <a:r>
-              <a:rPr b="0" lang="fr" sz="2000" spc="-1" strike="noStrike">
+              <a:rPr b="0" lang="fr" sz="1800" spc="-1" strike="noStrike">
                 <a:solidFill>
                   <a:schemeClr val="dk1"/>
                 </a:solidFill>
                 <a:latin typeface="Montserrat"/>
                 <a:ea typeface="Montserrat"/>
               </a:rPr>
-              <a:t>Veille Technologique</a:t>
-            </a:r>
-            <a:endParaRPr b="0" lang="en-GB" sz="2000" spc="-1" strike="noStrike">
-              <a:solidFill>
-                <a:srgbClr val="000000"/>
-              </a:solidFill>
-              <a:latin typeface="Arial"/>
-            </a:endParaRPr>
-          </a:p>
-        </p:txBody>
-      </p:sp>
-      <p:sp>
-        <p:nvSpPr>
-          <p:cNvPr id="103" name="PlaceHolder 2"/>
-          <p:cNvSpPr>
-            <a:spLocks noGrp="1"/>
-          </p:cNvSpPr>
-          <p:nvPr>
-            <p:ph/>
-          </p:nvPr>
-        </p:nvSpPr>
-        <p:spPr>
-          <a:xfrm>
-            <a:off x="108000" y="1044360"/>
-            <a:ext cx="8519400" cy="3990600"/>
-          </a:xfrm>
-          <a:prstGeom prst="rect">
-            <a:avLst/>
-          </a:prstGeom>
-          <a:noFill/>
-          <a:ln w="0">
-            <a:noFill/>
-          </a:ln>
-        </p:spPr>
-        <p:txBody>
-          <a:bodyPr lIns="91440" rIns="91440" tIns="91440" bIns="91440" anchor="t">
-            <a:normAutofit/>
-          </a:bodyPr>
-          <a:p>
-            <a:pPr indent="0">
-              <a:lnSpc>
-                <a:spcPct val="115000"/>
-              </a:lnSpc>
-              <a:buNone/>
-              <a:tabLst>
-                <a:tab algn="l" pos="0"/>
-              </a:tabLst>
-            </a:pPr>
+              <a:t>Spécifications techniques</a:t>
+            </a:r>
             <a:endParaRPr b="0" lang="en-GB" sz="1800" spc="-1" strike="noStrike">
-              <a:solidFill>
-                <a:srgbClr val="000000"/>
-              </a:solidFill>
-              <a:latin typeface="Arial"/>
-            </a:endParaRPr>
-          </a:p>
-          <a:p>
-            <a:pPr indent="0">
-              <a:lnSpc>
-                <a:spcPct val="115000"/>
-              </a:lnSpc>
-              <a:spcBef>
-                <a:spcPts val="1199"/>
-              </a:spcBef>
-              <a:buNone/>
-              <a:tabLst>
-                <a:tab algn="l" pos="0"/>
-              </a:tabLst>
-            </a:pPr>
-            <a:endParaRPr b="0" lang="en-GB" sz="1800" spc="-1" strike="noStrike">
-              <a:solidFill>
-                <a:srgbClr val="000000"/>
-              </a:solidFill>
-              <a:latin typeface="Arial"/>
-            </a:endParaRPr>
-          </a:p>
-          <a:p>
-            <a:pPr marL="457200" indent="0">
-              <a:lnSpc>
-                <a:spcPct val="115000"/>
-              </a:lnSpc>
-              <a:spcBef>
-                <a:spcPts val="1199"/>
-              </a:spcBef>
-              <a:spcAft>
-                <a:spcPts val="1199"/>
-              </a:spcAft>
-              <a:buNone/>
-              <a:tabLst>
-                <a:tab algn="l" pos="0"/>
-              </a:tabLst>
-            </a:pPr>
-            <a:endParaRPr b="0" lang="en-GB" sz="1800" spc="-1" strike="noStrike">
-              <a:solidFill>
-                <a:srgbClr val="000000"/>
-              </a:solidFill>
-              <a:latin typeface="Arial"/>
-            </a:endParaRPr>
-          </a:p>
-        </p:txBody>
-      </p:sp>
-      <p:sp>
-        <p:nvSpPr>
-          <p:cNvPr id="104" name="Google Shape;113;p20"/>
-          <p:cNvSpPr/>
-          <p:nvPr/>
-        </p:nvSpPr>
-        <p:spPr>
-          <a:xfrm>
-            <a:off x="0" y="0"/>
-            <a:ext cx="4910400" cy="351360"/>
-          </a:xfrm>
-          <a:prstGeom prst="rect">
-            <a:avLst/>
-          </a:prstGeom>
-          <a:noFill/>
-          <a:ln w="0">
-            <a:noFill/>
-          </a:ln>
-        </p:spPr>
-        <p:style>
-          <a:lnRef idx="0"/>
-          <a:fillRef idx="0"/>
-          <a:effectRef idx="0"/>
-          <a:fontRef idx="minor"/>
-        </p:style>
-        <p:txBody>
-          <a:bodyPr lIns="90000" rIns="90000" tIns="88200" bIns="88200" anchor="t">
-            <a:spAutoFit/>
-          </a:bodyPr>
-          <a:p>
-            <a:pPr>
-              <a:lnSpc>
-                <a:spcPct val="115000"/>
-              </a:lnSpc>
-              <a:spcAft>
-                <a:spcPts val="1199"/>
-              </a:spcAft>
-              <a:tabLst>
-                <a:tab algn="l" pos="0"/>
-              </a:tabLst>
-            </a:pPr>
-            <a:r>
-              <a:rPr b="0" lang="fr" sz="1000" spc="-1" strike="noStrike">
-                <a:solidFill>
-                  <a:schemeClr val="dk2"/>
-                </a:solidFill>
-                <a:latin typeface="Montserrat"/>
-                <a:ea typeface="Montserrat"/>
-              </a:rPr>
-              <a:t>Présentation de l’usage du no-code</a:t>
-            </a:r>
-            <a:endParaRPr b="0" lang="en-GB" sz="1000" spc="-1" strike="noStrike">
-              <a:solidFill>
-                <a:srgbClr val="000000"/>
-              </a:solidFill>
-              <a:latin typeface="Arial"/>
-            </a:endParaRPr>
-          </a:p>
-        </p:txBody>
-      </p:sp>
-      <p:sp>
-        <p:nvSpPr>
-          <p:cNvPr id="105" name="Google Shape;114;p20"/>
-          <p:cNvSpPr/>
-          <p:nvPr/>
-        </p:nvSpPr>
-        <p:spPr>
-          <a:xfrm>
-            <a:off x="434880" y="1085400"/>
-            <a:ext cx="8319600" cy="2771280"/>
-          </a:xfrm>
-          <a:prstGeom prst="rect">
-            <a:avLst/>
-          </a:prstGeom>
-          <a:noFill/>
-          <a:ln w="0">
-            <a:noFill/>
-          </a:ln>
-        </p:spPr>
-        <p:style>
-          <a:lnRef idx="0"/>
-          <a:fillRef idx="0"/>
-          <a:effectRef idx="0"/>
-          <a:fontRef idx="minor"/>
-        </p:style>
-        <p:txBody>
-          <a:bodyPr lIns="90000" rIns="90000" tIns="91440" bIns="91440" anchor="t">
-            <a:spAutoFit/>
-          </a:bodyPr>
-          <a:p>
-            <a:pPr>
-              <a:lnSpc>
-                <a:spcPct val="150000"/>
-              </a:lnSpc>
-            </a:pPr>
-            <a:endParaRPr b="0" lang="en-GB" sz="1500" spc="-1" strike="noStrike">
-              <a:solidFill>
-                <a:srgbClr val="000000"/>
-              </a:solidFill>
-              <a:latin typeface="Arial"/>
-            </a:endParaRPr>
-          </a:p>
-          <a:p>
-            <a:pPr marL="457200" indent="-324000">
-              <a:lnSpc>
-                <a:spcPct val="150000"/>
-              </a:lnSpc>
-              <a:buClr>
-                <a:srgbClr val="0d0d0d"/>
-              </a:buClr>
-              <a:buFont typeface="Montserrat"/>
-              <a:buChar char="●"/>
-            </a:pPr>
-            <a:r>
-              <a:rPr b="0" lang="fr" sz="1300" spc="-1" strike="noStrike">
-                <a:solidFill>
-                  <a:srgbClr val="0d0d0d"/>
-                </a:solidFill>
-                <a:highlight>
-                  <a:srgbClr val="ffffff"/>
-                </a:highlight>
-                <a:latin typeface="Montserrat"/>
-                <a:ea typeface="Montserrat"/>
-              </a:rPr>
-              <a:t>J’ai choisi de classer les informations sur mon agregateur de flux en deux parties : 1)Frontend qui reproupe toutes les informations relatives à la partie frontend de mon application.</a:t>
-            </a:r>
-            <a:endParaRPr b="0" lang="en-GB" sz="1300" spc="-1" strike="noStrike">
-              <a:solidFill>
-                <a:srgbClr val="000000"/>
-              </a:solidFill>
-              <a:latin typeface="Arial"/>
-            </a:endParaRPr>
-          </a:p>
-          <a:p>
-            <a:pPr marL="457200" indent="-324000">
-              <a:lnSpc>
-                <a:spcPct val="150000"/>
-              </a:lnSpc>
-              <a:buClr>
-                <a:srgbClr val="0d0d0d"/>
-              </a:buClr>
-              <a:buFont typeface="Montserrat"/>
-              <a:buChar char="●"/>
-            </a:pPr>
-            <a:r>
-              <a:rPr b="0" lang="fr" sz="1300" spc="-1" strike="noStrike">
-                <a:solidFill>
-                  <a:srgbClr val="0d0d0d"/>
-                </a:solidFill>
-                <a:highlight>
-                  <a:srgbClr val="ffffff"/>
-                </a:highlight>
-                <a:latin typeface="Montserrat"/>
-                <a:ea typeface="Montserrat"/>
-              </a:rPr>
-              <a:t>2)Backend Qui regroupe toutes les informations relatives à la partie backend de mon application.</a:t>
-            </a:r>
-            <a:endParaRPr b="0" lang="en-GB" sz="1300" spc="-1" strike="noStrike">
-              <a:solidFill>
-                <a:srgbClr val="000000"/>
-              </a:solidFill>
-              <a:latin typeface="Arial"/>
-            </a:endParaRPr>
-          </a:p>
-          <a:p>
-            <a:pPr>
-              <a:lnSpc>
-                <a:spcPct val="150000"/>
-              </a:lnSpc>
-            </a:pPr>
-            <a:endParaRPr b="0" lang="en-GB" sz="1300" spc="-1" strike="noStrike">
-              <a:solidFill>
-                <a:srgbClr val="000000"/>
-              </a:solidFill>
-              <a:latin typeface="Arial"/>
-            </a:endParaRPr>
-          </a:p>
-          <a:p>
-            <a:pPr>
-              <a:lnSpc>
-                <a:spcPct val="115000"/>
-              </a:lnSpc>
-              <a:tabLst>
-                <a:tab algn="l" pos="0"/>
-              </a:tabLst>
-            </a:pPr>
-            <a:endParaRPr b="0" lang="en-GB" sz="1200" spc="-1" strike="noStrike">
-              <a:solidFill>
-                <a:srgbClr val="000000"/>
-              </a:solidFill>
-              <a:latin typeface="Arial"/>
-            </a:endParaRPr>
-          </a:p>
-          <a:p>
-            <a:pPr>
-              <a:lnSpc>
-                <a:spcPct val="100000"/>
-              </a:lnSpc>
-              <a:spcBef>
-                <a:spcPts val="1199"/>
-              </a:spcBef>
-              <a:tabLst>
-                <a:tab algn="l" pos="0"/>
-              </a:tabLst>
-            </a:pPr>
-            <a:endParaRPr b="0" lang="en-GB" sz="1400" spc="-1" strike="noStrike">
-              <a:solidFill>
-                <a:srgbClr val="000000"/>
-              </a:solidFill>
-              <a:latin typeface="Arial"/>
-            </a:endParaRPr>
-          </a:p>
-        </p:txBody>
-      </p:sp>
-      <p:sp>
-        <p:nvSpPr>
-          <p:cNvPr id="106" name="Google Shape;115;p20"/>
-          <p:cNvSpPr/>
-          <p:nvPr/>
-        </p:nvSpPr>
-        <p:spPr>
-          <a:xfrm>
-            <a:off x="-4680" y="0"/>
-            <a:ext cx="9152640" cy="238680"/>
-          </a:xfrm>
-          <a:prstGeom prst="rect">
-            <a:avLst/>
-          </a:prstGeom>
-          <a:solidFill>
-            <a:srgbClr val="fce5cd"/>
-          </a:solidFill>
-          <a:ln w="9525">
-            <a:solidFill>
-              <a:srgbClr val="f7edde"/>
-            </a:solidFill>
-            <a:round/>
-          </a:ln>
-        </p:spPr>
-        <p:style>
-          <a:lnRef idx="0"/>
-          <a:fillRef idx="0"/>
-          <a:effectRef idx="0"/>
-          <a:fontRef idx="minor"/>
-        </p:style>
-        <p:txBody>
-          <a:bodyPr lIns="90000" rIns="90000" tIns="91440" bIns="91440" anchor="ctr">
-            <a:noAutofit/>
-          </a:bodyPr>
-          <a:p>
-            <a:pPr algn="ctr">
-              <a:lnSpc>
-                <a:spcPct val="100000"/>
-              </a:lnSpc>
-              <a:tabLst>
-                <a:tab algn="l" pos="0"/>
-              </a:tabLst>
-            </a:pPr>
-            <a:endParaRPr b="0" lang="en-GB" sz="1400" spc="-1" strike="noStrike">
               <a:solidFill>
                 <a:srgbClr val="000000"/>
               </a:solidFill>
@@ -6893,7 +6679,7 @@
       </p:sp>
       <p:pic>
         <p:nvPicPr>
-          <p:cNvPr id="107" name="Google Shape;116;p20" descr=""/>
+          <p:cNvPr id="102" name="" descr=""/>
           <p:cNvPicPr/>
           <p:nvPr/>
         </p:nvPicPr>
@@ -6903,31 +6689,8 @@
         </p:blipFill>
         <p:spPr>
           <a:xfrm>
-            <a:off x="8469720" y="0"/>
-            <a:ext cx="673200" cy="339480"/>
-          </a:xfrm>
-          <a:prstGeom prst="rect">
-            <a:avLst/>
-          </a:prstGeom>
-          <a:ln w="0">
-            <a:noFill/>
-          </a:ln>
-        </p:spPr>
-      </p:pic>
-      <p:pic>
-        <p:nvPicPr>
-          <p:cNvPr id="108" name="" descr=""/>
-          <p:cNvPicPr/>
-          <p:nvPr/>
-        </p:nvPicPr>
-        <p:blipFill>
-          <a:blip r:embed="rId2"/>
-          <a:stretch/>
-        </p:blipFill>
-        <p:spPr>
-          <a:xfrm>
-            <a:off x="6430320" y="2666880"/>
-            <a:ext cx="1668960" cy="2434680"/>
+            <a:off x="540000" y="1080000"/>
+            <a:ext cx="7325280" cy="3658680"/>
           </a:xfrm>
           <a:prstGeom prst="rect">
             <a:avLst/>
@@ -6969,7 +6732,7 @@
       </p:grpSpPr>
       <p:sp>
         <p:nvSpPr>
-          <p:cNvPr id="109" name="PlaceHolder 1"/>
+          <p:cNvPr id="103" name="PlaceHolder 1"/>
           <p:cNvSpPr>
             <a:spLocks noGrp="1"/>
           </p:cNvSpPr>
@@ -6991,8 +6754,8 @@
           </a:ln>
         </p:spPr>
         <p:txBody>
-          <a:bodyPr lIns="0" rIns="0" tIns="0" bIns="0" anchor="ctr">
-            <a:noAutofit/>
+          <a:bodyPr lIns="91440" rIns="91440" tIns="91440" bIns="91440" anchor="t">
+            <a:normAutofit/>
           </a:bodyPr>
           <a:p>
             <a:pPr indent="0">
@@ -7026,9 +6789,364 @@
           </a:p>
         </p:txBody>
       </p:sp>
+      <p:sp>
+        <p:nvSpPr>
+          <p:cNvPr id="104" name="PlaceHolder 2"/>
+          <p:cNvSpPr>
+            <a:spLocks noGrp="1"/>
+          </p:cNvSpPr>
+          <p:nvPr>
+            <p:ph/>
+          </p:nvPr>
+        </p:nvSpPr>
+        <p:spPr>
+          <a:xfrm>
+            <a:off x="108000" y="1044360"/>
+            <a:ext cx="8519400" cy="3990600"/>
+          </a:xfrm>
+          <a:prstGeom prst="rect">
+            <a:avLst/>
+          </a:prstGeom>
+          <a:noFill/>
+          <a:ln w="0">
+            <a:noFill/>
+          </a:ln>
+        </p:spPr>
+        <p:txBody>
+          <a:bodyPr lIns="91440" rIns="91440" tIns="91440" bIns="91440" anchor="t">
+            <a:normAutofit/>
+          </a:bodyPr>
+          <a:p>
+            <a:pPr indent="0">
+              <a:lnSpc>
+                <a:spcPct val="115000"/>
+              </a:lnSpc>
+              <a:buNone/>
+              <a:tabLst>
+                <a:tab algn="l" pos="0"/>
+              </a:tabLst>
+            </a:pPr>
+            <a:endParaRPr b="0" lang="en-GB" sz="1800" spc="-1" strike="noStrike">
+              <a:solidFill>
+                <a:srgbClr val="000000"/>
+              </a:solidFill>
+              <a:latin typeface="Arial"/>
+            </a:endParaRPr>
+          </a:p>
+          <a:p>
+            <a:pPr indent="0">
+              <a:lnSpc>
+                <a:spcPct val="115000"/>
+              </a:lnSpc>
+              <a:spcBef>
+                <a:spcPts val="1199"/>
+              </a:spcBef>
+              <a:buNone/>
+              <a:tabLst>
+                <a:tab algn="l" pos="0"/>
+              </a:tabLst>
+            </a:pPr>
+            <a:endParaRPr b="0" lang="en-GB" sz="1800" spc="-1" strike="noStrike">
+              <a:solidFill>
+                <a:srgbClr val="000000"/>
+              </a:solidFill>
+              <a:latin typeface="Arial"/>
+            </a:endParaRPr>
+          </a:p>
+          <a:p>
+            <a:pPr marL="457200" indent="0">
+              <a:lnSpc>
+                <a:spcPct val="115000"/>
+              </a:lnSpc>
+              <a:spcBef>
+                <a:spcPts val="1199"/>
+              </a:spcBef>
+              <a:spcAft>
+                <a:spcPts val="1199"/>
+              </a:spcAft>
+              <a:buNone/>
+              <a:tabLst>
+                <a:tab algn="l" pos="0"/>
+              </a:tabLst>
+            </a:pPr>
+            <a:endParaRPr b="0" lang="en-GB" sz="1800" spc="-1" strike="noStrike">
+              <a:solidFill>
+                <a:srgbClr val="000000"/>
+              </a:solidFill>
+              <a:latin typeface="Arial"/>
+            </a:endParaRPr>
+          </a:p>
+        </p:txBody>
+      </p:sp>
+      <p:sp>
+        <p:nvSpPr>
+          <p:cNvPr id="105" name="Google Shape;113;p20"/>
+          <p:cNvSpPr/>
+          <p:nvPr/>
+        </p:nvSpPr>
+        <p:spPr>
+          <a:xfrm>
+            <a:off x="0" y="0"/>
+            <a:ext cx="4910400" cy="351360"/>
+          </a:xfrm>
+          <a:prstGeom prst="rect">
+            <a:avLst/>
+          </a:prstGeom>
+          <a:noFill/>
+          <a:ln w="0">
+            <a:noFill/>
+          </a:ln>
+        </p:spPr>
+        <p:style>
+          <a:lnRef idx="0"/>
+          <a:fillRef idx="0"/>
+          <a:effectRef idx="0"/>
+          <a:fontRef idx="minor"/>
+        </p:style>
+        <p:txBody>
+          <a:bodyPr lIns="90000" rIns="90000" tIns="88200" bIns="88200" anchor="t">
+            <a:spAutoFit/>
+          </a:bodyPr>
+          <a:p>
+            <a:pPr>
+              <a:lnSpc>
+                <a:spcPct val="115000"/>
+              </a:lnSpc>
+              <a:spcAft>
+                <a:spcPts val="1199"/>
+              </a:spcAft>
+              <a:tabLst>
+                <a:tab algn="l" pos="0"/>
+              </a:tabLst>
+            </a:pPr>
+            <a:r>
+              <a:rPr b="0" lang="fr" sz="1000" spc="-1" strike="noStrike">
+                <a:solidFill>
+                  <a:schemeClr val="dk2"/>
+                </a:solidFill>
+                <a:latin typeface="Montserrat"/>
+                <a:ea typeface="Montserrat"/>
+              </a:rPr>
+              <a:t>Présentation de l’usage du no-code</a:t>
+            </a:r>
+            <a:endParaRPr b="0" lang="en-GB" sz="1000" spc="-1" strike="noStrike">
+              <a:solidFill>
+                <a:srgbClr val="000000"/>
+              </a:solidFill>
+              <a:latin typeface="Arial"/>
+            </a:endParaRPr>
+          </a:p>
+        </p:txBody>
+      </p:sp>
+      <p:sp>
+        <p:nvSpPr>
+          <p:cNvPr id="106" name="Google Shape;114;p20"/>
+          <p:cNvSpPr/>
+          <p:nvPr/>
+        </p:nvSpPr>
+        <p:spPr>
+          <a:xfrm>
+            <a:off x="434880" y="1085400"/>
+            <a:ext cx="8319600" cy="2771280"/>
+          </a:xfrm>
+          <a:prstGeom prst="rect">
+            <a:avLst/>
+          </a:prstGeom>
+          <a:noFill/>
+          <a:ln w="0">
+            <a:noFill/>
+          </a:ln>
+        </p:spPr>
+        <p:style>
+          <a:lnRef idx="0"/>
+          <a:fillRef idx="0"/>
+          <a:effectRef idx="0"/>
+          <a:fontRef idx="minor"/>
+        </p:style>
+        <p:txBody>
+          <a:bodyPr lIns="90000" rIns="90000" tIns="91440" bIns="91440" anchor="t">
+            <a:spAutoFit/>
+          </a:bodyPr>
+          <a:p>
+            <a:pPr>
+              <a:lnSpc>
+                <a:spcPct val="150000"/>
+              </a:lnSpc>
+            </a:pPr>
+            <a:endParaRPr b="0" lang="en-GB" sz="1500" spc="-1" strike="noStrike">
+              <a:solidFill>
+                <a:srgbClr val="000000"/>
+              </a:solidFill>
+              <a:latin typeface="Arial"/>
+            </a:endParaRPr>
+          </a:p>
+          <a:p>
+            <a:pPr marL="457200" indent="-324000">
+              <a:lnSpc>
+                <a:spcPct val="150000"/>
+              </a:lnSpc>
+              <a:buClr>
+                <a:srgbClr val="0d0d0d"/>
+              </a:buClr>
+              <a:buFont typeface="Montserrat"/>
+              <a:buChar char="●"/>
+            </a:pPr>
+            <a:r>
+              <a:rPr b="0" lang="fr" sz="1300" spc="-1" strike="noStrike">
+                <a:solidFill>
+                  <a:srgbClr val="0d0d0d"/>
+                </a:solidFill>
+                <a:highlight>
+                  <a:srgbClr val="ffffff"/>
+                </a:highlight>
+                <a:latin typeface="Montserrat"/>
+                <a:ea typeface="Montserrat"/>
+              </a:rPr>
+              <a:t>J’ai choisi de classer les informations sur mon agregateur de flux en deux parties : 1)Frontend qui reproupe toutes les informations relatives à la partie frontend de mon application.</a:t>
+            </a:r>
+            <a:endParaRPr b="0" lang="en-GB" sz="1300" spc="-1" strike="noStrike">
+              <a:solidFill>
+                <a:srgbClr val="000000"/>
+              </a:solidFill>
+              <a:latin typeface="Arial"/>
+            </a:endParaRPr>
+          </a:p>
+          <a:p>
+            <a:pPr marL="457200" indent="-324000">
+              <a:lnSpc>
+                <a:spcPct val="150000"/>
+              </a:lnSpc>
+              <a:buClr>
+                <a:srgbClr val="0d0d0d"/>
+              </a:buClr>
+              <a:buFont typeface="Montserrat"/>
+              <a:buChar char="●"/>
+            </a:pPr>
+            <a:r>
+              <a:rPr b="0" lang="fr" sz="1300" spc="-1" strike="noStrike">
+                <a:solidFill>
+                  <a:srgbClr val="0d0d0d"/>
+                </a:solidFill>
+                <a:highlight>
+                  <a:srgbClr val="ffffff"/>
+                </a:highlight>
+                <a:latin typeface="Montserrat"/>
+                <a:ea typeface="Montserrat"/>
+              </a:rPr>
+              <a:t>2)Backend Qui regroupe toutes les informations relatives à la partie backend de mon application.</a:t>
+            </a:r>
+            <a:endParaRPr b="0" lang="en-GB" sz="1300" spc="-1" strike="noStrike">
+              <a:solidFill>
+                <a:srgbClr val="000000"/>
+              </a:solidFill>
+              <a:latin typeface="Arial"/>
+            </a:endParaRPr>
+          </a:p>
+          <a:p>
+            <a:pPr>
+              <a:lnSpc>
+                <a:spcPct val="150000"/>
+              </a:lnSpc>
+            </a:pPr>
+            <a:endParaRPr b="0" lang="en-GB" sz="1300" spc="-1" strike="noStrike">
+              <a:solidFill>
+                <a:srgbClr val="000000"/>
+              </a:solidFill>
+              <a:latin typeface="Arial"/>
+            </a:endParaRPr>
+          </a:p>
+          <a:p>
+            <a:pPr>
+              <a:lnSpc>
+                <a:spcPct val="115000"/>
+              </a:lnSpc>
+              <a:tabLst>
+                <a:tab algn="l" pos="0"/>
+              </a:tabLst>
+            </a:pPr>
+            <a:endParaRPr b="0" lang="en-GB" sz="1200" spc="-1" strike="noStrike">
+              <a:solidFill>
+                <a:srgbClr val="000000"/>
+              </a:solidFill>
+              <a:latin typeface="Arial"/>
+            </a:endParaRPr>
+          </a:p>
+          <a:p>
+            <a:pPr>
+              <a:lnSpc>
+                <a:spcPct val="100000"/>
+              </a:lnSpc>
+              <a:spcBef>
+                <a:spcPts val="1199"/>
+              </a:spcBef>
+              <a:tabLst>
+                <a:tab algn="l" pos="0"/>
+              </a:tabLst>
+            </a:pPr>
+            <a:endParaRPr b="0" lang="en-GB" sz="1400" spc="-1" strike="noStrike">
+              <a:solidFill>
+                <a:srgbClr val="000000"/>
+              </a:solidFill>
+              <a:latin typeface="Arial"/>
+            </a:endParaRPr>
+          </a:p>
+        </p:txBody>
+      </p:sp>
+      <p:sp>
+        <p:nvSpPr>
+          <p:cNvPr id="107" name="Google Shape;115;p20"/>
+          <p:cNvSpPr/>
+          <p:nvPr/>
+        </p:nvSpPr>
+        <p:spPr>
+          <a:xfrm>
+            <a:off x="-4680" y="0"/>
+            <a:ext cx="9152640" cy="238680"/>
+          </a:xfrm>
+          <a:prstGeom prst="rect">
+            <a:avLst/>
+          </a:prstGeom>
+          <a:solidFill>
+            <a:srgbClr val="fce5cd"/>
+          </a:solidFill>
+          <a:ln w="9525">
+            <a:solidFill>
+              <a:srgbClr val="f7edde"/>
+            </a:solidFill>
+            <a:round/>
+          </a:ln>
+        </p:spPr>
+        <p:style>
+          <a:lnRef idx="0"/>
+          <a:fillRef idx="0"/>
+          <a:effectRef idx="0"/>
+          <a:fontRef idx="minor"/>
+        </p:style>
+        <p:txBody>
+          <a:bodyPr lIns="90000" rIns="90000" tIns="91440" bIns="91440" anchor="ctr">
+            <a:noAutofit/>
+          </a:bodyPr>
+          <a:p>
+            <a:pPr algn="ctr">
+              <a:lnSpc>
+                <a:spcPct val="100000"/>
+              </a:lnSpc>
+              <a:tabLst>
+                <a:tab algn="l" pos="0"/>
+              </a:tabLst>
+            </a:pPr>
+            <a:endParaRPr b="0" lang="en-GB" sz="1400" spc="-1" strike="noStrike">
+              <a:solidFill>
+                <a:srgbClr val="000000"/>
+              </a:solidFill>
+              <a:latin typeface="Arial"/>
+            </a:endParaRPr>
+          </a:p>
+        </p:txBody>
+      </p:sp>
       <p:pic>
         <p:nvPicPr>
-          <p:cNvPr id="110" name="" descr=""/>
+          <p:cNvPr id="108" name="Google Shape;116;p20" descr=""/>
           <p:cNvPicPr/>
           <p:nvPr/>
         </p:nvPicPr>
@@ -7038,8 +7156,8 @@
         </p:blipFill>
         <p:spPr>
           <a:xfrm>
-            <a:off x="473760" y="1152000"/>
-            <a:ext cx="3832200" cy="3415320"/>
+            <a:off x="8469720" y="0"/>
+            <a:ext cx="673200" cy="339480"/>
           </a:xfrm>
           <a:prstGeom prst="rect">
             <a:avLst/>
@@ -7051,7 +7169,7 @@
       </p:pic>
       <p:pic>
         <p:nvPicPr>
-          <p:cNvPr id="111" name="" descr=""/>
+          <p:cNvPr id="109" name="" descr=""/>
           <p:cNvPicPr/>
           <p:nvPr/>
         </p:nvPicPr>
@@ -7061,8 +7179,8 @@
         </p:blipFill>
         <p:spPr>
           <a:xfrm>
-            <a:off x="4939560" y="1152000"/>
-            <a:ext cx="3633120" cy="3415320"/>
+            <a:off x="6430320" y="2666880"/>
+            <a:ext cx="1668960" cy="2434680"/>
           </a:xfrm>
           <a:prstGeom prst="rect">
             <a:avLst/>
@@ -7104,7 +7222,7 @@
       </p:grpSpPr>
       <p:sp>
         <p:nvSpPr>
-          <p:cNvPr id="112" name="PlaceHolder 1"/>
+          <p:cNvPr id="110" name="PlaceHolder 1"/>
           <p:cNvSpPr>
             <a:spLocks noGrp="1"/>
           </p:cNvSpPr>
@@ -7114,7 +7232,7 @@
         </p:nvSpPr>
         <p:spPr>
           <a:xfrm>
-            <a:off x="311760" y="444960"/>
+            <a:off x="360000" y="444960"/>
             <a:ext cx="8519400" cy="571680"/>
           </a:xfrm>
           <a:prstGeom prst="rect">
@@ -7161,67 +7279,52 @@
           </a:p>
         </p:txBody>
       </p:sp>
-      <p:sp>
-        <p:nvSpPr>
-          <p:cNvPr id="113" name="PlaceHolder 2"/>
-          <p:cNvSpPr>
-            <a:spLocks noGrp="1"/>
-          </p:cNvSpPr>
-          <p:nvPr>
-            <p:ph/>
-          </p:nvPr>
-        </p:nvSpPr>
+      <p:pic>
+        <p:nvPicPr>
+          <p:cNvPr id="111" name="" descr=""/>
+          <p:cNvPicPr/>
+          <p:nvPr/>
+        </p:nvPicPr>
+        <p:blipFill>
+          <a:blip r:embed="rId1"/>
+          <a:stretch/>
+        </p:blipFill>
         <p:spPr>
           <a:xfrm>
-            <a:off x="311760" y="1152360"/>
-            <a:ext cx="8519400" cy="3415320"/>
+            <a:off x="473760" y="1152000"/>
+            <a:ext cx="3832200" cy="3415320"/>
           </a:xfrm>
           <a:prstGeom prst="rect">
             <a:avLst/>
           </a:prstGeom>
-          <a:noFill/>
           <a:ln w="0">
             <a:noFill/>
           </a:ln>
         </p:spPr>
-        <p:txBody>
-          <a:bodyPr lIns="0" rIns="0" tIns="0" bIns="0" anchor="t">
-            <a:normAutofit/>
-          </a:bodyPr>
-          <a:p>
-            <a:pPr marL="432000" indent="-324000">
-              <a:lnSpc>
-                <a:spcPct val="150000"/>
-              </a:lnSpc>
-              <a:buClr>
-                <a:srgbClr val="000000"/>
-              </a:buClr>
-              <a:buSzPct val="45000"/>
-              <a:buFont typeface="Wingdings" charset="2"/>
-              <a:buChar char=""/>
-            </a:pPr>
-            <a:r>
-              <a:rPr b="0" lang="fr" sz="1300" spc="-1" strike="noStrike">
-                <a:solidFill>
-                  <a:srgbClr val="0d0d0d"/>
-                </a:solidFill>
-                <a:highlight>
-                  <a:srgbClr val="ffffff"/>
-                </a:highlight>
-                <a:latin typeface="Montserrat"/>
-                <a:ea typeface="Montserrat"/>
-              </a:rPr>
-              <a:t>La veille nous a permis de faire de nombreuses recherches et de nous mettre à jour, en ce qui concerne les nouvelles technologies du web. Ce qui nous a aidé à faire les bon choix d’outils pour notre site.</a:t>
-            </a:r>
-            <a:endParaRPr b="0" lang="en-GB" sz="1300" spc="-1" strike="noStrike">
-              <a:solidFill>
-                <a:srgbClr val="000000"/>
-              </a:solidFill>
-              <a:latin typeface="Arial"/>
-            </a:endParaRPr>
-          </a:p>
-        </p:txBody>
-      </p:sp>
+      </p:pic>
+      <p:pic>
+        <p:nvPicPr>
+          <p:cNvPr id="112" name="" descr=""/>
+          <p:cNvPicPr/>
+          <p:nvPr/>
+        </p:nvPicPr>
+        <p:blipFill>
+          <a:blip r:embed="rId2"/>
+          <a:stretch/>
+        </p:blipFill>
+        <p:spPr>
+          <a:xfrm>
+            <a:off x="4939560" y="1152000"/>
+            <a:ext cx="3633120" cy="3415320"/>
+          </a:xfrm>
+          <a:prstGeom prst="rect">
+            <a:avLst/>
+          </a:prstGeom>
+          <a:ln w="0">
+            <a:noFill/>
+          </a:ln>
+        </p:spPr>
+      </p:pic>
     </p:spTree>
   </p:cSld>
   <mc:AlternateContent>
@@ -7254,7 +7357,157 @@
       </p:grpSpPr>
       <p:sp>
         <p:nvSpPr>
-          <p:cNvPr id="114" name="PlaceHolder 1"/>
+          <p:cNvPr id="113" name="PlaceHolder 1"/>
+          <p:cNvSpPr>
+            <a:spLocks noGrp="1"/>
+          </p:cNvSpPr>
+          <p:nvPr>
+            <p:ph type="title"/>
+          </p:nvPr>
+        </p:nvSpPr>
+        <p:spPr>
+          <a:xfrm>
+            <a:off x="311760" y="444960"/>
+            <a:ext cx="8519400" cy="571680"/>
+          </a:xfrm>
+          <a:prstGeom prst="rect">
+            <a:avLst/>
+          </a:prstGeom>
+          <a:noFill/>
+          <a:ln w="0">
+            <a:noFill/>
+          </a:ln>
+        </p:spPr>
+        <p:txBody>
+          <a:bodyPr lIns="0" rIns="0" tIns="0" bIns="0" anchor="ctr">
+            <a:noAutofit/>
+          </a:bodyPr>
+          <a:p>
+            <a:pPr indent="0">
+              <a:lnSpc>
+                <a:spcPct val="115000"/>
+              </a:lnSpc>
+              <a:spcAft>
+                <a:spcPts val="1199"/>
+              </a:spcAft>
+              <a:buNone/>
+              <a:tabLst>
+                <a:tab algn="l" pos="0"/>
+              </a:tabLst>
+            </a:pPr>
+            <a:r>
+              <a:rPr b="0" lang="fr" sz="2000" spc="-1" strike="noStrike">
+                <a:solidFill>
+                  <a:schemeClr val="dk1"/>
+                </a:solidFill>
+                <a:latin typeface="Montserrat"/>
+                <a:ea typeface="Montserrat"/>
+              </a:rPr>
+              <a:t>Veille Technologique</a:t>
+            </a:r>
+            <a:endParaRPr b="0" lang="en-GB" sz="2000" spc="-1" strike="noStrike">
+              <a:solidFill>
+                <a:srgbClr val="000000"/>
+              </a:solidFill>
+              <a:latin typeface="Arial"/>
+            </a:endParaRPr>
+          </a:p>
+        </p:txBody>
+      </p:sp>
+      <p:sp>
+        <p:nvSpPr>
+          <p:cNvPr id="114" name="PlaceHolder 2"/>
+          <p:cNvSpPr>
+            <a:spLocks noGrp="1"/>
+          </p:cNvSpPr>
+          <p:nvPr>
+            <p:ph/>
+          </p:nvPr>
+        </p:nvSpPr>
+        <p:spPr>
+          <a:xfrm>
+            <a:off x="311760" y="1152360"/>
+            <a:ext cx="8519400" cy="3415320"/>
+          </a:xfrm>
+          <a:prstGeom prst="rect">
+            <a:avLst/>
+          </a:prstGeom>
+          <a:noFill/>
+          <a:ln w="0">
+            <a:noFill/>
+          </a:ln>
+        </p:spPr>
+        <p:txBody>
+          <a:bodyPr lIns="0" rIns="0" tIns="0" bIns="0" anchor="t">
+            <a:normAutofit/>
+          </a:bodyPr>
+          <a:p>
+            <a:pPr marL="432000" indent="-324000">
+              <a:lnSpc>
+                <a:spcPct val="150000"/>
+              </a:lnSpc>
+              <a:buClr>
+                <a:srgbClr val="000000"/>
+              </a:buClr>
+              <a:buSzPct val="45000"/>
+              <a:buFont typeface="Wingdings" charset="2"/>
+              <a:buChar char=""/>
+            </a:pPr>
+            <a:r>
+              <a:rPr b="0" lang="fr" sz="1300" spc="-1" strike="noStrike">
+                <a:solidFill>
+                  <a:srgbClr val="0d0d0d"/>
+                </a:solidFill>
+                <a:highlight>
+                  <a:srgbClr val="ffffff"/>
+                </a:highlight>
+                <a:latin typeface="Montserrat"/>
+                <a:ea typeface="Montserrat"/>
+              </a:rPr>
+              <a:t>La veille nous a permis de faire de nombreuses recherches et de nous mettre à jour, en ce qui concerne les nouvelles technologies du web. Ce qui nous a aidé à faire les bon choix d’outils pour notre site.</a:t>
+            </a:r>
+            <a:endParaRPr b="0" lang="en-GB" sz="1300" spc="-1" strike="noStrike">
+              <a:solidFill>
+                <a:srgbClr val="000000"/>
+              </a:solidFill>
+              <a:latin typeface="Arial"/>
+            </a:endParaRPr>
+          </a:p>
+        </p:txBody>
+      </p:sp>
+    </p:spTree>
+  </p:cSld>
+  <mc:AlternateContent>
+    <mc:Choice Requires="p14">
+      <p:transition spd="slow" p14:dur="2000"/>
+    </mc:Choice>
+    <mc:Fallback>
+      <p:transition spd="slow"/>
+    </mc:Fallback>
+  </mc:AlternateContent>
+</p:sld>
+</file>
+
+<file path=ppt/slides/slide16.xml><?xml version="1.0" encoding="utf-8"?>
+<p:sld xmlns:a="http://schemas.openxmlformats.org/drawingml/2006/main" xmlns:p="http://schemas.openxmlformats.org/presentationml/2006/main" xmlns:r="http://schemas.openxmlformats.org/officeDocument/2006/relationships" xmlns:p14="http://schemas.microsoft.com/office/powerpoint/2010/main" xmlns:p15="http://schemas.microsoft.com/office/powerpoint/2012/main" xmlns:mc="http://schemas.openxmlformats.org/markup-compatibility/2006">
+  <p:cSld>
+    <p:spTree>
+      <p:nvGrpSpPr>
+        <p:cNvPr id="1" name=""/>
+        <p:cNvGrpSpPr/>
+        <p:nvPr/>
+      </p:nvGrpSpPr>
+      <p:grpSpPr>
+        <a:xfrm>
+          <a:off x="0" y="0"/>
+          <a:ext cx="0" cy="0"/>
+          <a:chOff x="0" y="0"/>
+          <a:chExt cx="0" cy="0"/>
+        </a:xfrm>
+      </p:grpSpPr>
+      <p:sp>
+        <p:nvSpPr>
+          <p:cNvPr id="115" name="PlaceHolder 1"/>
           <p:cNvSpPr>
             <a:spLocks noGrp="1"/>
           </p:cNvSpPr>
@@ -7313,7 +7566,7 @@
       </p:sp>
       <p:sp>
         <p:nvSpPr>
-          <p:cNvPr id="115" name="PlaceHolder 2"/>
+          <p:cNvPr id="116" name="PlaceHolder 2"/>
           <p:cNvSpPr>
             <a:spLocks noGrp="1"/>
           </p:cNvSpPr>
@@ -7396,7 +7649,7 @@
       </p:sp>
       <p:sp>
         <p:nvSpPr>
-          <p:cNvPr id="116" name="Google Shape;123;p21"/>
+          <p:cNvPr id="117" name="Google Shape;123;p21"/>
           <p:cNvSpPr/>
           <p:nvPr/>
         </p:nvSpPr>
@@ -7456,7 +7709,7 @@
       </p:sp>
       <p:sp>
         <p:nvSpPr>
-          <p:cNvPr id="117" name="Google Shape;124;p21"/>
+          <p:cNvPr id="118" name="Google Shape;124;p21"/>
           <p:cNvSpPr/>
           <p:nvPr/>
         </p:nvSpPr>
@@ -7535,7 +7788,7 @@
       </p:sp>
       <p:sp>
         <p:nvSpPr>
-          <p:cNvPr id="118" name="Google Shape;125;p21"/>
+          <p:cNvPr id="119" name="Google Shape;125;p21"/>
           <p:cNvSpPr/>
           <p:nvPr/>
         </p:nvSpPr>
@@ -7587,7 +7840,7 @@
       </p:sp>
       <p:pic>
         <p:nvPicPr>
-          <p:cNvPr id="119" name="Google Shape;126;p21" descr=""/>
+          <p:cNvPr id="120" name="Google Shape;126;p21" descr=""/>
           <p:cNvPicPr/>
           <p:nvPr/>
         </p:nvPicPr>
@@ -7621,7 +7874,7 @@
 </p:sld>
 </file>
 
-<file path=ppt/slides/slide16.xml><?xml version="1.0" encoding="utf-8"?>
+<file path=ppt/slides/slide17.xml><?xml version="1.0" encoding="utf-8"?>
 <p:sld xmlns:a="http://schemas.openxmlformats.org/drawingml/2006/main" xmlns:p="http://schemas.openxmlformats.org/presentationml/2006/main" xmlns:r="http://schemas.openxmlformats.org/officeDocument/2006/relationships" xmlns:p14="http://schemas.microsoft.com/office/powerpoint/2010/main" xmlns:p15="http://schemas.microsoft.com/office/powerpoint/2012/main" xmlns:mc="http://schemas.openxmlformats.org/markup-compatibility/2006">
   <p:cSld>
     <p:bg>
@@ -7647,7 +7900,7 @@
       </p:grpSpPr>
       <p:sp>
         <p:nvSpPr>
-          <p:cNvPr id="120" name="Google Shape;131;p22"/>
+          <p:cNvPr id="121" name="Google Shape;131;p22"/>
           <p:cNvSpPr/>
           <p:nvPr/>
         </p:nvSpPr>
@@ -7704,7 +7957,7 @@
       </p:sp>
       <p:sp>
         <p:nvSpPr>
-          <p:cNvPr id="121" name="Google Shape;132;p22"/>
+          <p:cNvPr id="122" name="Google Shape;132;p22"/>
           <p:cNvSpPr/>
           <p:nvPr/>
         </p:nvSpPr>
@@ -7751,7 +8004,7 @@
       </p:sp>
       <p:pic>
         <p:nvPicPr>
-          <p:cNvPr id="122" name="Google Shape;133;p22" descr=""/>
+          <p:cNvPr id="123" name="Google Shape;133;p22" descr=""/>
           <p:cNvPicPr/>
           <p:nvPr/>
         </p:nvPicPr>
@@ -9169,325 +9422,9 @@
           <a:chExt cx="0" cy="0"/>
         </a:xfrm>
       </p:grpSpPr>
-      <p:sp>
-        <p:nvSpPr>
-          <p:cNvPr id="69" name="PlaceHolder 1"/>
-          <p:cNvSpPr>
-            <a:spLocks noGrp="1"/>
-          </p:cNvSpPr>
-          <p:nvPr>
-            <p:ph type="title"/>
-          </p:nvPr>
-        </p:nvSpPr>
-        <p:spPr>
-          <a:xfrm>
-            <a:off x="311760" y="444960"/>
-            <a:ext cx="8519400" cy="571680"/>
-          </a:xfrm>
-          <a:prstGeom prst="rect">
-            <a:avLst/>
-          </a:prstGeom>
-          <a:noFill/>
-          <a:ln w="0">
-            <a:noFill/>
-          </a:ln>
-        </p:spPr>
-        <p:txBody>
-          <a:bodyPr lIns="91440" rIns="91440" tIns="91440" bIns="91440" anchor="t">
-            <a:normAutofit/>
-          </a:bodyPr>
-          <a:p>
-            <a:pPr indent="0">
-              <a:lnSpc>
-                <a:spcPct val="115000"/>
-              </a:lnSpc>
-              <a:spcAft>
-                <a:spcPts val="1199"/>
-              </a:spcAft>
-              <a:buNone/>
-              <a:tabLst>
-                <a:tab algn="l" pos="0"/>
-              </a:tabLst>
-            </a:pPr>
-            <a:r>
-              <a:rPr b="0" lang="fr" sz="2000" spc="-1" strike="noStrike">
-                <a:solidFill>
-                  <a:schemeClr val="dk1"/>
-                </a:solidFill>
-                <a:latin typeface="Montserrat"/>
-                <a:ea typeface="Montserrat"/>
-              </a:rPr>
-              <a:t>Méthodologie utilisée</a:t>
-            </a:r>
-            <a:endParaRPr b="0" lang="en-GB" sz="2000" spc="-1" strike="noStrike">
-              <a:solidFill>
-                <a:srgbClr val="000000"/>
-              </a:solidFill>
-              <a:latin typeface="Arial"/>
-            </a:endParaRPr>
-          </a:p>
-        </p:txBody>
-      </p:sp>
-      <p:sp>
-        <p:nvSpPr>
-          <p:cNvPr id="70" name="PlaceHolder 2"/>
-          <p:cNvSpPr>
-            <a:spLocks noGrp="1"/>
-          </p:cNvSpPr>
-          <p:nvPr>
-            <p:ph/>
-          </p:nvPr>
-        </p:nvSpPr>
-        <p:spPr>
-          <a:xfrm>
-            <a:off x="311760" y="1152360"/>
-            <a:ext cx="4156920" cy="3415320"/>
-          </a:xfrm>
-          <a:prstGeom prst="rect">
-            <a:avLst/>
-          </a:prstGeom>
-          <a:noFill/>
-          <a:ln w="0">
-            <a:noFill/>
-          </a:ln>
-        </p:spPr>
-        <p:txBody>
-          <a:bodyPr lIns="91440" rIns="91440" tIns="91440" bIns="91440" anchor="t">
-            <a:normAutofit/>
-          </a:bodyPr>
-          <a:p>
-            <a:pPr marL="457200" indent="0">
-              <a:lnSpc>
-                <a:spcPct val="115000"/>
-              </a:lnSpc>
-              <a:buNone/>
-              <a:tabLst>
-                <a:tab algn="l" pos="0"/>
-              </a:tabLst>
-            </a:pPr>
-            <a:endParaRPr b="0" lang="en-GB" sz="1500" spc="-1" strike="noStrike">
-              <a:solidFill>
-                <a:srgbClr val="000000"/>
-              </a:solidFill>
-              <a:latin typeface="Arial"/>
-            </a:endParaRPr>
-          </a:p>
-          <a:p>
-            <a:pPr marL="457200" indent="-324000">
-              <a:lnSpc>
-                <a:spcPct val="115000"/>
-              </a:lnSpc>
-              <a:buClr>
-                <a:srgbClr val="0d0d0d"/>
-              </a:buClr>
-              <a:buFont typeface="Montserrat"/>
-              <a:buChar char="●"/>
-              <a:tabLst>
-                <a:tab algn="l" pos="0"/>
-              </a:tabLst>
-            </a:pPr>
-            <a:r>
-              <a:rPr b="0" lang="fr" sz="1500" spc="-1" strike="noStrike">
-                <a:solidFill>
-                  <a:srgbClr val="0d0d0d"/>
-                </a:solidFill>
-                <a:highlight>
-                  <a:srgbClr val="ffffff"/>
-                </a:highlight>
-                <a:latin typeface="Montserrat"/>
-                <a:ea typeface="Montserrat"/>
-              </a:rPr>
-              <a:t>Nous allons utiliser la gestion de projet agile pour organiser notre travail.</a:t>
-            </a:r>
-            <a:endParaRPr b="0" lang="en-GB" sz="1500" spc="-1" strike="noStrike">
-              <a:solidFill>
-                <a:srgbClr val="000000"/>
-              </a:solidFill>
-              <a:latin typeface="Arial"/>
-            </a:endParaRPr>
-          </a:p>
-          <a:p>
-            <a:pPr marL="457200" indent="0">
-              <a:lnSpc>
-                <a:spcPct val="115000"/>
-              </a:lnSpc>
-              <a:buNone/>
-              <a:tabLst>
-                <a:tab algn="l" pos="0"/>
-              </a:tabLst>
-            </a:pPr>
-            <a:endParaRPr b="0" lang="en-GB" sz="1500" spc="-1" strike="noStrike">
-              <a:solidFill>
-                <a:srgbClr val="000000"/>
-              </a:solidFill>
-              <a:latin typeface="Arial"/>
-            </a:endParaRPr>
-          </a:p>
-          <a:p>
-            <a:pPr marL="457200" indent="-324000">
-              <a:lnSpc>
-                <a:spcPct val="115000"/>
-              </a:lnSpc>
-              <a:buClr>
-                <a:srgbClr val="0d0d0d"/>
-              </a:buClr>
-              <a:buFont typeface="Montserrat"/>
-              <a:buChar char="●"/>
-              <a:tabLst>
-                <a:tab algn="l" pos="0"/>
-              </a:tabLst>
-            </a:pPr>
-            <a:r>
-              <a:rPr b="0" lang="fr" sz="1500" spc="-1" strike="noStrike">
-                <a:solidFill>
-                  <a:srgbClr val="0d0d0d"/>
-                </a:solidFill>
-                <a:highlight>
-                  <a:srgbClr val="ffffff"/>
-                </a:highlight>
-                <a:latin typeface="Montserrat"/>
-                <a:ea typeface="Montserrat"/>
-              </a:rPr>
-              <a:t>Nous utiliserons la méthode scrum pour gérer notre projet.</a:t>
-            </a:r>
-            <a:endParaRPr b="0" lang="en-GB" sz="1500" spc="-1" strike="noStrike">
-              <a:solidFill>
-                <a:srgbClr val="000000"/>
-              </a:solidFill>
-              <a:latin typeface="Arial"/>
-            </a:endParaRPr>
-          </a:p>
-          <a:p>
-            <a:pPr marL="457200" indent="0">
-              <a:lnSpc>
-                <a:spcPct val="115000"/>
-              </a:lnSpc>
-              <a:buNone/>
-              <a:tabLst>
-                <a:tab algn="l" pos="0"/>
-              </a:tabLst>
-            </a:pPr>
-            <a:endParaRPr b="0" lang="en-GB" sz="1500" spc="-1" strike="noStrike">
-              <a:solidFill>
-                <a:srgbClr val="000000"/>
-              </a:solidFill>
-              <a:latin typeface="Arial"/>
-            </a:endParaRPr>
-          </a:p>
-          <a:p>
-            <a:pPr marL="457200" indent="-324000">
-              <a:lnSpc>
-                <a:spcPct val="115000"/>
-              </a:lnSpc>
-              <a:buClr>
-                <a:srgbClr val="0d0d0d"/>
-              </a:buClr>
-              <a:buFont typeface="Montserrat"/>
-              <a:buChar char="●"/>
-              <a:tabLst>
-                <a:tab algn="l" pos="0"/>
-              </a:tabLst>
-            </a:pPr>
-            <a:r>
-              <a:rPr b="0" lang="fr" sz="1500" spc="-1" strike="noStrike">
-                <a:solidFill>
-                  <a:srgbClr val="0d0d0d"/>
-                </a:solidFill>
-                <a:highlight>
-                  <a:srgbClr val="ffffff"/>
-                </a:highlight>
-                <a:latin typeface="Montserrat"/>
-                <a:ea typeface="Montserrat"/>
-              </a:rPr>
-              <a:t>Cet manière de fonctionner présentes des avantages pour notre projet en terme de rigueur et d’adaptabilité aux besoins du client.</a:t>
-            </a:r>
-            <a:endParaRPr b="0" lang="en-GB" sz="1500" spc="-1" strike="noStrike">
-              <a:solidFill>
-                <a:srgbClr val="000000"/>
-              </a:solidFill>
-              <a:latin typeface="Arial"/>
-            </a:endParaRPr>
-          </a:p>
-          <a:p>
-            <a:pPr marL="457200" indent="0">
-              <a:lnSpc>
-                <a:spcPct val="115000"/>
-              </a:lnSpc>
-              <a:spcBef>
-                <a:spcPts val="1199"/>
-              </a:spcBef>
-              <a:spcAft>
-                <a:spcPts val="1199"/>
-              </a:spcAft>
-              <a:buNone/>
-              <a:tabLst>
-                <a:tab algn="l" pos="0"/>
-              </a:tabLst>
-            </a:pPr>
-            <a:endParaRPr b="0" lang="en-GB" sz="1800" spc="-1" strike="noStrike">
-              <a:solidFill>
-                <a:srgbClr val="000000"/>
-              </a:solidFill>
-              <a:latin typeface="Arial"/>
-            </a:endParaRPr>
-          </a:p>
-        </p:txBody>
-      </p:sp>
-      <p:sp>
-        <p:nvSpPr>
-          <p:cNvPr id="71" name="Google Shape;86;p17"/>
-          <p:cNvSpPr/>
-          <p:nvPr/>
-        </p:nvSpPr>
-        <p:spPr>
-          <a:xfrm>
-            <a:off x="-4680" y="0"/>
-            <a:ext cx="9152640" cy="238680"/>
-          </a:xfrm>
-          <a:prstGeom prst="rect">
-            <a:avLst/>
-          </a:prstGeom>
-          <a:solidFill>
-            <a:srgbClr val="fce5cd"/>
-          </a:solidFill>
-          <a:ln w="9525">
-            <a:solidFill>
-              <a:srgbClr val="f7edde"/>
-            </a:solidFill>
-            <a:round/>
-          </a:ln>
-        </p:spPr>
-        <p:style>
-          <a:lnRef idx="0"/>
-          <a:fillRef idx="0"/>
-          <a:effectRef idx="0"/>
-          <a:fontRef idx="minor"/>
-        </p:style>
-        <p:txBody>
-          <a:bodyPr lIns="90000" rIns="90000" tIns="91440" bIns="91440" anchor="ctr">
-            <a:noAutofit/>
-          </a:bodyPr>
-          <a:p>
-            <a:pPr algn="ctr">
-              <a:lnSpc>
-                <a:spcPct val="100000"/>
-              </a:lnSpc>
-              <a:tabLst>
-                <a:tab algn="l" pos="0"/>
-              </a:tabLst>
-            </a:pPr>
-            <a:endParaRPr b="0" lang="en-GB" sz="1400" spc="-1" strike="noStrike">
-              <a:solidFill>
-                <a:srgbClr val="000000"/>
-              </a:solidFill>
-              <a:latin typeface="Arial"/>
-            </a:endParaRPr>
-          </a:p>
-        </p:txBody>
-      </p:sp>
       <p:pic>
         <p:nvPicPr>
-          <p:cNvPr id="72" name="Google Shape;87;p17" descr=""/>
+          <p:cNvPr id="69" name="" descr=""/>
           <p:cNvPicPr/>
           <p:nvPr/>
         </p:nvPicPr>
@@ -9497,31 +9434,8 @@
         </p:blipFill>
         <p:spPr>
           <a:xfrm>
-            <a:off x="4677480" y="1820160"/>
-            <a:ext cx="4156920" cy="2079360"/>
-          </a:xfrm>
-          <a:prstGeom prst="rect">
-            <a:avLst/>
-          </a:prstGeom>
-          <a:ln w="0">
-            <a:noFill/>
-          </a:ln>
-        </p:spPr>
-      </p:pic>
-      <p:pic>
-        <p:nvPicPr>
-          <p:cNvPr id="73" name="" descr=""/>
-          <p:cNvPicPr/>
-          <p:nvPr/>
-        </p:nvPicPr>
-        <p:blipFill>
-          <a:blip r:embed="rId2"/>
-          <a:stretch/>
-        </p:blipFill>
-        <p:spPr>
-          <a:xfrm>
-            <a:off x="4686840" y="1410480"/>
-            <a:ext cx="3772440" cy="2899080"/>
+            <a:off x="871920" y="180000"/>
+            <a:ext cx="6868080" cy="4680000"/>
           </a:xfrm>
           <a:prstGeom prst="rect">
             <a:avLst/>
@@ -9561,258 +9475,9 @@
           <a:chExt cx="0" cy="0"/>
         </a:xfrm>
       </p:grpSpPr>
-      <p:pic>
-        <p:nvPicPr>
-          <p:cNvPr id="74" name="" descr=""/>
-          <p:cNvPicPr/>
-          <p:nvPr/>
-        </p:nvPicPr>
-        <p:blipFill>
-          <a:blip r:embed="rId1"/>
-          <a:stretch/>
-        </p:blipFill>
-        <p:spPr>
-          <a:xfrm>
-            <a:off x="311040" y="2021760"/>
-            <a:ext cx="4156920" cy="1675080"/>
-          </a:xfrm>
-          <a:prstGeom prst="rect">
-            <a:avLst/>
-          </a:prstGeom>
-          <a:ln w="0">
-            <a:noFill/>
-          </a:ln>
-        </p:spPr>
-      </p:pic>
       <p:sp>
         <p:nvSpPr>
-          <p:cNvPr id="75" name="PlaceHolder 1"/>
-          <p:cNvSpPr>
-            <a:spLocks noGrp="1"/>
-          </p:cNvSpPr>
-          <p:nvPr>
-            <p:ph type="title"/>
-          </p:nvPr>
-        </p:nvSpPr>
-        <p:spPr>
-          <a:xfrm>
-            <a:off x="311760" y="444960"/>
-            <a:ext cx="8519400" cy="571680"/>
-          </a:xfrm>
-          <a:prstGeom prst="rect">
-            <a:avLst/>
-          </a:prstGeom>
-          <a:noFill/>
-          <a:ln w="0">
-            <a:noFill/>
-          </a:ln>
-        </p:spPr>
-        <p:txBody>
-          <a:bodyPr lIns="0" rIns="0" tIns="0" bIns="0" anchor="ctr">
-            <a:noAutofit/>
-          </a:bodyPr>
-          <a:p>
-            <a:pPr indent="0">
-              <a:lnSpc>
-                <a:spcPct val="115000"/>
-              </a:lnSpc>
-              <a:spcAft>
-                <a:spcPts val="1199"/>
-              </a:spcAft>
-              <a:buNone/>
-              <a:tabLst>
-                <a:tab algn="l" pos="0"/>
-              </a:tabLst>
-            </a:pPr>
-            <a:r>
-              <a:rPr b="0" lang="fr" sz="2000" spc="-1" strike="noStrike">
-                <a:solidFill>
-                  <a:schemeClr val="dk1"/>
-                </a:solidFill>
-                <a:latin typeface="Montserrat"/>
-                <a:ea typeface="Montserrat"/>
-              </a:rPr>
-              <a:t>Méthodologie utilisée</a:t>
-            </a:r>
-            <a:endParaRPr b="0" lang="en-GB" sz="2000" spc="-1" strike="noStrike">
-              <a:solidFill>
-                <a:srgbClr val="000000"/>
-              </a:solidFill>
-              <a:latin typeface="Arial"/>
-            </a:endParaRPr>
-          </a:p>
-        </p:txBody>
-      </p:sp>
-      <p:sp>
-        <p:nvSpPr>
-          <p:cNvPr id="76" name="PlaceHolder 2"/>
-          <p:cNvSpPr>
-            <a:spLocks noGrp="1"/>
-          </p:cNvSpPr>
-          <p:nvPr>
-            <p:ph/>
-          </p:nvPr>
-        </p:nvSpPr>
-        <p:spPr>
-          <a:xfrm>
-            <a:off x="4677840" y="1152360"/>
-            <a:ext cx="4156920" cy="3415320"/>
-          </a:xfrm>
-          <a:prstGeom prst="rect">
-            <a:avLst/>
-          </a:prstGeom>
-          <a:noFill/>
-          <a:ln w="0">
-            <a:noFill/>
-          </a:ln>
-        </p:spPr>
-        <p:txBody>
-          <a:bodyPr lIns="0" rIns="0" tIns="0" bIns="0" anchor="t">
-            <a:normAutofit/>
-          </a:bodyPr>
-          <a:p>
-            <a:pPr marL="432000" indent="0">
-              <a:lnSpc>
-                <a:spcPct val="100000"/>
-              </a:lnSpc>
-              <a:spcBef>
-                <a:spcPts val="1417"/>
-              </a:spcBef>
-              <a:buNone/>
-              <a:tabLst>
-                <a:tab algn="l" pos="0"/>
-              </a:tabLst>
-            </a:pPr>
-            <a:endParaRPr b="0" lang="en-GB" sz="1300" spc="-1" strike="noStrike">
-              <a:solidFill>
-                <a:srgbClr val="000000"/>
-              </a:solidFill>
-              <a:latin typeface="Arial"/>
-            </a:endParaRPr>
-          </a:p>
-          <a:p>
-            <a:pPr marL="432000" indent="-324000">
-              <a:lnSpc>
-                <a:spcPct val="100000"/>
-              </a:lnSpc>
-              <a:spcBef>
-                <a:spcPts val="1417"/>
-              </a:spcBef>
-              <a:buClr>
-                <a:srgbClr val="000000"/>
-              </a:buClr>
-              <a:buSzPct val="45000"/>
-              <a:buFont typeface="Wingdings" charset="2"/>
-              <a:buChar char=""/>
-              <a:tabLst>
-                <a:tab algn="l" pos="0"/>
-              </a:tabLst>
-            </a:pPr>
-            <a:r>
-              <a:rPr b="0" lang="en-GB" sz="1500" spc="-1" strike="noStrike">
-                <a:solidFill>
-                  <a:srgbClr val="000000"/>
-                </a:solidFill>
-                <a:latin typeface="Montserrat"/>
-              </a:rPr>
-              <a:t>La méthode scrum permet de fixer une échéance pour chaque mission.</a:t>
-            </a:r>
-            <a:endParaRPr b="0" lang="en-GB" sz="1500" spc="-1" strike="noStrike">
-              <a:solidFill>
-                <a:srgbClr val="000000"/>
-              </a:solidFill>
-              <a:latin typeface="Arial"/>
-            </a:endParaRPr>
-          </a:p>
-          <a:p>
-            <a:pPr marL="432000" indent="-324000">
-              <a:lnSpc>
-                <a:spcPct val="100000"/>
-              </a:lnSpc>
-              <a:spcBef>
-                <a:spcPts val="1417"/>
-              </a:spcBef>
-              <a:buClr>
-                <a:srgbClr val="000000"/>
-              </a:buClr>
-              <a:buSzPct val="45000"/>
-              <a:buFont typeface="Wingdings" charset="2"/>
-              <a:buChar char=""/>
-              <a:tabLst>
-                <a:tab algn="l" pos="0"/>
-              </a:tabLst>
-            </a:pPr>
-            <a:r>
-              <a:rPr b="0" lang="en-GB" sz="1500" spc="-1" strike="noStrike">
-                <a:solidFill>
-                  <a:srgbClr val="000000"/>
-                </a:solidFill>
-                <a:latin typeface="Montserrat"/>
-              </a:rPr>
-              <a:t>Le travail est divisé en sprint.</a:t>
-            </a:r>
-            <a:endParaRPr b="0" lang="en-GB" sz="1500" spc="-1" strike="noStrike">
-              <a:solidFill>
-                <a:srgbClr val="000000"/>
-              </a:solidFill>
-              <a:latin typeface="Arial"/>
-            </a:endParaRPr>
-          </a:p>
-          <a:p>
-            <a:pPr marL="432000" indent="0">
-              <a:lnSpc>
-                <a:spcPct val="100000"/>
-              </a:lnSpc>
-              <a:spcBef>
-                <a:spcPts val="1417"/>
-              </a:spcBef>
-              <a:buNone/>
-              <a:tabLst>
-                <a:tab algn="l" pos="0"/>
-              </a:tabLst>
-            </a:pPr>
-            <a:endParaRPr b="0" lang="en-GB" sz="1300" spc="-1" strike="noStrike">
-              <a:solidFill>
-                <a:srgbClr val="000000"/>
-              </a:solidFill>
-              <a:latin typeface="Arial"/>
-            </a:endParaRPr>
-          </a:p>
-        </p:txBody>
-      </p:sp>
-    </p:spTree>
-  </p:cSld>
-  <mc:AlternateContent>
-    <mc:Choice Requires="p14">
-      <p:transition spd="slow" p14:dur="2000"/>
-    </mc:Choice>
-    <mc:Fallback>
-      <p:transition spd="slow"/>
-    </mc:Fallback>
-  </mc:AlternateContent>
-</p:sld>
-</file>
-
-<file path=ppt/slides/slide7.xml><?xml version="1.0" encoding="utf-8"?>
-<p:sld xmlns:a="http://schemas.openxmlformats.org/drawingml/2006/main" xmlns:p="http://schemas.openxmlformats.org/presentationml/2006/main" xmlns:r="http://schemas.openxmlformats.org/officeDocument/2006/relationships" xmlns:p14="http://schemas.microsoft.com/office/powerpoint/2010/main" xmlns:p15="http://schemas.microsoft.com/office/powerpoint/2012/main" xmlns:mc="http://schemas.openxmlformats.org/markup-compatibility/2006">
-  <p:cSld>
-    <p:spTree>
-      <p:nvGrpSpPr>
-        <p:cNvPr id="1" name=""/>
-        <p:cNvGrpSpPr/>
-        <p:nvPr/>
-      </p:nvGrpSpPr>
-      <p:grpSpPr>
-        <a:xfrm>
-          <a:off x="0" y="0"/>
-          <a:ext cx="0" cy="0"/>
-          <a:chOff x="0" y="0"/>
-          <a:chExt cx="0" cy="0"/>
-        </a:xfrm>
-      </p:grpSpPr>
-      <p:sp>
-        <p:nvSpPr>
-          <p:cNvPr id="77" name="PlaceHolder 1"/>
+          <p:cNvPr id="70" name="PlaceHolder 1"/>
           <p:cNvSpPr>
             <a:spLocks noGrp="1"/>
           </p:cNvSpPr>
@@ -9858,7 +9523,7 @@
                 <a:latin typeface="Montserrat"/>
                 <a:ea typeface="Montserrat"/>
               </a:rPr>
-              <a:t>Suivi du projet avec le Kanban</a:t>
+              <a:t>Méthodologie utilisée</a:t>
             </a:r>
             <a:endParaRPr b="0" lang="en-GB" sz="2000" spc="-1" strike="noStrike">
               <a:solidFill>
@@ -9871,14 +9536,18 @@
       </p:sp>
       <p:sp>
         <p:nvSpPr>
-          <p:cNvPr id="78" name="Google Shape;94;p18"/>
-          <p:cNvSpPr/>
-          <p:nvPr/>
+          <p:cNvPr id="71" name="PlaceHolder 2"/>
+          <p:cNvSpPr>
+            <a:spLocks noGrp="1"/>
+          </p:cNvSpPr>
+          <p:nvPr>
+            <p:ph/>
+          </p:nvPr>
         </p:nvSpPr>
         <p:spPr>
           <a:xfrm>
-            <a:off x="360000" y="1080000"/>
-            <a:ext cx="8394480" cy="2245320"/>
+            <a:off x="311760" y="1152360"/>
+            <a:ext cx="4156920" cy="3415320"/>
           </a:xfrm>
           <a:prstGeom prst="rect">
             <a:avLst/>
@@ -9888,29 +9557,43 @@
             <a:noFill/>
           </a:ln>
         </p:spPr>
-        <p:style>
-          <a:lnRef idx="0"/>
-          <a:fillRef idx="0"/>
-          <a:effectRef idx="0"/>
-          <a:fontRef idx="minor"/>
-        </p:style>
         <p:txBody>
-          <a:bodyPr lIns="90000" rIns="90000" tIns="91440" bIns="91440" anchor="t">
-            <a:spAutoFit/>
+          <a:bodyPr lIns="91440" rIns="91440" tIns="91440" bIns="91440" anchor="t">
+            <a:normAutofit/>
           </a:bodyPr>
           <a:p>
+            <a:pPr marL="457200" indent="0">
+              <a:lnSpc>
+                <a:spcPct val="115000"/>
+              </a:lnSpc>
+              <a:buNone/>
+              <a:tabLst>
+                <a:tab algn="l" pos="0"/>
+              </a:tabLst>
+            </a:pPr>
+            <a:endParaRPr b="0" lang="en-GB" sz="1500" spc="-1" strike="noStrike">
+              <a:solidFill>
+                <a:srgbClr val="000000"/>
+              </a:solidFill>
+              <a:latin typeface="Arial"/>
+            </a:endParaRPr>
+          </a:p>
+          <a:p>
             <a:pPr marL="457200" indent="-324000">
               <a:lnSpc>
-                <a:spcPct val="150000"/>
+                <a:spcPct val="115000"/>
               </a:lnSpc>
               <a:buClr>
                 <a:srgbClr val="0d0d0d"/>
               </a:buClr>
               <a:buFont typeface="Montserrat"/>
               <a:buChar char="●"/>
-            </a:pPr>
-            <a:r>
-              <a:rPr b="0" lang="fr" sz="1300" spc="-1" strike="noStrike">
+              <a:tabLst>
+                <a:tab algn="l" pos="0"/>
+              </a:tabLst>
+            </a:pPr>
+            <a:r>
+              <a:rPr b="0" lang="fr" sz="1500" spc="-1" strike="noStrike">
                 <a:solidFill>
                   <a:srgbClr val="0d0d0d"/>
                 </a:solidFill>
@@ -9920,9 +9603,26 @@
                 <a:latin typeface="Montserrat"/>
                 <a:ea typeface="Montserrat"/>
               </a:rPr>
-              <a:t>Chaque éléments dans notre kanban dispose d’une user story pour expliquer le but que nous recherchons. Il y a en dessous du user story, les détails qui donnent plus d’informations sur ce que nous pourrons faire.</a:t>
-            </a:r>
-            <a:endParaRPr b="0" lang="en-GB" sz="1300" spc="-1" strike="noStrike">
+              <a:t>Nous allons utiliser la gestion de projet agile pour organiser notre travail.</a:t>
+            </a:r>
+            <a:endParaRPr b="0" lang="en-GB" sz="1500" spc="-1" strike="noStrike">
+              <a:solidFill>
+                <a:srgbClr val="000000"/>
+              </a:solidFill>
+              <a:latin typeface="Arial"/>
+            </a:endParaRPr>
+          </a:p>
+          <a:p>
+            <a:pPr marL="457200" indent="0">
+              <a:lnSpc>
+                <a:spcPct val="115000"/>
+              </a:lnSpc>
+              <a:buNone/>
+              <a:tabLst>
+                <a:tab algn="l" pos="0"/>
+              </a:tabLst>
+            </a:pPr>
+            <a:endParaRPr b="0" lang="en-GB" sz="1500" spc="-1" strike="noStrike">
               <a:solidFill>
                 <a:srgbClr val="000000"/>
               </a:solidFill>
@@ -9932,16 +9632,19 @@
           <a:p>
             <a:pPr marL="457200" indent="-324000">
               <a:lnSpc>
-                <a:spcPct val="150000"/>
+                <a:spcPct val="115000"/>
               </a:lnSpc>
               <a:buClr>
                 <a:srgbClr val="0d0d0d"/>
               </a:buClr>
               <a:buFont typeface="Montserrat"/>
               <a:buChar char="●"/>
-            </a:pPr>
-            <a:r>
-              <a:rPr b="0" lang="fr" sz="1300" spc="-1" strike="noStrike">
+              <a:tabLst>
+                <a:tab algn="l" pos="0"/>
+              </a:tabLst>
+            </a:pPr>
+            <a:r>
+              <a:rPr b="0" lang="fr" sz="1500" spc="-1" strike="noStrike">
                 <a:solidFill>
                   <a:srgbClr val="0d0d0d"/>
                 </a:solidFill>
@@ -9951,9 +9654,26 @@
                 <a:latin typeface="Montserrat"/>
                 <a:ea typeface="Montserrat"/>
               </a:rPr>
-              <a:t>Facilite les avancées dans le travail.</a:t>
-            </a:r>
-            <a:endParaRPr b="0" lang="en-GB" sz="1300" spc="-1" strike="noStrike">
+              <a:t>Nous utiliserons la méthode scrum pour gérer notre projet.</a:t>
+            </a:r>
+            <a:endParaRPr b="0" lang="en-GB" sz="1500" spc="-1" strike="noStrike">
+              <a:solidFill>
+                <a:srgbClr val="000000"/>
+              </a:solidFill>
+              <a:latin typeface="Arial"/>
+            </a:endParaRPr>
+          </a:p>
+          <a:p>
+            <a:pPr marL="457200" indent="0">
+              <a:lnSpc>
+                <a:spcPct val="115000"/>
+              </a:lnSpc>
+              <a:buNone/>
+              <a:tabLst>
+                <a:tab algn="l" pos="0"/>
+              </a:tabLst>
+            </a:pPr>
+            <a:endParaRPr b="0" lang="en-GB" sz="1500" spc="-1" strike="noStrike">
               <a:solidFill>
                 <a:srgbClr val="000000"/>
               </a:solidFill>
@@ -9963,16 +9683,19 @@
           <a:p>
             <a:pPr marL="457200" indent="-324000">
               <a:lnSpc>
-                <a:spcPct val="150000"/>
+                <a:spcPct val="115000"/>
               </a:lnSpc>
               <a:buClr>
                 <a:srgbClr val="0d0d0d"/>
               </a:buClr>
               <a:buFont typeface="Montserrat"/>
               <a:buChar char="●"/>
-            </a:pPr>
-            <a:r>
-              <a:rPr b="0" lang="fr" sz="1300" spc="-1" strike="noStrike">
+              <a:tabLst>
+                <a:tab algn="l" pos="0"/>
+              </a:tabLst>
+            </a:pPr>
+            <a:r>
+              <a:rPr b="0" lang="fr" sz="1500" spc="-1" strike="noStrike">
                 <a:solidFill>
                   <a:srgbClr val="0d0d0d"/>
                 </a:solidFill>
@@ -9982,44 +9705,32 @@
                 <a:latin typeface="Montserrat"/>
                 <a:ea typeface="Montserrat"/>
               </a:rPr>
-              <a:t>Explication de comment le tableau facilite le suivi et la coordination de l'équipe.</a:t>
-            </a:r>
-            <a:endParaRPr b="0" lang="en-GB" sz="1300" spc="-1" strike="noStrike">
-              <a:solidFill>
-                <a:srgbClr val="000000"/>
-              </a:solidFill>
-              <a:latin typeface="Arial"/>
-            </a:endParaRPr>
-          </a:p>
-          <a:p>
-            <a:pPr>
+              <a:t>Cet manière de fonctionner présentes des avantages pour notre projet en terme de rigueur et d’adaptabilité aux besoins du client.</a:t>
+            </a:r>
+            <a:endParaRPr b="0" lang="en-GB" sz="1500" spc="-1" strike="noStrike">
+              <a:solidFill>
+                <a:srgbClr val="000000"/>
+              </a:solidFill>
+              <a:latin typeface="Arial"/>
+            </a:endParaRPr>
+          </a:p>
+          <a:p>
+            <a:pPr marL="457200" indent="0">
               <a:lnSpc>
                 <a:spcPct val="115000"/>
               </a:lnSpc>
+              <a:spcBef>
+                <a:spcPts val="1199"/>
+              </a:spcBef>
+              <a:spcAft>
+                <a:spcPts val="1199"/>
+              </a:spcAft>
+              <a:buNone/>
               <a:tabLst>
                 <a:tab algn="l" pos="0"/>
               </a:tabLst>
             </a:pPr>
-            <a:endParaRPr b="0" lang="en-GB" sz="1200" spc="-1" strike="noStrike">
-              <a:solidFill>
-                <a:srgbClr val="000000"/>
-              </a:solidFill>
-              <a:latin typeface="Arial"/>
-            </a:endParaRPr>
-          </a:p>
-          <a:p>
-            <a:pPr>
-              <a:lnSpc>
-                <a:spcPct val="100000"/>
-              </a:lnSpc>
-              <a:spcBef>
-                <a:spcPts val="1199"/>
-              </a:spcBef>
-              <a:tabLst>
-                <a:tab algn="l" pos="0"/>
-              </a:tabLst>
-            </a:pPr>
-            <a:endParaRPr b="0" lang="en-GB" sz="1400" spc="-1" strike="noStrike">
+            <a:endParaRPr b="0" lang="en-GB" sz="1800" spc="-1" strike="noStrike">
               <a:solidFill>
                 <a:srgbClr val="000000"/>
               </a:solidFill>
@@ -10030,7 +9741,7 @@
       </p:sp>
       <p:sp>
         <p:nvSpPr>
-          <p:cNvPr id="79" name="Google Shape;95;p18"/>
+          <p:cNvPr id="72" name="Google Shape;86;p17"/>
           <p:cNvSpPr/>
           <p:nvPr/>
         </p:nvSpPr>
@@ -10082,7 +9793,602 @@
       </p:sp>
       <p:pic>
         <p:nvPicPr>
-          <p:cNvPr id="80" name="Google Shape;96;p18" descr=""/>
+          <p:cNvPr id="73" name="Google Shape;87;p17" descr=""/>
+          <p:cNvPicPr/>
+          <p:nvPr/>
+        </p:nvPicPr>
+        <p:blipFill>
+          <a:blip r:embed="rId1"/>
+          <a:stretch/>
+        </p:blipFill>
+        <p:spPr>
+          <a:xfrm>
+            <a:off x="4677480" y="1820160"/>
+            <a:ext cx="4156920" cy="2079360"/>
+          </a:xfrm>
+          <a:prstGeom prst="rect">
+            <a:avLst/>
+          </a:prstGeom>
+          <a:ln w="0">
+            <a:noFill/>
+          </a:ln>
+        </p:spPr>
+      </p:pic>
+      <p:pic>
+        <p:nvPicPr>
+          <p:cNvPr id="74" name="" descr=""/>
+          <p:cNvPicPr/>
+          <p:nvPr/>
+        </p:nvPicPr>
+        <p:blipFill>
+          <a:blip r:embed="rId2"/>
+          <a:stretch/>
+        </p:blipFill>
+        <p:spPr>
+          <a:xfrm>
+            <a:off x="4686840" y="1410480"/>
+            <a:ext cx="3772440" cy="2899080"/>
+          </a:xfrm>
+          <a:prstGeom prst="rect">
+            <a:avLst/>
+          </a:prstGeom>
+          <a:ln w="0">
+            <a:noFill/>
+          </a:ln>
+        </p:spPr>
+      </p:pic>
+    </p:spTree>
+  </p:cSld>
+  <mc:AlternateContent>
+    <mc:Choice Requires="p14">
+      <p:transition spd="slow" p14:dur="2000"/>
+    </mc:Choice>
+    <mc:Fallback>
+      <p:transition spd="slow"/>
+    </mc:Fallback>
+  </mc:AlternateContent>
+</p:sld>
+</file>
+
+<file path=ppt/slides/slide7.xml><?xml version="1.0" encoding="utf-8"?>
+<p:sld xmlns:a="http://schemas.openxmlformats.org/drawingml/2006/main" xmlns:p="http://schemas.openxmlformats.org/presentationml/2006/main" xmlns:r="http://schemas.openxmlformats.org/officeDocument/2006/relationships" xmlns:p14="http://schemas.microsoft.com/office/powerpoint/2010/main" xmlns:p15="http://schemas.microsoft.com/office/powerpoint/2012/main" xmlns:mc="http://schemas.openxmlformats.org/markup-compatibility/2006">
+  <p:cSld>
+    <p:spTree>
+      <p:nvGrpSpPr>
+        <p:cNvPr id="1" name=""/>
+        <p:cNvGrpSpPr/>
+        <p:nvPr/>
+      </p:nvGrpSpPr>
+      <p:grpSpPr>
+        <a:xfrm>
+          <a:off x="0" y="0"/>
+          <a:ext cx="0" cy="0"/>
+          <a:chOff x="0" y="0"/>
+          <a:chExt cx="0" cy="0"/>
+        </a:xfrm>
+      </p:grpSpPr>
+      <p:pic>
+        <p:nvPicPr>
+          <p:cNvPr id="75" name="" descr=""/>
+          <p:cNvPicPr/>
+          <p:nvPr/>
+        </p:nvPicPr>
+        <p:blipFill>
+          <a:blip r:embed="rId1"/>
+          <a:stretch/>
+        </p:blipFill>
+        <p:spPr>
+          <a:xfrm>
+            <a:off x="311040" y="2021760"/>
+            <a:ext cx="4156920" cy="1675080"/>
+          </a:xfrm>
+          <a:prstGeom prst="rect">
+            <a:avLst/>
+          </a:prstGeom>
+          <a:ln w="0">
+            <a:noFill/>
+          </a:ln>
+        </p:spPr>
+      </p:pic>
+      <p:sp>
+        <p:nvSpPr>
+          <p:cNvPr id="76" name="PlaceHolder 1"/>
+          <p:cNvSpPr>
+            <a:spLocks noGrp="1"/>
+          </p:cNvSpPr>
+          <p:nvPr>
+            <p:ph type="title"/>
+          </p:nvPr>
+        </p:nvSpPr>
+        <p:spPr>
+          <a:xfrm>
+            <a:off x="311760" y="444960"/>
+            <a:ext cx="8519400" cy="571680"/>
+          </a:xfrm>
+          <a:prstGeom prst="rect">
+            <a:avLst/>
+          </a:prstGeom>
+          <a:noFill/>
+          <a:ln w="0">
+            <a:noFill/>
+          </a:ln>
+        </p:spPr>
+        <p:txBody>
+          <a:bodyPr lIns="0" rIns="0" tIns="0" bIns="0" anchor="ctr">
+            <a:noAutofit/>
+          </a:bodyPr>
+          <a:p>
+            <a:pPr indent="0">
+              <a:lnSpc>
+                <a:spcPct val="115000"/>
+              </a:lnSpc>
+              <a:spcAft>
+                <a:spcPts val="1199"/>
+              </a:spcAft>
+              <a:buNone/>
+              <a:tabLst>
+                <a:tab algn="l" pos="0"/>
+              </a:tabLst>
+            </a:pPr>
+            <a:r>
+              <a:rPr b="0" lang="fr" sz="2000" spc="-1" strike="noStrike">
+                <a:solidFill>
+                  <a:schemeClr val="dk1"/>
+                </a:solidFill>
+                <a:latin typeface="Montserrat"/>
+                <a:ea typeface="Montserrat"/>
+              </a:rPr>
+              <a:t>Méthodologie utilisée</a:t>
+            </a:r>
+            <a:endParaRPr b="0" lang="en-GB" sz="2000" spc="-1" strike="noStrike">
+              <a:solidFill>
+                <a:srgbClr val="000000"/>
+              </a:solidFill>
+              <a:latin typeface="Arial"/>
+            </a:endParaRPr>
+          </a:p>
+        </p:txBody>
+      </p:sp>
+      <p:sp>
+        <p:nvSpPr>
+          <p:cNvPr id="77" name="PlaceHolder 2"/>
+          <p:cNvSpPr>
+            <a:spLocks noGrp="1"/>
+          </p:cNvSpPr>
+          <p:nvPr>
+            <p:ph/>
+          </p:nvPr>
+        </p:nvSpPr>
+        <p:spPr>
+          <a:xfrm>
+            <a:off x="4677840" y="1152360"/>
+            <a:ext cx="4156920" cy="3415320"/>
+          </a:xfrm>
+          <a:prstGeom prst="rect">
+            <a:avLst/>
+          </a:prstGeom>
+          <a:noFill/>
+          <a:ln w="0">
+            <a:noFill/>
+          </a:ln>
+        </p:spPr>
+        <p:txBody>
+          <a:bodyPr lIns="0" rIns="0" tIns="0" bIns="0" anchor="t">
+            <a:normAutofit/>
+          </a:bodyPr>
+          <a:p>
+            <a:pPr marL="432000" indent="0">
+              <a:lnSpc>
+                <a:spcPct val="100000"/>
+              </a:lnSpc>
+              <a:spcBef>
+                <a:spcPts val="1417"/>
+              </a:spcBef>
+              <a:buNone/>
+              <a:tabLst>
+                <a:tab algn="l" pos="0"/>
+              </a:tabLst>
+            </a:pPr>
+            <a:endParaRPr b="0" lang="en-GB" sz="1300" spc="-1" strike="noStrike">
+              <a:solidFill>
+                <a:srgbClr val="000000"/>
+              </a:solidFill>
+              <a:latin typeface="Arial"/>
+            </a:endParaRPr>
+          </a:p>
+          <a:p>
+            <a:pPr marL="432000" indent="-324000">
+              <a:lnSpc>
+                <a:spcPct val="100000"/>
+              </a:lnSpc>
+              <a:spcBef>
+                <a:spcPts val="1417"/>
+              </a:spcBef>
+              <a:buClr>
+                <a:srgbClr val="000000"/>
+              </a:buClr>
+              <a:buSzPct val="45000"/>
+              <a:buFont typeface="Wingdings" charset="2"/>
+              <a:buChar char=""/>
+              <a:tabLst>
+                <a:tab algn="l" pos="0"/>
+              </a:tabLst>
+            </a:pPr>
+            <a:r>
+              <a:rPr b="0" lang="en-GB" sz="1500" spc="-1" strike="noStrike">
+                <a:solidFill>
+                  <a:srgbClr val="000000"/>
+                </a:solidFill>
+                <a:latin typeface="Montserrat"/>
+              </a:rPr>
+              <a:t>La méthode scrum permet de fixer une échéance pour chaque mission.</a:t>
+            </a:r>
+            <a:endParaRPr b="0" lang="en-GB" sz="1500" spc="-1" strike="noStrike">
+              <a:solidFill>
+                <a:srgbClr val="000000"/>
+              </a:solidFill>
+              <a:latin typeface="Arial"/>
+            </a:endParaRPr>
+          </a:p>
+          <a:p>
+            <a:pPr marL="432000" indent="-324000">
+              <a:lnSpc>
+                <a:spcPct val="100000"/>
+              </a:lnSpc>
+              <a:spcBef>
+                <a:spcPts val="1417"/>
+              </a:spcBef>
+              <a:buClr>
+                <a:srgbClr val="000000"/>
+              </a:buClr>
+              <a:buSzPct val="45000"/>
+              <a:buFont typeface="Wingdings" charset="2"/>
+              <a:buChar char=""/>
+              <a:tabLst>
+                <a:tab algn="l" pos="0"/>
+              </a:tabLst>
+            </a:pPr>
+            <a:r>
+              <a:rPr b="0" lang="en-GB" sz="1500" spc="-1" strike="noStrike">
+                <a:solidFill>
+                  <a:srgbClr val="000000"/>
+                </a:solidFill>
+                <a:latin typeface="Montserrat"/>
+              </a:rPr>
+              <a:t>Le travail est divisé en sprint.</a:t>
+            </a:r>
+            <a:endParaRPr b="0" lang="en-GB" sz="1500" spc="-1" strike="noStrike">
+              <a:solidFill>
+                <a:srgbClr val="000000"/>
+              </a:solidFill>
+              <a:latin typeface="Arial"/>
+            </a:endParaRPr>
+          </a:p>
+          <a:p>
+            <a:pPr marL="432000" indent="0">
+              <a:lnSpc>
+                <a:spcPct val="100000"/>
+              </a:lnSpc>
+              <a:spcBef>
+                <a:spcPts val="1417"/>
+              </a:spcBef>
+              <a:buNone/>
+              <a:tabLst>
+                <a:tab algn="l" pos="0"/>
+              </a:tabLst>
+            </a:pPr>
+            <a:endParaRPr b="0" lang="en-GB" sz="1300" spc="-1" strike="noStrike">
+              <a:solidFill>
+                <a:srgbClr val="000000"/>
+              </a:solidFill>
+              <a:latin typeface="Arial"/>
+            </a:endParaRPr>
+          </a:p>
+        </p:txBody>
+      </p:sp>
+    </p:spTree>
+  </p:cSld>
+  <mc:AlternateContent>
+    <mc:Choice Requires="p14">
+      <p:transition spd="slow" p14:dur="2000"/>
+    </mc:Choice>
+    <mc:Fallback>
+      <p:transition spd="slow"/>
+    </mc:Fallback>
+  </mc:AlternateContent>
+</p:sld>
+</file>
+
+<file path=ppt/slides/slide8.xml><?xml version="1.0" encoding="utf-8"?>
+<p:sld xmlns:a="http://schemas.openxmlformats.org/drawingml/2006/main" xmlns:p="http://schemas.openxmlformats.org/presentationml/2006/main" xmlns:r="http://schemas.openxmlformats.org/officeDocument/2006/relationships" xmlns:p14="http://schemas.microsoft.com/office/powerpoint/2010/main" xmlns:p15="http://schemas.microsoft.com/office/powerpoint/2012/main" xmlns:mc="http://schemas.openxmlformats.org/markup-compatibility/2006">
+  <p:cSld>
+    <p:spTree>
+      <p:nvGrpSpPr>
+        <p:cNvPr id="1" name=""/>
+        <p:cNvGrpSpPr/>
+        <p:nvPr/>
+      </p:nvGrpSpPr>
+      <p:grpSpPr>
+        <a:xfrm>
+          <a:off x="0" y="0"/>
+          <a:ext cx="0" cy="0"/>
+          <a:chOff x="0" y="0"/>
+          <a:chExt cx="0" cy="0"/>
+        </a:xfrm>
+      </p:grpSpPr>
+      <p:sp>
+        <p:nvSpPr>
+          <p:cNvPr id="78" name="PlaceHolder 1"/>
+          <p:cNvSpPr>
+            <a:spLocks noGrp="1"/>
+          </p:cNvSpPr>
+          <p:nvPr>
+            <p:ph type="title"/>
+          </p:nvPr>
+        </p:nvSpPr>
+        <p:spPr>
+          <a:xfrm>
+            <a:off x="311760" y="444960"/>
+            <a:ext cx="8519400" cy="571680"/>
+          </a:xfrm>
+          <a:prstGeom prst="rect">
+            <a:avLst/>
+          </a:prstGeom>
+          <a:noFill/>
+          <a:ln w="0">
+            <a:noFill/>
+          </a:ln>
+        </p:spPr>
+        <p:txBody>
+          <a:bodyPr lIns="91440" rIns="91440" tIns="91440" bIns="91440" anchor="t">
+            <a:normAutofit/>
+          </a:bodyPr>
+          <a:p>
+            <a:pPr indent="0">
+              <a:lnSpc>
+                <a:spcPct val="115000"/>
+              </a:lnSpc>
+              <a:spcAft>
+                <a:spcPts val="1199"/>
+              </a:spcAft>
+              <a:buNone/>
+              <a:tabLst>
+                <a:tab algn="l" pos="0"/>
+              </a:tabLst>
+            </a:pPr>
+            <a:r>
+              <a:rPr b="0" lang="fr" sz="2000" spc="-1" strike="noStrike">
+                <a:solidFill>
+                  <a:schemeClr val="dk1"/>
+                </a:solidFill>
+                <a:latin typeface="Montserrat"/>
+                <a:ea typeface="Montserrat"/>
+              </a:rPr>
+              <a:t>Suivi du projet avec le Kanban</a:t>
+            </a:r>
+            <a:endParaRPr b="0" lang="en-GB" sz="2000" spc="-1" strike="noStrike">
+              <a:solidFill>
+                <a:srgbClr val="000000"/>
+              </a:solidFill>
+              <a:latin typeface="Arial"/>
+            </a:endParaRPr>
+          </a:p>
+        </p:txBody>
+      </p:sp>
+      <p:sp>
+        <p:nvSpPr>
+          <p:cNvPr id="79" name="Google Shape;94;p18"/>
+          <p:cNvSpPr/>
+          <p:nvPr/>
+        </p:nvSpPr>
+        <p:spPr>
+          <a:xfrm>
+            <a:off x="360000" y="1080000"/>
+            <a:ext cx="8394480" cy="2245320"/>
+          </a:xfrm>
+          <a:prstGeom prst="rect">
+            <a:avLst/>
+          </a:prstGeom>
+          <a:noFill/>
+          <a:ln w="0">
+            <a:noFill/>
+          </a:ln>
+        </p:spPr>
+        <p:style>
+          <a:lnRef idx="0"/>
+          <a:fillRef idx="0"/>
+          <a:effectRef idx="0"/>
+          <a:fontRef idx="minor"/>
+        </p:style>
+        <p:txBody>
+          <a:bodyPr lIns="90000" rIns="90000" tIns="91440" bIns="91440" anchor="t">
+            <a:spAutoFit/>
+          </a:bodyPr>
+          <a:p>
+            <a:pPr marL="457200" indent="-324000">
+              <a:lnSpc>
+                <a:spcPct val="150000"/>
+              </a:lnSpc>
+              <a:buClr>
+                <a:srgbClr val="0d0d0d"/>
+              </a:buClr>
+              <a:buFont typeface="Montserrat"/>
+              <a:buChar char="●"/>
+            </a:pPr>
+            <a:r>
+              <a:rPr b="0" lang="fr" sz="1300" spc="-1" strike="noStrike">
+                <a:solidFill>
+                  <a:srgbClr val="0d0d0d"/>
+                </a:solidFill>
+                <a:highlight>
+                  <a:srgbClr val="ffffff"/>
+                </a:highlight>
+                <a:latin typeface="Montserrat"/>
+                <a:ea typeface="Montserrat"/>
+              </a:rPr>
+              <a:t>Chaque éléments dans notre kanban dispose d’une user story pour expliquer le but que nous recherchons. Il y a en dessous du user story, les détails qui donnent plus d’informations sur ce que nous pourrons faire.</a:t>
+            </a:r>
+            <a:endParaRPr b="0" lang="en-GB" sz="1300" spc="-1" strike="noStrike">
+              <a:solidFill>
+                <a:srgbClr val="000000"/>
+              </a:solidFill>
+              <a:latin typeface="Arial"/>
+            </a:endParaRPr>
+          </a:p>
+          <a:p>
+            <a:pPr marL="457200" indent="-324000">
+              <a:lnSpc>
+                <a:spcPct val="150000"/>
+              </a:lnSpc>
+              <a:buClr>
+                <a:srgbClr val="0d0d0d"/>
+              </a:buClr>
+              <a:buFont typeface="Montserrat"/>
+              <a:buChar char="●"/>
+            </a:pPr>
+            <a:r>
+              <a:rPr b="0" lang="fr" sz="1300" spc="-1" strike="noStrike">
+                <a:solidFill>
+                  <a:srgbClr val="0d0d0d"/>
+                </a:solidFill>
+                <a:highlight>
+                  <a:srgbClr val="ffffff"/>
+                </a:highlight>
+                <a:latin typeface="Montserrat"/>
+                <a:ea typeface="Montserrat"/>
+              </a:rPr>
+              <a:t>Facilite les avancées dans le travail.</a:t>
+            </a:r>
+            <a:endParaRPr b="0" lang="en-GB" sz="1300" spc="-1" strike="noStrike">
+              <a:solidFill>
+                <a:srgbClr val="000000"/>
+              </a:solidFill>
+              <a:latin typeface="Arial"/>
+            </a:endParaRPr>
+          </a:p>
+          <a:p>
+            <a:pPr marL="457200" indent="-324000">
+              <a:lnSpc>
+                <a:spcPct val="150000"/>
+              </a:lnSpc>
+              <a:buClr>
+                <a:srgbClr val="0d0d0d"/>
+              </a:buClr>
+              <a:buFont typeface="Montserrat"/>
+              <a:buChar char="●"/>
+            </a:pPr>
+            <a:r>
+              <a:rPr b="0" lang="fr" sz="1300" spc="-1" strike="noStrike">
+                <a:solidFill>
+                  <a:srgbClr val="0d0d0d"/>
+                </a:solidFill>
+                <a:highlight>
+                  <a:srgbClr val="ffffff"/>
+                </a:highlight>
+                <a:latin typeface="Montserrat"/>
+                <a:ea typeface="Montserrat"/>
+              </a:rPr>
+              <a:t>Explication de comment le tableau facilite le suivi et la coordination de l'équipe.</a:t>
+            </a:r>
+            <a:endParaRPr b="0" lang="en-GB" sz="1300" spc="-1" strike="noStrike">
+              <a:solidFill>
+                <a:srgbClr val="000000"/>
+              </a:solidFill>
+              <a:latin typeface="Arial"/>
+            </a:endParaRPr>
+          </a:p>
+          <a:p>
+            <a:pPr>
+              <a:lnSpc>
+                <a:spcPct val="115000"/>
+              </a:lnSpc>
+              <a:tabLst>
+                <a:tab algn="l" pos="0"/>
+              </a:tabLst>
+            </a:pPr>
+            <a:endParaRPr b="0" lang="en-GB" sz="1200" spc="-1" strike="noStrike">
+              <a:solidFill>
+                <a:srgbClr val="000000"/>
+              </a:solidFill>
+              <a:latin typeface="Arial"/>
+            </a:endParaRPr>
+          </a:p>
+          <a:p>
+            <a:pPr>
+              <a:lnSpc>
+                <a:spcPct val="100000"/>
+              </a:lnSpc>
+              <a:spcBef>
+                <a:spcPts val="1199"/>
+              </a:spcBef>
+              <a:tabLst>
+                <a:tab algn="l" pos="0"/>
+              </a:tabLst>
+            </a:pPr>
+            <a:endParaRPr b="0" lang="en-GB" sz="1400" spc="-1" strike="noStrike">
+              <a:solidFill>
+                <a:srgbClr val="000000"/>
+              </a:solidFill>
+              <a:latin typeface="Arial"/>
+            </a:endParaRPr>
+          </a:p>
+        </p:txBody>
+      </p:sp>
+      <p:sp>
+        <p:nvSpPr>
+          <p:cNvPr id="80" name="Google Shape;95;p18"/>
+          <p:cNvSpPr/>
+          <p:nvPr/>
+        </p:nvSpPr>
+        <p:spPr>
+          <a:xfrm>
+            <a:off x="-4680" y="0"/>
+            <a:ext cx="9152640" cy="238680"/>
+          </a:xfrm>
+          <a:prstGeom prst="rect">
+            <a:avLst/>
+          </a:prstGeom>
+          <a:solidFill>
+            <a:srgbClr val="fce5cd"/>
+          </a:solidFill>
+          <a:ln w="9525">
+            <a:solidFill>
+              <a:srgbClr val="f7edde"/>
+            </a:solidFill>
+            <a:round/>
+          </a:ln>
+        </p:spPr>
+        <p:style>
+          <a:lnRef idx="0"/>
+          <a:fillRef idx="0"/>
+          <a:effectRef idx="0"/>
+          <a:fontRef idx="minor"/>
+        </p:style>
+        <p:txBody>
+          <a:bodyPr lIns="90000" rIns="90000" tIns="91440" bIns="91440" anchor="ctr">
+            <a:noAutofit/>
+          </a:bodyPr>
+          <a:p>
+            <a:pPr algn="ctr">
+              <a:lnSpc>
+                <a:spcPct val="100000"/>
+              </a:lnSpc>
+              <a:tabLst>
+                <a:tab algn="l" pos="0"/>
+              </a:tabLst>
+            </a:pPr>
+            <a:endParaRPr b="0" lang="en-GB" sz="1400" spc="-1" strike="noStrike">
+              <a:solidFill>
+                <a:srgbClr val="000000"/>
+              </a:solidFill>
+              <a:latin typeface="Arial"/>
+            </a:endParaRPr>
+          </a:p>
+        </p:txBody>
+      </p:sp>
+      <p:pic>
+        <p:nvPicPr>
+          <p:cNvPr id="81" name="Google Shape;96;p18" descr=""/>
           <p:cNvPicPr/>
           <p:nvPr/>
         </p:nvPicPr>
@@ -10105,7 +10411,7 @@
       </p:pic>
       <p:pic>
         <p:nvPicPr>
-          <p:cNvPr id="81" name="" descr=""/>
+          <p:cNvPr id="82" name="" descr=""/>
           <p:cNvPicPr/>
           <p:nvPr/>
         </p:nvPicPr>
@@ -10139,7 +10445,7 @@
 </p:sld>
 </file>
 
-<file path=ppt/slides/slide8.xml><?xml version="1.0" encoding="utf-8"?>
+<file path=ppt/slides/slide9.xml><?xml version="1.0" encoding="utf-8"?>
 <p:sld xmlns:a="http://schemas.openxmlformats.org/drawingml/2006/main" xmlns:p="http://schemas.openxmlformats.org/presentationml/2006/main" xmlns:r="http://schemas.openxmlformats.org/officeDocument/2006/relationships" xmlns:p14="http://schemas.microsoft.com/office/powerpoint/2010/main" xmlns:p15="http://schemas.microsoft.com/office/powerpoint/2012/main" xmlns:mc="http://schemas.openxmlformats.org/markup-compatibility/2006">
   <p:cSld>
     <p:spTree>
@@ -10158,7 +10464,7 @@
       </p:grpSpPr>
       <p:sp>
         <p:nvSpPr>
-          <p:cNvPr id="82" name="PlaceHolder 1"/>
+          <p:cNvPr id="83" name="PlaceHolder 1"/>
           <p:cNvSpPr>
             <a:spLocks noGrp="1"/>
           </p:cNvSpPr>
@@ -10213,7 +10519,7 @@
       </p:sp>
       <p:pic>
         <p:nvPicPr>
-          <p:cNvPr id="83" name="" descr=""/>
+          <p:cNvPr id="84" name="" descr=""/>
           <p:cNvPicPr/>
           <p:nvPr/>
         </p:nvPicPr>
@@ -10236,7 +10542,7 @@
       </p:pic>
       <p:sp>
         <p:nvSpPr>
-          <p:cNvPr id="84" name="PlaceHolder 2"/>
+          <p:cNvPr id="85" name="PlaceHolder 2"/>
           <p:cNvSpPr>
             <a:spLocks noGrp="1"/>
           </p:cNvSpPr>
@@ -10356,215 +10662,6 @@
           </a:p>
         </p:txBody>
       </p:sp>
-    </p:spTree>
-  </p:cSld>
-  <mc:AlternateContent>
-    <mc:Choice Requires="p14">
-      <p:transition spd="slow" p14:dur="2000"/>
-    </mc:Choice>
-    <mc:Fallback>
-      <p:transition spd="slow"/>
-    </mc:Fallback>
-  </mc:AlternateContent>
-</p:sld>
-</file>
-
-<file path=ppt/slides/slide9.xml><?xml version="1.0" encoding="utf-8"?>
-<p:sld xmlns:a="http://schemas.openxmlformats.org/drawingml/2006/main" xmlns:p="http://schemas.openxmlformats.org/presentationml/2006/main" xmlns:r="http://schemas.openxmlformats.org/officeDocument/2006/relationships" xmlns:p14="http://schemas.microsoft.com/office/powerpoint/2010/main" xmlns:p15="http://schemas.microsoft.com/office/powerpoint/2012/main" xmlns:mc="http://schemas.openxmlformats.org/markup-compatibility/2006">
-  <p:cSld>
-    <p:spTree>
-      <p:nvGrpSpPr>
-        <p:cNvPr id="1" name=""/>
-        <p:cNvGrpSpPr/>
-        <p:nvPr/>
-      </p:nvGrpSpPr>
-      <p:grpSpPr>
-        <a:xfrm>
-          <a:off x="0" y="0"/>
-          <a:ext cx="0" cy="0"/>
-          <a:chOff x="0" y="0"/>
-          <a:chExt cx="0" cy="0"/>
-        </a:xfrm>
-      </p:grpSpPr>
-      <p:sp>
-        <p:nvSpPr>
-          <p:cNvPr id="85" name="PlaceHolder 1"/>
-          <p:cNvSpPr>
-            <a:spLocks noGrp="1"/>
-          </p:cNvSpPr>
-          <p:nvPr>
-            <p:ph type="title"/>
-          </p:nvPr>
-        </p:nvSpPr>
-        <p:spPr>
-          <a:xfrm>
-            <a:off x="311760" y="444960"/>
-            <a:ext cx="8519400" cy="571680"/>
-          </a:xfrm>
-          <a:prstGeom prst="rect">
-            <a:avLst/>
-          </a:prstGeom>
-          <a:noFill/>
-          <a:ln w="0">
-            <a:noFill/>
-          </a:ln>
-        </p:spPr>
-        <p:txBody>
-          <a:bodyPr lIns="0" rIns="0" tIns="0" bIns="0" anchor="ctr">
-            <a:noAutofit/>
-          </a:bodyPr>
-          <a:p>
-            <a:pPr indent="0">
-              <a:lnSpc>
-                <a:spcPct val="100000"/>
-              </a:lnSpc>
-              <a:buNone/>
-              <a:tabLst>
-                <a:tab algn="l" pos="0"/>
-              </a:tabLst>
-            </a:pPr>
-            <a:r>
-              <a:rPr b="0" lang="en-GB" sz="2000" spc="-1" strike="noStrike">
-                <a:solidFill>
-                  <a:srgbClr val="000000"/>
-                </a:solidFill>
-                <a:latin typeface="Montserrat"/>
-              </a:rPr>
-              <a:t>Suivi du projet avec le kanban</a:t>
-            </a:r>
-            <a:endParaRPr b="0" lang="en-GB" sz="2000" spc="-1" strike="noStrike">
-              <a:solidFill>
-                <a:srgbClr val="000000"/>
-              </a:solidFill>
-              <a:latin typeface="Arial"/>
-            </a:endParaRPr>
-          </a:p>
-        </p:txBody>
-      </p:sp>
-      <p:sp>
-        <p:nvSpPr>
-          <p:cNvPr id="86" name="PlaceHolder 2"/>
-          <p:cNvSpPr>
-            <a:spLocks noGrp="1"/>
-          </p:cNvSpPr>
-          <p:nvPr>
-            <p:ph/>
-          </p:nvPr>
-        </p:nvSpPr>
-        <p:spPr>
-          <a:xfrm>
-            <a:off x="311760" y="1152360"/>
-            <a:ext cx="4156920" cy="3415320"/>
-          </a:xfrm>
-          <a:prstGeom prst="rect">
-            <a:avLst/>
-          </a:prstGeom>
-          <a:noFill/>
-          <a:ln w="0">
-            <a:noFill/>
-          </a:ln>
-        </p:spPr>
-        <p:txBody>
-          <a:bodyPr lIns="0" rIns="0" tIns="0" bIns="0" anchor="t">
-            <a:normAutofit/>
-          </a:bodyPr>
-          <a:p>
-            <a:pPr indent="0">
-              <a:spcBef>
-                <a:spcPts val="1417"/>
-              </a:spcBef>
-              <a:buNone/>
-            </a:pPr>
-            <a:endParaRPr b="0" lang="en-GB" sz="1800" spc="-1" strike="noStrike">
-              <a:solidFill>
-                <a:srgbClr val="000000"/>
-              </a:solidFill>
-              <a:latin typeface="Arial"/>
-            </a:endParaRPr>
-          </a:p>
-        </p:txBody>
-      </p:sp>
-      <p:sp>
-        <p:nvSpPr>
-          <p:cNvPr id="87" name="PlaceHolder 3"/>
-          <p:cNvSpPr>
-            <a:spLocks noGrp="1"/>
-          </p:cNvSpPr>
-          <p:nvPr>
-            <p:ph/>
-          </p:nvPr>
-        </p:nvSpPr>
-        <p:spPr>
-          <a:xfrm>
-            <a:off x="4677840" y="1152360"/>
-            <a:ext cx="4156920" cy="3415320"/>
-          </a:xfrm>
-          <a:prstGeom prst="rect">
-            <a:avLst/>
-          </a:prstGeom>
-          <a:noFill/>
-          <a:ln w="0">
-            <a:noFill/>
-          </a:ln>
-        </p:spPr>
-        <p:txBody>
-          <a:bodyPr lIns="0" rIns="0" tIns="0" bIns="0" anchor="t">
-            <a:normAutofit/>
-          </a:bodyPr>
-          <a:p>
-            <a:pPr marL="432000" indent="0">
-              <a:lnSpc>
-                <a:spcPct val="100000"/>
-              </a:lnSpc>
-              <a:spcBef>
-                <a:spcPts val="1417"/>
-              </a:spcBef>
-              <a:buNone/>
-              <a:tabLst>
-                <a:tab algn="l" pos="0"/>
-              </a:tabLst>
-            </a:pPr>
-            <a:r>
-              <a:rPr b="0" lang="en-GB" sz="1400" spc="-1" strike="noStrike">
-                <a:solidFill>
-                  <a:srgbClr val="000000"/>
-                </a:solidFill>
-                <a:latin typeface="Arial"/>
-              </a:rPr>
-              <a:t> </a:t>
-            </a:r>
-            <a:endParaRPr b="0" lang="en-GB" sz="1400" spc="-1" strike="noStrike">
-              <a:solidFill>
-                <a:srgbClr val="000000"/>
-              </a:solidFill>
-              <a:latin typeface="Arial"/>
-            </a:endParaRPr>
-          </a:p>
-        </p:txBody>
-      </p:sp>
-      <p:pic>
-        <p:nvPicPr>
-          <p:cNvPr id="88" name="" descr=""/>
-          <p:cNvPicPr/>
-          <p:nvPr/>
-        </p:nvPicPr>
-        <p:blipFill>
-          <a:blip r:embed="rId1"/>
-          <a:stretch/>
-        </p:blipFill>
-        <p:spPr>
-          <a:xfrm>
-            <a:off x="720000" y="1320840"/>
-            <a:ext cx="3355920" cy="3178440"/>
-          </a:xfrm>
-          <a:prstGeom prst="rect">
-            <a:avLst/>
-          </a:prstGeom>
-          <a:ln w="0">
-            <a:noFill/>
-          </a:ln>
-        </p:spPr>
-      </p:pic>
     </p:spTree>
   </p:cSld>
   <mc:AlternateContent>
